--- a/AJP Slides/AJP - Unit 2 - JDBC.pptx
+++ b/AJP Slides/AJP - Unit 2 - JDBC.pptx
@@ -221,7 +221,7 @@
   </p:defaultTextStyle>
   <p:extLst>
     <p:ext uri="{EFAFB233-063F-42B5-8137-9DF3F51BA10A}">
-      <p15:sldGuideLst xmlns:p15="http://schemas.microsoft.com/office/powerpoint/2012/main" xmlns="">
+      <p15:sldGuideLst xmlns="" xmlns:p15="http://schemas.microsoft.com/office/powerpoint/2012/main">
         <p15:guide id="1" orient="horz" pos="2160">
           <p15:clr>
             <a:srgbClr val="A4A3A4"/>
@@ -235,7 +235,7 @@
       </p15:sldGuideLst>
     </p:ext>
     <p:ext uri="{2D200454-40CA-4A62-9FC3-DE9A4176ACB9}">
-      <p15:notesGuideLst xmlns:p15="http://schemas.microsoft.com/office/powerpoint/2012/main" xmlns=""/>
+      <p15:notesGuideLst xmlns="" xmlns:p15="http://schemas.microsoft.com/office/powerpoint/2012/main"/>
     </p:ext>
   </p:extLst>
 </p:presentation>
@@ -323,7 +323,7 @@
           <a:p>
             <a:fld id="{EBCDB223-1744-4BBC-9844-9773C6B7C09F}" type="datetimeFigureOut">
               <a:rPr lang="en-IN" smtClean="0"/>
-              <a:t>23-07-2022</a:t>
+              <a:t>26-07-2022</a:t>
             </a:fld>
             <a:endParaRPr lang="en-IN"/>
           </a:p>
@@ -488,7 +488,7 @@
           <a:p>
             <a:fld id="{EA89CDE9-15B3-4418-B829-6A0B102FE7D6}" type="datetimeFigureOut">
               <a:rPr lang="en-IN" smtClean="0"/>
-              <a:t>23-07-2022</a:t>
+              <a:t>26-07-2022</a:t>
             </a:fld>
             <a:endParaRPr lang="en-IN"/>
           </a:p>
@@ -987,10 +987,9 @@
           <a:bodyPr/>
           <a:lstStyle/>
           <a:p>
-            <a:fld id="{FB6E4831-481F-4AF1-9D8E-170CD6E1C3F5}" type="datetimeFigureOut">
+            <a:fld id="{E906B210-3390-405F-BB21-1086F4989AE1}" type="datetime1">
               <a:rPr lang="en-IN" smtClean="0"/>
-              <a:pPr/>
-              <a:t>23-07-2022</a:t>
+              <a:t>26-07-2022</a:t>
             </a:fld>
             <a:endParaRPr lang="en-IN"/>
           </a:p>
@@ -1162,10 +1161,9 @@
           <a:bodyPr/>
           <a:lstStyle/>
           <a:p>
-            <a:fld id="{FB6E4831-481F-4AF1-9D8E-170CD6E1C3F5}" type="datetimeFigureOut">
+            <a:fld id="{801F5B72-9ACB-43BB-83D9-FC27C4C8081B}" type="datetime1">
               <a:rPr lang="en-IN" smtClean="0"/>
-              <a:pPr/>
-              <a:t>23-07-2022</a:t>
+              <a:t>26-07-2022</a:t>
             </a:fld>
             <a:endParaRPr lang="en-IN"/>
           </a:p>
@@ -1344,10 +1342,9 @@
           <a:bodyPr/>
           <a:lstStyle/>
           <a:p>
-            <a:fld id="{FB6E4831-481F-4AF1-9D8E-170CD6E1C3F5}" type="datetimeFigureOut">
+            <a:fld id="{CC2102C9-A4D6-4390-931A-C0AEB38A5AAD}" type="datetime1">
               <a:rPr lang="en-IN" smtClean="0"/>
-              <a:pPr/>
-              <a:t>23-07-2022</a:t>
+              <a:t>26-07-2022</a:t>
             </a:fld>
             <a:endParaRPr lang="en-IN"/>
           </a:p>
@@ -1516,10 +1513,9 @@
           <a:bodyPr/>
           <a:lstStyle/>
           <a:p>
-            <a:fld id="{FB6E4831-481F-4AF1-9D8E-170CD6E1C3F5}" type="datetimeFigureOut">
+            <a:fld id="{A684614E-FEE9-493C-B950-411949F3AC4A}" type="datetime1">
               <a:rPr lang="en-IN" smtClean="0"/>
-              <a:pPr/>
-              <a:t>23-07-2022</a:t>
+              <a:t>26-07-2022</a:t>
             </a:fld>
             <a:endParaRPr lang="en-IN"/>
           </a:p>
@@ -1776,10 +1772,9 @@
           <a:bodyPr/>
           <a:lstStyle/>
           <a:p>
-            <a:fld id="{FB6E4831-481F-4AF1-9D8E-170CD6E1C3F5}" type="datetimeFigureOut">
+            <a:fld id="{49B90D15-328C-4768-ACDF-1344DBA813C4}" type="datetime1">
               <a:rPr lang="en-IN" smtClean="0"/>
-              <a:pPr/>
-              <a:t>23-07-2022</a:t>
+              <a:t>26-07-2022</a:t>
             </a:fld>
             <a:endParaRPr lang="en-IN"/>
           </a:p>
@@ -2069,10 +2064,9 @@
           <a:bodyPr/>
           <a:lstStyle/>
           <a:p>
-            <a:fld id="{FB6E4831-481F-4AF1-9D8E-170CD6E1C3F5}" type="datetimeFigureOut">
+            <a:fld id="{20EA72DE-C074-451D-BD6A-0F55AC69D739}" type="datetime1">
               <a:rPr lang="en-IN" smtClean="0"/>
-              <a:pPr/>
-              <a:t>23-07-2022</a:t>
+              <a:t>26-07-2022</a:t>
             </a:fld>
             <a:endParaRPr lang="en-IN"/>
           </a:p>
@@ -2516,10 +2510,9 @@
           <a:bodyPr/>
           <a:lstStyle/>
           <a:p>
-            <a:fld id="{FB6E4831-481F-4AF1-9D8E-170CD6E1C3F5}" type="datetimeFigureOut">
+            <a:fld id="{47A63560-E1C1-40AC-8B7D-BD825B22BEFF}" type="datetime1">
               <a:rPr lang="en-IN" smtClean="0"/>
-              <a:pPr/>
-              <a:t>23-07-2022</a:t>
+              <a:t>26-07-2022</a:t>
             </a:fld>
             <a:endParaRPr lang="en-IN"/>
           </a:p>
@@ -2636,10 +2629,9 @@
           <a:bodyPr/>
           <a:lstStyle/>
           <a:p>
-            <a:fld id="{FB6E4831-481F-4AF1-9D8E-170CD6E1C3F5}" type="datetimeFigureOut">
+            <a:fld id="{2CBBF14E-C334-4C7D-8138-377293B5A0E3}" type="datetime1">
               <a:rPr lang="en-IN" smtClean="0"/>
-              <a:pPr/>
-              <a:t>23-07-2022</a:t>
+              <a:t>26-07-2022</a:t>
             </a:fld>
             <a:endParaRPr lang="en-IN"/>
           </a:p>
@@ -2736,10 +2728,9 @@
           <a:bodyPr/>
           <a:lstStyle/>
           <a:p>
-            <a:fld id="{FB6E4831-481F-4AF1-9D8E-170CD6E1C3F5}" type="datetimeFigureOut">
+            <a:fld id="{164CDB3E-9F58-40C5-A154-E2FC57D6783F}" type="datetime1">
               <a:rPr lang="en-IN" smtClean="0"/>
-              <a:pPr/>
-              <a:t>23-07-2022</a:t>
+              <a:t>26-07-2022</a:t>
             </a:fld>
             <a:endParaRPr lang="en-IN"/>
           </a:p>
@@ -3029,10 +3020,9 @@
           <a:bodyPr/>
           <a:lstStyle/>
           <a:p>
-            <a:fld id="{FB6E4831-481F-4AF1-9D8E-170CD6E1C3F5}" type="datetimeFigureOut">
+            <a:fld id="{8FAD03CF-61BB-4305-BEC8-04DF2051D6AB}" type="datetime1">
               <a:rPr lang="en-IN" smtClean="0"/>
-              <a:pPr/>
-              <a:t>23-07-2022</a:t>
+              <a:t>26-07-2022</a:t>
             </a:fld>
             <a:endParaRPr lang="en-IN"/>
           </a:p>
@@ -3304,10 +3294,9 @@
           <a:bodyPr/>
           <a:lstStyle/>
           <a:p>
-            <a:fld id="{FB6E4831-481F-4AF1-9D8E-170CD6E1C3F5}" type="datetimeFigureOut">
+            <a:fld id="{BB8F3FFF-D686-49FA-A133-72293E3F533C}" type="datetime1">
               <a:rPr lang="en-IN" smtClean="0"/>
-              <a:pPr/>
-              <a:t>23-07-2022</a:t>
+              <a:t>26-07-2022</a:t>
             </a:fld>
             <a:endParaRPr lang="en-IN"/>
           </a:p>
@@ -3604,10 +3593,9 @@
             </a:lvl1pPr>
           </a:lstStyle>
           <a:p>
-            <a:fld id="{FB6E4831-481F-4AF1-9D8E-170CD6E1C3F5}" type="datetimeFigureOut">
+            <a:fld id="{90702C43-4767-4078-BF7E-2E5C06B73457}" type="datetime1">
               <a:rPr lang="en-IN" smtClean="0"/>
-              <a:pPr/>
-              <a:t>23-07-2022</a:t>
+              <a:t>26-07-2022</a:t>
             </a:fld>
             <a:endParaRPr lang="en-IN"/>
           </a:p>
@@ -3712,6 +3700,7 @@
     <p:sldLayoutId id="2147483670" r:id="rId10"/>
     <p:sldLayoutId id="2147483671" r:id="rId11"/>
   </p:sldLayoutIdLst>
+  <p:hf hdr="0" ftr="0" dt="0"/>
   <p:txStyles>
     <p:titleStyle>
       <a:lvl1pPr algn="l" defTabSz="914400" rtl="0" eaLnBrk="1" latinLnBrk="0" hangingPunct="1">
@@ -5546,6 +5535,30 @@
           </a:p>
         </p:txBody>
       </p:sp>
+      <p:sp>
+        <p:nvSpPr>
+          <p:cNvPr id="6" name="Slide Number Placeholder 5"/>
+          <p:cNvSpPr>
+            <a:spLocks noGrp="1"/>
+          </p:cNvSpPr>
+          <p:nvPr>
+            <p:ph type="sldNum" sz="quarter" idx="12"/>
+          </p:nvPr>
+        </p:nvSpPr>
+        <p:spPr/>
+        <p:txBody>
+          <a:bodyPr/>
+          <a:lstStyle/>
+          <a:p>
+            <a:fld id="{9C11CE39-2868-44A2-A0C6-827D458F7A8B}" type="slidenum">
+              <a:rPr lang="en-IN" smtClean="0"/>
+              <a:pPr/>
+              <a:t>1</a:t>
+            </a:fld>
+            <a:endParaRPr lang="en-IN"/>
+          </a:p>
+        </p:txBody>
+      </p:sp>
     </p:spTree>
     <p:custDataLst>
       <p:tags r:id="rId1"/>
@@ -5726,6 +5739,30 @@
           </a:p>
         </p:txBody>
       </p:sp>
+      <p:sp>
+        <p:nvSpPr>
+          <p:cNvPr id="4" name="Slide Number Placeholder 3"/>
+          <p:cNvSpPr>
+            <a:spLocks noGrp="1"/>
+          </p:cNvSpPr>
+          <p:nvPr>
+            <p:ph type="sldNum" sz="quarter" idx="12"/>
+          </p:nvPr>
+        </p:nvSpPr>
+        <p:spPr/>
+        <p:txBody>
+          <a:bodyPr/>
+          <a:lstStyle/>
+          <a:p>
+            <a:fld id="{9C11CE39-2868-44A2-A0C6-827D458F7A8B}" type="slidenum">
+              <a:rPr lang="en-IN" smtClean="0"/>
+              <a:pPr/>
+              <a:t>10</a:t>
+            </a:fld>
+            <a:endParaRPr lang="en-IN"/>
+          </a:p>
+        </p:txBody>
+      </p:sp>
     </p:spTree>
     <p:custDataLst>
       <p:tags r:id="rId1"/>
@@ -5739,6 +5776,13 @@
   <p:clrMapOvr>
     <a:masterClrMapping/>
   </p:clrMapOvr>
+  <p:timing>
+    <p:tnLst>
+      <p:par>
+        <p:cTn id="1" dur="indefinite" restart="never" nodeType="tmRoot"/>
+      </p:par>
+    </p:tnLst>
+  </p:timing>
 </p:sld>
 </file>
 
@@ -5851,7 +5895,7 @@
           <p:cNvPr id="4" name="Table 3">
             <a:extLst>
               <a:ext uri="{FF2B5EF4-FFF2-40B4-BE49-F238E27FC236}">
-                <a16:creationId xmlns="" xmlns:a16="http://schemas.microsoft.com/office/drawing/2014/main" id="{ECF68B0F-0762-4862-B304-5B28267E2001}"/>
+                <a16:creationId xmlns:a16="http://schemas.microsoft.com/office/drawing/2014/main" xmlns="" id="{ECF68B0F-0762-4862-B304-5B28267E2001}"/>
               </a:ext>
             </a:extLst>
           </p:cNvPr>
@@ -5880,14 +5924,14 @@
                 <a:gridCol w="6090820">
                   <a:extLst>
                     <a:ext uri="{9D8B030D-6E8A-4147-A177-3AD203B41FA5}">
-                      <a16:colId xmlns="" xmlns:a16="http://schemas.microsoft.com/office/drawing/2014/main" val="3107024381"/>
+                      <a16:colId xmlns:a16="http://schemas.microsoft.com/office/drawing/2014/main" xmlns="" val="3107024381"/>
                     </a:ext>
                   </a:extLst>
                 </a:gridCol>
                 <a:gridCol w="6101180">
                   <a:extLst>
                     <a:ext uri="{9D8B030D-6E8A-4147-A177-3AD203B41FA5}">
-                      <a16:colId xmlns="" xmlns:a16="http://schemas.microsoft.com/office/drawing/2014/main" val="2581713321"/>
+                      <a16:colId xmlns:a16="http://schemas.microsoft.com/office/drawing/2014/main" xmlns="" val="2581713321"/>
                     </a:ext>
                   </a:extLst>
                 </a:gridCol>
@@ -5941,7 +5985,7 @@
                 </a:tc>
                 <a:extLst>
                   <a:ext uri="{0D108BD9-81ED-4DB2-BD59-A6C34878D82A}">
-                    <a16:rowId xmlns="" xmlns:a16="http://schemas.microsoft.com/office/drawing/2014/main" val="121817892"/>
+                    <a16:rowId xmlns:a16="http://schemas.microsoft.com/office/drawing/2014/main" xmlns="" val="121817892"/>
                   </a:ext>
                 </a:extLst>
               </a:tr>
@@ -6036,7 +6080,7 @@
                 </a:tc>
                 <a:extLst>
                   <a:ext uri="{0D108BD9-81ED-4DB2-BD59-A6C34878D82A}">
-                    <a16:rowId xmlns="" xmlns:a16="http://schemas.microsoft.com/office/drawing/2014/main" val="1891798235"/>
+                    <a16:rowId xmlns:a16="http://schemas.microsoft.com/office/drawing/2014/main" xmlns="" val="1891798235"/>
                   </a:ext>
                 </a:extLst>
               </a:tr>
@@ -6119,7 +6163,7 @@
                 </a:tc>
                 <a:extLst>
                   <a:ext uri="{0D108BD9-81ED-4DB2-BD59-A6C34878D82A}">
-                    <a16:rowId xmlns="" xmlns:a16="http://schemas.microsoft.com/office/drawing/2014/main" val="1328149865"/>
+                    <a16:rowId xmlns:a16="http://schemas.microsoft.com/office/drawing/2014/main" xmlns="" val="1328149865"/>
                   </a:ext>
                 </a:extLst>
               </a:tr>
@@ -6202,7 +6246,7 @@
                 </a:tc>
                 <a:extLst>
                   <a:ext uri="{0D108BD9-81ED-4DB2-BD59-A6C34878D82A}">
-                    <a16:rowId xmlns="" xmlns:a16="http://schemas.microsoft.com/office/drawing/2014/main" val="1868016679"/>
+                    <a16:rowId xmlns:a16="http://schemas.microsoft.com/office/drawing/2014/main" xmlns="" val="1868016679"/>
                   </a:ext>
                 </a:extLst>
               </a:tr>
@@ -6285,7 +6329,7 @@
                 </a:tc>
                 <a:extLst>
                   <a:ext uri="{0D108BD9-81ED-4DB2-BD59-A6C34878D82A}">
-                    <a16:rowId xmlns="" xmlns:a16="http://schemas.microsoft.com/office/drawing/2014/main" val="2654008342"/>
+                    <a16:rowId xmlns:a16="http://schemas.microsoft.com/office/drawing/2014/main" xmlns="" val="2654008342"/>
                   </a:ext>
                 </a:extLst>
               </a:tr>
@@ -6293,6 +6337,30 @@
           </a:graphicData>
         </a:graphic>
       </p:graphicFrame>
+      <p:sp>
+        <p:nvSpPr>
+          <p:cNvPr id="5" name="Slide Number Placeholder 4"/>
+          <p:cNvSpPr>
+            <a:spLocks noGrp="1"/>
+          </p:cNvSpPr>
+          <p:nvPr>
+            <p:ph type="sldNum" sz="quarter" idx="12"/>
+          </p:nvPr>
+        </p:nvSpPr>
+        <p:spPr/>
+        <p:txBody>
+          <a:bodyPr/>
+          <a:lstStyle/>
+          <a:p>
+            <a:fld id="{9C11CE39-2868-44A2-A0C6-827D458F7A8B}" type="slidenum">
+              <a:rPr lang="en-IN" smtClean="0"/>
+              <a:pPr/>
+              <a:t>100</a:t>
+            </a:fld>
+            <a:endParaRPr lang="en-IN"/>
+          </a:p>
+        </p:txBody>
+      </p:sp>
     </p:spTree>
     <p:custDataLst>
       <p:tags r:id="rId1"/>
@@ -6350,15 +6418,7 @@
           <a:p>
             <a:r>
               <a:rPr lang="en-IN" dirty="0" smtClean="0"/>
-              <a:t>Example </a:t>
-            </a:r>
-            <a:r>
-              <a:rPr lang="en-IN" dirty="0" smtClean="0"/>
-              <a:t>11:</a:t>
-            </a:r>
-            <a:r>
-              <a:rPr lang="en-IN" dirty="0" smtClean="0"/>
-              <a:t/>
+              <a:t>Example 11:</a:t>
             </a:r>
             <a:br>
               <a:rPr lang="en-IN" dirty="0" smtClean="0"/>
@@ -6785,6 +6845,30 @@
               <a:rPr lang="en-IN" dirty="0"/>
               <a:t>  </a:t>
             </a:r>
+          </a:p>
+        </p:txBody>
+      </p:sp>
+      <p:sp>
+        <p:nvSpPr>
+          <p:cNvPr id="4" name="Slide Number Placeholder 3"/>
+          <p:cNvSpPr>
+            <a:spLocks noGrp="1"/>
+          </p:cNvSpPr>
+          <p:nvPr>
+            <p:ph type="sldNum" sz="quarter" idx="12"/>
+          </p:nvPr>
+        </p:nvSpPr>
+        <p:spPr/>
+        <p:txBody>
+          <a:bodyPr/>
+          <a:lstStyle/>
+          <a:p>
+            <a:fld id="{9C11CE39-2868-44A2-A0C6-827D458F7A8B}" type="slidenum">
+              <a:rPr lang="en-IN" smtClean="0"/>
+              <a:pPr/>
+              <a:t>101</a:t>
+            </a:fld>
+            <a:endParaRPr lang="en-IN"/>
           </a:p>
         </p:txBody>
       </p:sp>
@@ -6901,6 +6985,30 @@
           </a:p>
         </p:txBody>
       </p:sp>
+      <p:sp>
+        <p:nvSpPr>
+          <p:cNvPr id="4" name="Slide Number Placeholder 3"/>
+          <p:cNvSpPr>
+            <a:spLocks noGrp="1"/>
+          </p:cNvSpPr>
+          <p:nvPr>
+            <p:ph type="sldNum" sz="quarter" idx="12"/>
+          </p:nvPr>
+        </p:nvSpPr>
+        <p:spPr/>
+        <p:txBody>
+          <a:bodyPr/>
+          <a:lstStyle/>
+          <a:p>
+            <a:fld id="{9C11CE39-2868-44A2-A0C6-827D458F7A8B}" type="slidenum">
+              <a:rPr lang="en-IN" smtClean="0"/>
+              <a:pPr/>
+              <a:t>102</a:t>
+            </a:fld>
+            <a:endParaRPr lang="en-IN"/>
+          </a:p>
+        </p:txBody>
+      </p:sp>
     </p:spTree>
     <p:custDataLst>
       <p:tags r:id="rId1"/>
@@ -6990,6 +7098,30 @@
           </a:p>
         </p:txBody>
       </p:sp>
+      <p:sp>
+        <p:nvSpPr>
+          <p:cNvPr id="4" name="Slide Number Placeholder 3"/>
+          <p:cNvSpPr>
+            <a:spLocks noGrp="1"/>
+          </p:cNvSpPr>
+          <p:nvPr>
+            <p:ph type="sldNum" sz="quarter" idx="12"/>
+          </p:nvPr>
+        </p:nvSpPr>
+        <p:spPr/>
+        <p:txBody>
+          <a:bodyPr/>
+          <a:lstStyle/>
+          <a:p>
+            <a:fld id="{9C11CE39-2868-44A2-A0C6-827D458F7A8B}" type="slidenum">
+              <a:rPr lang="en-IN" smtClean="0"/>
+              <a:pPr/>
+              <a:t>103</a:t>
+            </a:fld>
+            <a:endParaRPr lang="en-IN"/>
+          </a:p>
+        </p:txBody>
+      </p:sp>
     </p:spTree>
     <p:custDataLst>
       <p:tags r:id="rId1"/>
@@ -7166,6 +7298,30 @@
           </a:p>
         </p:txBody>
       </p:sp>
+      <p:sp>
+        <p:nvSpPr>
+          <p:cNvPr id="4" name="Slide Number Placeholder 3"/>
+          <p:cNvSpPr>
+            <a:spLocks noGrp="1"/>
+          </p:cNvSpPr>
+          <p:nvPr>
+            <p:ph type="sldNum" sz="quarter" idx="12"/>
+          </p:nvPr>
+        </p:nvSpPr>
+        <p:spPr/>
+        <p:txBody>
+          <a:bodyPr/>
+          <a:lstStyle/>
+          <a:p>
+            <a:fld id="{9C11CE39-2868-44A2-A0C6-827D458F7A8B}" type="slidenum">
+              <a:rPr lang="en-IN" smtClean="0"/>
+              <a:pPr/>
+              <a:t>104</a:t>
+            </a:fld>
+            <a:endParaRPr lang="en-IN"/>
+          </a:p>
+        </p:txBody>
+      </p:sp>
     </p:spTree>
     <p:custDataLst>
       <p:tags r:id="rId1"/>
@@ -7231,7 +7387,7 @@
           <p:cNvPr id="5" name="Content Placeholder 3">
             <a:extLst>
               <a:ext uri="{FF2B5EF4-FFF2-40B4-BE49-F238E27FC236}">
-                <a16:creationId xmlns="" xmlns:a16="http://schemas.microsoft.com/office/drawing/2014/main" id="{E439575B-F099-4CC4-9825-4F20B2647505}"/>
+                <a16:creationId xmlns:a16="http://schemas.microsoft.com/office/drawing/2014/main" xmlns="" id="{E439575B-F099-4CC4-9825-4F20B2647505}"/>
               </a:ext>
             </a:extLst>
           </p:cNvPr>
@@ -7261,14 +7417,14 @@
                 <a:gridCol w="3124200">
                   <a:extLst>
                     <a:ext uri="{9D8B030D-6E8A-4147-A177-3AD203B41FA5}">
-                      <a16:colId xmlns="" xmlns:a16="http://schemas.microsoft.com/office/drawing/2014/main" val="3773665361"/>
+                      <a16:colId xmlns:a16="http://schemas.microsoft.com/office/drawing/2014/main" xmlns="" val="3773665361"/>
                     </a:ext>
                   </a:extLst>
                 </a:gridCol>
                 <a:gridCol w="4876800">
                   <a:extLst>
                     <a:ext uri="{9D8B030D-6E8A-4147-A177-3AD203B41FA5}">
-                      <a16:colId xmlns="" xmlns:a16="http://schemas.microsoft.com/office/drawing/2014/main" val="2884274614"/>
+                      <a16:colId xmlns:a16="http://schemas.microsoft.com/office/drawing/2014/main" xmlns="" val="2884274614"/>
                     </a:ext>
                   </a:extLst>
                 </a:gridCol>
@@ -7318,7 +7474,7 @@
                 </a:tc>
                 <a:extLst>
                   <a:ext uri="{0D108BD9-81ED-4DB2-BD59-A6C34878D82A}">
-                    <a16:rowId xmlns="" xmlns:a16="http://schemas.microsoft.com/office/drawing/2014/main" val="3229444630"/>
+                    <a16:rowId xmlns:a16="http://schemas.microsoft.com/office/drawing/2014/main" xmlns="" val="3229444630"/>
                   </a:ext>
                 </a:extLst>
               </a:tr>
@@ -7458,7 +7614,7 @@
                 </a:tc>
                 <a:extLst>
                   <a:ext uri="{0D108BD9-81ED-4DB2-BD59-A6C34878D82A}">
-                    <a16:rowId xmlns="" xmlns:a16="http://schemas.microsoft.com/office/drawing/2014/main" val="2446575564"/>
+                    <a16:rowId xmlns:a16="http://schemas.microsoft.com/office/drawing/2014/main" xmlns="" val="2446575564"/>
                   </a:ext>
                 </a:extLst>
               </a:tr>
@@ -7505,7 +7661,7 @@
                 </a:tc>
                 <a:extLst>
                   <a:ext uri="{0D108BD9-81ED-4DB2-BD59-A6C34878D82A}">
-                    <a16:rowId xmlns="" xmlns:a16="http://schemas.microsoft.com/office/drawing/2014/main" val="1015041822"/>
+                    <a16:rowId xmlns:a16="http://schemas.microsoft.com/office/drawing/2014/main" xmlns="" val="1015041822"/>
                   </a:ext>
                 </a:extLst>
               </a:tr>
@@ -7552,7 +7708,7 @@
                 </a:tc>
                 <a:extLst>
                   <a:ext uri="{0D108BD9-81ED-4DB2-BD59-A6C34878D82A}">
-                    <a16:rowId xmlns="" xmlns:a16="http://schemas.microsoft.com/office/drawing/2014/main" val="680463658"/>
+                    <a16:rowId xmlns:a16="http://schemas.microsoft.com/office/drawing/2014/main" xmlns="" val="680463658"/>
                   </a:ext>
                 </a:extLst>
               </a:tr>
@@ -7560,6 +7716,30 @@
           </a:graphicData>
         </a:graphic>
       </p:graphicFrame>
+      <p:sp>
+        <p:nvSpPr>
+          <p:cNvPr id="3" name="Slide Number Placeholder 2"/>
+          <p:cNvSpPr>
+            <a:spLocks noGrp="1"/>
+          </p:cNvSpPr>
+          <p:nvPr>
+            <p:ph type="sldNum" sz="quarter" idx="12"/>
+          </p:nvPr>
+        </p:nvSpPr>
+        <p:spPr/>
+        <p:txBody>
+          <a:bodyPr/>
+          <a:lstStyle/>
+          <a:p>
+            <a:fld id="{9C11CE39-2868-44A2-A0C6-827D458F7A8B}" type="slidenum">
+              <a:rPr lang="en-IN" smtClean="0"/>
+              <a:pPr/>
+              <a:t>105</a:t>
+            </a:fld>
+            <a:endParaRPr lang="en-IN"/>
+          </a:p>
+        </p:txBody>
+      </p:sp>
     </p:spTree>
     <p:custDataLst>
       <p:tags r:id="rId1"/>
@@ -7655,6 +7835,30 @@
           </a:prstGeom>
         </p:spPr>
       </p:pic>
+      <p:sp>
+        <p:nvSpPr>
+          <p:cNvPr id="3" name="Slide Number Placeholder 2"/>
+          <p:cNvSpPr>
+            <a:spLocks noGrp="1"/>
+          </p:cNvSpPr>
+          <p:nvPr>
+            <p:ph type="sldNum" sz="quarter" idx="12"/>
+          </p:nvPr>
+        </p:nvSpPr>
+        <p:spPr/>
+        <p:txBody>
+          <a:bodyPr/>
+          <a:lstStyle/>
+          <a:p>
+            <a:fld id="{9C11CE39-2868-44A2-A0C6-827D458F7A8B}" type="slidenum">
+              <a:rPr lang="en-IN" smtClean="0"/>
+              <a:pPr/>
+              <a:t>106</a:t>
+            </a:fld>
+            <a:endParaRPr lang="en-IN"/>
+          </a:p>
+        </p:txBody>
+      </p:sp>
     </p:spTree>
     <p:custDataLst>
       <p:tags r:id="rId1"/>
@@ -7711,10 +7915,6 @@
               <a:rPr lang="en-IN" dirty="0" smtClean="0"/>
               <a:t>12:</a:t>
             </a:r>
-            <a:r>
-              <a:rPr lang="en-IN" dirty="0" smtClean="0"/>
-              <a:t/>
-            </a:r>
             <a:br>
               <a:rPr lang="en-IN" dirty="0" smtClean="0"/>
             </a:br>
@@ -8282,6 +8482,30 @@
               <a:t>}</a:t>
             </a:r>
             <a:endParaRPr lang="en-IN" dirty="0"/>
+          </a:p>
+        </p:txBody>
+      </p:sp>
+      <p:sp>
+        <p:nvSpPr>
+          <p:cNvPr id="4" name="Slide Number Placeholder 3"/>
+          <p:cNvSpPr>
+            <a:spLocks noGrp="1"/>
+          </p:cNvSpPr>
+          <p:nvPr>
+            <p:ph type="sldNum" sz="quarter" idx="12"/>
+          </p:nvPr>
+        </p:nvSpPr>
+        <p:spPr/>
+        <p:txBody>
+          <a:bodyPr/>
+          <a:lstStyle/>
+          <a:p>
+            <a:fld id="{9C11CE39-2868-44A2-A0C6-827D458F7A8B}" type="slidenum">
+              <a:rPr lang="en-IN" smtClean="0"/>
+              <a:pPr/>
+              <a:t>107</a:t>
+            </a:fld>
+            <a:endParaRPr lang="en-IN"/>
           </a:p>
         </p:txBody>
       </p:sp>
@@ -8471,6 +8695,30 @@
           </a:p>
         </p:txBody>
       </p:sp>
+      <p:sp>
+        <p:nvSpPr>
+          <p:cNvPr id="4" name="Slide Number Placeholder 3"/>
+          <p:cNvSpPr>
+            <a:spLocks noGrp="1"/>
+          </p:cNvSpPr>
+          <p:nvPr>
+            <p:ph type="sldNum" sz="quarter" idx="12"/>
+          </p:nvPr>
+        </p:nvSpPr>
+        <p:spPr/>
+        <p:txBody>
+          <a:bodyPr/>
+          <a:lstStyle/>
+          <a:p>
+            <a:fld id="{9C11CE39-2868-44A2-A0C6-827D458F7A8B}" type="slidenum">
+              <a:rPr lang="en-IN" smtClean="0"/>
+              <a:pPr/>
+              <a:t>11</a:t>
+            </a:fld>
+            <a:endParaRPr lang="en-IN"/>
+          </a:p>
+        </p:txBody>
+      </p:sp>
     </p:spTree>
     <p:custDataLst>
       <p:tags r:id="rId1"/>
@@ -8484,6 +8732,13 @@
   <p:clrMapOvr>
     <a:masterClrMapping/>
   </p:clrMapOvr>
+  <p:timing>
+    <p:tnLst>
+      <p:par>
+        <p:cTn id="1" dur="indefinite" restart="never" nodeType="tmRoot"/>
+      </p:par>
+    </p:tnLst>
+  </p:timing>
 </p:sld>
 </file>
 
@@ -8604,6 +8859,30 @@
           </a:p>
         </p:txBody>
       </p:sp>
+      <p:sp>
+        <p:nvSpPr>
+          <p:cNvPr id="4" name="Slide Number Placeholder 3"/>
+          <p:cNvSpPr>
+            <a:spLocks noGrp="1"/>
+          </p:cNvSpPr>
+          <p:nvPr>
+            <p:ph type="sldNum" sz="quarter" idx="12"/>
+          </p:nvPr>
+        </p:nvSpPr>
+        <p:spPr/>
+        <p:txBody>
+          <a:bodyPr/>
+          <a:lstStyle/>
+          <a:p>
+            <a:fld id="{9C11CE39-2868-44A2-A0C6-827D458F7A8B}" type="slidenum">
+              <a:rPr lang="en-IN" smtClean="0"/>
+              <a:pPr/>
+              <a:t>12</a:t>
+            </a:fld>
+            <a:endParaRPr lang="en-IN"/>
+          </a:p>
+        </p:txBody>
+      </p:sp>
     </p:spTree>
     <p:custDataLst>
       <p:tags r:id="rId1"/>
@@ -8617,6 +8896,13 @@
   <p:clrMapOvr>
     <a:masterClrMapping/>
   </p:clrMapOvr>
+  <p:timing>
+    <p:tnLst>
+      <p:par>
+        <p:cTn id="1" dur="indefinite" restart="never" nodeType="tmRoot"/>
+      </p:par>
+    </p:tnLst>
+  </p:timing>
 </p:sld>
 </file>
 
@@ -8795,6 +9081,30 @@
               <a:t>.</a:t>
             </a:r>
             <a:endParaRPr lang="en-US" sz="2800" dirty="0"/>
+          </a:p>
+        </p:txBody>
+      </p:sp>
+      <p:sp>
+        <p:nvSpPr>
+          <p:cNvPr id="4" name="Slide Number Placeholder 3"/>
+          <p:cNvSpPr>
+            <a:spLocks noGrp="1"/>
+          </p:cNvSpPr>
+          <p:nvPr>
+            <p:ph type="sldNum" sz="quarter" idx="12"/>
+          </p:nvPr>
+        </p:nvSpPr>
+        <p:spPr/>
+        <p:txBody>
+          <a:bodyPr/>
+          <a:lstStyle/>
+          <a:p>
+            <a:fld id="{9C11CE39-2868-44A2-A0C6-827D458F7A8B}" type="slidenum">
+              <a:rPr lang="en-IN" smtClean="0"/>
+              <a:pPr/>
+              <a:t>13</a:t>
+            </a:fld>
+            <a:endParaRPr lang="en-IN"/>
           </a:p>
         </p:txBody>
       </p:sp>
@@ -8873,6 +9183,30 @@
           </a:p>
         </p:txBody>
       </p:sp>
+      <p:sp>
+        <p:nvSpPr>
+          <p:cNvPr id="4" name="Slide Number Placeholder 3"/>
+          <p:cNvSpPr>
+            <a:spLocks noGrp="1"/>
+          </p:cNvSpPr>
+          <p:nvPr>
+            <p:ph type="sldNum" sz="quarter" idx="12"/>
+          </p:nvPr>
+        </p:nvSpPr>
+        <p:spPr/>
+        <p:txBody>
+          <a:bodyPr/>
+          <a:lstStyle/>
+          <a:p>
+            <a:fld id="{9C11CE39-2868-44A2-A0C6-827D458F7A8B}" type="slidenum">
+              <a:rPr lang="en-IN" smtClean="0"/>
+              <a:pPr/>
+              <a:t>14</a:t>
+            </a:fld>
+            <a:endParaRPr lang="en-IN"/>
+          </a:p>
+        </p:txBody>
+      </p:sp>
     </p:spTree>
     <p:custDataLst>
       <p:tags r:id="rId1"/>
@@ -9041,6 +9375,30 @@
           </a:p>
         </p:txBody>
       </p:sp>
+      <p:sp>
+        <p:nvSpPr>
+          <p:cNvPr id="3" name="Slide Number Placeholder 2"/>
+          <p:cNvSpPr>
+            <a:spLocks noGrp="1"/>
+          </p:cNvSpPr>
+          <p:nvPr>
+            <p:ph type="sldNum" sz="quarter" idx="12"/>
+          </p:nvPr>
+        </p:nvSpPr>
+        <p:spPr/>
+        <p:txBody>
+          <a:bodyPr/>
+          <a:lstStyle/>
+          <a:p>
+            <a:fld id="{9C11CE39-2868-44A2-A0C6-827D458F7A8B}" type="slidenum">
+              <a:rPr lang="en-IN" smtClean="0"/>
+              <a:pPr/>
+              <a:t>15</a:t>
+            </a:fld>
+            <a:endParaRPr lang="en-IN"/>
+          </a:p>
+        </p:txBody>
+      </p:sp>
     </p:spTree>
     <p:custDataLst>
       <p:tags r:id="rId1"/>
@@ -9239,6 +9597,30 @@
           </a:prstGeom>
         </p:spPr>
       </p:pic>
+      <p:sp>
+        <p:nvSpPr>
+          <p:cNvPr id="3" name="Slide Number Placeholder 2"/>
+          <p:cNvSpPr>
+            <a:spLocks noGrp="1"/>
+          </p:cNvSpPr>
+          <p:nvPr>
+            <p:ph type="sldNum" sz="quarter" idx="12"/>
+          </p:nvPr>
+        </p:nvSpPr>
+        <p:spPr/>
+        <p:txBody>
+          <a:bodyPr/>
+          <a:lstStyle/>
+          <a:p>
+            <a:fld id="{9C11CE39-2868-44A2-A0C6-827D458F7A8B}" type="slidenum">
+              <a:rPr lang="en-IN" smtClean="0"/>
+              <a:pPr/>
+              <a:t>16</a:t>
+            </a:fld>
+            <a:endParaRPr lang="en-IN"/>
+          </a:p>
+        </p:txBody>
+      </p:sp>
     </p:spTree>
     <p:custDataLst>
       <p:tags r:id="rId1"/>
@@ -9383,6 +9765,30 @@
           </a:p>
         </p:txBody>
       </p:sp>
+      <p:sp>
+        <p:nvSpPr>
+          <p:cNvPr id="4" name="Slide Number Placeholder 3"/>
+          <p:cNvSpPr>
+            <a:spLocks noGrp="1"/>
+          </p:cNvSpPr>
+          <p:nvPr>
+            <p:ph type="sldNum" sz="quarter" idx="12"/>
+          </p:nvPr>
+        </p:nvSpPr>
+        <p:spPr/>
+        <p:txBody>
+          <a:bodyPr/>
+          <a:lstStyle/>
+          <a:p>
+            <a:fld id="{9C11CE39-2868-44A2-A0C6-827D458F7A8B}" type="slidenum">
+              <a:rPr lang="en-IN" smtClean="0"/>
+              <a:pPr/>
+              <a:t>17</a:t>
+            </a:fld>
+            <a:endParaRPr lang="en-IN"/>
+          </a:p>
+        </p:txBody>
+      </p:sp>
     </p:spTree>
     <p:custDataLst>
       <p:tags r:id="rId1"/>
@@ -9435,20 +9841,12 @@
               <a:rPr lang="en-US" b="1" dirty="0" smtClean="0"/>
               <a:t>4 Types </a:t>
             </a:r>
-            <a:r>
-              <a:rPr lang="en-US" b="1" dirty="0" smtClean="0"/>
-              <a:t/>
-            </a:r>
             <a:br>
               <a:rPr lang="en-US" b="1" dirty="0" smtClean="0"/>
             </a:br>
             <a:r>
               <a:rPr lang="en-US" dirty="0" smtClean="0"/>
               <a:t>of </a:t>
-            </a:r>
-            <a:r>
-              <a:rPr lang="en-US" dirty="0" smtClean="0"/>
-              <a:t/>
             </a:r>
             <a:br>
               <a:rPr lang="en-US" dirty="0" smtClean="0"/>
@@ -9496,11 +9894,7 @@
             </a:r>
             <a:r>
               <a:rPr lang="en-US" sz="2800" dirty="0" smtClean="0"/>
-              <a:t>levels</a:t>
-            </a:r>
-            <a:r>
-              <a:rPr lang="en-US" sz="2800" dirty="0" smtClean="0"/>
-              <a:t>:</a:t>
+              <a:t>levels:</a:t>
             </a:r>
           </a:p>
           <a:p>
@@ -9624,6 +10018,30 @@
               <a:t>Thin driver (fully java driver)</a:t>
             </a:r>
             <a:endParaRPr lang="en-US" sz="2600" dirty="0" smtClean="0"/>
+          </a:p>
+        </p:txBody>
+      </p:sp>
+      <p:sp>
+        <p:nvSpPr>
+          <p:cNvPr id="4" name="Slide Number Placeholder 3"/>
+          <p:cNvSpPr>
+            <a:spLocks noGrp="1"/>
+          </p:cNvSpPr>
+          <p:nvPr>
+            <p:ph type="sldNum" sz="quarter" idx="12"/>
+          </p:nvPr>
+        </p:nvSpPr>
+        <p:spPr/>
+        <p:txBody>
+          <a:bodyPr/>
+          <a:lstStyle/>
+          <a:p>
+            <a:fld id="{9C11CE39-2868-44A2-A0C6-827D458F7A8B}" type="slidenum">
+              <a:rPr lang="en-IN" smtClean="0"/>
+              <a:pPr/>
+              <a:t>18</a:t>
+            </a:fld>
+            <a:endParaRPr lang="en-IN"/>
           </a:p>
         </p:txBody>
       </p:sp>
@@ -9768,7 +10186,7 @@
           <p:cNvPr id="4" name="Picture 4" descr="DBMS Driver type 1">
             <a:extLst>
               <a:ext uri="{FF2B5EF4-FFF2-40B4-BE49-F238E27FC236}">
-                <a16:creationId xmlns="" xmlns:a16="http://schemas.microsoft.com/office/drawing/2014/main" id="{1313EB34-FA31-4742-9887-8299320F6751}"/>
+                <a16:creationId xmlns:a16="http://schemas.microsoft.com/office/drawing/2014/main" xmlns="" id="{1313EB34-FA31-4742-9887-8299320F6751}"/>
               </a:ext>
             </a:extLst>
           </p:cNvPr>
@@ -9810,6 +10228,30 @@
           </a:extLst>
         </p:spPr>
       </p:pic>
+      <p:sp>
+        <p:nvSpPr>
+          <p:cNvPr id="5" name="Slide Number Placeholder 4"/>
+          <p:cNvSpPr>
+            <a:spLocks noGrp="1"/>
+          </p:cNvSpPr>
+          <p:nvPr>
+            <p:ph type="sldNum" sz="quarter" idx="12"/>
+          </p:nvPr>
+        </p:nvSpPr>
+        <p:spPr/>
+        <p:txBody>
+          <a:bodyPr/>
+          <a:lstStyle/>
+          <a:p>
+            <a:fld id="{9C11CE39-2868-44A2-A0C6-827D458F7A8B}" type="slidenum">
+              <a:rPr lang="en-IN" smtClean="0"/>
+              <a:pPr/>
+              <a:t>19</a:t>
+            </a:fld>
+            <a:endParaRPr lang="en-IN"/>
+          </a:p>
+        </p:txBody>
+      </p:sp>
     </p:spTree>
     <p:custDataLst>
       <p:tags r:id="rId1"/>
@@ -10052,6 +10494,30 @@
           </a:p>
         </p:txBody>
       </p:sp>
+      <p:sp>
+        <p:nvSpPr>
+          <p:cNvPr id="4" name="Slide Number Placeholder 3"/>
+          <p:cNvSpPr>
+            <a:spLocks noGrp="1"/>
+          </p:cNvSpPr>
+          <p:nvPr>
+            <p:ph type="sldNum" sz="quarter" idx="12"/>
+          </p:nvPr>
+        </p:nvSpPr>
+        <p:spPr/>
+        <p:txBody>
+          <a:bodyPr/>
+          <a:lstStyle/>
+          <a:p>
+            <a:fld id="{9C11CE39-2868-44A2-A0C6-827D458F7A8B}" type="slidenum">
+              <a:rPr lang="en-IN" smtClean="0"/>
+              <a:pPr/>
+              <a:t>2</a:t>
+            </a:fld>
+            <a:endParaRPr lang="en-IN"/>
+          </a:p>
+        </p:txBody>
+      </p:sp>
     </p:spTree>
     <p:custDataLst>
       <p:tags r:id="rId1"/>
@@ -10065,6 +10531,13 @@
   <p:clrMapOvr>
     <a:masterClrMapping/>
   </p:clrMapOvr>
+  <p:timing>
+    <p:tnLst>
+      <p:par>
+        <p:cTn id="1" dur="indefinite" restart="never" nodeType="tmRoot"/>
+      </p:par>
+    </p:tnLst>
+  </p:timing>
 </p:sld>
 </file>
 
@@ -10278,6 +10751,30 @@
               <a:t>.</a:t>
             </a:r>
             <a:endParaRPr lang="en-US" sz="2400" dirty="0"/>
+          </a:p>
+        </p:txBody>
+      </p:sp>
+      <p:sp>
+        <p:nvSpPr>
+          <p:cNvPr id="4" name="Slide Number Placeholder 3"/>
+          <p:cNvSpPr>
+            <a:spLocks noGrp="1"/>
+          </p:cNvSpPr>
+          <p:nvPr>
+            <p:ph type="sldNum" sz="quarter" idx="12"/>
+          </p:nvPr>
+        </p:nvSpPr>
+        <p:spPr/>
+        <p:txBody>
+          <a:bodyPr/>
+          <a:lstStyle/>
+          <a:p>
+            <a:fld id="{9C11CE39-2868-44A2-A0C6-827D458F7A8B}" type="slidenum">
+              <a:rPr lang="en-IN" smtClean="0"/>
+              <a:pPr/>
+              <a:t>20</a:t>
+            </a:fld>
+            <a:endParaRPr lang="en-IN"/>
           </a:p>
         </p:txBody>
       </p:sp>
@@ -10478,6 +10975,30 @@
               <a:rPr lang="en-US" sz="2400" dirty="0"/>
               <a:t> will use the first driver it finds that can successfully connect to the given URL.</a:t>
             </a:r>
+          </a:p>
+        </p:txBody>
+      </p:sp>
+      <p:sp>
+        <p:nvSpPr>
+          <p:cNvPr id="4" name="Slide Number Placeholder 3"/>
+          <p:cNvSpPr>
+            <a:spLocks noGrp="1"/>
+          </p:cNvSpPr>
+          <p:nvPr>
+            <p:ph type="sldNum" sz="quarter" idx="12"/>
+          </p:nvPr>
+        </p:nvSpPr>
+        <p:spPr/>
+        <p:txBody>
+          <a:bodyPr/>
+          <a:lstStyle/>
+          <a:p>
+            <a:fld id="{9C11CE39-2868-44A2-A0C6-827D458F7A8B}" type="slidenum">
+              <a:rPr lang="en-IN" smtClean="0"/>
+              <a:pPr/>
+              <a:t>21</a:t>
+            </a:fld>
+            <a:endParaRPr lang="en-IN"/>
           </a:p>
         </p:txBody>
       </p:sp>
@@ -10583,6 +11104,30 @@
           </a:p>
         </p:txBody>
       </p:sp>
+      <p:sp>
+        <p:nvSpPr>
+          <p:cNvPr id="2" name="Slide Number Placeholder 1"/>
+          <p:cNvSpPr>
+            <a:spLocks noGrp="1"/>
+          </p:cNvSpPr>
+          <p:nvPr>
+            <p:ph type="sldNum" sz="quarter" idx="12"/>
+          </p:nvPr>
+        </p:nvSpPr>
+        <p:spPr/>
+        <p:txBody>
+          <a:bodyPr/>
+          <a:lstStyle/>
+          <a:p>
+            <a:fld id="{9C11CE39-2868-44A2-A0C6-827D458F7A8B}" type="slidenum">
+              <a:rPr lang="en-IN" smtClean="0"/>
+              <a:pPr/>
+              <a:t>22</a:t>
+            </a:fld>
+            <a:endParaRPr lang="en-IN"/>
+          </a:p>
+        </p:txBody>
+      </p:sp>
     </p:spTree>
     <p:custDataLst>
       <p:tags r:id="rId1"/>
@@ -10805,6 +11350,30 @@
           </a:p>
         </p:txBody>
       </p:sp>
+      <p:sp>
+        <p:nvSpPr>
+          <p:cNvPr id="4" name="Slide Number Placeholder 3"/>
+          <p:cNvSpPr>
+            <a:spLocks noGrp="1"/>
+          </p:cNvSpPr>
+          <p:nvPr>
+            <p:ph type="sldNum" sz="quarter" idx="12"/>
+          </p:nvPr>
+        </p:nvSpPr>
+        <p:spPr/>
+        <p:txBody>
+          <a:bodyPr/>
+          <a:lstStyle/>
+          <a:p>
+            <a:fld id="{9C11CE39-2868-44A2-A0C6-827D458F7A8B}" type="slidenum">
+              <a:rPr lang="en-IN" smtClean="0"/>
+              <a:pPr/>
+              <a:t>23</a:t>
+            </a:fld>
+            <a:endParaRPr lang="en-IN"/>
+          </a:p>
+        </p:txBody>
+      </p:sp>
     </p:spTree>
     <p:custDataLst>
       <p:tags r:id="rId1"/>
@@ -10942,7 +11511,7 @@
           <p:cNvPr id="5" name="Picture 2" descr="DBMS Driver type 2">
             <a:extLst>
               <a:ext uri="{FF2B5EF4-FFF2-40B4-BE49-F238E27FC236}">
-                <a16:creationId xmlns="" xmlns:a16="http://schemas.microsoft.com/office/drawing/2014/main" id="{11B6EFCF-4C19-4E6A-B006-BCCCB43A001C}"/>
+                <a16:creationId xmlns:a16="http://schemas.microsoft.com/office/drawing/2014/main" xmlns="" id="{11B6EFCF-4C19-4E6A-B006-BCCCB43A001C}"/>
               </a:ext>
             </a:extLst>
           </p:cNvPr>
@@ -10984,6 +11553,30 @@
           </a:extLst>
         </p:spPr>
       </p:pic>
+      <p:sp>
+        <p:nvSpPr>
+          <p:cNvPr id="4" name="Slide Number Placeholder 3"/>
+          <p:cNvSpPr>
+            <a:spLocks noGrp="1"/>
+          </p:cNvSpPr>
+          <p:nvPr>
+            <p:ph type="sldNum" sz="quarter" idx="12"/>
+          </p:nvPr>
+        </p:nvSpPr>
+        <p:spPr/>
+        <p:txBody>
+          <a:bodyPr/>
+          <a:lstStyle/>
+          <a:p>
+            <a:fld id="{9C11CE39-2868-44A2-A0C6-827D458F7A8B}" type="slidenum">
+              <a:rPr lang="en-IN" smtClean="0"/>
+              <a:pPr/>
+              <a:t>24</a:t>
+            </a:fld>
+            <a:endParaRPr lang="en-IN"/>
+          </a:p>
+        </p:txBody>
+      </p:sp>
     </p:spTree>
     <p:custDataLst>
       <p:tags r:id="rId1"/>
@@ -11066,7 +11659,6 @@
               <a:rPr lang="en-IN" dirty="0"/>
               <a:t>Java </a:t>
             </a:r>
-            <a:endParaRPr lang="en-IN" dirty="0"/>
           </a:p>
         </p:txBody>
       </p:sp>
@@ -11175,6 +11767,30 @@
           </a:p>
           <a:p>
             <a:endParaRPr lang="en-IN" sz="2400" dirty="0"/>
+          </a:p>
+        </p:txBody>
+      </p:sp>
+      <p:sp>
+        <p:nvSpPr>
+          <p:cNvPr id="4" name="Slide Number Placeholder 3"/>
+          <p:cNvSpPr>
+            <a:spLocks noGrp="1"/>
+          </p:cNvSpPr>
+          <p:nvPr>
+            <p:ph type="sldNum" sz="quarter" idx="12"/>
+          </p:nvPr>
+        </p:nvSpPr>
+        <p:spPr/>
+        <p:txBody>
+          <a:bodyPr/>
+          <a:lstStyle/>
+          <a:p>
+            <a:fld id="{9C11CE39-2868-44A2-A0C6-827D458F7A8B}" type="slidenum">
+              <a:rPr lang="en-IN" smtClean="0"/>
+              <a:pPr/>
+              <a:t>25</a:t>
+            </a:fld>
+            <a:endParaRPr lang="en-IN"/>
           </a:p>
         </p:txBody>
       </p:sp>
@@ -11272,6 +11888,30 @@
           </a:p>
         </p:txBody>
       </p:sp>
+      <p:sp>
+        <p:nvSpPr>
+          <p:cNvPr id="2" name="Slide Number Placeholder 1"/>
+          <p:cNvSpPr>
+            <a:spLocks noGrp="1"/>
+          </p:cNvSpPr>
+          <p:nvPr>
+            <p:ph type="sldNum" sz="quarter" idx="12"/>
+          </p:nvPr>
+        </p:nvSpPr>
+        <p:spPr/>
+        <p:txBody>
+          <a:bodyPr/>
+          <a:lstStyle/>
+          <a:p>
+            <a:fld id="{9C11CE39-2868-44A2-A0C6-827D458F7A8B}" type="slidenum">
+              <a:rPr lang="en-IN" smtClean="0"/>
+              <a:pPr/>
+              <a:t>26</a:t>
+            </a:fld>
+            <a:endParaRPr lang="en-IN"/>
+          </a:p>
+        </p:txBody>
+      </p:sp>
     </p:spTree>
     <p:custDataLst>
       <p:tags r:id="rId1"/>
@@ -11510,6 +12150,30 @@
           </a:p>
         </p:txBody>
       </p:sp>
+      <p:sp>
+        <p:nvSpPr>
+          <p:cNvPr id="4" name="Slide Number Placeholder 3"/>
+          <p:cNvSpPr>
+            <a:spLocks noGrp="1"/>
+          </p:cNvSpPr>
+          <p:nvPr>
+            <p:ph type="sldNum" sz="quarter" idx="12"/>
+          </p:nvPr>
+        </p:nvSpPr>
+        <p:spPr/>
+        <p:txBody>
+          <a:bodyPr/>
+          <a:lstStyle/>
+          <a:p>
+            <a:fld id="{9C11CE39-2868-44A2-A0C6-827D458F7A8B}" type="slidenum">
+              <a:rPr lang="en-IN" smtClean="0"/>
+              <a:pPr/>
+              <a:t>27</a:t>
+            </a:fld>
+            <a:endParaRPr lang="en-IN"/>
+          </a:p>
+        </p:txBody>
+      </p:sp>
     </p:spTree>
     <p:custDataLst>
       <p:tags r:id="rId1"/>
@@ -11639,7 +12303,7 @@
           <p:cNvPr id="6" name="Picture 2" descr="DBMS Driver type 3">
             <a:extLst>
               <a:ext uri="{FF2B5EF4-FFF2-40B4-BE49-F238E27FC236}">
-                <a16:creationId xmlns="" xmlns:a16="http://schemas.microsoft.com/office/drawing/2014/main" id="{CDAD02B3-F946-4B3D-996E-D3326B90142F}"/>
+                <a16:creationId xmlns:a16="http://schemas.microsoft.com/office/drawing/2014/main" xmlns="" id="{CDAD02B3-F946-4B3D-996E-D3326B90142F}"/>
               </a:ext>
             </a:extLst>
           </p:cNvPr>
@@ -11681,6 +12345,30 @@
           </a:extLst>
         </p:spPr>
       </p:pic>
+      <p:sp>
+        <p:nvSpPr>
+          <p:cNvPr id="4" name="Slide Number Placeholder 3"/>
+          <p:cNvSpPr>
+            <a:spLocks noGrp="1"/>
+          </p:cNvSpPr>
+          <p:nvPr>
+            <p:ph type="sldNum" sz="quarter" idx="12"/>
+          </p:nvPr>
+        </p:nvSpPr>
+        <p:spPr/>
+        <p:txBody>
+          <a:bodyPr/>
+          <a:lstStyle/>
+          <a:p>
+            <a:fld id="{9C11CE39-2868-44A2-A0C6-827D458F7A8B}" type="slidenum">
+              <a:rPr lang="en-IN" smtClean="0"/>
+              <a:pPr/>
+              <a:t>28</a:t>
+            </a:fld>
+            <a:endParaRPr lang="en-IN"/>
+          </a:p>
+        </p:txBody>
+      </p:sp>
     </p:spTree>
     <p:custDataLst>
       <p:tags r:id="rId1"/>
@@ -11850,6 +12538,30 @@
           </a:p>
         </p:txBody>
       </p:sp>
+      <p:sp>
+        <p:nvSpPr>
+          <p:cNvPr id="4" name="Slide Number Placeholder 3"/>
+          <p:cNvSpPr>
+            <a:spLocks noGrp="1"/>
+          </p:cNvSpPr>
+          <p:nvPr>
+            <p:ph type="sldNum" sz="quarter" idx="12"/>
+          </p:nvPr>
+        </p:nvSpPr>
+        <p:spPr/>
+        <p:txBody>
+          <a:bodyPr/>
+          <a:lstStyle/>
+          <a:p>
+            <a:fld id="{9C11CE39-2868-44A2-A0C6-827D458F7A8B}" type="slidenum">
+              <a:rPr lang="en-IN" smtClean="0"/>
+              <a:pPr/>
+              <a:t>29</a:t>
+            </a:fld>
+            <a:endParaRPr lang="en-IN"/>
+          </a:p>
+        </p:txBody>
+      </p:sp>
     </p:spTree>
     <p:custDataLst>
       <p:tags r:id="rId1"/>
@@ -12158,6 +12870,30 @@
           </a:p>
         </p:txBody>
       </p:sp>
+      <p:sp>
+        <p:nvSpPr>
+          <p:cNvPr id="4" name="Slide Number Placeholder 3"/>
+          <p:cNvSpPr>
+            <a:spLocks noGrp="1"/>
+          </p:cNvSpPr>
+          <p:nvPr>
+            <p:ph type="sldNum" sz="quarter" idx="12"/>
+          </p:nvPr>
+        </p:nvSpPr>
+        <p:spPr/>
+        <p:txBody>
+          <a:bodyPr/>
+          <a:lstStyle/>
+          <a:p>
+            <a:fld id="{9C11CE39-2868-44A2-A0C6-827D458F7A8B}" type="slidenum">
+              <a:rPr lang="en-IN" smtClean="0"/>
+              <a:pPr/>
+              <a:t>3</a:t>
+            </a:fld>
+            <a:endParaRPr lang="en-IN"/>
+          </a:p>
+        </p:txBody>
+      </p:sp>
     </p:spTree>
     <p:custDataLst>
       <p:tags r:id="rId1"/>
@@ -12171,6 +12907,13 @@
   <p:clrMapOvr>
     <a:masterClrMapping/>
   </p:clrMapOvr>
+  <p:timing>
+    <p:tnLst>
+      <p:par>
+        <p:cTn id="1" dur="indefinite" restart="never" nodeType="tmRoot"/>
+      </p:par>
+    </p:tnLst>
+  </p:timing>
 </p:sld>
 </file>
 
@@ -12323,6 +13066,30 @@
               </a:rPr>
               <a:t>advantages of security and firewall access.</a:t>
             </a:r>
+          </a:p>
+        </p:txBody>
+      </p:sp>
+      <p:sp>
+        <p:nvSpPr>
+          <p:cNvPr id="4" name="Slide Number Placeholder 3"/>
+          <p:cNvSpPr>
+            <a:spLocks noGrp="1"/>
+          </p:cNvSpPr>
+          <p:nvPr>
+            <p:ph type="sldNum" sz="quarter" idx="12"/>
+          </p:nvPr>
+        </p:nvSpPr>
+        <p:spPr/>
+        <p:txBody>
+          <a:bodyPr/>
+          <a:lstStyle/>
+          <a:p>
+            <a:fld id="{9C11CE39-2868-44A2-A0C6-827D458F7A8B}" type="slidenum">
+              <a:rPr lang="en-IN" smtClean="0"/>
+              <a:pPr/>
+              <a:t>30</a:t>
+            </a:fld>
+            <a:endParaRPr lang="en-IN"/>
           </a:p>
         </p:txBody>
       </p:sp>
@@ -12496,6 +13263,30 @@
           </a:p>
         </p:txBody>
       </p:sp>
+      <p:sp>
+        <p:nvSpPr>
+          <p:cNvPr id="4" name="Slide Number Placeholder 3"/>
+          <p:cNvSpPr>
+            <a:spLocks noGrp="1"/>
+          </p:cNvSpPr>
+          <p:nvPr>
+            <p:ph type="sldNum" sz="quarter" idx="12"/>
+          </p:nvPr>
+        </p:nvSpPr>
+        <p:spPr/>
+        <p:txBody>
+          <a:bodyPr/>
+          <a:lstStyle/>
+          <a:p>
+            <a:fld id="{9C11CE39-2868-44A2-A0C6-827D458F7A8B}" type="slidenum">
+              <a:rPr lang="en-IN" smtClean="0"/>
+              <a:pPr/>
+              <a:t>31</a:t>
+            </a:fld>
+            <a:endParaRPr lang="en-IN"/>
+          </a:p>
+        </p:txBody>
+      </p:sp>
     </p:spTree>
     <p:custDataLst>
       <p:tags r:id="rId1"/>
@@ -12590,6 +13381,30 @@
           </a:prstGeom>
         </p:spPr>
       </p:pic>
+      <p:sp>
+        <p:nvSpPr>
+          <p:cNvPr id="3" name="Slide Number Placeholder 2"/>
+          <p:cNvSpPr>
+            <a:spLocks noGrp="1"/>
+          </p:cNvSpPr>
+          <p:nvPr>
+            <p:ph type="sldNum" sz="quarter" idx="12"/>
+          </p:nvPr>
+        </p:nvSpPr>
+        <p:spPr/>
+        <p:txBody>
+          <a:bodyPr/>
+          <a:lstStyle/>
+          <a:p>
+            <a:fld id="{9C11CE39-2868-44A2-A0C6-827D458F7A8B}" type="slidenum">
+              <a:rPr lang="en-IN" smtClean="0"/>
+              <a:pPr/>
+              <a:t>32</a:t>
+            </a:fld>
+            <a:endParaRPr lang="en-IN"/>
+          </a:p>
+        </p:txBody>
+      </p:sp>
     </p:spTree>
     <p:custDataLst>
       <p:tags r:id="rId1"/>
@@ -12748,6 +13563,30 @@
           </a:p>
         </p:txBody>
       </p:sp>
+      <p:sp>
+        <p:nvSpPr>
+          <p:cNvPr id="4" name="Slide Number Placeholder 3"/>
+          <p:cNvSpPr>
+            <a:spLocks noGrp="1"/>
+          </p:cNvSpPr>
+          <p:nvPr>
+            <p:ph type="sldNum" sz="quarter" idx="12"/>
+          </p:nvPr>
+        </p:nvSpPr>
+        <p:spPr/>
+        <p:txBody>
+          <a:bodyPr/>
+          <a:lstStyle/>
+          <a:p>
+            <a:fld id="{9C11CE39-2868-44A2-A0C6-827D458F7A8B}" type="slidenum">
+              <a:rPr lang="en-IN" smtClean="0"/>
+              <a:pPr/>
+              <a:t>33</a:t>
+            </a:fld>
+            <a:endParaRPr lang="en-IN"/>
+          </a:p>
+        </p:txBody>
+      </p:sp>
     </p:spTree>
     <p:custDataLst>
       <p:tags r:id="rId1"/>
@@ -12899,6 +13738,30 @@
           </a:p>
         </p:txBody>
       </p:sp>
+      <p:sp>
+        <p:nvSpPr>
+          <p:cNvPr id="4" name="Slide Number Placeholder 3"/>
+          <p:cNvSpPr>
+            <a:spLocks noGrp="1"/>
+          </p:cNvSpPr>
+          <p:nvPr>
+            <p:ph type="sldNum" sz="quarter" idx="12"/>
+          </p:nvPr>
+        </p:nvSpPr>
+        <p:spPr/>
+        <p:txBody>
+          <a:bodyPr/>
+          <a:lstStyle/>
+          <a:p>
+            <a:fld id="{9C11CE39-2868-44A2-A0C6-827D458F7A8B}" type="slidenum">
+              <a:rPr lang="en-IN" smtClean="0"/>
+              <a:pPr/>
+              <a:t>34</a:t>
+            </a:fld>
+            <a:endParaRPr lang="en-IN"/>
+          </a:p>
+        </p:txBody>
+      </p:sp>
     </p:spTree>
     <p:custDataLst>
       <p:tags r:id="rId1"/>
@@ -12962,11 +13825,7 @@
             </a:r>
             <a:r>
               <a:rPr lang="en-IN" dirty="0"/>
-              <a:t>Thin driver - 100% Pure </a:t>
-            </a:r>
-            <a:r>
-              <a:rPr lang="en-IN" dirty="0"/>
-              <a:t>Java</a:t>
+              <a:t>Thin driver - 100% Pure Java</a:t>
             </a:r>
             <a:br>
               <a:rPr lang="en-IN" dirty="0"/>
@@ -13036,7 +13895,7 @@
           <p:cNvPr id="5" name="Picture 2" descr="DBMS Driver type 4">
             <a:extLst>
               <a:ext uri="{FF2B5EF4-FFF2-40B4-BE49-F238E27FC236}">
-                <a16:creationId xmlns="" xmlns:a16="http://schemas.microsoft.com/office/drawing/2014/main" id="{57C48A62-F901-46D7-A298-27C50FEC6503}"/>
+                <a16:creationId xmlns:a16="http://schemas.microsoft.com/office/drawing/2014/main" xmlns="" id="{57C48A62-F901-46D7-A298-27C50FEC6503}"/>
               </a:ext>
             </a:extLst>
           </p:cNvPr>
@@ -13078,6 +13937,30 @@
           </a:extLst>
         </p:spPr>
       </p:pic>
+      <p:sp>
+        <p:nvSpPr>
+          <p:cNvPr id="4" name="Slide Number Placeholder 3"/>
+          <p:cNvSpPr>
+            <a:spLocks noGrp="1"/>
+          </p:cNvSpPr>
+          <p:nvPr>
+            <p:ph type="sldNum" sz="quarter" idx="12"/>
+          </p:nvPr>
+        </p:nvSpPr>
+        <p:spPr/>
+        <p:txBody>
+          <a:bodyPr/>
+          <a:lstStyle/>
+          <a:p>
+            <a:fld id="{9C11CE39-2868-44A2-A0C6-827D458F7A8B}" type="slidenum">
+              <a:rPr lang="en-IN" smtClean="0"/>
+              <a:pPr/>
+              <a:t>35</a:t>
+            </a:fld>
+            <a:endParaRPr lang="en-IN"/>
+          </a:p>
+        </p:txBody>
+      </p:sp>
     </p:spTree>
     <p:custDataLst>
       <p:tags r:id="rId1"/>
@@ -13133,11 +14016,7 @@
           <a:p>
             <a:r>
               <a:rPr lang="en-IN" dirty="0"/>
-              <a:t>Type 4: Thin driver - 100% Pure </a:t>
-            </a:r>
-            <a:r>
-              <a:rPr lang="en-IN" dirty="0"/>
-              <a:t>Java</a:t>
+              <a:t>Type 4: Thin driver - 100% Pure Java</a:t>
             </a:r>
             <a:br>
               <a:rPr lang="en-IN" dirty="0"/>
@@ -13270,6 +14149,30 @@
               <a:t>.</a:t>
             </a:r>
             <a:endParaRPr lang="en-IN" sz="2400" dirty="0"/>
+          </a:p>
+        </p:txBody>
+      </p:sp>
+      <p:sp>
+        <p:nvSpPr>
+          <p:cNvPr id="4" name="Slide Number Placeholder 3"/>
+          <p:cNvSpPr>
+            <a:spLocks noGrp="1"/>
+          </p:cNvSpPr>
+          <p:nvPr>
+            <p:ph type="sldNum" sz="quarter" idx="12"/>
+          </p:nvPr>
+        </p:nvSpPr>
+        <p:spPr/>
+        <p:txBody>
+          <a:bodyPr/>
+          <a:lstStyle/>
+          <a:p>
+            <a:fld id="{9C11CE39-2868-44A2-A0C6-827D458F7A8B}" type="slidenum">
+              <a:rPr lang="en-IN" smtClean="0"/>
+              <a:pPr/>
+              <a:t>36</a:t>
+            </a:fld>
+            <a:endParaRPr lang="en-IN"/>
           </a:p>
         </p:txBody>
       </p:sp>
@@ -13336,11 +14239,7 @@
             </a:r>
             <a:r>
               <a:rPr lang="en-IN" dirty="0"/>
-              <a:t>Thin driver - 100% Pure </a:t>
-            </a:r>
-            <a:r>
-              <a:rPr lang="en-IN" dirty="0"/>
-              <a:t>Java</a:t>
+              <a:t>Thin driver - 100% Pure Java</a:t>
             </a:r>
             <a:br>
               <a:rPr lang="en-IN" dirty="0"/>
@@ -13383,6 +14282,30 @@
           </a:prstGeom>
         </p:spPr>
       </p:pic>
+      <p:sp>
+        <p:nvSpPr>
+          <p:cNvPr id="3" name="Slide Number Placeholder 2"/>
+          <p:cNvSpPr>
+            <a:spLocks noGrp="1"/>
+          </p:cNvSpPr>
+          <p:nvPr>
+            <p:ph type="sldNum" sz="quarter" idx="12"/>
+          </p:nvPr>
+        </p:nvSpPr>
+        <p:spPr/>
+        <p:txBody>
+          <a:bodyPr/>
+          <a:lstStyle/>
+          <a:p>
+            <a:fld id="{9C11CE39-2868-44A2-A0C6-827D458F7A8B}" type="slidenum">
+              <a:rPr lang="en-IN" smtClean="0"/>
+              <a:pPr/>
+              <a:t>37</a:t>
+            </a:fld>
+            <a:endParaRPr lang="en-IN"/>
+          </a:p>
+        </p:txBody>
+      </p:sp>
     </p:spTree>
     <p:custDataLst>
       <p:tags r:id="rId1"/>
@@ -13614,6 +14537,30 @@
           </a:p>
         </p:txBody>
       </p:sp>
+      <p:sp>
+        <p:nvSpPr>
+          <p:cNvPr id="4" name="Slide Number Placeholder 3"/>
+          <p:cNvSpPr>
+            <a:spLocks noGrp="1"/>
+          </p:cNvSpPr>
+          <p:nvPr>
+            <p:ph type="sldNum" sz="quarter" idx="12"/>
+          </p:nvPr>
+        </p:nvSpPr>
+        <p:spPr/>
+        <p:txBody>
+          <a:bodyPr/>
+          <a:lstStyle/>
+          <a:p>
+            <a:fld id="{9C11CE39-2868-44A2-A0C6-827D458F7A8B}" type="slidenum">
+              <a:rPr lang="en-IN" smtClean="0"/>
+              <a:pPr/>
+              <a:t>38</a:t>
+            </a:fld>
+            <a:endParaRPr lang="en-IN"/>
+          </a:p>
+        </p:txBody>
+      </p:sp>
     </p:spTree>
     <p:custDataLst>
       <p:tags r:id="rId1"/>
@@ -13754,6 +14701,30 @@
               <a:t>.</a:t>
             </a:r>
             <a:endParaRPr lang="en-US" sz="2800" dirty="0"/>
+          </a:p>
+        </p:txBody>
+      </p:sp>
+      <p:sp>
+        <p:nvSpPr>
+          <p:cNvPr id="4" name="Slide Number Placeholder 3"/>
+          <p:cNvSpPr>
+            <a:spLocks noGrp="1"/>
+          </p:cNvSpPr>
+          <p:nvPr>
+            <p:ph type="sldNum" sz="quarter" idx="12"/>
+          </p:nvPr>
+        </p:nvSpPr>
+        <p:spPr/>
+        <p:txBody>
+          <a:bodyPr/>
+          <a:lstStyle/>
+          <a:p>
+            <a:fld id="{9C11CE39-2868-44A2-A0C6-827D458F7A8B}" type="slidenum">
+              <a:rPr lang="en-IN" smtClean="0"/>
+              <a:pPr/>
+              <a:t>39</a:t>
+            </a:fld>
+            <a:endParaRPr lang="en-IN"/>
           </a:p>
         </p:txBody>
       </p:sp>
@@ -13877,6 +14848,30 @@
           </a:p>
         </p:txBody>
       </p:sp>
+      <p:sp>
+        <p:nvSpPr>
+          <p:cNvPr id="4" name="Slide Number Placeholder 3"/>
+          <p:cNvSpPr>
+            <a:spLocks noGrp="1"/>
+          </p:cNvSpPr>
+          <p:nvPr>
+            <p:ph type="sldNum" sz="quarter" idx="12"/>
+          </p:nvPr>
+        </p:nvSpPr>
+        <p:spPr/>
+        <p:txBody>
+          <a:bodyPr/>
+          <a:lstStyle/>
+          <a:p>
+            <a:fld id="{9C11CE39-2868-44A2-A0C6-827D458F7A8B}" type="slidenum">
+              <a:rPr lang="en-IN" smtClean="0"/>
+              <a:pPr/>
+              <a:t>4</a:t>
+            </a:fld>
+            <a:endParaRPr lang="en-IN"/>
+          </a:p>
+        </p:txBody>
+      </p:sp>
     </p:spTree>
     <p:custDataLst>
       <p:tags r:id="rId1"/>
@@ -13890,6 +14885,13 @@
   <p:clrMapOvr>
     <a:masterClrMapping/>
   </p:clrMapOvr>
+  <p:timing>
+    <p:tnLst>
+      <p:par>
+        <p:cTn id="1" dur="indefinite" restart="never" nodeType="tmRoot"/>
+      </p:par>
+    </p:tnLst>
+  </p:timing>
 </p:sld>
 </file>
 
@@ -13963,6 +14965,30 @@
                 <a:schemeClr val="tx1"/>
               </a:solidFill>
             </a:endParaRPr>
+          </a:p>
+        </p:txBody>
+      </p:sp>
+      <p:sp>
+        <p:nvSpPr>
+          <p:cNvPr id="4" name="Slide Number Placeholder 3"/>
+          <p:cNvSpPr>
+            <a:spLocks noGrp="1"/>
+          </p:cNvSpPr>
+          <p:nvPr>
+            <p:ph type="sldNum" sz="quarter" idx="12"/>
+          </p:nvPr>
+        </p:nvSpPr>
+        <p:spPr/>
+        <p:txBody>
+          <a:bodyPr/>
+          <a:lstStyle/>
+          <a:p>
+            <a:fld id="{9C11CE39-2868-44A2-A0C6-827D458F7A8B}" type="slidenum">
+              <a:rPr lang="en-IN" smtClean="0"/>
+              <a:pPr/>
+              <a:t>40</a:t>
+            </a:fld>
+            <a:endParaRPr lang="en-IN"/>
           </a:p>
         </p:txBody>
       </p:sp>
@@ -14121,6 +15147,30 @@
           </a:p>
         </p:txBody>
       </p:sp>
+      <p:sp>
+        <p:nvSpPr>
+          <p:cNvPr id="4" name="Slide Number Placeholder 3"/>
+          <p:cNvSpPr>
+            <a:spLocks noGrp="1"/>
+          </p:cNvSpPr>
+          <p:nvPr>
+            <p:ph type="sldNum" sz="quarter" idx="12"/>
+          </p:nvPr>
+        </p:nvSpPr>
+        <p:spPr/>
+        <p:txBody>
+          <a:bodyPr/>
+          <a:lstStyle/>
+          <a:p>
+            <a:fld id="{9C11CE39-2868-44A2-A0C6-827D458F7A8B}" type="slidenum">
+              <a:rPr lang="en-IN" smtClean="0"/>
+              <a:pPr/>
+              <a:t>41</a:t>
+            </a:fld>
+            <a:endParaRPr lang="en-IN"/>
+          </a:p>
+        </p:txBody>
+      </p:sp>
     </p:spTree>
     <p:custDataLst>
       <p:tags r:id="rId1"/>
@@ -14446,6 +15496,30 @@
           </a:p>
         </p:txBody>
       </p:sp>
+      <p:sp>
+        <p:nvSpPr>
+          <p:cNvPr id="4" name="Slide Number Placeholder 3"/>
+          <p:cNvSpPr>
+            <a:spLocks noGrp="1"/>
+          </p:cNvSpPr>
+          <p:nvPr>
+            <p:ph type="sldNum" sz="quarter" idx="12"/>
+          </p:nvPr>
+        </p:nvSpPr>
+        <p:spPr/>
+        <p:txBody>
+          <a:bodyPr/>
+          <a:lstStyle/>
+          <a:p>
+            <a:fld id="{9C11CE39-2868-44A2-A0C6-827D458F7A8B}" type="slidenum">
+              <a:rPr lang="en-IN" smtClean="0"/>
+              <a:pPr/>
+              <a:t>42</a:t>
+            </a:fld>
+            <a:endParaRPr lang="en-IN"/>
+          </a:p>
+        </p:txBody>
+      </p:sp>
     </p:spTree>
     <p:custDataLst>
       <p:tags r:id="rId1"/>
@@ -14604,6 +15678,30 @@
           </a:p>
         </p:txBody>
       </p:sp>
+      <p:sp>
+        <p:nvSpPr>
+          <p:cNvPr id="4" name="Slide Number Placeholder 3"/>
+          <p:cNvSpPr>
+            <a:spLocks noGrp="1"/>
+          </p:cNvSpPr>
+          <p:nvPr>
+            <p:ph type="sldNum" sz="quarter" idx="12"/>
+          </p:nvPr>
+        </p:nvSpPr>
+        <p:spPr/>
+        <p:txBody>
+          <a:bodyPr/>
+          <a:lstStyle/>
+          <a:p>
+            <a:fld id="{9C11CE39-2868-44A2-A0C6-827D458F7A8B}" type="slidenum">
+              <a:rPr lang="en-IN" smtClean="0"/>
+              <a:pPr/>
+              <a:t>43</a:t>
+            </a:fld>
+            <a:endParaRPr lang="en-IN"/>
+          </a:p>
+        </p:txBody>
+      </p:sp>
     </p:spTree>
     <p:custDataLst>
       <p:tags r:id="rId1"/>
@@ -14693,6 +15791,30 @@
           </a:p>
         </p:txBody>
       </p:sp>
+      <p:sp>
+        <p:nvSpPr>
+          <p:cNvPr id="4" name="Slide Number Placeholder 3"/>
+          <p:cNvSpPr>
+            <a:spLocks noGrp="1"/>
+          </p:cNvSpPr>
+          <p:nvPr>
+            <p:ph type="sldNum" sz="quarter" idx="12"/>
+          </p:nvPr>
+        </p:nvSpPr>
+        <p:spPr/>
+        <p:txBody>
+          <a:bodyPr/>
+          <a:lstStyle/>
+          <a:p>
+            <a:fld id="{9C11CE39-2868-44A2-A0C6-827D458F7A8B}" type="slidenum">
+              <a:rPr lang="en-IN" smtClean="0"/>
+              <a:pPr/>
+              <a:t>44</a:t>
+            </a:fld>
+            <a:endParaRPr lang="en-IN"/>
+          </a:p>
+        </p:txBody>
+      </p:sp>
     </p:spTree>
     <p:custDataLst>
       <p:tags r:id="rId1"/>
@@ -14905,6 +16027,30 @@
           </a:p>
         </p:txBody>
       </p:sp>
+      <p:sp>
+        <p:nvSpPr>
+          <p:cNvPr id="4" name="Slide Number Placeholder 3"/>
+          <p:cNvSpPr>
+            <a:spLocks noGrp="1"/>
+          </p:cNvSpPr>
+          <p:nvPr>
+            <p:ph type="sldNum" sz="quarter" idx="12"/>
+          </p:nvPr>
+        </p:nvSpPr>
+        <p:spPr/>
+        <p:txBody>
+          <a:bodyPr/>
+          <a:lstStyle/>
+          <a:p>
+            <a:fld id="{9C11CE39-2868-44A2-A0C6-827D458F7A8B}" type="slidenum">
+              <a:rPr lang="en-IN" smtClean="0"/>
+              <a:pPr/>
+              <a:t>45</a:t>
+            </a:fld>
+            <a:endParaRPr lang="en-IN"/>
+          </a:p>
+        </p:txBody>
+      </p:sp>
     </p:spTree>
     <p:custDataLst>
       <p:tags r:id="rId1"/>
@@ -15087,6 +16233,30 @@
           </a:p>
         </p:txBody>
       </p:sp>
+      <p:sp>
+        <p:nvSpPr>
+          <p:cNvPr id="4" name="Slide Number Placeholder 3"/>
+          <p:cNvSpPr>
+            <a:spLocks noGrp="1"/>
+          </p:cNvSpPr>
+          <p:nvPr>
+            <p:ph type="sldNum" sz="quarter" idx="12"/>
+          </p:nvPr>
+        </p:nvSpPr>
+        <p:spPr/>
+        <p:txBody>
+          <a:bodyPr/>
+          <a:lstStyle/>
+          <a:p>
+            <a:fld id="{9C11CE39-2868-44A2-A0C6-827D458F7A8B}" type="slidenum">
+              <a:rPr lang="en-IN" smtClean="0"/>
+              <a:pPr/>
+              <a:t>46</a:t>
+            </a:fld>
+            <a:endParaRPr lang="en-IN"/>
+          </a:p>
+        </p:txBody>
+      </p:sp>
     </p:spTree>
     <p:custDataLst>
       <p:tags r:id="rId1"/>
@@ -15448,13 +16618,6 @@
               </a:rPr>
               <a:t>", </a:t>
             </a:r>
-            <a:endParaRPr lang="en-US" sz="2400" dirty="0" smtClean="0">
-              <a:solidFill>
-                <a:srgbClr val="FF0000"/>
-              </a:solidFill>
-              <a:latin typeface="Courier New" pitchFamily="49" charset="0"/>
-              <a:cs typeface="Courier New" pitchFamily="49" charset="0"/>
-            </a:endParaRPr>
           </a:p>
           <a:p>
             <a:pPr marL="0" indent="0">
@@ -15603,6 +16766,30 @@
                 <a:srgbClr val="FF0000"/>
               </a:solidFill>
             </a:endParaRPr>
+          </a:p>
+        </p:txBody>
+      </p:sp>
+      <p:sp>
+        <p:nvSpPr>
+          <p:cNvPr id="4" name="Slide Number Placeholder 3"/>
+          <p:cNvSpPr>
+            <a:spLocks noGrp="1"/>
+          </p:cNvSpPr>
+          <p:nvPr>
+            <p:ph type="sldNum" sz="quarter" idx="12"/>
+          </p:nvPr>
+        </p:nvSpPr>
+        <p:spPr/>
+        <p:txBody>
+          <a:bodyPr/>
+          <a:lstStyle/>
+          <a:p>
+            <a:fld id="{9C11CE39-2868-44A2-A0C6-827D458F7A8B}" type="slidenum">
+              <a:rPr lang="en-IN" smtClean="0"/>
+              <a:pPr/>
+              <a:t>47</a:t>
+            </a:fld>
+            <a:endParaRPr lang="en-IN"/>
           </a:p>
         </p:txBody>
       </p:sp>
@@ -15959,17 +17146,7 @@
                 <a:latin typeface="Courier New" pitchFamily="49" charset="0"/>
                 <a:cs typeface="Courier New" pitchFamily="49" charset="0"/>
               </a:rPr>
-              <a:t> </a:t>
-            </a:r>
-            <a:r>
-              <a:rPr lang="en-IN" sz="2400" dirty="0" smtClean="0">
-                <a:solidFill>
-                  <a:srgbClr val="FF0000"/>
-                </a:solidFill>
-                <a:latin typeface="Courier New" pitchFamily="49" charset="0"/>
-                <a:cs typeface="Courier New" pitchFamily="49" charset="0"/>
-              </a:rPr>
-              <a:t>	</a:t>
+              <a:t> 	</a:t>
             </a:r>
             <a:r>
               <a:rPr lang="en-IN" sz="2400" dirty="0" err="1" smtClean="0">
@@ -16183,6 +17360,30 @@
               <a:latin typeface="Courier New" pitchFamily="49" charset="0"/>
               <a:cs typeface="Courier New" pitchFamily="49" charset="0"/>
             </a:endParaRPr>
+          </a:p>
+        </p:txBody>
+      </p:sp>
+      <p:sp>
+        <p:nvSpPr>
+          <p:cNvPr id="4" name="Slide Number Placeholder 3"/>
+          <p:cNvSpPr>
+            <a:spLocks noGrp="1"/>
+          </p:cNvSpPr>
+          <p:nvPr>
+            <p:ph type="sldNum" sz="quarter" idx="12"/>
+          </p:nvPr>
+        </p:nvSpPr>
+        <p:spPr/>
+        <p:txBody>
+          <a:bodyPr/>
+          <a:lstStyle/>
+          <a:p>
+            <a:fld id="{9C11CE39-2868-44A2-A0C6-827D458F7A8B}" type="slidenum">
+              <a:rPr lang="en-IN" smtClean="0"/>
+              <a:pPr/>
+              <a:t>48</a:t>
+            </a:fld>
+            <a:endParaRPr lang="en-IN"/>
           </a:p>
         </p:txBody>
       </p:sp>
@@ -16464,6 +17665,30 @@
           </a:p>
         </p:txBody>
       </p:sp>
+      <p:sp>
+        <p:nvSpPr>
+          <p:cNvPr id="4" name="Slide Number Placeholder 3"/>
+          <p:cNvSpPr>
+            <a:spLocks noGrp="1"/>
+          </p:cNvSpPr>
+          <p:nvPr>
+            <p:ph type="sldNum" sz="quarter" idx="12"/>
+          </p:nvPr>
+        </p:nvSpPr>
+        <p:spPr/>
+        <p:txBody>
+          <a:bodyPr/>
+          <a:lstStyle/>
+          <a:p>
+            <a:fld id="{9C11CE39-2868-44A2-A0C6-827D458F7A8B}" type="slidenum">
+              <a:rPr lang="en-IN" smtClean="0"/>
+              <a:pPr/>
+              <a:t>49</a:t>
+            </a:fld>
+            <a:endParaRPr lang="en-IN"/>
+          </a:p>
+        </p:txBody>
+      </p:sp>
     </p:spTree>
     <p:custDataLst>
       <p:tags r:id="rId1"/>
@@ -16568,7 +17793,7 @@
           <p:cNvPr id="4" name="Picture 2" descr="JDBC (Java Database Connectivity) ">
             <a:extLst>
               <a:ext uri="{FF2B5EF4-FFF2-40B4-BE49-F238E27FC236}">
-                <a16:creationId xmlns:a16="http://schemas.microsoft.com/office/drawing/2014/main" xmlns="" id="{8D2A4FC5-5399-4C70-9408-57F4BF985BB1}"/>
+                <a16:creationId xmlns="" xmlns:a16="http://schemas.microsoft.com/office/drawing/2014/main" id="{8D2A4FC5-5399-4C70-9408-57F4BF985BB1}"/>
               </a:ext>
             </a:extLst>
           </p:cNvPr>
@@ -16610,6 +17835,30 @@
           </a:extLst>
         </p:spPr>
       </p:pic>
+      <p:sp>
+        <p:nvSpPr>
+          <p:cNvPr id="5" name="Slide Number Placeholder 4"/>
+          <p:cNvSpPr>
+            <a:spLocks noGrp="1"/>
+          </p:cNvSpPr>
+          <p:nvPr>
+            <p:ph type="sldNum" sz="quarter" idx="12"/>
+          </p:nvPr>
+        </p:nvSpPr>
+        <p:spPr/>
+        <p:txBody>
+          <a:bodyPr/>
+          <a:lstStyle/>
+          <a:p>
+            <a:fld id="{9C11CE39-2868-44A2-A0C6-827D458F7A8B}" type="slidenum">
+              <a:rPr lang="en-IN" smtClean="0"/>
+              <a:pPr/>
+              <a:t>5</a:t>
+            </a:fld>
+            <a:endParaRPr lang="en-IN"/>
+          </a:p>
+        </p:txBody>
+      </p:sp>
     </p:spTree>
     <p:custDataLst>
       <p:tags r:id="rId1"/>
@@ -16623,6 +17872,13 @@
   <p:clrMapOvr>
     <a:masterClrMapping/>
   </p:clrMapOvr>
+  <p:timing>
+    <p:tnLst>
+      <p:par>
+        <p:cTn id="1" dur="indefinite" restart="never" nodeType="tmRoot"/>
+      </p:par>
+    </p:tnLst>
+  </p:timing>
 </p:sld>
 </file>
 
@@ -16696,6 +17952,30 @@
                 <a:schemeClr val="tx1"/>
               </a:solidFill>
             </a:endParaRPr>
+          </a:p>
+        </p:txBody>
+      </p:sp>
+      <p:sp>
+        <p:nvSpPr>
+          <p:cNvPr id="4" name="Slide Number Placeholder 3"/>
+          <p:cNvSpPr>
+            <a:spLocks noGrp="1"/>
+          </p:cNvSpPr>
+          <p:nvPr>
+            <p:ph type="sldNum" sz="quarter" idx="12"/>
+          </p:nvPr>
+        </p:nvSpPr>
+        <p:spPr/>
+        <p:txBody>
+          <a:bodyPr/>
+          <a:lstStyle/>
+          <a:p>
+            <a:fld id="{9C11CE39-2868-44A2-A0C6-827D458F7A8B}" type="slidenum">
+              <a:rPr lang="en-IN" smtClean="0"/>
+              <a:pPr/>
+              <a:t>50</a:t>
+            </a:fld>
+            <a:endParaRPr lang="en-IN"/>
           </a:p>
         </p:txBody>
       </p:sp>
@@ -16996,6 +18276,30 @@
           </a:p>
         </p:txBody>
       </p:sp>
+      <p:sp>
+        <p:nvSpPr>
+          <p:cNvPr id="4" name="Slide Number Placeholder 3"/>
+          <p:cNvSpPr>
+            <a:spLocks noGrp="1"/>
+          </p:cNvSpPr>
+          <p:nvPr>
+            <p:ph type="sldNum" sz="quarter" idx="12"/>
+          </p:nvPr>
+        </p:nvSpPr>
+        <p:spPr/>
+        <p:txBody>
+          <a:bodyPr/>
+          <a:lstStyle/>
+          <a:p>
+            <a:fld id="{9C11CE39-2868-44A2-A0C6-827D458F7A8B}" type="slidenum">
+              <a:rPr lang="en-IN" smtClean="0"/>
+              <a:pPr/>
+              <a:t>51</a:t>
+            </a:fld>
+            <a:endParaRPr lang="en-IN"/>
+          </a:p>
+        </p:txBody>
+      </p:sp>
     </p:spTree>
     <p:custDataLst>
       <p:tags r:id="rId1"/>
@@ -17230,6 +18534,30 @@
           </a:p>
         </p:txBody>
       </p:sp>
+      <p:sp>
+        <p:nvSpPr>
+          <p:cNvPr id="4" name="Slide Number Placeholder 3"/>
+          <p:cNvSpPr>
+            <a:spLocks noGrp="1"/>
+          </p:cNvSpPr>
+          <p:nvPr>
+            <p:ph type="sldNum" sz="quarter" idx="12"/>
+          </p:nvPr>
+        </p:nvSpPr>
+        <p:spPr/>
+        <p:txBody>
+          <a:bodyPr/>
+          <a:lstStyle/>
+          <a:p>
+            <a:fld id="{9C11CE39-2868-44A2-A0C6-827D458F7A8B}" type="slidenum">
+              <a:rPr lang="en-IN" smtClean="0"/>
+              <a:pPr/>
+              <a:t>52</a:t>
+            </a:fld>
+            <a:endParaRPr lang="en-IN"/>
+          </a:p>
+        </p:txBody>
+      </p:sp>
     </p:spTree>
     <p:custDataLst>
       <p:tags r:id="rId1"/>
@@ -17468,11 +18796,7 @@
             </a:r>
             <a:r>
               <a:rPr lang="en-IN" sz="2800" dirty="0" smtClean="0"/>
-              <a:t>con = </a:t>
-            </a:r>
-            <a:r>
-              <a:rPr lang="en-IN" sz="2800" dirty="0" smtClean="0"/>
-              <a:t> </a:t>
+              <a:t>con =  </a:t>
             </a:r>
           </a:p>
           <a:p>
@@ -17503,7 +18827,6 @@
               <a:rPr lang="en-IN" sz="2800" dirty="0" smtClean="0"/>
               <a:t>", </a:t>
             </a:r>
-            <a:endParaRPr lang="en-IN" sz="2800" dirty="0" smtClean="0"/>
           </a:p>
           <a:p>
             <a:pPr marL="0" indent="0">
@@ -17515,11 +18838,7 @@
             </a:r>
             <a:r>
               <a:rPr lang="en-IN" sz="2800" dirty="0" smtClean="0"/>
-              <a:t>			       </a:t>
-            </a:r>
-            <a:r>
-              <a:rPr lang="en-IN" sz="2800" dirty="0" smtClean="0"/>
-              <a:t>"</a:t>
+              <a:t>			       "</a:t>
             </a:r>
             <a:r>
               <a:rPr lang="en-IN" sz="2800" dirty="0"/>
@@ -17737,6 +19056,30 @@
               <a:latin typeface="Courier New" panose="02070309020205020404" pitchFamily="49" charset="0"/>
               <a:cs typeface="Courier New" panose="02070309020205020404" pitchFamily="49" charset="0"/>
             </a:endParaRPr>
+          </a:p>
+        </p:txBody>
+      </p:sp>
+      <p:sp>
+        <p:nvSpPr>
+          <p:cNvPr id="4" name="Slide Number Placeholder 3"/>
+          <p:cNvSpPr>
+            <a:spLocks noGrp="1"/>
+          </p:cNvSpPr>
+          <p:nvPr>
+            <p:ph type="sldNum" sz="quarter" idx="12"/>
+          </p:nvPr>
+        </p:nvSpPr>
+        <p:spPr/>
+        <p:txBody>
+          <a:bodyPr/>
+          <a:lstStyle/>
+          <a:p>
+            <a:fld id="{9C11CE39-2868-44A2-A0C6-827D458F7A8B}" type="slidenum">
+              <a:rPr lang="en-IN" smtClean="0"/>
+              <a:pPr/>
+              <a:t>53</a:t>
+            </a:fld>
+            <a:endParaRPr lang="en-IN"/>
           </a:p>
         </p:txBody>
       </p:sp>
@@ -17878,126 +19221,118 @@
             </a:r>
             <a:r>
               <a:rPr lang="en-IN" sz="2800" dirty="0"/>
+              <a:t>  </a:t>
+            </a:r>
+            <a:r>
+              <a:rPr lang="en-IN" sz="2800" dirty="0" smtClean="0"/>
+              <a:t>MysqlStatement2{</a:t>
+            </a:r>
+            <a:r>
+              <a:rPr lang="en-IN" sz="2800" dirty="0"/>
+              <a:t>  </a:t>
+            </a:r>
+          </a:p>
+          <a:p>
+            <a:pPr marL="0" indent="0">
+              <a:buNone/>
+            </a:pPr>
+            <a:r>
+              <a:rPr lang="en-IN" sz="2800" b="1" dirty="0"/>
+              <a:t>public</a:t>
+            </a:r>
+            <a:r>
+              <a:rPr lang="en-IN" sz="2800" dirty="0"/>
               <a:t> </a:t>
             </a:r>
+            <a:r>
+              <a:rPr lang="en-IN" sz="2800" b="1" dirty="0"/>
+              <a:t>static</a:t>
+            </a:r>
+            <a:r>
+              <a:rPr lang="en-IN" sz="2800" dirty="0"/>
+              <a:t> </a:t>
+            </a:r>
+            <a:r>
+              <a:rPr lang="en-IN" sz="2800" b="1" dirty="0"/>
+              <a:t>void</a:t>
+            </a:r>
+            <a:r>
+              <a:rPr lang="en-IN" sz="2800" dirty="0"/>
+              <a:t> main(String </a:t>
+            </a:r>
+            <a:r>
+              <a:rPr lang="en-IN" sz="2800" dirty="0" err="1"/>
+              <a:t>args</a:t>
+            </a:r>
+            <a:r>
+              <a:rPr lang="en-IN" sz="2800" dirty="0"/>
+              <a:t>[]){  </a:t>
+            </a:r>
+          </a:p>
+          <a:p>
+            <a:pPr marL="0" indent="0">
+              <a:buNone/>
+            </a:pPr>
+            <a:r>
+              <a:rPr lang="en-IN" sz="2800" b="1" dirty="0"/>
+              <a:t>try</a:t>
+            </a:r>
+            <a:r>
+              <a:rPr lang="en-IN" sz="2800" dirty="0"/>
+              <a:t>{  </a:t>
+            </a:r>
+          </a:p>
+          <a:p>
+            <a:pPr marL="0" indent="0">
+              <a:buNone/>
+            </a:pPr>
+            <a:r>
+              <a:rPr lang="en-IN" sz="2800" dirty="0" smtClean="0"/>
+              <a:t> </a:t>
+            </a:r>
+            <a:r>
+              <a:rPr lang="en-IN" sz="2800" dirty="0" err="1" smtClean="0"/>
+              <a:t>Class.forName</a:t>
+            </a:r>
+            <a:r>
+              <a:rPr lang="en-IN" sz="2800" dirty="0"/>
+              <a:t>("</a:t>
+            </a:r>
+            <a:r>
+              <a:rPr lang="en-IN" sz="2800" dirty="0" err="1"/>
+              <a:t>com.mysql.jdbc.Driver</a:t>
+            </a:r>
+            <a:r>
+              <a:rPr lang="en-IN" sz="2800" dirty="0"/>
+              <a:t>");  </a:t>
+            </a:r>
+          </a:p>
+          <a:p>
+            <a:pPr marL="0" indent="0">
+              <a:buNone/>
+            </a:pPr>
+            <a:r>
+              <a:rPr lang="en-IN" sz="2800" dirty="0" smtClean="0"/>
+              <a:t> Connection</a:t>
+            </a:r>
+            <a:r>
+              <a:rPr lang="en-IN" sz="2800" dirty="0"/>
+              <a:t> </a:t>
+            </a:r>
+            <a:r>
+              <a:rPr lang="en-IN" sz="2800" dirty="0" smtClean="0"/>
+              <a:t>con =  </a:t>
+            </a:r>
+          </a:p>
+          <a:p>
+            <a:pPr marL="0" indent="0">
+              <a:buNone/>
+            </a:pPr>
             <a:r>
               <a:rPr lang="en-IN" sz="2800" dirty="0"/>
               <a:t> </a:t>
             </a:r>
             <a:r>
-              <a:rPr lang="en-IN" sz="2800" dirty="0" smtClean="0"/>
-              <a:t>MysqlStatement2{</a:t>
-            </a:r>
-            <a:r>
-              <a:rPr lang="en-IN" sz="2800" dirty="0"/>
-              <a:t>  </a:t>
-            </a:r>
-          </a:p>
-          <a:p>
-            <a:pPr marL="0" indent="0">
-              <a:buNone/>
-            </a:pPr>
-            <a:r>
-              <a:rPr lang="en-IN" sz="2800" b="1" dirty="0"/>
-              <a:t>public</a:t>
-            </a:r>
-            <a:r>
-              <a:rPr lang="en-IN" sz="2800" dirty="0"/>
-              <a:t> </a:t>
-            </a:r>
-            <a:r>
-              <a:rPr lang="en-IN" sz="2800" b="1" dirty="0"/>
-              <a:t>static</a:t>
-            </a:r>
-            <a:r>
-              <a:rPr lang="en-IN" sz="2800" dirty="0"/>
-              <a:t> </a:t>
-            </a:r>
-            <a:r>
-              <a:rPr lang="en-IN" sz="2800" b="1" dirty="0"/>
-              <a:t>void</a:t>
-            </a:r>
-            <a:r>
-              <a:rPr lang="en-IN" sz="2800" dirty="0"/>
-              <a:t> main(String </a:t>
-            </a:r>
-            <a:r>
-              <a:rPr lang="en-IN" sz="2800" dirty="0" err="1"/>
-              <a:t>args</a:t>
-            </a:r>
-            <a:r>
-              <a:rPr lang="en-IN" sz="2800" dirty="0"/>
-              <a:t>[]){  </a:t>
-            </a:r>
-          </a:p>
-          <a:p>
-            <a:pPr marL="0" indent="0">
-              <a:buNone/>
-            </a:pPr>
-            <a:r>
-              <a:rPr lang="en-IN" sz="2800" b="1" dirty="0"/>
-              <a:t>try</a:t>
-            </a:r>
-            <a:r>
-              <a:rPr lang="en-IN" sz="2800" dirty="0"/>
-              <a:t>{  </a:t>
-            </a:r>
-          </a:p>
-          <a:p>
-            <a:pPr marL="0" indent="0">
-              <a:buNone/>
-            </a:pPr>
-            <a:r>
-              <a:rPr lang="en-IN" sz="2800" dirty="0" smtClean="0"/>
-              <a:t> </a:t>
-            </a:r>
-            <a:r>
-              <a:rPr lang="en-IN" sz="2800" dirty="0" err="1" smtClean="0"/>
-              <a:t>Class.forName</a:t>
-            </a:r>
-            <a:r>
-              <a:rPr lang="en-IN" sz="2800" dirty="0"/>
-              <a:t>("</a:t>
-            </a:r>
-            <a:r>
-              <a:rPr lang="en-IN" sz="2800" dirty="0" err="1"/>
-              <a:t>com.mysql.jdbc.Driver</a:t>
-            </a:r>
-            <a:r>
-              <a:rPr lang="en-IN" sz="2800" dirty="0"/>
-              <a:t>");  </a:t>
-            </a:r>
-          </a:p>
-          <a:p>
-            <a:pPr marL="0" indent="0">
-              <a:buNone/>
-            </a:pPr>
-            <a:r>
-              <a:rPr lang="en-IN" sz="2800" dirty="0" smtClean="0"/>
-              <a:t> Connection</a:t>
-            </a:r>
-            <a:r>
-              <a:rPr lang="en-IN" sz="2800" dirty="0"/>
-              <a:t> </a:t>
-            </a:r>
-            <a:r>
-              <a:rPr lang="en-IN" sz="2800" dirty="0" smtClean="0"/>
-              <a:t>con = </a:t>
-            </a:r>
-            <a:r>
-              <a:rPr lang="en-IN" sz="2800" dirty="0" smtClean="0"/>
-              <a:t> </a:t>
-            </a:r>
-          </a:p>
-          <a:p>
-            <a:pPr marL="0" indent="0">
-              <a:buNone/>
-            </a:pPr>
-            <a:r>
-              <a:rPr lang="en-IN" sz="2800" dirty="0"/>
-              <a:t> </a:t>
-            </a:r>
-            <a:r>
               <a:rPr lang="en-IN" sz="2800" dirty="0" err="1" smtClean="0"/>
               <a:t>DriverManager.getConnection</a:t>
             </a:r>
@@ -18017,7 +19352,6 @@
               <a:rPr lang="en-IN" sz="2800" dirty="0" smtClean="0"/>
               <a:t>", </a:t>
             </a:r>
-            <a:endParaRPr lang="en-IN" sz="2800" dirty="0" smtClean="0"/>
           </a:p>
           <a:p>
             <a:pPr marL="0" indent="0">
@@ -18029,11 +19363,7 @@
             </a:r>
             <a:r>
               <a:rPr lang="en-IN" sz="2800" dirty="0" smtClean="0"/>
-              <a:t>			       </a:t>
-            </a:r>
-            <a:r>
-              <a:rPr lang="en-IN" sz="2800" dirty="0" smtClean="0"/>
-              <a:t>"</a:t>
+              <a:t>			       "</a:t>
             </a:r>
             <a:r>
               <a:rPr lang="en-IN" sz="2800" dirty="0"/>
@@ -18202,6 +19532,30 @@
               <a:latin typeface="Courier New" panose="02070309020205020404" pitchFamily="49" charset="0"/>
               <a:cs typeface="Courier New" panose="02070309020205020404" pitchFamily="49" charset="0"/>
             </a:endParaRPr>
+          </a:p>
+        </p:txBody>
+      </p:sp>
+      <p:sp>
+        <p:nvSpPr>
+          <p:cNvPr id="4" name="Slide Number Placeholder 3"/>
+          <p:cNvSpPr>
+            <a:spLocks noGrp="1"/>
+          </p:cNvSpPr>
+          <p:nvPr>
+            <p:ph type="sldNum" sz="quarter" idx="12"/>
+          </p:nvPr>
+        </p:nvSpPr>
+        <p:spPr/>
+        <p:txBody>
+          <a:bodyPr/>
+          <a:lstStyle/>
+          <a:p>
+            <a:fld id="{9C11CE39-2868-44A2-A0C6-827D458F7A8B}" type="slidenum">
+              <a:rPr lang="en-IN" smtClean="0"/>
+              <a:pPr/>
+              <a:t>54</a:t>
+            </a:fld>
+            <a:endParaRPr lang="en-IN"/>
           </a:p>
         </p:txBody>
       </p:sp>
@@ -18528,6 +19882,30 @@
           </a:p>
         </p:txBody>
       </p:sp>
+      <p:sp>
+        <p:nvSpPr>
+          <p:cNvPr id="4" name="Slide Number Placeholder 3"/>
+          <p:cNvSpPr>
+            <a:spLocks noGrp="1"/>
+          </p:cNvSpPr>
+          <p:nvPr>
+            <p:ph type="sldNum" sz="quarter" idx="12"/>
+          </p:nvPr>
+        </p:nvSpPr>
+        <p:spPr/>
+        <p:txBody>
+          <a:bodyPr/>
+          <a:lstStyle/>
+          <a:p>
+            <a:fld id="{9C11CE39-2868-44A2-A0C6-827D458F7A8B}" type="slidenum">
+              <a:rPr lang="en-IN" smtClean="0"/>
+              <a:pPr/>
+              <a:t>55</a:t>
+            </a:fld>
+            <a:endParaRPr lang="en-IN"/>
+          </a:p>
+        </p:txBody>
+      </p:sp>
     </p:spTree>
     <p:custDataLst>
       <p:tags r:id="rId1"/>
@@ -18582,15 +19960,7 @@
             </a:r>
             <a:r>
               <a:rPr lang="en-US" dirty="0" smtClean="0"/>
-              <a:t>1.3</a:t>
-            </a:r>
-            <a:r>
-              <a:rPr lang="en-US" dirty="0" smtClean="0"/>
-              <a:t>:</a:t>
-            </a:r>
-            <a:r>
-              <a:rPr lang="en-US" dirty="0" smtClean="0"/>
-              <a:t/>
+              <a:t>1.3:</a:t>
             </a:r>
             <a:br>
               <a:rPr lang="en-US" dirty="0" smtClean="0"/>
@@ -18812,28 +20182,7 @@
                 <a:latin typeface="Courier New" pitchFamily="49" charset="0"/>
                 <a:cs typeface="Courier New" pitchFamily="49" charset="0"/>
               </a:rPr>
-              <a:t> </a:t>
-            </a:r>
-            <a:r>
-              <a:rPr lang="en-IN" sz="2800" dirty="0" smtClean="0">
-                <a:latin typeface="Courier New" pitchFamily="49" charset="0"/>
-                <a:cs typeface="Courier New" pitchFamily="49" charset="0"/>
-              </a:rPr>
-              <a:t>( "</a:t>
-            </a:r>
-            <a:r>
-              <a:rPr lang="en-IN" sz="2800" dirty="0" smtClean="0">
-                <a:latin typeface="Courier New" pitchFamily="49" charset="0"/>
-                <a:cs typeface="Courier New" pitchFamily="49" charset="0"/>
-              </a:rPr>
-              <a:t>create </a:t>
-            </a:r>
-            <a:r>
-              <a:rPr lang="en-IN" sz="2800" dirty="0" smtClean="0">
-                <a:latin typeface="Courier New" pitchFamily="49" charset="0"/>
-                <a:cs typeface="Courier New" pitchFamily="49" charset="0"/>
-              </a:rPr>
-              <a:t>TABLE Students(Roll </a:t>
+              <a:t> ( "create TABLE Students(Roll </a:t>
             </a:r>
             <a:r>
               <a:rPr lang="en-IN" sz="2800" dirty="0">
@@ -19014,6 +20363,30 @@
               </a:rPr>
               <a:t>("Table Not created");</a:t>
             </a:r>
+          </a:p>
+        </p:txBody>
+      </p:sp>
+      <p:sp>
+        <p:nvSpPr>
+          <p:cNvPr id="4" name="Slide Number Placeholder 3"/>
+          <p:cNvSpPr>
+            <a:spLocks noGrp="1"/>
+          </p:cNvSpPr>
+          <p:nvPr>
+            <p:ph type="sldNum" sz="quarter" idx="12"/>
+          </p:nvPr>
+        </p:nvSpPr>
+        <p:spPr/>
+        <p:txBody>
+          <a:bodyPr/>
+          <a:lstStyle/>
+          <a:p>
+            <a:fld id="{9C11CE39-2868-44A2-A0C6-827D458F7A8B}" type="slidenum">
+              <a:rPr lang="en-IN" smtClean="0"/>
+              <a:pPr/>
+              <a:t>56</a:t>
+            </a:fld>
+            <a:endParaRPr lang="en-IN"/>
           </a:p>
         </p:txBody>
       </p:sp>
@@ -19071,15 +20444,7 @@
             </a:r>
             <a:r>
               <a:rPr lang="en-US" dirty="0" smtClean="0"/>
-              <a:t>1.4</a:t>
-            </a:r>
-            <a:r>
-              <a:rPr lang="en-US" dirty="0" smtClean="0"/>
-              <a:t>:</a:t>
-            </a:r>
-            <a:r>
-              <a:rPr lang="en-US" dirty="0" smtClean="0"/>
-              <a:t/>
+              <a:t>1.4:</a:t>
             </a:r>
             <a:br>
               <a:rPr lang="en-US" dirty="0" smtClean="0"/>
@@ -19430,6 +20795,30 @@
               <a:latin typeface="Courier New" pitchFamily="49" charset="0"/>
               <a:cs typeface="Courier New" pitchFamily="49" charset="0"/>
             </a:endParaRPr>
+          </a:p>
+        </p:txBody>
+      </p:sp>
+      <p:sp>
+        <p:nvSpPr>
+          <p:cNvPr id="4" name="Slide Number Placeholder 3"/>
+          <p:cNvSpPr>
+            <a:spLocks noGrp="1"/>
+          </p:cNvSpPr>
+          <p:nvPr>
+            <p:ph type="sldNum" sz="quarter" idx="12"/>
+          </p:nvPr>
+        </p:nvSpPr>
+        <p:spPr/>
+        <p:txBody>
+          <a:bodyPr/>
+          <a:lstStyle/>
+          <a:p>
+            <a:fld id="{9C11CE39-2868-44A2-A0C6-827D458F7A8B}" type="slidenum">
+              <a:rPr lang="en-IN" smtClean="0"/>
+              <a:pPr/>
+              <a:t>57</a:t>
+            </a:fld>
+            <a:endParaRPr lang="en-IN"/>
           </a:p>
         </p:txBody>
       </p:sp>
@@ -19530,6 +20919,30 @@
           </a:p>
         </p:txBody>
       </p:sp>
+      <p:sp>
+        <p:nvSpPr>
+          <p:cNvPr id="4" name="Slide Number Placeholder 3"/>
+          <p:cNvSpPr>
+            <a:spLocks noGrp="1"/>
+          </p:cNvSpPr>
+          <p:nvPr>
+            <p:ph type="sldNum" sz="quarter" idx="12"/>
+          </p:nvPr>
+        </p:nvSpPr>
+        <p:spPr/>
+        <p:txBody>
+          <a:bodyPr/>
+          <a:lstStyle/>
+          <a:p>
+            <a:fld id="{9C11CE39-2868-44A2-A0C6-827D458F7A8B}" type="slidenum">
+              <a:rPr lang="en-IN" smtClean="0"/>
+              <a:pPr/>
+              <a:t>58</a:t>
+            </a:fld>
+            <a:endParaRPr lang="en-IN"/>
+          </a:p>
+        </p:txBody>
+      </p:sp>
     </p:spTree>
     <p:custDataLst>
       <p:tags r:id="rId1"/>
@@ -19580,11 +20993,7 @@
           <a:p>
             <a:r>
               <a:rPr lang="en-IN" dirty="0" smtClean="0"/>
-              <a:t>Prepared Statement </a:t>
-            </a:r>
-            <a:r>
-              <a:rPr lang="en-IN" dirty="0" smtClean="0"/>
-              <a:t>interface:</a:t>
+              <a:t>Prepared Statement interface:</a:t>
             </a:r>
             <a:endParaRPr lang="en-IN" dirty="0"/>
           </a:p>
@@ -19816,6 +21225,30 @@
               <a:t>.</a:t>
             </a:r>
             <a:endParaRPr lang="en-US" sz="2400" dirty="0"/>
+          </a:p>
+        </p:txBody>
+      </p:sp>
+      <p:sp>
+        <p:nvSpPr>
+          <p:cNvPr id="4" name="Slide Number Placeholder 3"/>
+          <p:cNvSpPr>
+            <a:spLocks noGrp="1"/>
+          </p:cNvSpPr>
+          <p:nvPr>
+            <p:ph type="sldNum" sz="quarter" idx="12"/>
+          </p:nvPr>
+        </p:nvSpPr>
+        <p:spPr/>
+        <p:txBody>
+          <a:bodyPr/>
+          <a:lstStyle/>
+          <a:p>
+            <a:fld id="{9C11CE39-2868-44A2-A0C6-827D458F7A8B}" type="slidenum">
+              <a:rPr lang="en-IN" smtClean="0"/>
+              <a:pPr/>
+              <a:t>59</a:t>
+            </a:fld>
+            <a:endParaRPr lang="en-IN"/>
           </a:p>
         </p:txBody>
       </p:sp>
@@ -20055,6 +21488,30 @@
           </a:prstGeom>
         </p:spPr>
       </p:pic>
+      <p:sp>
+        <p:nvSpPr>
+          <p:cNvPr id="4" name="Slide Number Placeholder 3"/>
+          <p:cNvSpPr>
+            <a:spLocks noGrp="1"/>
+          </p:cNvSpPr>
+          <p:nvPr>
+            <p:ph type="sldNum" sz="quarter" idx="12"/>
+          </p:nvPr>
+        </p:nvSpPr>
+        <p:spPr/>
+        <p:txBody>
+          <a:bodyPr/>
+          <a:lstStyle/>
+          <a:p>
+            <a:fld id="{9C11CE39-2868-44A2-A0C6-827D458F7A8B}" type="slidenum">
+              <a:rPr lang="en-IN" smtClean="0"/>
+              <a:pPr/>
+              <a:t>6</a:t>
+            </a:fld>
+            <a:endParaRPr lang="en-IN"/>
+          </a:p>
+        </p:txBody>
+      </p:sp>
     </p:spTree>
     <p:custDataLst>
       <p:tags r:id="rId1"/>
@@ -20068,6 +21525,13 @@
   <p:clrMapOvr>
     <a:masterClrMapping/>
   </p:clrMapOvr>
+  <p:timing>
+    <p:tnLst>
+      <p:par>
+        <p:cTn id="1" dur="indefinite" restart="never" nodeType="tmRoot"/>
+      </p:par>
+    </p:tnLst>
+  </p:timing>
 </p:sld>
 </file>
 
@@ -20105,11 +21569,7 @@
           <a:p>
             <a:r>
               <a:rPr lang="en-IN" dirty="0" smtClean="0"/>
-              <a:t>Prepared Statement </a:t>
-            </a:r>
-            <a:r>
-              <a:rPr lang="en-IN" dirty="0" smtClean="0"/>
-              <a:t>instance:</a:t>
+              <a:t>Prepared Statement instance:</a:t>
             </a:r>
             <a:endParaRPr lang="en-IN" dirty="0"/>
           </a:p>
@@ -20293,6 +21753,30 @@
               <a:rPr lang="en-US" sz="2200" dirty="0"/>
             </a:br>
             <a:endParaRPr lang="en-US" sz="2200" dirty="0"/>
+          </a:p>
+        </p:txBody>
+      </p:sp>
+      <p:sp>
+        <p:nvSpPr>
+          <p:cNvPr id="4" name="Slide Number Placeholder 3"/>
+          <p:cNvSpPr>
+            <a:spLocks noGrp="1"/>
+          </p:cNvSpPr>
+          <p:nvPr>
+            <p:ph type="sldNum" sz="quarter" idx="12"/>
+          </p:nvPr>
+        </p:nvSpPr>
+        <p:spPr/>
+        <p:txBody>
+          <a:bodyPr/>
+          <a:lstStyle/>
+          <a:p>
+            <a:fld id="{9C11CE39-2868-44A2-A0C6-827D458F7A8B}" type="slidenum">
+              <a:rPr lang="en-IN" smtClean="0"/>
+              <a:pPr/>
+              <a:t>60</a:t>
+            </a:fld>
+            <a:endParaRPr lang="en-IN"/>
           </a:p>
         </p:txBody>
       </p:sp>
@@ -20364,7 +21848,7 @@
           <p:cNvPr id="4" name="Content Placeholder 3">
             <a:extLst>
               <a:ext uri="{FF2B5EF4-FFF2-40B4-BE49-F238E27FC236}">
-                <a16:creationId xmlns="" xmlns:a16="http://schemas.microsoft.com/office/drawing/2014/main" id="{9D35BA11-DD4B-48DB-A2AF-E1EBD391560F}"/>
+                <a16:creationId xmlns:a16="http://schemas.microsoft.com/office/drawing/2014/main" xmlns="" id="{9D35BA11-DD4B-48DB-A2AF-E1EBD391560F}"/>
               </a:ext>
             </a:extLst>
           </p:cNvPr>
@@ -20394,14 +21878,14 @@
                 <a:gridCol w="4094843">
                   <a:extLst>
                     <a:ext uri="{9D8B030D-6E8A-4147-A177-3AD203B41FA5}">
-                      <a16:colId xmlns="" xmlns:a16="http://schemas.microsoft.com/office/drawing/2014/main" val="1811101794"/>
+                      <a16:colId xmlns:a16="http://schemas.microsoft.com/office/drawing/2014/main" xmlns="" val="1811101794"/>
                     </a:ext>
                   </a:extLst>
                 </a:gridCol>
                 <a:gridCol w="4094843">
                   <a:extLst>
                     <a:ext uri="{9D8B030D-6E8A-4147-A177-3AD203B41FA5}">
-                      <a16:colId xmlns="" xmlns:a16="http://schemas.microsoft.com/office/drawing/2014/main" val="2186687832"/>
+                      <a16:colId xmlns:a16="http://schemas.microsoft.com/office/drawing/2014/main" xmlns="" val="2186687832"/>
                     </a:ext>
                   </a:extLst>
                 </a:gridCol>
@@ -20455,7 +21939,7 @@
                 </a:tc>
                 <a:extLst>
                   <a:ext uri="{0D108BD9-81ED-4DB2-BD59-A6C34878D82A}">
-                    <a16:rowId xmlns="" xmlns:a16="http://schemas.microsoft.com/office/drawing/2014/main" val="2615560924"/>
+                    <a16:rowId xmlns:a16="http://schemas.microsoft.com/office/drawing/2014/main" xmlns="" val="2615560924"/>
                   </a:ext>
                 </a:extLst>
               </a:tr>
@@ -20556,7 +22040,7 @@
                 </a:tc>
                 <a:extLst>
                   <a:ext uri="{0D108BD9-81ED-4DB2-BD59-A6C34878D82A}">
-                    <a16:rowId xmlns="" xmlns:a16="http://schemas.microsoft.com/office/drawing/2014/main" val="3233696317"/>
+                    <a16:rowId xmlns:a16="http://schemas.microsoft.com/office/drawing/2014/main" xmlns="" val="3233696317"/>
                   </a:ext>
                 </a:extLst>
               </a:tr>
@@ -20609,7 +22093,7 @@
                 </a:tc>
                 <a:extLst>
                   <a:ext uri="{0D108BD9-81ED-4DB2-BD59-A6C34878D82A}">
-                    <a16:rowId xmlns="" xmlns:a16="http://schemas.microsoft.com/office/drawing/2014/main" val="2683155873"/>
+                    <a16:rowId xmlns:a16="http://schemas.microsoft.com/office/drawing/2014/main" xmlns="" val="2683155873"/>
                   </a:ext>
                 </a:extLst>
               </a:tr>
@@ -20662,7 +22146,7 @@
                 </a:tc>
                 <a:extLst>
                   <a:ext uri="{0D108BD9-81ED-4DB2-BD59-A6C34878D82A}">
-                    <a16:rowId xmlns="" xmlns:a16="http://schemas.microsoft.com/office/drawing/2014/main" val="3768022122"/>
+                    <a16:rowId xmlns:a16="http://schemas.microsoft.com/office/drawing/2014/main" xmlns="" val="3768022122"/>
                   </a:ext>
                 </a:extLst>
               </a:tr>
@@ -20715,7 +22199,7 @@
                 </a:tc>
                 <a:extLst>
                   <a:ext uri="{0D108BD9-81ED-4DB2-BD59-A6C34878D82A}">
-                    <a16:rowId xmlns="" xmlns:a16="http://schemas.microsoft.com/office/drawing/2014/main" val="384881523"/>
+                    <a16:rowId xmlns:a16="http://schemas.microsoft.com/office/drawing/2014/main" xmlns="" val="384881523"/>
                   </a:ext>
                 </a:extLst>
               </a:tr>
@@ -20792,7 +22276,7 @@
                 </a:tc>
                 <a:extLst>
                   <a:ext uri="{0D108BD9-81ED-4DB2-BD59-A6C34878D82A}">
-                    <a16:rowId xmlns="" xmlns:a16="http://schemas.microsoft.com/office/drawing/2014/main" val="1047298922"/>
+                    <a16:rowId xmlns:a16="http://schemas.microsoft.com/office/drawing/2014/main" xmlns="" val="1047298922"/>
                   </a:ext>
                 </a:extLst>
               </a:tr>
@@ -20800,6 +22284,30 @@
           </a:graphicData>
         </a:graphic>
       </p:graphicFrame>
+      <p:sp>
+        <p:nvSpPr>
+          <p:cNvPr id="3" name="Slide Number Placeholder 2"/>
+          <p:cNvSpPr>
+            <a:spLocks noGrp="1"/>
+          </p:cNvSpPr>
+          <p:nvPr>
+            <p:ph type="sldNum" sz="quarter" idx="12"/>
+          </p:nvPr>
+        </p:nvSpPr>
+        <p:spPr/>
+        <p:txBody>
+          <a:bodyPr/>
+          <a:lstStyle/>
+          <a:p>
+            <a:fld id="{9C11CE39-2868-44A2-A0C6-827D458F7A8B}" type="slidenum">
+              <a:rPr lang="en-IN" smtClean="0"/>
+              <a:pPr/>
+              <a:t>61</a:t>
+            </a:fld>
+            <a:endParaRPr lang="en-IN"/>
+          </a:p>
+        </p:txBody>
+      </p:sp>
     </p:spTree>
     <p:custDataLst>
       <p:tags r:id="rId1"/>
@@ -20850,15 +22358,7 @@
           <a:p>
             <a:r>
               <a:rPr lang="en-IN" dirty="0" smtClean="0"/>
-              <a:t>Example </a:t>
-            </a:r>
-            <a:r>
-              <a:rPr lang="en-IN" dirty="0" smtClean="0"/>
-              <a:t>2:</a:t>
-            </a:r>
-            <a:r>
-              <a:rPr lang="en-IN" dirty="0" smtClean="0"/>
-              <a:t/>
+              <a:t>Example 2:</a:t>
             </a:r>
             <a:br>
               <a:rPr lang="en-IN" dirty="0" smtClean="0"/>
@@ -21443,6 +22943,30 @@
               <a:latin typeface="Courier New" pitchFamily="49" charset="0"/>
               <a:cs typeface="Courier New" pitchFamily="49" charset="0"/>
             </a:endParaRPr>
+          </a:p>
+        </p:txBody>
+      </p:sp>
+      <p:sp>
+        <p:nvSpPr>
+          <p:cNvPr id="4" name="Slide Number Placeholder 3"/>
+          <p:cNvSpPr>
+            <a:spLocks noGrp="1"/>
+          </p:cNvSpPr>
+          <p:nvPr>
+            <p:ph type="sldNum" sz="quarter" idx="12"/>
+          </p:nvPr>
+        </p:nvSpPr>
+        <p:spPr/>
+        <p:txBody>
+          <a:bodyPr/>
+          <a:lstStyle/>
+          <a:p>
+            <a:fld id="{9C11CE39-2868-44A2-A0C6-827D458F7A8B}" type="slidenum">
+              <a:rPr lang="en-IN" smtClean="0"/>
+              <a:pPr/>
+              <a:t>62</a:t>
+            </a:fld>
+            <a:endParaRPr lang="en-IN"/>
           </a:p>
         </p:txBody>
       </p:sp>
@@ -21496,15 +23020,7 @@
           <a:p>
             <a:r>
               <a:rPr lang="en-IN" dirty="0" smtClean="0"/>
-              <a:t>Example </a:t>
-            </a:r>
-            <a:r>
-              <a:rPr lang="en-IN" dirty="0" smtClean="0"/>
-              <a:t>2:</a:t>
-            </a:r>
-            <a:r>
-              <a:rPr lang="en-IN" dirty="0" smtClean="0"/>
-              <a:t/>
+              <a:t>Example 2:</a:t>
             </a:r>
             <a:br>
               <a:rPr lang="en-IN" dirty="0" smtClean="0"/>
@@ -21962,6 +23478,30 @@
               </a:rPr>
               <a:t>} // Class ends</a:t>
             </a:r>
+          </a:p>
+        </p:txBody>
+      </p:sp>
+      <p:sp>
+        <p:nvSpPr>
+          <p:cNvPr id="4" name="Slide Number Placeholder 3"/>
+          <p:cNvSpPr>
+            <a:spLocks noGrp="1"/>
+          </p:cNvSpPr>
+          <p:nvPr>
+            <p:ph type="sldNum" sz="quarter" idx="12"/>
+          </p:nvPr>
+        </p:nvSpPr>
+        <p:spPr/>
+        <p:txBody>
+          <a:bodyPr/>
+          <a:lstStyle/>
+          <a:p>
+            <a:fld id="{9C11CE39-2868-44A2-A0C6-827D458F7A8B}" type="slidenum">
+              <a:rPr lang="en-IN" smtClean="0"/>
+              <a:pPr/>
+              <a:t>63</a:t>
+            </a:fld>
+            <a:endParaRPr lang="en-IN"/>
           </a:p>
         </p:txBody>
       </p:sp>
@@ -22015,15 +23555,7 @@
           <a:p>
             <a:r>
               <a:rPr lang="en-IN" dirty="0" smtClean="0"/>
-              <a:t>Example </a:t>
-            </a:r>
-            <a:r>
-              <a:rPr lang="en-IN" dirty="0" smtClean="0"/>
-              <a:t>3:</a:t>
-            </a:r>
-            <a:r>
-              <a:rPr lang="en-IN" dirty="0" smtClean="0"/>
-              <a:t/>
+              <a:t>Example 3:</a:t>
             </a:r>
             <a:br>
               <a:rPr lang="en-IN" dirty="0" smtClean="0"/>
@@ -22307,6 +23839,30 @@
               <a:latin typeface="Courier New" pitchFamily="49" charset="0"/>
               <a:cs typeface="Courier New" pitchFamily="49" charset="0"/>
             </a:endParaRPr>
+          </a:p>
+        </p:txBody>
+      </p:sp>
+      <p:sp>
+        <p:nvSpPr>
+          <p:cNvPr id="4" name="Slide Number Placeholder 3"/>
+          <p:cNvSpPr>
+            <a:spLocks noGrp="1"/>
+          </p:cNvSpPr>
+          <p:nvPr>
+            <p:ph type="sldNum" sz="quarter" idx="12"/>
+          </p:nvPr>
+        </p:nvSpPr>
+        <p:spPr/>
+        <p:txBody>
+          <a:bodyPr/>
+          <a:lstStyle/>
+          <a:p>
+            <a:fld id="{9C11CE39-2868-44A2-A0C6-827D458F7A8B}" type="slidenum">
+              <a:rPr lang="en-IN" smtClean="0"/>
+              <a:pPr/>
+              <a:t>64</a:t>
+            </a:fld>
+            <a:endParaRPr lang="en-IN"/>
           </a:p>
         </p:txBody>
       </p:sp>
@@ -22360,15 +23916,7 @@
           <a:p>
             <a:r>
               <a:rPr lang="en-US" dirty="0" smtClean="0"/>
-              <a:t>Example </a:t>
-            </a:r>
-            <a:r>
-              <a:rPr lang="en-US" dirty="0" smtClean="0"/>
-              <a:t>4:</a:t>
-            </a:r>
-            <a:r>
-              <a:rPr lang="en-US" dirty="0" smtClean="0"/>
-              <a:t/>
+              <a:t>Example 4:</a:t>
             </a:r>
             <a:br>
               <a:rPr lang="en-US" dirty="0" smtClean="0"/>
@@ -22452,6 +24000,30 @@
           <a:p>
             <a:pPr algn="just"/>
             <a:endParaRPr lang="en-IN" sz="2800" dirty="0"/>
+          </a:p>
+        </p:txBody>
+      </p:sp>
+      <p:sp>
+        <p:nvSpPr>
+          <p:cNvPr id="4" name="Slide Number Placeholder 3"/>
+          <p:cNvSpPr>
+            <a:spLocks noGrp="1"/>
+          </p:cNvSpPr>
+          <p:nvPr>
+            <p:ph type="sldNum" sz="quarter" idx="12"/>
+          </p:nvPr>
+        </p:nvSpPr>
+        <p:spPr/>
+        <p:txBody>
+          <a:bodyPr/>
+          <a:lstStyle/>
+          <a:p>
+            <a:fld id="{9C11CE39-2868-44A2-A0C6-827D458F7A8B}" type="slidenum">
+              <a:rPr lang="en-IN" smtClean="0"/>
+              <a:pPr/>
+              <a:t>65</a:t>
+            </a:fld>
+            <a:endParaRPr lang="en-IN"/>
           </a:p>
         </p:txBody>
       </p:sp>
@@ -22505,15 +24077,7 @@
           <a:p>
             <a:r>
               <a:rPr lang="en-US" dirty="0" smtClean="0"/>
-              <a:t>Example </a:t>
-            </a:r>
-            <a:r>
-              <a:rPr lang="en-US" dirty="0" smtClean="0"/>
-              <a:t>4:</a:t>
-            </a:r>
-            <a:r>
-              <a:rPr lang="en-US" dirty="0" smtClean="0"/>
-              <a:t/>
+              <a:t>Example 4:</a:t>
             </a:r>
             <a:br>
               <a:rPr lang="en-US" dirty="0" smtClean="0"/>
@@ -22848,6 +24412,30 @@
               <a:latin typeface="Courier New" pitchFamily="49" charset="0"/>
               <a:cs typeface="Courier New" pitchFamily="49" charset="0"/>
             </a:endParaRPr>
+          </a:p>
+        </p:txBody>
+      </p:sp>
+      <p:sp>
+        <p:nvSpPr>
+          <p:cNvPr id="4" name="Slide Number Placeholder 3"/>
+          <p:cNvSpPr>
+            <a:spLocks noGrp="1"/>
+          </p:cNvSpPr>
+          <p:nvPr>
+            <p:ph type="sldNum" sz="quarter" idx="12"/>
+          </p:nvPr>
+        </p:nvSpPr>
+        <p:spPr/>
+        <p:txBody>
+          <a:bodyPr/>
+          <a:lstStyle/>
+          <a:p>
+            <a:fld id="{9C11CE39-2868-44A2-A0C6-827D458F7A8B}" type="slidenum">
+              <a:rPr lang="en-IN" smtClean="0"/>
+              <a:pPr/>
+              <a:t>66</a:t>
+            </a:fld>
+            <a:endParaRPr lang="en-IN"/>
           </a:p>
         </p:txBody>
       </p:sp>
@@ -22901,26 +24489,14 @@
           <a:p>
             <a:r>
               <a:rPr lang="en-US" dirty="0" smtClean="0"/>
-              <a:t>Example </a:t>
-            </a:r>
-            <a:r>
-              <a:rPr lang="en-US" dirty="0" smtClean="0"/>
-              <a:t>4:</a:t>
-            </a:r>
-            <a:r>
-              <a:rPr lang="en-US" dirty="0" smtClean="0"/>
-              <a:t/>
+              <a:t>Example 4:</a:t>
             </a:r>
             <a:br>
               <a:rPr lang="en-US" dirty="0" smtClean="0"/>
             </a:br>
             <a:r>
               <a:rPr lang="en-US" dirty="0" smtClean="0"/>
-              <a:t>Code </a:t>
-            </a:r>
-            <a:r>
-              <a:rPr lang="en-US" dirty="0" smtClean="0"/>
-              <a:t>(cont.)</a:t>
+              <a:t>Code (cont.)</a:t>
             </a:r>
             <a:endParaRPr lang="en-IN" dirty="0"/>
           </a:p>
@@ -23320,6 +24896,30 @@
               <a:latin typeface="Courier New" pitchFamily="49" charset="0"/>
               <a:cs typeface="Courier New" pitchFamily="49" charset="0"/>
             </a:endParaRPr>
+          </a:p>
+        </p:txBody>
+      </p:sp>
+      <p:sp>
+        <p:nvSpPr>
+          <p:cNvPr id="4" name="Slide Number Placeholder 3"/>
+          <p:cNvSpPr>
+            <a:spLocks noGrp="1"/>
+          </p:cNvSpPr>
+          <p:nvPr>
+            <p:ph type="sldNum" sz="quarter" idx="12"/>
+          </p:nvPr>
+        </p:nvSpPr>
+        <p:spPr/>
+        <p:txBody>
+          <a:bodyPr/>
+          <a:lstStyle/>
+          <a:p>
+            <a:fld id="{9C11CE39-2868-44A2-A0C6-827D458F7A8B}" type="slidenum">
+              <a:rPr lang="en-IN" smtClean="0"/>
+              <a:pPr/>
+              <a:t>67</a:t>
+            </a:fld>
+            <a:endParaRPr lang="en-IN"/>
           </a:p>
         </p:txBody>
       </p:sp>
@@ -23373,15 +24973,7 @@
           <a:p>
             <a:r>
               <a:rPr lang="en-US" dirty="0" smtClean="0"/>
-              <a:t>Example </a:t>
-            </a:r>
-            <a:r>
-              <a:rPr lang="en-US" dirty="0" smtClean="0"/>
-              <a:t>4:</a:t>
-            </a:r>
-            <a:r>
-              <a:rPr lang="en-US" dirty="0" smtClean="0"/>
-              <a:t/>
+              <a:t>Example 4:</a:t>
             </a:r>
             <a:br>
               <a:rPr lang="en-US" dirty="0" smtClean="0"/>
@@ -23738,6 +25330,30 @@
               </a:rPr>
               <a:t>}</a:t>
             </a:r>
+          </a:p>
+        </p:txBody>
+      </p:sp>
+      <p:sp>
+        <p:nvSpPr>
+          <p:cNvPr id="4" name="Slide Number Placeholder 3"/>
+          <p:cNvSpPr>
+            <a:spLocks noGrp="1"/>
+          </p:cNvSpPr>
+          <p:nvPr>
+            <p:ph type="sldNum" sz="quarter" idx="12"/>
+          </p:nvPr>
+        </p:nvSpPr>
+        <p:spPr/>
+        <p:txBody>
+          <a:bodyPr/>
+          <a:lstStyle/>
+          <a:p>
+            <a:fld id="{9C11CE39-2868-44A2-A0C6-827D458F7A8B}" type="slidenum">
+              <a:rPr lang="en-IN" smtClean="0"/>
+              <a:pPr/>
+              <a:t>68</a:t>
+            </a:fld>
+            <a:endParaRPr lang="en-IN"/>
           </a:p>
         </p:txBody>
       </p:sp>
@@ -23791,15 +25407,7 @@
           <a:p>
             <a:r>
               <a:rPr lang="en-US" dirty="0" smtClean="0"/>
-              <a:t>Example </a:t>
-            </a:r>
-            <a:r>
-              <a:rPr lang="en-US" dirty="0" smtClean="0"/>
-              <a:t>4:</a:t>
-            </a:r>
-            <a:r>
-              <a:rPr lang="en-US" dirty="0" smtClean="0"/>
-              <a:t/>
+              <a:t>Example 4:</a:t>
             </a:r>
             <a:br>
               <a:rPr lang="en-US" dirty="0" smtClean="0"/>
@@ -24333,6 +25941,30 @@
               </a:rPr>
               <a:t>}</a:t>
             </a:r>
+          </a:p>
+        </p:txBody>
+      </p:sp>
+      <p:sp>
+        <p:nvSpPr>
+          <p:cNvPr id="4" name="Slide Number Placeholder 3"/>
+          <p:cNvSpPr>
+            <a:spLocks noGrp="1"/>
+          </p:cNvSpPr>
+          <p:nvPr>
+            <p:ph type="sldNum" sz="quarter" idx="12"/>
+          </p:nvPr>
+        </p:nvSpPr>
+        <p:spPr/>
+        <p:txBody>
+          <a:bodyPr/>
+          <a:lstStyle/>
+          <a:p>
+            <a:fld id="{9C11CE39-2868-44A2-A0C6-827D458F7A8B}" type="slidenum">
+              <a:rPr lang="en-IN" smtClean="0"/>
+              <a:pPr/>
+              <a:t>69</a:t>
+            </a:fld>
+            <a:endParaRPr lang="en-IN"/>
           </a:p>
         </p:txBody>
       </p:sp>
@@ -25813,6 +27445,30 @@
           </a:extLst>
         </p:spPr>
       </p:cxnSp>
+      <p:sp>
+        <p:nvSpPr>
+          <p:cNvPr id="2" name="Slide Number Placeholder 1"/>
+          <p:cNvSpPr>
+            <a:spLocks noGrp="1"/>
+          </p:cNvSpPr>
+          <p:nvPr>
+            <p:ph type="sldNum" sz="quarter" idx="12"/>
+          </p:nvPr>
+        </p:nvSpPr>
+        <p:spPr/>
+        <p:txBody>
+          <a:bodyPr/>
+          <a:lstStyle/>
+          <a:p>
+            <a:fld id="{9C11CE39-2868-44A2-A0C6-827D458F7A8B}" type="slidenum">
+              <a:rPr lang="en-IN" smtClean="0"/>
+              <a:pPr/>
+              <a:t>7</a:t>
+            </a:fld>
+            <a:endParaRPr lang="en-IN"/>
+          </a:p>
+        </p:txBody>
+      </p:sp>
     </p:spTree>
     <p:custDataLst>
       <p:tags r:id="rId1"/>
@@ -25826,6 +27482,13 @@
   <p:clrMapOvr>
     <a:masterClrMapping/>
   </p:clrMapOvr>
+  <p:timing>
+    <p:tnLst>
+      <p:par>
+        <p:cTn id="1" dur="indefinite" restart="never" nodeType="tmRoot"/>
+      </p:par>
+    </p:tnLst>
+  </p:timing>
 </p:sld>
 </file>
 
@@ -25863,15 +27526,7 @@
           <a:p>
             <a:r>
               <a:rPr lang="en-US" dirty="0" smtClean="0"/>
-              <a:t>Example </a:t>
-            </a:r>
-            <a:r>
-              <a:rPr lang="en-US" dirty="0" smtClean="0"/>
-              <a:t>4:</a:t>
-            </a:r>
-            <a:r>
-              <a:rPr lang="en-US" dirty="0" smtClean="0"/>
-              <a:t/>
+              <a:t>Example 4:</a:t>
             </a:r>
             <a:br>
               <a:rPr lang="en-US" dirty="0" smtClean="0"/>
@@ -26224,6 +27879,30 @@
               <a:latin typeface="Courier New" pitchFamily="49" charset="0"/>
               <a:cs typeface="Courier New" pitchFamily="49" charset="0"/>
             </a:endParaRPr>
+          </a:p>
+        </p:txBody>
+      </p:sp>
+      <p:sp>
+        <p:nvSpPr>
+          <p:cNvPr id="4" name="Slide Number Placeholder 3"/>
+          <p:cNvSpPr>
+            <a:spLocks noGrp="1"/>
+          </p:cNvSpPr>
+          <p:nvPr>
+            <p:ph type="sldNum" sz="quarter" idx="12"/>
+          </p:nvPr>
+        </p:nvSpPr>
+        <p:spPr/>
+        <p:txBody>
+          <a:bodyPr/>
+          <a:lstStyle/>
+          <a:p>
+            <a:fld id="{9C11CE39-2868-44A2-A0C6-827D458F7A8B}" type="slidenum">
+              <a:rPr lang="en-IN" smtClean="0"/>
+              <a:pPr/>
+              <a:t>70</a:t>
+            </a:fld>
+            <a:endParaRPr lang="en-IN"/>
           </a:p>
         </p:txBody>
       </p:sp>
@@ -26277,15 +27956,7 @@
           <a:p>
             <a:r>
               <a:rPr lang="en-US" dirty="0" smtClean="0"/>
-              <a:t>Example </a:t>
-            </a:r>
-            <a:r>
-              <a:rPr lang="en-US" dirty="0" smtClean="0"/>
-              <a:t>4:</a:t>
-            </a:r>
-            <a:r>
-              <a:rPr lang="en-US" dirty="0" smtClean="0"/>
-              <a:t/>
+              <a:t>Example 4:</a:t>
             </a:r>
             <a:br>
               <a:rPr lang="en-US" dirty="0" smtClean="0"/>
@@ -26483,6 +28154,30 @@
               <a:latin typeface="Courier New" pitchFamily="49" charset="0"/>
               <a:cs typeface="Courier New" pitchFamily="49" charset="0"/>
             </a:endParaRPr>
+          </a:p>
+        </p:txBody>
+      </p:sp>
+      <p:sp>
+        <p:nvSpPr>
+          <p:cNvPr id="4" name="Slide Number Placeholder 3"/>
+          <p:cNvSpPr>
+            <a:spLocks noGrp="1"/>
+          </p:cNvSpPr>
+          <p:nvPr>
+            <p:ph type="sldNum" sz="quarter" idx="12"/>
+          </p:nvPr>
+        </p:nvSpPr>
+        <p:spPr/>
+        <p:txBody>
+          <a:bodyPr/>
+          <a:lstStyle/>
+          <a:p>
+            <a:fld id="{9C11CE39-2868-44A2-A0C6-827D458F7A8B}" type="slidenum">
+              <a:rPr lang="en-IN" smtClean="0"/>
+              <a:pPr/>
+              <a:t>71</a:t>
+            </a:fld>
+            <a:endParaRPr lang="en-IN"/>
           </a:p>
         </p:txBody>
       </p:sp>
@@ -26575,6 +28270,30 @@
           </a:p>
         </p:txBody>
       </p:sp>
+      <p:sp>
+        <p:nvSpPr>
+          <p:cNvPr id="4" name="Slide Number Placeholder 3"/>
+          <p:cNvSpPr>
+            <a:spLocks noGrp="1"/>
+          </p:cNvSpPr>
+          <p:nvPr>
+            <p:ph type="sldNum" sz="quarter" idx="12"/>
+          </p:nvPr>
+        </p:nvSpPr>
+        <p:spPr/>
+        <p:txBody>
+          <a:bodyPr/>
+          <a:lstStyle/>
+          <a:p>
+            <a:fld id="{9C11CE39-2868-44A2-A0C6-827D458F7A8B}" type="slidenum">
+              <a:rPr lang="en-IN" smtClean="0"/>
+              <a:pPr/>
+              <a:t>72</a:t>
+            </a:fld>
+            <a:endParaRPr lang="en-IN"/>
+          </a:p>
+        </p:txBody>
+      </p:sp>
     </p:spTree>
     <p:custDataLst>
       <p:tags r:id="rId1"/>
@@ -26829,6 +28548,30 @@
           </a:p>
         </p:txBody>
       </p:sp>
+      <p:sp>
+        <p:nvSpPr>
+          <p:cNvPr id="4" name="Slide Number Placeholder 3"/>
+          <p:cNvSpPr>
+            <a:spLocks noGrp="1"/>
+          </p:cNvSpPr>
+          <p:nvPr>
+            <p:ph type="sldNum" sz="quarter" idx="12"/>
+          </p:nvPr>
+        </p:nvSpPr>
+        <p:spPr/>
+        <p:txBody>
+          <a:bodyPr/>
+          <a:lstStyle/>
+          <a:p>
+            <a:fld id="{9C11CE39-2868-44A2-A0C6-827D458F7A8B}" type="slidenum">
+              <a:rPr lang="en-IN" smtClean="0"/>
+              <a:pPr/>
+              <a:t>73</a:t>
+            </a:fld>
+            <a:endParaRPr lang="en-IN"/>
+          </a:p>
+        </p:txBody>
+      </p:sp>
     </p:spTree>
     <p:custDataLst>
       <p:tags r:id="rId1"/>
@@ -26890,22 +28633,14 @@
             </a:br>
             <a:r>
               <a:rPr lang="en-IN" dirty="0" smtClean="0"/>
-              <a:t>Java </a:t>
-            </a:r>
-            <a:r>
-              <a:rPr lang="en-IN" dirty="0" smtClean="0"/>
-              <a:t>Callable</a:t>
+              <a:t>Java Callable</a:t>
             </a:r>
             <a:br>
               <a:rPr lang="en-IN" dirty="0" smtClean="0"/>
             </a:br>
             <a:r>
               <a:rPr lang="en-IN" dirty="0" smtClean="0"/>
-              <a:t>Statement </a:t>
-            </a:r>
-            <a:r>
-              <a:rPr lang="en-IN" dirty="0" smtClean="0"/>
-              <a:t>Interface</a:t>
+              <a:t>Statement Interface</a:t>
             </a:r>
             <a:endParaRPr lang="en-IN" dirty="0"/>
           </a:p>
@@ -27589,6 +29324,30 @@
               <a:latin typeface="Courier New" pitchFamily="49" charset="0"/>
               <a:cs typeface="Courier New" pitchFamily="49" charset="0"/>
             </a:endParaRPr>
+          </a:p>
+        </p:txBody>
+      </p:sp>
+      <p:sp>
+        <p:nvSpPr>
+          <p:cNvPr id="4" name="Slide Number Placeholder 3"/>
+          <p:cNvSpPr>
+            <a:spLocks noGrp="1"/>
+          </p:cNvSpPr>
+          <p:nvPr>
+            <p:ph type="sldNum" sz="quarter" idx="12"/>
+          </p:nvPr>
+        </p:nvSpPr>
+        <p:spPr/>
+        <p:txBody>
+          <a:bodyPr/>
+          <a:lstStyle/>
+          <a:p>
+            <a:fld id="{9C11CE39-2868-44A2-A0C6-827D458F7A8B}" type="slidenum">
+              <a:rPr lang="en-IN" smtClean="0"/>
+              <a:pPr/>
+              <a:t>74</a:t>
+            </a:fld>
+            <a:endParaRPr lang="en-IN"/>
           </a:p>
         </p:txBody>
       </p:sp>
@@ -27697,6 +29456,30 @@
           </a:p>
         </p:txBody>
       </p:sp>
+      <p:sp>
+        <p:nvSpPr>
+          <p:cNvPr id="4" name="Slide Number Placeholder 3"/>
+          <p:cNvSpPr>
+            <a:spLocks noGrp="1"/>
+          </p:cNvSpPr>
+          <p:nvPr>
+            <p:ph type="sldNum" sz="quarter" idx="12"/>
+          </p:nvPr>
+        </p:nvSpPr>
+        <p:spPr/>
+        <p:txBody>
+          <a:bodyPr/>
+          <a:lstStyle/>
+          <a:p>
+            <a:fld id="{9C11CE39-2868-44A2-A0C6-827D458F7A8B}" type="slidenum">
+              <a:rPr lang="en-IN" smtClean="0"/>
+              <a:pPr/>
+              <a:t>75</a:t>
+            </a:fld>
+            <a:endParaRPr lang="en-IN"/>
+          </a:p>
+        </p:txBody>
+      </p:sp>
     </p:spTree>
     <p:custDataLst>
       <p:tags r:id="rId1"/>
@@ -27958,6 +29741,30 @@
           </a:p>
         </p:txBody>
       </p:sp>
+      <p:sp>
+        <p:nvSpPr>
+          <p:cNvPr id="4" name="Slide Number Placeholder 3"/>
+          <p:cNvSpPr>
+            <a:spLocks noGrp="1"/>
+          </p:cNvSpPr>
+          <p:nvPr>
+            <p:ph type="sldNum" sz="quarter" idx="12"/>
+          </p:nvPr>
+        </p:nvSpPr>
+        <p:spPr/>
+        <p:txBody>
+          <a:bodyPr/>
+          <a:lstStyle/>
+          <a:p>
+            <a:fld id="{9C11CE39-2868-44A2-A0C6-827D458F7A8B}" type="slidenum">
+              <a:rPr lang="en-IN" smtClean="0"/>
+              <a:pPr/>
+              <a:t>76</a:t>
+            </a:fld>
+            <a:endParaRPr lang="en-IN"/>
+          </a:p>
+        </p:txBody>
+      </p:sp>
     </p:spTree>
     <p:custDataLst>
       <p:tags r:id="rId1"/>
@@ -28083,6 +29890,30 @@
           </a:prstGeom>
         </p:spPr>
       </p:pic>
+      <p:sp>
+        <p:nvSpPr>
+          <p:cNvPr id="4" name="Slide Number Placeholder 3"/>
+          <p:cNvSpPr>
+            <a:spLocks noGrp="1"/>
+          </p:cNvSpPr>
+          <p:nvPr>
+            <p:ph type="sldNum" sz="quarter" idx="12"/>
+          </p:nvPr>
+        </p:nvSpPr>
+        <p:spPr/>
+        <p:txBody>
+          <a:bodyPr/>
+          <a:lstStyle/>
+          <a:p>
+            <a:fld id="{9C11CE39-2868-44A2-A0C6-827D458F7A8B}" type="slidenum">
+              <a:rPr lang="en-IN" smtClean="0"/>
+              <a:pPr/>
+              <a:t>77</a:t>
+            </a:fld>
+            <a:endParaRPr lang="en-IN"/>
+          </a:p>
+        </p:txBody>
+      </p:sp>
     </p:spTree>
     <p:custDataLst>
       <p:tags r:id="rId1"/>
@@ -28262,6 +30093,30 @@
           </a:prstGeom>
         </p:spPr>
       </p:pic>
+      <p:sp>
+        <p:nvSpPr>
+          <p:cNvPr id="5" name="Slide Number Placeholder 4"/>
+          <p:cNvSpPr>
+            <a:spLocks noGrp="1"/>
+          </p:cNvSpPr>
+          <p:nvPr>
+            <p:ph type="sldNum" sz="quarter" idx="12"/>
+          </p:nvPr>
+        </p:nvSpPr>
+        <p:spPr/>
+        <p:txBody>
+          <a:bodyPr/>
+          <a:lstStyle/>
+          <a:p>
+            <a:fld id="{9C11CE39-2868-44A2-A0C6-827D458F7A8B}" type="slidenum">
+              <a:rPr lang="en-IN" smtClean="0"/>
+              <a:pPr/>
+              <a:t>78</a:t>
+            </a:fld>
+            <a:endParaRPr lang="en-IN"/>
+          </a:p>
+        </p:txBody>
+      </p:sp>
     </p:spTree>
     <p:custDataLst>
       <p:tags r:id="rId1"/>
@@ -28391,6 +30246,30 @@
           </a:extLst>
         </p:spPr>
       </p:pic>
+      <p:sp>
+        <p:nvSpPr>
+          <p:cNvPr id="3" name="Slide Number Placeholder 2"/>
+          <p:cNvSpPr>
+            <a:spLocks noGrp="1"/>
+          </p:cNvSpPr>
+          <p:nvPr>
+            <p:ph type="sldNum" sz="quarter" idx="12"/>
+          </p:nvPr>
+        </p:nvSpPr>
+        <p:spPr/>
+        <p:txBody>
+          <a:bodyPr/>
+          <a:lstStyle/>
+          <a:p>
+            <a:fld id="{9C11CE39-2868-44A2-A0C6-827D458F7A8B}" type="slidenum">
+              <a:rPr lang="en-IN" smtClean="0"/>
+              <a:pPr/>
+              <a:t>79</a:t>
+            </a:fld>
+            <a:endParaRPr lang="en-IN"/>
+          </a:p>
+        </p:txBody>
+      </p:sp>
     </p:spTree>
     <p:custDataLst>
       <p:tags r:id="rId1"/>
@@ -28592,6 +30471,30 @@
           </a:p>
         </p:txBody>
       </p:sp>
+      <p:sp>
+        <p:nvSpPr>
+          <p:cNvPr id="4" name="Slide Number Placeholder 3"/>
+          <p:cNvSpPr>
+            <a:spLocks noGrp="1"/>
+          </p:cNvSpPr>
+          <p:nvPr>
+            <p:ph type="sldNum" sz="quarter" idx="12"/>
+          </p:nvPr>
+        </p:nvSpPr>
+        <p:spPr/>
+        <p:txBody>
+          <a:bodyPr/>
+          <a:lstStyle/>
+          <a:p>
+            <a:fld id="{9C11CE39-2868-44A2-A0C6-827D458F7A8B}" type="slidenum">
+              <a:rPr lang="en-IN" smtClean="0"/>
+              <a:pPr/>
+              <a:t>8</a:t>
+            </a:fld>
+            <a:endParaRPr lang="en-IN"/>
+          </a:p>
+        </p:txBody>
+      </p:sp>
     </p:spTree>
     <p:custDataLst>
       <p:tags r:id="rId1"/>
@@ -28605,6 +30508,13 @@
   <p:clrMapOvr>
     <a:masterClrMapping/>
   </p:clrMapOvr>
+  <p:timing>
+    <p:tnLst>
+      <p:par>
+        <p:cTn id="1" dur="indefinite" restart="never" nodeType="tmRoot"/>
+      </p:par>
+    </p:tnLst>
+  </p:timing>
 </p:sld>
 </file>
 
@@ -28761,6 +30671,30 @@
               <a:t>.</a:t>
             </a:r>
             <a:endParaRPr lang="en-IN" sz="2400" dirty="0"/>
+          </a:p>
+        </p:txBody>
+      </p:sp>
+      <p:sp>
+        <p:nvSpPr>
+          <p:cNvPr id="4" name="Slide Number Placeholder 3"/>
+          <p:cNvSpPr>
+            <a:spLocks noGrp="1"/>
+          </p:cNvSpPr>
+          <p:nvPr>
+            <p:ph type="sldNum" sz="quarter" idx="12"/>
+          </p:nvPr>
+        </p:nvSpPr>
+        <p:spPr/>
+        <p:txBody>
+          <a:bodyPr/>
+          <a:lstStyle/>
+          <a:p>
+            <a:fld id="{9C11CE39-2868-44A2-A0C6-827D458F7A8B}" type="slidenum">
+              <a:rPr lang="en-IN" smtClean="0"/>
+              <a:pPr/>
+              <a:t>80</a:t>
+            </a:fld>
+            <a:endParaRPr lang="en-IN"/>
           </a:p>
         </p:txBody>
       </p:sp>
@@ -28913,6 +30847,30 @@
           </a:prstGeom>
         </p:spPr>
       </p:pic>
+      <p:sp>
+        <p:nvSpPr>
+          <p:cNvPr id="5" name="Slide Number Placeholder 4"/>
+          <p:cNvSpPr>
+            <a:spLocks noGrp="1"/>
+          </p:cNvSpPr>
+          <p:nvPr>
+            <p:ph type="sldNum" sz="quarter" idx="12"/>
+          </p:nvPr>
+        </p:nvSpPr>
+        <p:spPr/>
+        <p:txBody>
+          <a:bodyPr/>
+          <a:lstStyle/>
+          <a:p>
+            <a:fld id="{9C11CE39-2868-44A2-A0C6-827D458F7A8B}" type="slidenum">
+              <a:rPr lang="en-IN" smtClean="0"/>
+              <a:pPr/>
+              <a:t>81</a:t>
+            </a:fld>
+            <a:endParaRPr lang="en-IN"/>
+          </a:p>
+        </p:txBody>
+      </p:sp>
     </p:spTree>
     <p:custDataLst>
       <p:tags r:id="rId1"/>
@@ -29057,6 +31015,30 @@
           </a:p>
         </p:txBody>
       </p:sp>
+      <p:sp>
+        <p:nvSpPr>
+          <p:cNvPr id="4" name="Slide Number Placeholder 3"/>
+          <p:cNvSpPr>
+            <a:spLocks noGrp="1"/>
+          </p:cNvSpPr>
+          <p:nvPr>
+            <p:ph type="sldNum" sz="quarter" idx="12"/>
+          </p:nvPr>
+        </p:nvSpPr>
+        <p:spPr/>
+        <p:txBody>
+          <a:bodyPr/>
+          <a:lstStyle/>
+          <a:p>
+            <a:fld id="{9C11CE39-2868-44A2-A0C6-827D458F7A8B}" type="slidenum">
+              <a:rPr lang="en-IN" smtClean="0"/>
+              <a:pPr/>
+              <a:t>82</a:t>
+            </a:fld>
+            <a:endParaRPr lang="en-IN"/>
+          </a:p>
+        </p:txBody>
+      </p:sp>
     </p:spTree>
     <p:custDataLst>
       <p:tags r:id="rId1"/>
@@ -29138,6 +31120,30 @@
           </a:prstGeom>
         </p:spPr>
       </p:pic>
+      <p:sp>
+        <p:nvSpPr>
+          <p:cNvPr id="3" name="Slide Number Placeholder 2"/>
+          <p:cNvSpPr>
+            <a:spLocks noGrp="1"/>
+          </p:cNvSpPr>
+          <p:nvPr>
+            <p:ph type="sldNum" sz="quarter" idx="12"/>
+          </p:nvPr>
+        </p:nvSpPr>
+        <p:spPr/>
+        <p:txBody>
+          <a:bodyPr/>
+          <a:lstStyle/>
+          <a:p>
+            <a:fld id="{9C11CE39-2868-44A2-A0C6-827D458F7A8B}" type="slidenum">
+              <a:rPr lang="en-IN" smtClean="0"/>
+              <a:pPr/>
+              <a:t>83</a:t>
+            </a:fld>
+            <a:endParaRPr lang="en-IN"/>
+          </a:p>
+        </p:txBody>
+      </p:sp>
     </p:spTree>
     <p:custDataLst>
       <p:tags r:id="rId1"/>
@@ -29280,6 +31286,30 @@
           </a:p>
         </p:txBody>
       </p:sp>
+      <p:sp>
+        <p:nvSpPr>
+          <p:cNvPr id="3" name="Slide Number Placeholder 2"/>
+          <p:cNvSpPr>
+            <a:spLocks noGrp="1"/>
+          </p:cNvSpPr>
+          <p:nvPr>
+            <p:ph type="sldNum" sz="quarter" idx="12"/>
+          </p:nvPr>
+        </p:nvSpPr>
+        <p:spPr/>
+        <p:txBody>
+          <a:bodyPr/>
+          <a:lstStyle/>
+          <a:p>
+            <a:fld id="{9C11CE39-2868-44A2-A0C6-827D458F7A8B}" type="slidenum">
+              <a:rPr lang="en-IN" smtClean="0"/>
+              <a:pPr/>
+              <a:t>84</a:t>
+            </a:fld>
+            <a:endParaRPr lang="en-IN"/>
+          </a:p>
+        </p:txBody>
+      </p:sp>
     </p:spTree>
     <p:custDataLst>
       <p:tags r:id="rId1"/>
@@ -30050,6 +32080,30 @@
           </a:p>
         </p:txBody>
       </p:sp>
+      <p:sp>
+        <p:nvSpPr>
+          <p:cNvPr id="4" name="Slide Number Placeholder 3"/>
+          <p:cNvSpPr>
+            <a:spLocks noGrp="1"/>
+          </p:cNvSpPr>
+          <p:nvPr>
+            <p:ph type="sldNum" sz="quarter" idx="12"/>
+          </p:nvPr>
+        </p:nvSpPr>
+        <p:spPr/>
+        <p:txBody>
+          <a:bodyPr/>
+          <a:lstStyle/>
+          <a:p>
+            <a:fld id="{9C11CE39-2868-44A2-A0C6-827D458F7A8B}" type="slidenum">
+              <a:rPr lang="en-IN" smtClean="0"/>
+              <a:pPr/>
+              <a:t>85</a:t>
+            </a:fld>
+            <a:endParaRPr lang="en-IN"/>
+          </a:p>
+        </p:txBody>
+      </p:sp>
     </p:spTree>
     <p:custDataLst>
       <p:tags r:id="rId1"/>
@@ -30163,6 +32217,30 @@
               <a:rPr lang="en-US" sz="2800" dirty="0"/>
               <a:t> object. </a:t>
             </a:r>
+          </a:p>
+        </p:txBody>
+      </p:sp>
+      <p:sp>
+        <p:nvSpPr>
+          <p:cNvPr id="4" name="Slide Number Placeholder 3"/>
+          <p:cNvSpPr>
+            <a:spLocks noGrp="1"/>
+          </p:cNvSpPr>
+          <p:nvPr>
+            <p:ph type="sldNum" sz="quarter" idx="12"/>
+          </p:nvPr>
+        </p:nvSpPr>
+        <p:spPr/>
+        <p:txBody>
+          <a:bodyPr/>
+          <a:lstStyle/>
+          <a:p>
+            <a:fld id="{9C11CE39-2868-44A2-A0C6-827D458F7A8B}" type="slidenum">
+              <a:rPr lang="en-IN" smtClean="0"/>
+              <a:pPr/>
+              <a:t>86</a:t>
+            </a:fld>
+            <a:endParaRPr lang="en-IN"/>
           </a:p>
         </p:txBody>
       </p:sp>
@@ -30587,6 +32665,30 @@
           </a:p>
         </p:txBody>
       </p:sp>
+      <p:sp>
+        <p:nvSpPr>
+          <p:cNvPr id="4" name="Slide Number Placeholder 3"/>
+          <p:cNvSpPr>
+            <a:spLocks noGrp="1"/>
+          </p:cNvSpPr>
+          <p:nvPr>
+            <p:ph type="sldNum" sz="quarter" idx="12"/>
+          </p:nvPr>
+        </p:nvSpPr>
+        <p:spPr/>
+        <p:txBody>
+          <a:bodyPr/>
+          <a:lstStyle/>
+          <a:p>
+            <a:fld id="{9C11CE39-2868-44A2-A0C6-827D458F7A8B}" type="slidenum">
+              <a:rPr lang="en-IN" smtClean="0"/>
+              <a:pPr/>
+              <a:t>87</a:t>
+            </a:fld>
+            <a:endParaRPr lang="en-IN"/>
+          </a:p>
+        </p:txBody>
+      </p:sp>
     </p:spTree>
     <p:custDataLst>
       <p:tags r:id="rId1"/>
@@ -30679,6 +32781,30 @@
           </a:p>
         </p:txBody>
       </p:sp>
+      <p:sp>
+        <p:nvSpPr>
+          <p:cNvPr id="3" name="Slide Number Placeholder 2"/>
+          <p:cNvSpPr>
+            <a:spLocks noGrp="1"/>
+          </p:cNvSpPr>
+          <p:nvPr>
+            <p:ph type="sldNum" sz="quarter" idx="12"/>
+          </p:nvPr>
+        </p:nvSpPr>
+        <p:spPr/>
+        <p:txBody>
+          <a:bodyPr/>
+          <a:lstStyle/>
+          <a:p>
+            <a:fld id="{9C11CE39-2868-44A2-A0C6-827D458F7A8B}" type="slidenum">
+              <a:rPr lang="en-IN" smtClean="0"/>
+              <a:pPr/>
+              <a:t>88</a:t>
+            </a:fld>
+            <a:endParaRPr lang="en-IN"/>
+          </a:p>
+        </p:txBody>
+      </p:sp>
     </p:spTree>
     <p:custDataLst>
       <p:tags r:id="rId1"/>
@@ -30958,6 +33084,30 @@
           </a:p>
         </p:txBody>
       </p:sp>
+      <p:sp>
+        <p:nvSpPr>
+          <p:cNvPr id="4" name="Slide Number Placeholder 3"/>
+          <p:cNvSpPr>
+            <a:spLocks noGrp="1"/>
+          </p:cNvSpPr>
+          <p:nvPr>
+            <p:ph type="sldNum" sz="quarter" idx="12"/>
+          </p:nvPr>
+        </p:nvSpPr>
+        <p:spPr/>
+        <p:txBody>
+          <a:bodyPr/>
+          <a:lstStyle/>
+          <a:p>
+            <a:fld id="{9C11CE39-2868-44A2-A0C6-827D458F7A8B}" type="slidenum">
+              <a:rPr lang="en-IN" smtClean="0"/>
+              <a:pPr/>
+              <a:t>89</a:t>
+            </a:fld>
+            <a:endParaRPr lang="en-IN"/>
+          </a:p>
+        </p:txBody>
+      </p:sp>
     </p:spTree>
     <p:custDataLst>
       <p:tags r:id="rId1"/>
@@ -31047,6 +33197,30 @@
           </a:p>
         </p:txBody>
       </p:sp>
+      <p:sp>
+        <p:nvSpPr>
+          <p:cNvPr id="4" name="Slide Number Placeholder 3"/>
+          <p:cNvSpPr>
+            <a:spLocks noGrp="1"/>
+          </p:cNvSpPr>
+          <p:nvPr>
+            <p:ph type="sldNum" sz="quarter" idx="12"/>
+          </p:nvPr>
+        </p:nvSpPr>
+        <p:spPr/>
+        <p:txBody>
+          <a:bodyPr/>
+          <a:lstStyle/>
+          <a:p>
+            <a:fld id="{9C11CE39-2868-44A2-A0C6-827D458F7A8B}" type="slidenum">
+              <a:rPr lang="en-IN" smtClean="0"/>
+              <a:pPr/>
+              <a:t>9</a:t>
+            </a:fld>
+            <a:endParaRPr lang="en-IN"/>
+          </a:p>
+        </p:txBody>
+      </p:sp>
     </p:spTree>
     <p:custDataLst>
       <p:tags r:id="rId1"/>
@@ -31060,6 +33234,13 @@
   <p:clrMapOvr>
     <a:masterClrMapping/>
   </p:clrMapOvr>
+  <p:timing>
+    <p:tnLst>
+      <p:par>
+        <p:cTn id="1" dur="indefinite" restart="never" nodeType="tmRoot"/>
+      </p:par>
+    </p:tnLst>
+  </p:timing>
 </p:sld>
 </file>
 
@@ -31873,6 +34054,30 @@
               <a:latin typeface="Courier New" pitchFamily="49" charset="0"/>
               <a:cs typeface="Courier New" pitchFamily="49" charset="0"/>
             </a:endParaRPr>
+          </a:p>
+        </p:txBody>
+      </p:sp>
+      <p:sp>
+        <p:nvSpPr>
+          <p:cNvPr id="4" name="Slide Number Placeholder 3"/>
+          <p:cNvSpPr>
+            <a:spLocks noGrp="1"/>
+          </p:cNvSpPr>
+          <p:nvPr>
+            <p:ph type="sldNum" sz="quarter" idx="12"/>
+          </p:nvPr>
+        </p:nvSpPr>
+        <p:spPr/>
+        <p:txBody>
+          <a:bodyPr/>
+          <a:lstStyle/>
+          <a:p>
+            <a:fld id="{9C11CE39-2868-44A2-A0C6-827D458F7A8B}" type="slidenum">
+              <a:rPr lang="en-IN" smtClean="0"/>
+              <a:pPr/>
+              <a:t>90</a:t>
+            </a:fld>
+            <a:endParaRPr lang="en-IN"/>
           </a:p>
         </p:txBody>
       </p:sp>
@@ -31965,6 +34170,30 @@
           </a:p>
         </p:txBody>
       </p:sp>
+      <p:sp>
+        <p:nvSpPr>
+          <p:cNvPr id="4" name="Slide Number Placeholder 3"/>
+          <p:cNvSpPr>
+            <a:spLocks noGrp="1"/>
+          </p:cNvSpPr>
+          <p:nvPr>
+            <p:ph type="sldNum" sz="quarter" idx="12"/>
+          </p:nvPr>
+        </p:nvSpPr>
+        <p:spPr/>
+        <p:txBody>
+          <a:bodyPr/>
+          <a:lstStyle/>
+          <a:p>
+            <a:fld id="{9C11CE39-2868-44A2-A0C6-827D458F7A8B}" type="slidenum">
+              <a:rPr lang="en-IN" smtClean="0"/>
+              <a:pPr/>
+              <a:t>91</a:t>
+            </a:fld>
+            <a:endParaRPr lang="en-IN"/>
+          </a:p>
+        </p:txBody>
+      </p:sp>
     </p:spTree>
     <p:custDataLst>
       <p:tags r:id="rId1"/>
@@ -32104,6 +34333,30 @@
           </a:prstGeom>
         </p:spPr>
       </p:pic>
+      <p:sp>
+        <p:nvSpPr>
+          <p:cNvPr id="4" name="Slide Number Placeholder 3"/>
+          <p:cNvSpPr>
+            <a:spLocks noGrp="1"/>
+          </p:cNvSpPr>
+          <p:nvPr>
+            <p:ph type="sldNum" sz="quarter" idx="12"/>
+          </p:nvPr>
+        </p:nvSpPr>
+        <p:spPr/>
+        <p:txBody>
+          <a:bodyPr/>
+          <a:lstStyle/>
+          <a:p>
+            <a:fld id="{9C11CE39-2868-44A2-A0C6-827D458F7A8B}" type="slidenum">
+              <a:rPr lang="en-IN" smtClean="0"/>
+              <a:pPr/>
+              <a:t>92</a:t>
+            </a:fld>
+            <a:endParaRPr lang="en-IN"/>
+          </a:p>
+        </p:txBody>
+      </p:sp>
     </p:spTree>
     <p:custDataLst>
       <p:tags r:id="rId1"/>
@@ -32268,6 +34521,30 @@
           </a:p>
         </p:txBody>
       </p:sp>
+      <p:sp>
+        <p:nvSpPr>
+          <p:cNvPr id="3" name="Slide Number Placeholder 2"/>
+          <p:cNvSpPr>
+            <a:spLocks noGrp="1"/>
+          </p:cNvSpPr>
+          <p:nvPr>
+            <p:ph type="sldNum" sz="quarter" idx="12"/>
+          </p:nvPr>
+        </p:nvSpPr>
+        <p:spPr/>
+        <p:txBody>
+          <a:bodyPr/>
+          <a:lstStyle/>
+          <a:p>
+            <a:fld id="{9C11CE39-2868-44A2-A0C6-827D458F7A8B}" type="slidenum">
+              <a:rPr lang="en-IN" smtClean="0"/>
+              <a:pPr/>
+              <a:t>93</a:t>
+            </a:fld>
+            <a:endParaRPr lang="en-IN"/>
+          </a:p>
+        </p:txBody>
+      </p:sp>
     </p:spTree>
     <p:custDataLst>
       <p:tags r:id="rId1"/>
@@ -32323,11 +34600,7 @@
           <a:p>
             <a:r>
               <a:rPr lang="en-US" dirty="0"/>
-              <a:t>Example </a:t>
-            </a:r>
-            <a:r>
-              <a:rPr lang="en-US" dirty="0"/>
-              <a:t>9</a:t>
+              <a:t>Example 9</a:t>
             </a:r>
             <a:r>
               <a:rPr lang="en-US" dirty="0" smtClean="0"/>
@@ -32646,11 +34919,7 @@
             </a:r>
             <a:r>
               <a:rPr lang="en-IN" sz="2800" dirty="0" smtClean="0"/>
-              <a:t>values(11,'Umesh</a:t>
-            </a:r>
-            <a:r>
-              <a:rPr lang="en-IN" sz="2800" dirty="0" smtClean="0"/>
-              <a:t>',35)");</a:t>
+              <a:t>values(11,'Umesh',35)");</a:t>
             </a:r>
             <a:r>
               <a:rPr lang="en-IN" sz="2800" dirty="0"/>
@@ -32752,6 +35021,30 @@
               <a:t>}</a:t>
             </a:r>
             <a:endParaRPr lang="en-IN" sz="2800" dirty="0"/>
+          </a:p>
+        </p:txBody>
+      </p:sp>
+      <p:sp>
+        <p:nvSpPr>
+          <p:cNvPr id="4" name="Slide Number Placeholder 3"/>
+          <p:cNvSpPr>
+            <a:spLocks noGrp="1"/>
+          </p:cNvSpPr>
+          <p:nvPr>
+            <p:ph type="sldNum" sz="quarter" idx="12"/>
+          </p:nvPr>
+        </p:nvSpPr>
+        <p:spPr/>
+        <p:txBody>
+          <a:bodyPr/>
+          <a:lstStyle/>
+          <a:p>
+            <a:fld id="{9C11CE39-2868-44A2-A0C6-827D458F7A8B}" type="slidenum">
+              <a:rPr lang="en-IN" smtClean="0"/>
+              <a:pPr/>
+              <a:t>94</a:t>
+            </a:fld>
+            <a:endParaRPr lang="en-IN"/>
           </a:p>
         </p:txBody>
       </p:sp>
@@ -32867,6 +35160,30 @@
           </a:p>
         </p:txBody>
       </p:sp>
+      <p:sp>
+        <p:nvSpPr>
+          <p:cNvPr id="4" name="Slide Number Placeholder 3"/>
+          <p:cNvSpPr>
+            <a:spLocks noGrp="1"/>
+          </p:cNvSpPr>
+          <p:nvPr>
+            <p:ph type="sldNum" sz="quarter" idx="12"/>
+          </p:nvPr>
+        </p:nvSpPr>
+        <p:spPr/>
+        <p:txBody>
+          <a:bodyPr/>
+          <a:lstStyle/>
+          <a:p>
+            <a:fld id="{9C11CE39-2868-44A2-A0C6-827D458F7A8B}" type="slidenum">
+              <a:rPr lang="en-IN" smtClean="0"/>
+              <a:pPr/>
+              <a:t>95</a:t>
+            </a:fld>
+            <a:endParaRPr lang="en-IN"/>
+          </a:p>
+        </p:txBody>
+      </p:sp>
     </p:spTree>
     <p:custDataLst>
       <p:tags r:id="rId1"/>
@@ -33070,6 +35387,30 @@
           </a:p>
         </p:txBody>
       </p:sp>
+      <p:sp>
+        <p:nvSpPr>
+          <p:cNvPr id="4" name="Slide Number Placeholder 3"/>
+          <p:cNvSpPr>
+            <a:spLocks noGrp="1"/>
+          </p:cNvSpPr>
+          <p:nvPr>
+            <p:ph type="sldNum" sz="quarter" idx="12"/>
+          </p:nvPr>
+        </p:nvSpPr>
+        <p:spPr/>
+        <p:txBody>
+          <a:bodyPr/>
+          <a:lstStyle/>
+          <a:p>
+            <a:fld id="{9C11CE39-2868-44A2-A0C6-827D458F7A8B}" type="slidenum">
+              <a:rPr lang="en-IN" smtClean="0"/>
+              <a:pPr/>
+              <a:t>96</a:t>
+            </a:fld>
+            <a:endParaRPr lang="en-IN"/>
+          </a:p>
+        </p:txBody>
+      </p:sp>
     </p:spTree>
     <p:custDataLst>
       <p:tags r:id="rId1"/>
@@ -33355,6 +35696,30 @@
           </a:p>
         </p:txBody>
       </p:sp>
+      <p:sp>
+        <p:nvSpPr>
+          <p:cNvPr id="4" name="Slide Number Placeholder 3"/>
+          <p:cNvSpPr>
+            <a:spLocks noGrp="1"/>
+          </p:cNvSpPr>
+          <p:nvPr>
+            <p:ph type="sldNum" sz="quarter" idx="12"/>
+          </p:nvPr>
+        </p:nvSpPr>
+        <p:spPr/>
+        <p:txBody>
+          <a:bodyPr/>
+          <a:lstStyle/>
+          <a:p>
+            <a:fld id="{9C11CE39-2868-44A2-A0C6-827D458F7A8B}" type="slidenum">
+              <a:rPr lang="en-IN" smtClean="0"/>
+              <a:pPr/>
+              <a:t>97</a:t>
+            </a:fld>
+            <a:endParaRPr lang="en-IN"/>
+          </a:p>
+        </p:txBody>
+      </p:sp>
     </p:spTree>
     <p:custDataLst>
       <p:tags r:id="rId1"/>
@@ -33954,6 +36319,30 @@
           </a:p>
         </p:txBody>
       </p:sp>
+      <p:sp>
+        <p:nvSpPr>
+          <p:cNvPr id="4" name="Slide Number Placeholder 3"/>
+          <p:cNvSpPr>
+            <a:spLocks noGrp="1"/>
+          </p:cNvSpPr>
+          <p:nvPr>
+            <p:ph type="sldNum" sz="quarter" idx="12"/>
+          </p:nvPr>
+        </p:nvSpPr>
+        <p:spPr/>
+        <p:txBody>
+          <a:bodyPr/>
+          <a:lstStyle/>
+          <a:p>
+            <a:fld id="{9C11CE39-2868-44A2-A0C6-827D458F7A8B}" type="slidenum">
+              <a:rPr lang="en-IN" smtClean="0"/>
+              <a:pPr/>
+              <a:t>98</a:t>
+            </a:fld>
+            <a:endParaRPr lang="en-IN"/>
+          </a:p>
+        </p:txBody>
+      </p:sp>
     </p:spTree>
     <p:custDataLst>
       <p:tags r:id="rId1"/>
@@ -34558,6 +36947,30 @@
           </a:p>
         </p:txBody>
       </p:sp>
+      <p:sp>
+        <p:nvSpPr>
+          <p:cNvPr id="4" name="Slide Number Placeholder 3"/>
+          <p:cNvSpPr>
+            <a:spLocks noGrp="1"/>
+          </p:cNvSpPr>
+          <p:nvPr>
+            <p:ph type="sldNum" sz="quarter" idx="12"/>
+          </p:nvPr>
+        </p:nvSpPr>
+        <p:spPr/>
+        <p:txBody>
+          <a:bodyPr/>
+          <a:lstStyle/>
+          <a:p>
+            <a:fld id="{9C11CE39-2868-44A2-A0C6-827D458F7A8B}" type="slidenum">
+              <a:rPr lang="en-IN" smtClean="0"/>
+              <a:pPr/>
+              <a:t>99</a:t>
+            </a:fld>
+            <a:endParaRPr lang="en-IN"/>
+          </a:p>
+        </p:txBody>
+      </p:sp>
     </p:spTree>
     <p:custDataLst>
       <p:tags r:id="rId1"/>
@@ -34577,8 +36990,8 @@
 <file path=ppt/tags/tag1.xml><?xml version="1.0" encoding="utf-8"?>
 <p:tagLst xmlns:a="http://schemas.openxmlformats.org/drawingml/2006/main" xmlns:r="http://schemas.openxmlformats.org/officeDocument/2006/relationships" xmlns:p="http://schemas.openxmlformats.org/presentationml/2006/main">
   <p:tag name="ARTICULATE_DESIGN_ID_FRAME" val="swDPPbbH"/>
+  <p:tag name="ARTICULATE_SLIDE_COUNT" val="107"/>
   <p:tag name="ARTICULATE_PROJECT_OPEN" val="0"/>
-  <p:tag name="ARTICULATE_SLIDE_COUNT" val="107"/>
 </p:tagLst>
 </file>
 
@@ -35491,7 +37904,7 @@
   <a:extraClrSchemeLst/>
   <a:extLst>
     <a:ext uri="{05A4C25C-085E-4340-85A3-A5531E510DB2}">
-      <thm15:themeFamily xmlns:thm15="http://schemas.microsoft.com/office/thememl/2012/main" xmlns="" name="Frame" id="{F226E7A2-7162-461C-9490-D27D9DC04E43}" vid="{629A0216-3BBD-45C0-B63F-2683BEA18F60}"/>
+      <thm15:themeFamily xmlns="" xmlns:thm15="http://schemas.microsoft.com/office/thememl/2012/main" name="Frame" id="{F226E7A2-7162-461C-9490-D27D9DC04E43}" vid="{629A0216-3BBD-45C0-B63F-2683BEA18F60}"/>
     </a:ext>
   </a:extLst>
 </a:theme>
@@ -35752,7 +38165,7 @@
   <a:extraClrSchemeLst/>
   <a:extLst>
     <a:ext uri="{05A4C25C-085E-4340-85A3-A5531E510DB2}">
-      <thm15:themeFamily xmlns:thm15="http://schemas.microsoft.com/office/thememl/2012/main" xmlns="" name="Office Theme" id="{62F939B6-93AF-4DB8-9C6B-D6C7DFDC589F}" vid="{4A3C46E8-61CC-4603-A589-7422A47A8E4A}"/>
+      <thm15:themeFamily xmlns="" xmlns:thm15="http://schemas.microsoft.com/office/thememl/2012/main" name="Office Theme" id="{62F939B6-93AF-4DB8-9C6B-D6C7DFDC589F}" vid="{4A3C46E8-61CC-4603-A589-7422A47A8E4A}"/>
     </a:ext>
   </a:extLst>
 </a:theme>
@@ -36013,7 +38426,7 @@
   <a:extraClrSchemeLst/>
   <a:extLst>
     <a:ext uri="{05A4C25C-085E-4340-85A3-A5531E510DB2}">
-      <thm15:themeFamily xmlns:thm15="http://schemas.microsoft.com/office/thememl/2012/main" xmlns="" name="Office Theme" id="{62F939B6-93AF-4DB8-9C6B-D6C7DFDC589F}" vid="{4A3C46E8-61CC-4603-A589-7422A47A8E4A}"/>
+      <thm15:themeFamily xmlns="" xmlns:thm15="http://schemas.microsoft.com/office/thememl/2012/main" name="Office Theme" id="{62F939B6-93AF-4DB8-9C6B-D6C7DFDC589F}" vid="{4A3C46E8-61CC-4603-A589-7422A47A8E4A}"/>
     </a:ext>
   </a:extLst>
 </a:theme>

--- a/AJP Slides/AJP - Unit 2 - JDBC.pptx
+++ b/AJP Slides/AJP - Unit 2 - JDBC.pptx
@@ -221,7 +221,7 @@
   </p:defaultTextStyle>
   <p:extLst>
     <p:ext uri="{EFAFB233-063F-42B5-8137-9DF3F51BA10A}">
-      <p15:sldGuideLst xmlns="" xmlns:p15="http://schemas.microsoft.com/office/powerpoint/2012/main">
+      <p15:sldGuideLst xmlns:p15="http://schemas.microsoft.com/office/powerpoint/2012/main" xmlns="">
         <p15:guide id="1" orient="horz" pos="2160">
           <p15:clr>
             <a:srgbClr val="A4A3A4"/>
@@ -235,7 +235,7 @@
       </p15:sldGuideLst>
     </p:ext>
     <p:ext uri="{2D200454-40CA-4A62-9FC3-DE9A4176ACB9}">
-      <p15:notesGuideLst xmlns="" xmlns:p15="http://schemas.microsoft.com/office/powerpoint/2012/main"/>
+      <p15:notesGuideLst xmlns:p15="http://schemas.microsoft.com/office/powerpoint/2012/main" xmlns=""/>
     </p:ext>
   </p:extLst>
 </p:presentation>
@@ -5895,7 +5895,7 @@
           <p:cNvPr id="4" name="Table 3">
             <a:extLst>
               <a:ext uri="{FF2B5EF4-FFF2-40B4-BE49-F238E27FC236}">
-                <a16:creationId xmlns:a16="http://schemas.microsoft.com/office/drawing/2014/main" xmlns="" id="{ECF68B0F-0762-4862-B304-5B28267E2001}"/>
+                <a16:creationId xmlns="" xmlns:a16="http://schemas.microsoft.com/office/drawing/2014/main" id="{ECF68B0F-0762-4862-B304-5B28267E2001}"/>
               </a:ext>
             </a:extLst>
           </p:cNvPr>
@@ -5924,14 +5924,14 @@
                 <a:gridCol w="6090820">
                   <a:extLst>
                     <a:ext uri="{9D8B030D-6E8A-4147-A177-3AD203B41FA5}">
-                      <a16:colId xmlns:a16="http://schemas.microsoft.com/office/drawing/2014/main" xmlns="" val="3107024381"/>
+                      <a16:colId xmlns="" xmlns:a16="http://schemas.microsoft.com/office/drawing/2014/main" val="3107024381"/>
                     </a:ext>
                   </a:extLst>
                 </a:gridCol>
                 <a:gridCol w="6101180">
                   <a:extLst>
                     <a:ext uri="{9D8B030D-6E8A-4147-A177-3AD203B41FA5}">
-                      <a16:colId xmlns:a16="http://schemas.microsoft.com/office/drawing/2014/main" xmlns="" val="2581713321"/>
+                      <a16:colId xmlns="" xmlns:a16="http://schemas.microsoft.com/office/drawing/2014/main" val="2581713321"/>
                     </a:ext>
                   </a:extLst>
                 </a:gridCol>
@@ -5985,7 +5985,7 @@
                 </a:tc>
                 <a:extLst>
                   <a:ext uri="{0D108BD9-81ED-4DB2-BD59-A6C34878D82A}">
-                    <a16:rowId xmlns:a16="http://schemas.microsoft.com/office/drawing/2014/main" xmlns="" val="121817892"/>
+                    <a16:rowId xmlns="" xmlns:a16="http://schemas.microsoft.com/office/drawing/2014/main" val="121817892"/>
                   </a:ext>
                 </a:extLst>
               </a:tr>
@@ -6080,7 +6080,7 @@
                 </a:tc>
                 <a:extLst>
                   <a:ext uri="{0D108BD9-81ED-4DB2-BD59-A6C34878D82A}">
-                    <a16:rowId xmlns:a16="http://schemas.microsoft.com/office/drawing/2014/main" xmlns="" val="1891798235"/>
+                    <a16:rowId xmlns="" xmlns:a16="http://schemas.microsoft.com/office/drawing/2014/main" val="1891798235"/>
                   </a:ext>
                 </a:extLst>
               </a:tr>
@@ -6163,7 +6163,7 @@
                 </a:tc>
                 <a:extLst>
                   <a:ext uri="{0D108BD9-81ED-4DB2-BD59-A6C34878D82A}">
-                    <a16:rowId xmlns:a16="http://schemas.microsoft.com/office/drawing/2014/main" xmlns="" val="1328149865"/>
+                    <a16:rowId xmlns="" xmlns:a16="http://schemas.microsoft.com/office/drawing/2014/main" val="1328149865"/>
                   </a:ext>
                 </a:extLst>
               </a:tr>
@@ -6246,7 +6246,7 @@
                 </a:tc>
                 <a:extLst>
                   <a:ext uri="{0D108BD9-81ED-4DB2-BD59-A6C34878D82A}">
-                    <a16:rowId xmlns:a16="http://schemas.microsoft.com/office/drawing/2014/main" xmlns="" val="1868016679"/>
+                    <a16:rowId xmlns="" xmlns:a16="http://schemas.microsoft.com/office/drawing/2014/main" val="1868016679"/>
                   </a:ext>
                 </a:extLst>
               </a:tr>
@@ -6329,7 +6329,7 @@
                 </a:tc>
                 <a:extLst>
                   <a:ext uri="{0D108BD9-81ED-4DB2-BD59-A6C34878D82A}">
-                    <a16:rowId xmlns:a16="http://schemas.microsoft.com/office/drawing/2014/main" xmlns="" val="2654008342"/>
+                    <a16:rowId xmlns="" xmlns:a16="http://schemas.microsoft.com/office/drawing/2014/main" val="2654008342"/>
                   </a:ext>
                 </a:extLst>
               </a:tr>
@@ -7387,7 +7387,7 @@
           <p:cNvPr id="5" name="Content Placeholder 3">
             <a:extLst>
               <a:ext uri="{FF2B5EF4-FFF2-40B4-BE49-F238E27FC236}">
-                <a16:creationId xmlns:a16="http://schemas.microsoft.com/office/drawing/2014/main" xmlns="" id="{E439575B-F099-4CC4-9825-4F20B2647505}"/>
+                <a16:creationId xmlns="" xmlns:a16="http://schemas.microsoft.com/office/drawing/2014/main" id="{E439575B-F099-4CC4-9825-4F20B2647505}"/>
               </a:ext>
             </a:extLst>
           </p:cNvPr>
@@ -7417,14 +7417,14 @@
                 <a:gridCol w="3124200">
                   <a:extLst>
                     <a:ext uri="{9D8B030D-6E8A-4147-A177-3AD203B41FA5}">
-                      <a16:colId xmlns:a16="http://schemas.microsoft.com/office/drawing/2014/main" xmlns="" val="3773665361"/>
+                      <a16:colId xmlns="" xmlns:a16="http://schemas.microsoft.com/office/drawing/2014/main" val="3773665361"/>
                     </a:ext>
                   </a:extLst>
                 </a:gridCol>
                 <a:gridCol w="4876800">
                   <a:extLst>
                     <a:ext uri="{9D8B030D-6E8A-4147-A177-3AD203B41FA5}">
-                      <a16:colId xmlns:a16="http://schemas.microsoft.com/office/drawing/2014/main" xmlns="" val="2884274614"/>
+                      <a16:colId xmlns="" xmlns:a16="http://schemas.microsoft.com/office/drawing/2014/main" val="2884274614"/>
                     </a:ext>
                   </a:extLst>
                 </a:gridCol>
@@ -7474,7 +7474,7 @@
                 </a:tc>
                 <a:extLst>
                   <a:ext uri="{0D108BD9-81ED-4DB2-BD59-A6C34878D82A}">
-                    <a16:rowId xmlns:a16="http://schemas.microsoft.com/office/drawing/2014/main" xmlns="" val="3229444630"/>
+                    <a16:rowId xmlns="" xmlns:a16="http://schemas.microsoft.com/office/drawing/2014/main" val="3229444630"/>
                   </a:ext>
                 </a:extLst>
               </a:tr>
@@ -7614,7 +7614,7 @@
                 </a:tc>
                 <a:extLst>
                   <a:ext uri="{0D108BD9-81ED-4DB2-BD59-A6C34878D82A}">
-                    <a16:rowId xmlns:a16="http://schemas.microsoft.com/office/drawing/2014/main" xmlns="" val="2446575564"/>
+                    <a16:rowId xmlns="" xmlns:a16="http://schemas.microsoft.com/office/drawing/2014/main" val="2446575564"/>
                   </a:ext>
                 </a:extLst>
               </a:tr>
@@ -7661,7 +7661,7 @@
                 </a:tc>
                 <a:extLst>
                   <a:ext uri="{0D108BD9-81ED-4DB2-BD59-A6C34878D82A}">
-                    <a16:rowId xmlns:a16="http://schemas.microsoft.com/office/drawing/2014/main" xmlns="" val="1015041822"/>
+                    <a16:rowId xmlns="" xmlns:a16="http://schemas.microsoft.com/office/drawing/2014/main" val="1015041822"/>
                   </a:ext>
                 </a:extLst>
               </a:tr>
@@ -7708,7 +7708,7 @@
                 </a:tc>
                 <a:extLst>
                   <a:ext uri="{0D108BD9-81ED-4DB2-BD59-A6C34878D82A}">
-                    <a16:rowId xmlns:a16="http://schemas.microsoft.com/office/drawing/2014/main" xmlns="" val="680463658"/>
+                    <a16:rowId xmlns="" xmlns:a16="http://schemas.microsoft.com/office/drawing/2014/main" val="680463658"/>
                   </a:ext>
                 </a:extLst>
               </a:tr>
@@ -10186,7 +10186,7 @@
           <p:cNvPr id="4" name="Picture 4" descr="DBMS Driver type 1">
             <a:extLst>
               <a:ext uri="{FF2B5EF4-FFF2-40B4-BE49-F238E27FC236}">
-                <a16:creationId xmlns:a16="http://schemas.microsoft.com/office/drawing/2014/main" xmlns="" id="{1313EB34-FA31-4742-9887-8299320F6751}"/>
+                <a16:creationId xmlns="" xmlns:a16="http://schemas.microsoft.com/office/drawing/2014/main" id="{1313EB34-FA31-4742-9887-8299320F6751}"/>
               </a:ext>
             </a:extLst>
           </p:cNvPr>
@@ -11511,7 +11511,7 @@
           <p:cNvPr id="5" name="Picture 2" descr="DBMS Driver type 2">
             <a:extLst>
               <a:ext uri="{FF2B5EF4-FFF2-40B4-BE49-F238E27FC236}">
-                <a16:creationId xmlns:a16="http://schemas.microsoft.com/office/drawing/2014/main" xmlns="" id="{11B6EFCF-4C19-4E6A-B006-BCCCB43A001C}"/>
+                <a16:creationId xmlns="" xmlns:a16="http://schemas.microsoft.com/office/drawing/2014/main" id="{11B6EFCF-4C19-4E6A-B006-BCCCB43A001C}"/>
               </a:ext>
             </a:extLst>
           </p:cNvPr>
@@ -12303,7 +12303,7 @@
           <p:cNvPr id="6" name="Picture 2" descr="DBMS Driver type 3">
             <a:extLst>
               <a:ext uri="{FF2B5EF4-FFF2-40B4-BE49-F238E27FC236}">
-                <a16:creationId xmlns:a16="http://schemas.microsoft.com/office/drawing/2014/main" xmlns="" id="{CDAD02B3-F946-4B3D-996E-D3326B90142F}"/>
+                <a16:creationId xmlns="" xmlns:a16="http://schemas.microsoft.com/office/drawing/2014/main" id="{CDAD02B3-F946-4B3D-996E-D3326B90142F}"/>
               </a:ext>
             </a:extLst>
           </p:cNvPr>
@@ -13895,7 +13895,7 @@
           <p:cNvPr id="5" name="Picture 2" descr="DBMS Driver type 4">
             <a:extLst>
               <a:ext uri="{FF2B5EF4-FFF2-40B4-BE49-F238E27FC236}">
-                <a16:creationId xmlns:a16="http://schemas.microsoft.com/office/drawing/2014/main" xmlns="" id="{57C48A62-F901-46D7-A298-27C50FEC6503}"/>
+                <a16:creationId xmlns="" xmlns:a16="http://schemas.microsoft.com/office/drawing/2014/main" id="{57C48A62-F901-46D7-A298-27C50FEC6503}"/>
               </a:ext>
             </a:extLst>
           </p:cNvPr>
@@ -17793,7 +17793,7 @@
           <p:cNvPr id="4" name="Picture 2" descr="JDBC (Java Database Connectivity) ">
             <a:extLst>
               <a:ext uri="{FF2B5EF4-FFF2-40B4-BE49-F238E27FC236}">
-                <a16:creationId xmlns="" xmlns:a16="http://schemas.microsoft.com/office/drawing/2014/main" id="{8D2A4FC5-5399-4C70-9408-57F4BF985BB1}"/>
+                <a16:creationId xmlns:a16="http://schemas.microsoft.com/office/drawing/2014/main" xmlns="" id="{8D2A4FC5-5399-4C70-9408-57F4BF985BB1}"/>
               </a:ext>
             </a:extLst>
           </p:cNvPr>
@@ -19985,34 +19985,15 @@
         </p:nvSpPr>
         <p:spPr>
           <a:xfrm>
-            <a:off x="3468914" y="864108"/>
-            <a:ext cx="8346950" cy="5120640"/>
+            <a:off x="3468914" y="653143"/>
+            <a:ext cx="8346950" cy="5878286"/>
           </a:xfrm>
         </p:spPr>
         <p:txBody>
           <a:bodyPr anchor="t">
-            <a:normAutofit fontScale="92500" lnSpcReduction="10000"/>
+            <a:normAutofit fontScale="92500"/>
           </a:bodyPr>
           <a:lstStyle/>
-          <a:p>
-            <a:pPr>
-              <a:lnSpc>
-                <a:spcPct val="110000"/>
-              </a:lnSpc>
-              <a:spcBef>
-                <a:spcPts val="0"/>
-              </a:spcBef>
-            </a:pPr>
-            <a:r>
-              <a:rPr lang="en-US" sz="2800" dirty="0"/>
-              <a:t>In Previous code change the SQL query in the </a:t>
-            </a:r>
-            <a:r>
-              <a:rPr lang="en-US" sz="2800" dirty="0" err="1" smtClean="0"/>
-              <a:t>executeQuery</a:t>
-            </a:r>
-            <a:endParaRPr lang="en-US" sz="2800" dirty="0" smtClean="0"/>
-          </a:p>
           <a:p>
             <a:pPr marL="0" indent="0">
               <a:lnSpc>
@@ -20024,33 +20005,18 @@
               <a:buNone/>
             </a:pPr>
             <a:r>
-              <a:rPr lang="en-US" sz="2800" dirty="0" err="1">
-                <a:latin typeface="Courier New" pitchFamily="49" charset="0"/>
-                <a:cs typeface="Courier New" pitchFamily="49" charset="0"/>
-              </a:rPr>
-              <a:t>ResultSet</a:t>
-            </a:r>
-            <a:r>
-              <a:rPr lang="en-US" sz="2800" dirty="0">
-                <a:latin typeface="Courier New" pitchFamily="49" charset="0"/>
-                <a:cs typeface="Courier New" pitchFamily="49" charset="0"/>
-              </a:rPr>
-              <a:t> </a:t>
-            </a:r>
-            <a:r>
-              <a:rPr lang="en-US" sz="2800" dirty="0" err="1" smtClean="0">
-                <a:latin typeface="Courier New" pitchFamily="49" charset="0"/>
-                <a:cs typeface="Courier New" pitchFamily="49" charset="0"/>
-              </a:rPr>
-              <a:t>rs</a:t>
-            </a:r>
-            <a:r>
-              <a:rPr lang="en-US" sz="2800" dirty="0" smtClean="0">
-                <a:latin typeface="Courier New" pitchFamily="49" charset="0"/>
-                <a:cs typeface="Courier New" pitchFamily="49" charset="0"/>
-              </a:rPr>
-              <a:t> =</a:t>
-            </a:r>
+              <a:rPr lang="en-US" sz="2800" dirty="0" smtClean="0"/>
+              <a:t>In Program 1 change </a:t>
+            </a:r>
+            <a:r>
+              <a:rPr lang="en-US" sz="2800" dirty="0"/>
+              <a:t>the </a:t>
+            </a:r>
+            <a:r>
+              <a:rPr lang="en-US" sz="2800" dirty="0" smtClean="0"/>
+              <a:t>SQL statement</a:t>
+            </a:r>
+            <a:endParaRPr lang="en-US" sz="2800" dirty="0" smtClean="0"/>
           </a:p>
           <a:p>
             <a:pPr marL="0" indent="0">
@@ -20063,6 +20029,64 @@
               <a:buNone/>
             </a:pPr>
             <a:r>
+              <a:rPr lang="en-US" sz="2800" dirty="0" smtClean="0"/>
+              <a:t>//</a:t>
+            </a:r>
+            <a:r>
+              <a:rPr lang="en-US" sz="2800" dirty="0"/>
+              <a:t>4. Execute query: </a:t>
+            </a:r>
+          </a:p>
+          <a:p>
+            <a:pPr marL="0" indent="0">
+              <a:lnSpc>
+                <a:spcPct val="110000"/>
+              </a:lnSpc>
+              <a:spcBef>
+                <a:spcPts val="0"/>
+              </a:spcBef>
+              <a:buNone/>
+            </a:pPr>
+            <a:r>
+              <a:rPr lang="en-US" sz="2800" dirty="0" err="1" smtClean="0">
+                <a:latin typeface="Courier New" pitchFamily="49" charset="0"/>
+                <a:cs typeface="Courier New" pitchFamily="49" charset="0"/>
+              </a:rPr>
+              <a:t>ResultSet</a:t>
+            </a:r>
+            <a:r>
+              <a:rPr lang="en-US" sz="2800" dirty="0">
+                <a:latin typeface="Courier New" pitchFamily="49" charset="0"/>
+                <a:cs typeface="Courier New" pitchFamily="49" charset="0"/>
+              </a:rPr>
+              <a:t> </a:t>
+            </a:r>
+            <a:r>
+              <a:rPr lang="en-US" sz="2800" dirty="0" err="1" smtClean="0">
+                <a:latin typeface="Courier New" pitchFamily="49" charset="0"/>
+                <a:cs typeface="Courier New" pitchFamily="49" charset="0"/>
+              </a:rPr>
+              <a:t>rs</a:t>
+            </a:r>
+            <a:r>
+              <a:rPr lang="en-US" sz="2800" dirty="0" smtClean="0">
+                <a:latin typeface="Courier New" pitchFamily="49" charset="0"/>
+                <a:cs typeface="Courier New" pitchFamily="49" charset="0"/>
+              </a:rPr>
+              <a:t> =</a:t>
+            </a:r>
+          </a:p>
+          <a:p>
+            <a:pPr marL="0" indent="0">
+              <a:lnSpc>
+                <a:spcPct val="110000"/>
+              </a:lnSpc>
+              <a:spcBef>
+                <a:spcPts val="0"/>
+              </a:spcBef>
+              <a:buNone/>
+            </a:pPr>
+            <a:r>
               <a:rPr lang="en-US" sz="2800" dirty="0">
                 <a:latin typeface="Courier New" pitchFamily="49" charset="0"/>
                 <a:cs typeface="Courier New" pitchFamily="49" charset="0"/>
@@ -20123,6 +20147,7 @@
               <a:rPr lang="en-US" sz="2800" dirty="0" smtClean="0"/>
               <a:t>TO</a:t>
             </a:r>
+            <a:endParaRPr lang="en-US" sz="2800" dirty="0" smtClean="0"/>
           </a:p>
           <a:p>
             <a:pPr marL="0" indent="0">
@@ -20135,7 +20160,22 @@
               <a:buNone/>
             </a:pPr>
             <a:r>
-              <a:rPr lang="en-IN" sz="2800" dirty="0" err="1">
+              <a:rPr lang="en-US" sz="2800" dirty="0"/>
+              <a:t>//4. Execute query: </a:t>
+            </a:r>
+          </a:p>
+          <a:p>
+            <a:pPr marL="0" indent="0">
+              <a:lnSpc>
+                <a:spcPct val="110000"/>
+              </a:lnSpc>
+              <a:spcBef>
+                <a:spcPts val="0"/>
+              </a:spcBef>
+              <a:buNone/>
+            </a:pPr>
+            <a:r>
+              <a:rPr lang="en-IN" sz="2800" dirty="0" err="1" smtClean="0">
                 <a:latin typeface="Courier New" pitchFamily="49" charset="0"/>
                 <a:cs typeface="Courier New" pitchFamily="49" charset="0"/>
               </a:rPr>
@@ -21848,7 +21888,7 @@
           <p:cNvPr id="4" name="Content Placeholder 3">
             <a:extLst>
               <a:ext uri="{FF2B5EF4-FFF2-40B4-BE49-F238E27FC236}">
-                <a16:creationId xmlns:a16="http://schemas.microsoft.com/office/drawing/2014/main" xmlns="" id="{9D35BA11-DD4B-48DB-A2AF-E1EBD391560F}"/>
+                <a16:creationId xmlns="" xmlns:a16="http://schemas.microsoft.com/office/drawing/2014/main" id="{9D35BA11-DD4B-48DB-A2AF-E1EBD391560F}"/>
               </a:ext>
             </a:extLst>
           </p:cNvPr>
@@ -21878,14 +21918,14 @@
                 <a:gridCol w="4094843">
                   <a:extLst>
                     <a:ext uri="{9D8B030D-6E8A-4147-A177-3AD203B41FA5}">
-                      <a16:colId xmlns:a16="http://schemas.microsoft.com/office/drawing/2014/main" xmlns="" val="1811101794"/>
+                      <a16:colId xmlns="" xmlns:a16="http://schemas.microsoft.com/office/drawing/2014/main" val="1811101794"/>
                     </a:ext>
                   </a:extLst>
                 </a:gridCol>
                 <a:gridCol w="4094843">
                   <a:extLst>
                     <a:ext uri="{9D8B030D-6E8A-4147-A177-3AD203B41FA5}">
-                      <a16:colId xmlns:a16="http://schemas.microsoft.com/office/drawing/2014/main" xmlns="" val="2186687832"/>
+                      <a16:colId xmlns="" xmlns:a16="http://schemas.microsoft.com/office/drawing/2014/main" val="2186687832"/>
                     </a:ext>
                   </a:extLst>
                 </a:gridCol>
@@ -21939,7 +21979,7 @@
                 </a:tc>
                 <a:extLst>
                   <a:ext uri="{0D108BD9-81ED-4DB2-BD59-A6C34878D82A}">
-                    <a16:rowId xmlns:a16="http://schemas.microsoft.com/office/drawing/2014/main" xmlns="" val="2615560924"/>
+                    <a16:rowId xmlns="" xmlns:a16="http://schemas.microsoft.com/office/drawing/2014/main" val="2615560924"/>
                   </a:ext>
                 </a:extLst>
               </a:tr>
@@ -22040,7 +22080,7 @@
                 </a:tc>
                 <a:extLst>
                   <a:ext uri="{0D108BD9-81ED-4DB2-BD59-A6C34878D82A}">
-                    <a16:rowId xmlns:a16="http://schemas.microsoft.com/office/drawing/2014/main" xmlns="" val="3233696317"/>
+                    <a16:rowId xmlns="" xmlns:a16="http://schemas.microsoft.com/office/drawing/2014/main" val="3233696317"/>
                   </a:ext>
                 </a:extLst>
               </a:tr>
@@ -22093,7 +22133,7 @@
                 </a:tc>
                 <a:extLst>
                   <a:ext uri="{0D108BD9-81ED-4DB2-BD59-A6C34878D82A}">
-                    <a16:rowId xmlns:a16="http://schemas.microsoft.com/office/drawing/2014/main" xmlns="" val="2683155873"/>
+                    <a16:rowId xmlns="" xmlns:a16="http://schemas.microsoft.com/office/drawing/2014/main" val="2683155873"/>
                   </a:ext>
                 </a:extLst>
               </a:tr>
@@ -22146,7 +22186,7 @@
                 </a:tc>
                 <a:extLst>
                   <a:ext uri="{0D108BD9-81ED-4DB2-BD59-A6C34878D82A}">
-                    <a16:rowId xmlns:a16="http://schemas.microsoft.com/office/drawing/2014/main" xmlns="" val="3768022122"/>
+                    <a16:rowId xmlns="" xmlns:a16="http://schemas.microsoft.com/office/drawing/2014/main" val="3768022122"/>
                   </a:ext>
                 </a:extLst>
               </a:tr>
@@ -22199,7 +22239,7 @@
                 </a:tc>
                 <a:extLst>
                   <a:ext uri="{0D108BD9-81ED-4DB2-BD59-A6C34878D82A}">
-                    <a16:rowId xmlns:a16="http://schemas.microsoft.com/office/drawing/2014/main" xmlns="" val="384881523"/>
+                    <a16:rowId xmlns="" xmlns:a16="http://schemas.microsoft.com/office/drawing/2014/main" val="384881523"/>
                   </a:ext>
                 </a:extLst>
               </a:tr>
@@ -22276,7 +22316,7 @@
                 </a:tc>
                 <a:extLst>
                   <a:ext uri="{0D108BD9-81ED-4DB2-BD59-A6C34878D82A}">
-                    <a16:rowId xmlns:a16="http://schemas.microsoft.com/office/drawing/2014/main" xmlns="" val="1047298922"/>
+                    <a16:rowId xmlns="" xmlns:a16="http://schemas.microsoft.com/office/drawing/2014/main" val="1047298922"/>
                   </a:ext>
                 </a:extLst>
               </a:tr>
@@ -37904,7 +37944,7 @@
   <a:extraClrSchemeLst/>
   <a:extLst>
     <a:ext uri="{05A4C25C-085E-4340-85A3-A5531E510DB2}">
-      <thm15:themeFamily xmlns="" xmlns:thm15="http://schemas.microsoft.com/office/thememl/2012/main" name="Frame" id="{F226E7A2-7162-461C-9490-D27D9DC04E43}" vid="{629A0216-3BBD-45C0-B63F-2683BEA18F60}"/>
+      <thm15:themeFamily xmlns:thm15="http://schemas.microsoft.com/office/thememl/2012/main" xmlns="" name="Frame" id="{F226E7A2-7162-461C-9490-D27D9DC04E43}" vid="{629A0216-3BBD-45C0-B63F-2683BEA18F60}"/>
     </a:ext>
   </a:extLst>
 </a:theme>
@@ -38165,7 +38205,7 @@
   <a:extraClrSchemeLst/>
   <a:extLst>
     <a:ext uri="{05A4C25C-085E-4340-85A3-A5531E510DB2}">
-      <thm15:themeFamily xmlns="" xmlns:thm15="http://schemas.microsoft.com/office/thememl/2012/main" name="Office Theme" id="{62F939B6-93AF-4DB8-9C6B-D6C7DFDC589F}" vid="{4A3C46E8-61CC-4603-A589-7422A47A8E4A}"/>
+      <thm15:themeFamily xmlns:thm15="http://schemas.microsoft.com/office/thememl/2012/main" xmlns="" name="Office Theme" id="{62F939B6-93AF-4DB8-9C6B-D6C7DFDC589F}" vid="{4A3C46E8-61CC-4603-A589-7422A47A8E4A}"/>
     </a:ext>
   </a:extLst>
 </a:theme>
@@ -38426,7 +38466,7 @@
   <a:extraClrSchemeLst/>
   <a:extLst>
     <a:ext uri="{05A4C25C-085E-4340-85A3-A5531E510DB2}">
-      <thm15:themeFamily xmlns="" xmlns:thm15="http://schemas.microsoft.com/office/thememl/2012/main" name="Office Theme" id="{62F939B6-93AF-4DB8-9C6B-D6C7DFDC589F}" vid="{4A3C46E8-61CC-4603-A589-7422A47A8E4A}"/>
+      <thm15:themeFamily xmlns:thm15="http://schemas.microsoft.com/office/thememl/2012/main" xmlns="" name="Office Theme" id="{62F939B6-93AF-4DB8-9C6B-D6C7DFDC589F}" vid="{4A3C46E8-61CC-4603-A589-7422A47A8E4A}"/>
     </a:ext>
   </a:extLst>
 </a:theme>

--- a/AJP Slides/AJP - Unit 2 - JDBC.pptx
+++ b/AJP Slides/AJP - Unit 2 - JDBC.pptx
@@ -222,7 +222,7 @@
   </p:defaultTextStyle>
   <p:extLst>
     <p:ext uri="{EFAFB233-063F-42B5-8137-9DF3F51BA10A}">
-      <p15:sldGuideLst xmlns="" xmlns:p15="http://schemas.microsoft.com/office/powerpoint/2012/main">
+      <p15:sldGuideLst xmlns:p15="http://schemas.microsoft.com/office/powerpoint/2012/main" xmlns="">
         <p15:guide id="1" orient="horz" pos="2160">
           <p15:clr>
             <a:srgbClr val="A4A3A4"/>
@@ -236,7 +236,7 @@
       </p15:sldGuideLst>
     </p:ext>
     <p:ext uri="{2D200454-40CA-4A62-9FC3-DE9A4176ACB9}">
-      <p15:notesGuideLst xmlns="" xmlns:p15="http://schemas.microsoft.com/office/powerpoint/2012/main"/>
+      <p15:notesGuideLst xmlns:p15="http://schemas.microsoft.com/office/powerpoint/2012/main" xmlns=""/>
     </p:ext>
   </p:extLst>
 </p:presentation>
@@ -6524,7 +6524,7 @@
           <p:cNvPr id="4" name="Table 3">
             <a:extLst>
               <a:ext uri="{FF2B5EF4-FFF2-40B4-BE49-F238E27FC236}">
-                <a16:creationId xmlns:a16="http://schemas.microsoft.com/office/drawing/2014/main" xmlns="" id="{ECF68B0F-0762-4862-B304-5B28267E2001}"/>
+                <a16:creationId xmlns="" xmlns:a16="http://schemas.microsoft.com/office/drawing/2014/main" id="{ECF68B0F-0762-4862-B304-5B28267E2001}"/>
               </a:ext>
             </a:extLst>
           </p:cNvPr>
@@ -6553,14 +6553,14 @@
                 <a:gridCol w="6090820">
                   <a:extLst>
                     <a:ext uri="{9D8B030D-6E8A-4147-A177-3AD203B41FA5}">
-                      <a16:colId xmlns:a16="http://schemas.microsoft.com/office/drawing/2014/main" xmlns="" val="3107024381"/>
+                      <a16:colId xmlns="" xmlns:a16="http://schemas.microsoft.com/office/drawing/2014/main" val="3107024381"/>
                     </a:ext>
                   </a:extLst>
                 </a:gridCol>
                 <a:gridCol w="6101180">
                   <a:extLst>
                     <a:ext uri="{9D8B030D-6E8A-4147-A177-3AD203B41FA5}">
-                      <a16:colId xmlns:a16="http://schemas.microsoft.com/office/drawing/2014/main" xmlns="" val="2581713321"/>
+                      <a16:colId xmlns="" xmlns:a16="http://schemas.microsoft.com/office/drawing/2014/main" val="2581713321"/>
                     </a:ext>
                   </a:extLst>
                 </a:gridCol>
@@ -6614,7 +6614,7 @@
                 </a:tc>
                 <a:extLst>
                   <a:ext uri="{0D108BD9-81ED-4DB2-BD59-A6C34878D82A}">
-                    <a16:rowId xmlns:a16="http://schemas.microsoft.com/office/drawing/2014/main" xmlns="" val="121817892"/>
+                    <a16:rowId xmlns="" xmlns:a16="http://schemas.microsoft.com/office/drawing/2014/main" val="121817892"/>
                   </a:ext>
                 </a:extLst>
               </a:tr>
@@ -6709,7 +6709,7 @@
                 </a:tc>
                 <a:extLst>
                   <a:ext uri="{0D108BD9-81ED-4DB2-BD59-A6C34878D82A}">
-                    <a16:rowId xmlns:a16="http://schemas.microsoft.com/office/drawing/2014/main" xmlns="" val="1891798235"/>
+                    <a16:rowId xmlns="" xmlns:a16="http://schemas.microsoft.com/office/drawing/2014/main" val="1891798235"/>
                   </a:ext>
                 </a:extLst>
               </a:tr>
@@ -6792,7 +6792,7 @@
                 </a:tc>
                 <a:extLst>
                   <a:ext uri="{0D108BD9-81ED-4DB2-BD59-A6C34878D82A}">
-                    <a16:rowId xmlns:a16="http://schemas.microsoft.com/office/drawing/2014/main" xmlns="" val="1328149865"/>
+                    <a16:rowId xmlns="" xmlns:a16="http://schemas.microsoft.com/office/drawing/2014/main" val="1328149865"/>
                   </a:ext>
                 </a:extLst>
               </a:tr>
@@ -6875,7 +6875,7 @@
                 </a:tc>
                 <a:extLst>
                   <a:ext uri="{0D108BD9-81ED-4DB2-BD59-A6C34878D82A}">
-                    <a16:rowId xmlns:a16="http://schemas.microsoft.com/office/drawing/2014/main" xmlns="" val="1868016679"/>
+                    <a16:rowId xmlns="" xmlns:a16="http://schemas.microsoft.com/office/drawing/2014/main" val="1868016679"/>
                   </a:ext>
                 </a:extLst>
               </a:tr>
@@ -6958,7 +6958,7 @@
                 </a:tc>
                 <a:extLst>
                   <a:ext uri="{0D108BD9-81ED-4DB2-BD59-A6C34878D82A}">
-                    <a16:rowId xmlns:a16="http://schemas.microsoft.com/office/drawing/2014/main" xmlns="" val="2654008342"/>
+                    <a16:rowId xmlns="" xmlns:a16="http://schemas.microsoft.com/office/drawing/2014/main" val="2654008342"/>
                   </a:ext>
                 </a:extLst>
               </a:tr>
@@ -8016,7 +8016,7 @@
           <p:cNvPr id="5" name="Content Placeholder 3">
             <a:extLst>
               <a:ext uri="{FF2B5EF4-FFF2-40B4-BE49-F238E27FC236}">
-                <a16:creationId xmlns:a16="http://schemas.microsoft.com/office/drawing/2014/main" xmlns="" id="{E439575B-F099-4CC4-9825-4F20B2647505}"/>
+                <a16:creationId xmlns="" xmlns:a16="http://schemas.microsoft.com/office/drawing/2014/main" id="{E439575B-F099-4CC4-9825-4F20B2647505}"/>
               </a:ext>
             </a:extLst>
           </p:cNvPr>
@@ -8046,14 +8046,14 @@
                 <a:gridCol w="3124200">
                   <a:extLst>
                     <a:ext uri="{9D8B030D-6E8A-4147-A177-3AD203B41FA5}">
-                      <a16:colId xmlns:a16="http://schemas.microsoft.com/office/drawing/2014/main" xmlns="" val="3773665361"/>
+                      <a16:colId xmlns="" xmlns:a16="http://schemas.microsoft.com/office/drawing/2014/main" val="3773665361"/>
                     </a:ext>
                   </a:extLst>
                 </a:gridCol>
                 <a:gridCol w="4876800">
                   <a:extLst>
                     <a:ext uri="{9D8B030D-6E8A-4147-A177-3AD203B41FA5}">
-                      <a16:colId xmlns:a16="http://schemas.microsoft.com/office/drawing/2014/main" xmlns="" val="2884274614"/>
+                      <a16:colId xmlns="" xmlns:a16="http://schemas.microsoft.com/office/drawing/2014/main" val="2884274614"/>
                     </a:ext>
                   </a:extLst>
                 </a:gridCol>
@@ -8103,7 +8103,7 @@
                 </a:tc>
                 <a:extLst>
                   <a:ext uri="{0D108BD9-81ED-4DB2-BD59-A6C34878D82A}">
-                    <a16:rowId xmlns:a16="http://schemas.microsoft.com/office/drawing/2014/main" xmlns="" val="3229444630"/>
+                    <a16:rowId xmlns="" xmlns:a16="http://schemas.microsoft.com/office/drawing/2014/main" val="3229444630"/>
                   </a:ext>
                 </a:extLst>
               </a:tr>
@@ -8243,7 +8243,7 @@
                 </a:tc>
                 <a:extLst>
                   <a:ext uri="{0D108BD9-81ED-4DB2-BD59-A6C34878D82A}">
-                    <a16:rowId xmlns:a16="http://schemas.microsoft.com/office/drawing/2014/main" xmlns="" val="2446575564"/>
+                    <a16:rowId xmlns="" xmlns:a16="http://schemas.microsoft.com/office/drawing/2014/main" val="2446575564"/>
                   </a:ext>
                 </a:extLst>
               </a:tr>
@@ -8290,7 +8290,7 @@
                 </a:tc>
                 <a:extLst>
                   <a:ext uri="{0D108BD9-81ED-4DB2-BD59-A6C34878D82A}">
-                    <a16:rowId xmlns:a16="http://schemas.microsoft.com/office/drawing/2014/main" xmlns="" val="1015041822"/>
+                    <a16:rowId xmlns="" xmlns:a16="http://schemas.microsoft.com/office/drawing/2014/main" val="1015041822"/>
                   </a:ext>
                 </a:extLst>
               </a:tr>
@@ -8337,7 +8337,7 @@
                 </a:tc>
                 <a:extLst>
                   <a:ext uri="{0D108BD9-81ED-4DB2-BD59-A6C34878D82A}">
-                    <a16:rowId xmlns:a16="http://schemas.microsoft.com/office/drawing/2014/main" xmlns="" val="680463658"/>
+                    <a16:rowId xmlns="" xmlns:a16="http://schemas.microsoft.com/office/drawing/2014/main" val="680463658"/>
                   </a:ext>
                 </a:extLst>
               </a:tr>
@@ -10857,7 +10857,7 @@
           <p:cNvPr id="4" name="Picture 4" descr="DBMS Driver type 1">
             <a:extLst>
               <a:ext uri="{FF2B5EF4-FFF2-40B4-BE49-F238E27FC236}">
-                <a16:creationId xmlns:a16="http://schemas.microsoft.com/office/drawing/2014/main" xmlns="" id="{1313EB34-FA31-4742-9887-8299320F6751}"/>
+                <a16:creationId xmlns="" xmlns:a16="http://schemas.microsoft.com/office/drawing/2014/main" id="{1313EB34-FA31-4742-9887-8299320F6751}"/>
               </a:ext>
             </a:extLst>
           </p:cNvPr>
@@ -12217,7 +12217,7 @@
           <p:cNvPr id="5" name="Picture 2" descr="DBMS Driver type 2">
             <a:extLst>
               <a:ext uri="{FF2B5EF4-FFF2-40B4-BE49-F238E27FC236}">
-                <a16:creationId xmlns:a16="http://schemas.microsoft.com/office/drawing/2014/main" xmlns="" id="{11B6EFCF-4C19-4E6A-B006-BCCCB43A001C}"/>
+                <a16:creationId xmlns="" xmlns:a16="http://schemas.microsoft.com/office/drawing/2014/main" id="{11B6EFCF-4C19-4E6A-B006-BCCCB43A001C}"/>
               </a:ext>
             </a:extLst>
           </p:cNvPr>
@@ -13037,7 +13037,7 @@
           <p:cNvPr id="6" name="Picture 2" descr="DBMS Driver type 3">
             <a:extLst>
               <a:ext uri="{FF2B5EF4-FFF2-40B4-BE49-F238E27FC236}">
-                <a16:creationId xmlns:a16="http://schemas.microsoft.com/office/drawing/2014/main" xmlns="" id="{CDAD02B3-F946-4B3D-996E-D3326B90142F}"/>
+                <a16:creationId xmlns="" xmlns:a16="http://schemas.microsoft.com/office/drawing/2014/main" id="{CDAD02B3-F946-4B3D-996E-D3326B90142F}"/>
               </a:ext>
             </a:extLst>
           </p:cNvPr>
@@ -14678,7 +14678,7 @@
           <p:cNvPr id="5" name="Picture 2" descr="DBMS Driver type 4">
             <a:extLst>
               <a:ext uri="{FF2B5EF4-FFF2-40B4-BE49-F238E27FC236}">
-                <a16:creationId xmlns:a16="http://schemas.microsoft.com/office/drawing/2014/main" xmlns="" id="{57C48A62-F901-46D7-A298-27C50FEC6503}"/>
+                <a16:creationId xmlns="" xmlns:a16="http://schemas.microsoft.com/office/drawing/2014/main" id="{57C48A62-F901-46D7-A298-27C50FEC6503}"/>
               </a:ext>
             </a:extLst>
           </p:cNvPr>
@@ -18674,7 +18674,7 @@
           <p:cNvPr id="4" name="Picture 2" descr="JDBC (Java Database Connectivity) ">
             <a:extLst>
               <a:ext uri="{FF2B5EF4-FFF2-40B4-BE49-F238E27FC236}">
-                <a16:creationId xmlns="" xmlns:a16="http://schemas.microsoft.com/office/drawing/2014/main" id="{8D2A4FC5-5399-4C70-9408-57F4BF985BB1}"/>
+                <a16:creationId xmlns:a16="http://schemas.microsoft.com/office/drawing/2014/main" xmlns="" id="{8D2A4FC5-5399-4C70-9408-57F4BF985BB1}"/>
               </a:ext>
             </a:extLst>
           </p:cNvPr>
@@ -24006,7 +24006,7 @@
           <p:cNvPr id="4" name="Content Placeholder 3">
             <a:extLst>
               <a:ext uri="{FF2B5EF4-FFF2-40B4-BE49-F238E27FC236}">
-                <a16:creationId xmlns:a16="http://schemas.microsoft.com/office/drawing/2014/main" xmlns="" id="{9D35BA11-DD4B-48DB-A2AF-E1EBD391560F}"/>
+                <a16:creationId xmlns="" xmlns:a16="http://schemas.microsoft.com/office/drawing/2014/main" id="{9D35BA11-DD4B-48DB-A2AF-E1EBD391560F}"/>
               </a:ext>
             </a:extLst>
           </p:cNvPr>
@@ -24036,14 +24036,14 @@
                 <a:gridCol w="4094843">
                   <a:extLst>
                     <a:ext uri="{9D8B030D-6E8A-4147-A177-3AD203B41FA5}">
-                      <a16:colId xmlns:a16="http://schemas.microsoft.com/office/drawing/2014/main" xmlns="" val="1811101794"/>
+                      <a16:colId xmlns="" xmlns:a16="http://schemas.microsoft.com/office/drawing/2014/main" val="1811101794"/>
                     </a:ext>
                   </a:extLst>
                 </a:gridCol>
                 <a:gridCol w="4094843">
                   <a:extLst>
                     <a:ext uri="{9D8B030D-6E8A-4147-A177-3AD203B41FA5}">
-                      <a16:colId xmlns:a16="http://schemas.microsoft.com/office/drawing/2014/main" xmlns="" val="2186687832"/>
+                      <a16:colId xmlns="" xmlns:a16="http://schemas.microsoft.com/office/drawing/2014/main" val="2186687832"/>
                     </a:ext>
                   </a:extLst>
                 </a:gridCol>
@@ -24097,7 +24097,7 @@
                 </a:tc>
                 <a:extLst>
                   <a:ext uri="{0D108BD9-81ED-4DB2-BD59-A6C34878D82A}">
-                    <a16:rowId xmlns:a16="http://schemas.microsoft.com/office/drawing/2014/main" xmlns="" val="2615560924"/>
+                    <a16:rowId xmlns="" xmlns:a16="http://schemas.microsoft.com/office/drawing/2014/main" val="2615560924"/>
                   </a:ext>
                 </a:extLst>
               </a:tr>
@@ -24198,7 +24198,7 @@
                 </a:tc>
                 <a:extLst>
                   <a:ext uri="{0D108BD9-81ED-4DB2-BD59-A6C34878D82A}">
-                    <a16:rowId xmlns:a16="http://schemas.microsoft.com/office/drawing/2014/main" xmlns="" val="3233696317"/>
+                    <a16:rowId xmlns="" xmlns:a16="http://schemas.microsoft.com/office/drawing/2014/main" val="3233696317"/>
                   </a:ext>
                 </a:extLst>
               </a:tr>
@@ -24251,7 +24251,7 @@
                 </a:tc>
                 <a:extLst>
                   <a:ext uri="{0D108BD9-81ED-4DB2-BD59-A6C34878D82A}">
-                    <a16:rowId xmlns:a16="http://schemas.microsoft.com/office/drawing/2014/main" xmlns="" val="2683155873"/>
+                    <a16:rowId xmlns="" xmlns:a16="http://schemas.microsoft.com/office/drawing/2014/main" val="2683155873"/>
                   </a:ext>
                 </a:extLst>
               </a:tr>
@@ -24304,7 +24304,7 @@
                 </a:tc>
                 <a:extLst>
                   <a:ext uri="{0D108BD9-81ED-4DB2-BD59-A6C34878D82A}">
-                    <a16:rowId xmlns:a16="http://schemas.microsoft.com/office/drawing/2014/main" xmlns="" val="3768022122"/>
+                    <a16:rowId xmlns="" xmlns:a16="http://schemas.microsoft.com/office/drawing/2014/main" val="3768022122"/>
                   </a:ext>
                 </a:extLst>
               </a:tr>
@@ -24357,7 +24357,7 @@
                 </a:tc>
                 <a:extLst>
                   <a:ext uri="{0D108BD9-81ED-4DB2-BD59-A6C34878D82A}">
-                    <a16:rowId xmlns:a16="http://schemas.microsoft.com/office/drawing/2014/main" xmlns="" val="384881523"/>
+                    <a16:rowId xmlns="" xmlns:a16="http://schemas.microsoft.com/office/drawing/2014/main" val="384881523"/>
                   </a:ext>
                 </a:extLst>
               </a:tr>
@@ -24434,7 +24434,7 @@
                 </a:tc>
                 <a:extLst>
                   <a:ext uri="{0D108BD9-81ED-4DB2-BD59-A6C34878D82A}">
-                    <a16:rowId xmlns:a16="http://schemas.microsoft.com/office/drawing/2014/main" xmlns="" val="1047298922"/>
+                    <a16:rowId xmlns="" xmlns:a16="http://schemas.microsoft.com/office/drawing/2014/main" val="1047298922"/>
                   </a:ext>
                 </a:extLst>
               </a:tr>
@@ -38520,8 +38520,8 @@
 <file path=ppt/tags/tag1.xml><?xml version="1.0" encoding="utf-8"?>
 <p:tagLst xmlns:a="http://schemas.openxmlformats.org/drawingml/2006/main" xmlns:r="http://schemas.openxmlformats.org/officeDocument/2006/relationships" xmlns:p="http://schemas.openxmlformats.org/presentationml/2006/main">
   <p:tag name="ARTICULATE_DESIGN_ID_FRAME" val="swDPPbbH"/>
+  <p:tag name="ARTICULATE_SLIDE_COUNT" val="108"/>
   <p:tag name="ARTICULATE_PROJECT_OPEN" val="0"/>
-  <p:tag name="ARTICULATE_SLIDE_COUNT" val="108"/>
 </p:tagLst>
 </file>
 
@@ -39440,7 +39440,7 @@
   <a:extraClrSchemeLst/>
   <a:extLst>
     <a:ext uri="{05A4C25C-085E-4340-85A3-A5531E510DB2}">
-      <thm15:themeFamily xmlns="" xmlns:thm15="http://schemas.microsoft.com/office/thememl/2012/main" name="Frame" id="{F226E7A2-7162-461C-9490-D27D9DC04E43}" vid="{629A0216-3BBD-45C0-B63F-2683BEA18F60}"/>
+      <thm15:themeFamily xmlns:thm15="http://schemas.microsoft.com/office/thememl/2012/main" xmlns="" name="Frame" id="{F226E7A2-7162-461C-9490-D27D9DC04E43}" vid="{629A0216-3BBD-45C0-B63F-2683BEA18F60}"/>
     </a:ext>
   </a:extLst>
 </a:theme>
@@ -39701,7 +39701,7 @@
   <a:extraClrSchemeLst/>
   <a:extLst>
     <a:ext uri="{05A4C25C-085E-4340-85A3-A5531E510DB2}">
-      <thm15:themeFamily xmlns="" xmlns:thm15="http://schemas.microsoft.com/office/thememl/2012/main" name="Office Theme" id="{62F939B6-93AF-4DB8-9C6B-D6C7DFDC589F}" vid="{4A3C46E8-61CC-4603-A589-7422A47A8E4A}"/>
+      <thm15:themeFamily xmlns:thm15="http://schemas.microsoft.com/office/thememl/2012/main" xmlns="" name="Office Theme" id="{62F939B6-93AF-4DB8-9C6B-D6C7DFDC589F}" vid="{4A3C46E8-61CC-4603-A589-7422A47A8E4A}"/>
     </a:ext>
   </a:extLst>
 </a:theme>
@@ -39962,7 +39962,7 @@
   <a:extraClrSchemeLst/>
   <a:extLst>
     <a:ext uri="{05A4C25C-085E-4340-85A3-A5531E510DB2}">
-      <thm15:themeFamily xmlns="" xmlns:thm15="http://schemas.microsoft.com/office/thememl/2012/main" name="Office Theme" id="{62F939B6-93AF-4DB8-9C6B-D6C7DFDC589F}" vid="{4A3C46E8-61CC-4603-A589-7422A47A8E4A}"/>
+      <thm15:themeFamily xmlns:thm15="http://schemas.microsoft.com/office/thememl/2012/main" xmlns="" name="Office Theme" id="{62F939B6-93AF-4DB8-9C6B-D6C7DFDC589F}" vid="{4A3C46E8-61CC-4603-A589-7422A47A8E4A}"/>
     </a:ext>
   </a:extLst>
 </a:theme>

--- a/AJP Slides/AJP - Unit 2 - JDBC.pptx
+++ b/AJP Slides/AJP - Unit 2 - JDBC.pptx
@@ -100,15 +100,15 @@
     <p:sldId id="336" r:id="rId88"/>
     <p:sldId id="371" r:id="rId89"/>
     <p:sldId id="372" r:id="rId90"/>
-    <p:sldId id="373" r:id="rId91"/>
-    <p:sldId id="374" r:id="rId92"/>
-    <p:sldId id="375" r:id="rId93"/>
-    <p:sldId id="392" r:id="rId94"/>
-    <p:sldId id="393" r:id="rId95"/>
-    <p:sldId id="394" r:id="rId96"/>
-    <p:sldId id="403" r:id="rId97"/>
-    <p:sldId id="404" r:id="rId98"/>
-    <p:sldId id="405" r:id="rId99"/>
+    <p:sldId id="403" r:id="rId91"/>
+    <p:sldId id="404" r:id="rId92"/>
+    <p:sldId id="405" r:id="rId93"/>
+    <p:sldId id="373" r:id="rId94"/>
+    <p:sldId id="374" r:id="rId95"/>
+    <p:sldId id="375" r:id="rId96"/>
+    <p:sldId id="392" r:id="rId97"/>
+    <p:sldId id="393" r:id="rId98"/>
+    <p:sldId id="394" r:id="rId99"/>
     <p:sldId id="395" r:id="rId100"/>
     <p:sldId id="343" r:id="rId101"/>
     <p:sldId id="337" r:id="rId102"/>
@@ -223,7 +223,7 @@
   </p:defaultTextStyle>
   <p:extLst>
     <p:ext uri="{EFAFB233-063F-42B5-8137-9DF3F51BA10A}">
-      <p15:sldGuideLst xmlns="" xmlns:p15="http://schemas.microsoft.com/office/powerpoint/2012/main">
+      <p15:sldGuideLst xmlns:p15="http://schemas.microsoft.com/office/powerpoint/2012/main" xmlns="">
         <p15:guide id="1" orient="horz" pos="2160">
           <p15:clr>
             <a:srgbClr val="A4A3A4"/>
@@ -237,7 +237,7 @@
       </p15:sldGuideLst>
     </p:ext>
     <p:ext uri="{2D200454-40CA-4A62-9FC3-DE9A4176ACB9}">
-      <p15:notesGuideLst xmlns="" xmlns:p15="http://schemas.microsoft.com/office/powerpoint/2012/main"/>
+      <p15:notesGuideLst xmlns:p15="http://schemas.microsoft.com/office/powerpoint/2012/main" xmlns=""/>
     </p:ext>
   </p:extLst>
 </p:presentation>
@@ -325,7 +325,7 @@
           <a:p>
             <a:fld id="{EBCDB223-1744-4BBC-9844-9773C6B7C09F}" type="datetimeFigureOut">
               <a:rPr lang="en-IN" smtClean="0"/>
-              <a:t>02-08-2022</a:t>
+              <a:t>03-08-2022</a:t>
             </a:fld>
             <a:endParaRPr lang="en-IN"/>
           </a:p>
@@ -490,7 +490,7 @@
           <a:p>
             <a:fld id="{EA89CDE9-15B3-4418-B829-6A0B102FE7D6}" type="datetimeFigureOut">
               <a:rPr lang="en-IN" smtClean="0"/>
-              <a:t>02-08-2022</a:t>
+              <a:t>03-08-2022</a:t>
             </a:fld>
             <a:endParaRPr lang="en-IN"/>
           </a:p>
@@ -1075,7 +1075,7 @@
           <a:p>
             <a:fld id="{E906B210-3390-405F-BB21-1086F4989AE1}" type="datetime1">
               <a:rPr lang="en-IN" smtClean="0"/>
-              <a:t>02-08-2022</a:t>
+              <a:t>03-08-2022</a:t>
             </a:fld>
             <a:endParaRPr lang="en-IN"/>
           </a:p>
@@ -1249,7 +1249,7 @@
           <a:p>
             <a:fld id="{801F5B72-9ACB-43BB-83D9-FC27C4C8081B}" type="datetime1">
               <a:rPr lang="en-IN" smtClean="0"/>
-              <a:t>02-08-2022</a:t>
+              <a:t>03-08-2022</a:t>
             </a:fld>
             <a:endParaRPr lang="en-IN"/>
           </a:p>
@@ -1430,7 +1430,7 @@
           <a:p>
             <a:fld id="{CC2102C9-A4D6-4390-931A-C0AEB38A5AAD}" type="datetime1">
               <a:rPr lang="en-IN" smtClean="0"/>
-              <a:t>02-08-2022</a:t>
+              <a:t>03-08-2022</a:t>
             </a:fld>
             <a:endParaRPr lang="en-IN"/>
           </a:p>
@@ -1601,7 +1601,7 @@
           <a:p>
             <a:fld id="{A684614E-FEE9-493C-B950-411949F3AC4A}" type="datetime1">
               <a:rPr lang="en-IN" smtClean="0"/>
-              <a:t>02-08-2022</a:t>
+              <a:t>03-08-2022</a:t>
             </a:fld>
             <a:endParaRPr lang="en-IN"/>
           </a:p>
@@ -1860,7 +1860,7 @@
           <a:p>
             <a:fld id="{49B90D15-328C-4768-ACDF-1344DBA813C4}" type="datetime1">
               <a:rPr lang="en-IN" smtClean="0"/>
-              <a:t>02-08-2022</a:t>
+              <a:t>03-08-2022</a:t>
             </a:fld>
             <a:endParaRPr lang="en-IN"/>
           </a:p>
@@ -2152,7 +2152,7 @@
           <a:p>
             <a:fld id="{20EA72DE-C074-451D-BD6A-0F55AC69D739}" type="datetime1">
               <a:rPr lang="en-IN" smtClean="0"/>
-              <a:t>02-08-2022</a:t>
+              <a:t>03-08-2022</a:t>
             </a:fld>
             <a:endParaRPr lang="en-IN"/>
           </a:p>
@@ -2598,7 +2598,7 @@
           <a:p>
             <a:fld id="{47A63560-E1C1-40AC-8B7D-BD825B22BEFF}" type="datetime1">
               <a:rPr lang="en-IN" smtClean="0"/>
-              <a:t>02-08-2022</a:t>
+              <a:t>03-08-2022</a:t>
             </a:fld>
             <a:endParaRPr lang="en-IN"/>
           </a:p>
@@ -2717,7 +2717,7 @@
           <a:p>
             <a:fld id="{2CBBF14E-C334-4C7D-8138-377293B5A0E3}" type="datetime1">
               <a:rPr lang="en-IN" smtClean="0"/>
-              <a:t>02-08-2022</a:t>
+              <a:t>03-08-2022</a:t>
             </a:fld>
             <a:endParaRPr lang="en-IN"/>
           </a:p>
@@ -2816,7 +2816,7 @@
           <a:p>
             <a:fld id="{164CDB3E-9F58-40C5-A154-E2FC57D6783F}" type="datetime1">
               <a:rPr lang="en-IN" smtClean="0"/>
-              <a:t>02-08-2022</a:t>
+              <a:t>03-08-2022</a:t>
             </a:fld>
             <a:endParaRPr lang="en-IN"/>
           </a:p>
@@ -3108,7 +3108,7 @@
           <a:p>
             <a:fld id="{8FAD03CF-61BB-4305-BEC8-04DF2051D6AB}" type="datetime1">
               <a:rPr lang="en-IN" smtClean="0"/>
-              <a:t>02-08-2022</a:t>
+              <a:t>03-08-2022</a:t>
             </a:fld>
             <a:endParaRPr lang="en-IN"/>
           </a:p>
@@ -3382,7 +3382,7 @@
           <a:p>
             <a:fld id="{BB8F3FFF-D686-49FA-A133-72293E3F533C}" type="datetime1">
               <a:rPr lang="en-IN" smtClean="0"/>
-              <a:t>02-08-2022</a:t>
+              <a:t>03-08-2022</a:t>
             </a:fld>
             <a:endParaRPr lang="en-IN"/>
           </a:p>
@@ -3681,7 +3681,7 @@
           <a:p>
             <a:fld id="{90702C43-4767-4078-BF7E-2E5C06B73457}" type="datetime1">
               <a:rPr lang="en-IN" smtClean="0"/>
-              <a:t>02-08-2022</a:t>
+              <a:t>03-08-2022</a:t>
             </a:fld>
             <a:endParaRPr lang="en-IN"/>
           </a:p>
@@ -6596,7 +6596,7 @@
             </a:r>
             <a:r>
               <a:rPr lang="en-IN" dirty="0" smtClean="0"/>
-              <a:t>10: </a:t>
+              <a:t>11: </a:t>
             </a:r>
             <a:r>
               <a:rPr lang="en-IN" dirty="0" err="1" smtClean="0"/>
@@ -7226,7 +7226,7 @@
             </a:r>
             <a:r>
               <a:rPr lang="en-IN" dirty="0" smtClean="0"/>
-              <a:t>10: </a:t>
+              <a:t>11: </a:t>
             </a:r>
             <a:r>
               <a:rPr lang="en-IN" dirty="0" err="1" smtClean="0"/>
@@ -8199,7 +8199,7 @@
           <p:cNvPr id="5" name="Content Placeholder 3">
             <a:extLst>
               <a:ext uri="{FF2B5EF4-FFF2-40B4-BE49-F238E27FC236}">
-                <a16:creationId xmlns:a16="http://schemas.microsoft.com/office/drawing/2014/main" xmlns="" id="{E439575B-F099-4CC4-9825-4F20B2647505}"/>
+                <a16:creationId xmlns="" xmlns:a16="http://schemas.microsoft.com/office/drawing/2014/main" id="{E439575B-F099-4CC4-9825-4F20B2647505}"/>
               </a:ext>
             </a:extLst>
           </p:cNvPr>
@@ -8229,14 +8229,14 @@
                 <a:gridCol w="3124200">
                   <a:extLst>
                     <a:ext uri="{9D8B030D-6E8A-4147-A177-3AD203B41FA5}">
-                      <a16:colId xmlns:a16="http://schemas.microsoft.com/office/drawing/2014/main" xmlns="" val="3773665361"/>
+                      <a16:colId xmlns="" xmlns:a16="http://schemas.microsoft.com/office/drawing/2014/main" val="3773665361"/>
                     </a:ext>
                   </a:extLst>
                 </a:gridCol>
                 <a:gridCol w="4876800">
                   <a:extLst>
                     <a:ext uri="{9D8B030D-6E8A-4147-A177-3AD203B41FA5}">
-                      <a16:colId xmlns:a16="http://schemas.microsoft.com/office/drawing/2014/main" xmlns="" val="2884274614"/>
+                      <a16:colId xmlns="" xmlns:a16="http://schemas.microsoft.com/office/drawing/2014/main" val="2884274614"/>
                     </a:ext>
                   </a:extLst>
                 </a:gridCol>
@@ -8286,7 +8286,7 @@
                 </a:tc>
                 <a:extLst>
                   <a:ext uri="{0D108BD9-81ED-4DB2-BD59-A6C34878D82A}">
-                    <a16:rowId xmlns:a16="http://schemas.microsoft.com/office/drawing/2014/main" xmlns="" val="3229444630"/>
+                    <a16:rowId xmlns="" xmlns:a16="http://schemas.microsoft.com/office/drawing/2014/main" val="3229444630"/>
                   </a:ext>
                 </a:extLst>
               </a:tr>
@@ -8426,7 +8426,7 @@
                 </a:tc>
                 <a:extLst>
                   <a:ext uri="{0D108BD9-81ED-4DB2-BD59-A6C34878D82A}">
-                    <a16:rowId xmlns:a16="http://schemas.microsoft.com/office/drawing/2014/main" xmlns="" val="2446575564"/>
+                    <a16:rowId xmlns="" xmlns:a16="http://schemas.microsoft.com/office/drawing/2014/main" val="2446575564"/>
                   </a:ext>
                 </a:extLst>
               </a:tr>
@@ -8473,7 +8473,7 @@
                 </a:tc>
                 <a:extLst>
                   <a:ext uri="{0D108BD9-81ED-4DB2-BD59-A6C34878D82A}">
-                    <a16:rowId xmlns:a16="http://schemas.microsoft.com/office/drawing/2014/main" xmlns="" val="1015041822"/>
+                    <a16:rowId xmlns="" xmlns:a16="http://schemas.microsoft.com/office/drawing/2014/main" val="1015041822"/>
                   </a:ext>
                 </a:extLst>
               </a:tr>
@@ -8520,7 +8520,7 @@
                 </a:tc>
                 <a:extLst>
                   <a:ext uri="{0D108BD9-81ED-4DB2-BD59-A6C34878D82A}">
-                    <a16:rowId xmlns:a16="http://schemas.microsoft.com/office/drawing/2014/main" xmlns="" val="680463658"/>
+                    <a16:rowId xmlns="" xmlns:a16="http://schemas.microsoft.com/office/drawing/2014/main" val="680463658"/>
                   </a:ext>
                 </a:extLst>
               </a:tr>
@@ -8777,7 +8777,7 @@
         </p:spPr>
         <p:txBody>
           <a:bodyPr>
-            <a:normAutofit fontScale="92500" lnSpcReduction="20000"/>
+            <a:noAutofit/>
           </a:bodyPr>
           <a:lstStyle/>
           <a:p>
@@ -8791,15 +8791,24 @@
               <a:buNone/>
             </a:pPr>
             <a:r>
-              <a:rPr lang="en-IN" dirty="0"/>
+              <a:rPr lang="en-IN" sz="1700" dirty="0">
+                <a:latin typeface="Courier New" pitchFamily="49" charset="0"/>
+                <a:cs typeface="Courier New" pitchFamily="49" charset="0"/>
+              </a:rPr>
               <a:t>import </a:t>
             </a:r>
             <a:r>
-              <a:rPr lang="en-IN" dirty="0" err="1"/>
+              <a:rPr lang="en-IN" sz="1700" dirty="0" err="1">
+                <a:latin typeface="Courier New" pitchFamily="49" charset="0"/>
+                <a:cs typeface="Courier New" pitchFamily="49" charset="0"/>
+              </a:rPr>
               <a:t>java.sql</a:t>
             </a:r>
             <a:r>
-              <a:rPr lang="en-IN" dirty="0"/>
+              <a:rPr lang="en-IN" sz="1700" dirty="0">
+                <a:latin typeface="Courier New" pitchFamily="49" charset="0"/>
+                <a:cs typeface="Courier New" pitchFamily="49" charset="0"/>
+              </a:rPr>
               <a:t>.*;</a:t>
             </a:r>
           </a:p>
@@ -8814,15 +8823,24 @@
               <a:buNone/>
             </a:pPr>
             <a:r>
-              <a:rPr lang="en-IN" dirty="0"/>
+              <a:rPr lang="en-IN" sz="1700" dirty="0">
+                <a:latin typeface="Courier New" pitchFamily="49" charset="0"/>
+                <a:cs typeface="Courier New" pitchFamily="49" charset="0"/>
+              </a:rPr>
               <a:t>public class </a:t>
             </a:r>
             <a:r>
-              <a:rPr lang="en-IN" dirty="0" err="1"/>
+              <a:rPr lang="en-IN" sz="1700" dirty="0" err="1">
+                <a:latin typeface="Courier New" pitchFamily="49" charset="0"/>
+                <a:cs typeface="Courier New" pitchFamily="49" charset="0"/>
+              </a:rPr>
               <a:t>DemoJdbc</a:t>
             </a:r>
             <a:r>
-              <a:rPr lang="en-IN" dirty="0"/>
+              <a:rPr lang="en-IN" sz="1700" dirty="0">
+                <a:latin typeface="Courier New" pitchFamily="49" charset="0"/>
+                <a:cs typeface="Courier New" pitchFamily="49" charset="0"/>
+              </a:rPr>
               <a:t> {</a:t>
             </a:r>
           </a:p>
@@ -8837,15 +8855,31 @@
               <a:buNone/>
             </a:pPr>
             <a:r>
-              <a:rPr lang="en-IN" dirty="0"/>
-              <a:t>    public static void main(String[] </a:t>
-            </a:r>
-            <a:r>
-              <a:rPr lang="en-IN" dirty="0" err="1"/>
+              <a:rPr lang="en-IN" sz="1700" dirty="0" smtClean="0">
+                <a:latin typeface="Courier New" pitchFamily="49" charset="0"/>
+                <a:cs typeface="Courier New" pitchFamily="49" charset="0"/>
+              </a:rPr>
+              <a:t>public </a:t>
+            </a:r>
+            <a:r>
+              <a:rPr lang="en-IN" sz="1700" dirty="0">
+                <a:latin typeface="Courier New" pitchFamily="49" charset="0"/>
+                <a:cs typeface="Courier New" pitchFamily="49" charset="0"/>
+              </a:rPr>
+              <a:t>static void main(String[] </a:t>
+            </a:r>
+            <a:r>
+              <a:rPr lang="en-IN" sz="1700" dirty="0" err="1">
+                <a:latin typeface="Courier New" pitchFamily="49" charset="0"/>
+                <a:cs typeface="Courier New" pitchFamily="49" charset="0"/>
+              </a:rPr>
               <a:t>args</a:t>
             </a:r>
             <a:r>
-              <a:rPr lang="en-IN" dirty="0"/>
+              <a:rPr lang="en-IN" sz="1700" dirty="0">
+                <a:latin typeface="Courier New" pitchFamily="49" charset="0"/>
+                <a:cs typeface="Courier New" pitchFamily="49" charset="0"/>
+              </a:rPr>
               <a:t>) {</a:t>
             </a:r>
           </a:p>
@@ -8860,8 +8894,18 @@
               <a:buNone/>
             </a:pPr>
             <a:r>
-              <a:rPr lang="en-IN" dirty="0"/>
-              <a:t>        try {</a:t>
+              <a:rPr lang="en-IN" sz="1700" dirty="0" smtClean="0">
+                <a:latin typeface="Courier New" pitchFamily="49" charset="0"/>
+                <a:cs typeface="Courier New" pitchFamily="49" charset="0"/>
+              </a:rPr>
+              <a:t>try </a:t>
+            </a:r>
+            <a:r>
+              <a:rPr lang="en-IN" sz="1700" dirty="0">
+                <a:latin typeface="Courier New" pitchFamily="49" charset="0"/>
+                <a:cs typeface="Courier New" pitchFamily="49" charset="0"/>
+              </a:rPr>
+              <a:t>{</a:t>
             </a:r>
           </a:p>
           <a:p>
@@ -8875,23 +8919,38 @@
               <a:buNone/>
             </a:pPr>
             <a:r>
-              <a:rPr lang="en-IN" dirty="0"/>
-              <a:t>            </a:t>
-            </a:r>
-            <a:r>
-              <a:rPr lang="en-IN" dirty="0" err="1"/>
+              <a:rPr lang="en-IN" sz="1700" dirty="0" smtClean="0">
+                <a:latin typeface="Courier New" pitchFamily="49" charset="0"/>
+                <a:cs typeface="Courier New" pitchFamily="49" charset="0"/>
+              </a:rPr>
+              <a:t>	</a:t>
+            </a:r>
+            <a:r>
+              <a:rPr lang="en-IN" sz="1700" dirty="0" err="1" smtClean="0">
+                <a:latin typeface="Courier New" pitchFamily="49" charset="0"/>
+                <a:cs typeface="Courier New" pitchFamily="49" charset="0"/>
+              </a:rPr>
               <a:t>Class.forName</a:t>
             </a:r>
             <a:r>
-              <a:rPr lang="en-IN" dirty="0"/>
+              <a:rPr lang="en-IN" sz="1700" dirty="0">
+                <a:latin typeface="Courier New" pitchFamily="49" charset="0"/>
+                <a:cs typeface="Courier New" pitchFamily="49" charset="0"/>
+              </a:rPr>
               <a:t>("</a:t>
             </a:r>
             <a:r>
-              <a:rPr lang="en-IN" dirty="0" err="1"/>
+              <a:rPr lang="en-IN" sz="1700" dirty="0" err="1">
+                <a:latin typeface="Courier New" pitchFamily="49" charset="0"/>
+                <a:cs typeface="Courier New" pitchFamily="49" charset="0"/>
+              </a:rPr>
               <a:t>com.mysql.jdbc.Driver</a:t>
             </a:r>
             <a:r>
-              <a:rPr lang="en-IN" dirty="0"/>
+              <a:rPr lang="en-IN" sz="1700" dirty="0">
+                <a:latin typeface="Courier New" pitchFamily="49" charset="0"/>
+                <a:cs typeface="Courier New" pitchFamily="49" charset="0"/>
+              </a:rPr>
               <a:t>");</a:t>
             </a:r>
           </a:p>
@@ -8906,23 +8965,45 @@
               <a:buNone/>
             </a:pPr>
             <a:r>
-              <a:rPr lang="en-IN" dirty="0"/>
-              <a:t>            Connection con = </a:t>
-            </a:r>
-            <a:r>
-              <a:rPr lang="en-IN" dirty="0" err="1"/>
+              <a:rPr lang="en-IN" sz="1700" dirty="0" smtClean="0">
+                <a:latin typeface="Courier New" pitchFamily="49" charset="0"/>
+                <a:cs typeface="Courier New" pitchFamily="49" charset="0"/>
+              </a:rPr>
+              <a:t>	Connection </a:t>
+            </a:r>
+            <a:r>
+              <a:rPr lang="en-IN" sz="1700" dirty="0">
+                <a:latin typeface="Courier New" pitchFamily="49" charset="0"/>
+                <a:cs typeface="Courier New" pitchFamily="49" charset="0"/>
+              </a:rPr>
+              <a:t>con = </a:t>
+            </a:r>
+            <a:r>
+              <a:rPr lang="en-IN" sz="1700" dirty="0" err="1">
+                <a:latin typeface="Courier New" pitchFamily="49" charset="0"/>
+                <a:cs typeface="Courier New" pitchFamily="49" charset="0"/>
+              </a:rPr>
               <a:t>DriverManager.getConnection</a:t>
             </a:r>
             <a:r>
-              <a:rPr lang="en-IN" dirty="0"/>
+              <a:rPr lang="en-IN" sz="1700" dirty="0">
+                <a:latin typeface="Courier New" pitchFamily="49" charset="0"/>
+                <a:cs typeface="Courier New" pitchFamily="49" charset="0"/>
+              </a:rPr>
               <a:t>("</a:t>
             </a:r>
             <a:r>
-              <a:rPr lang="en-IN" dirty="0" err="1"/>
+              <a:rPr lang="en-IN" sz="1700" dirty="0" err="1">
+                <a:latin typeface="Courier New" pitchFamily="49" charset="0"/>
+                <a:cs typeface="Courier New" pitchFamily="49" charset="0"/>
+              </a:rPr>
               <a:t>jdbc</a:t>
             </a:r>
             <a:r>
-              <a:rPr lang="en-IN" dirty="0"/>
+              <a:rPr lang="en-IN" sz="1700" dirty="0">
+                <a:latin typeface="Courier New" pitchFamily="49" charset="0"/>
+                <a:cs typeface="Courier New" pitchFamily="49" charset="0"/>
+              </a:rPr>
               <a:t>:"</a:t>
             </a:r>
           </a:p>
@@ -8937,34 +9018,65 @@
               <a:buNone/>
             </a:pPr>
             <a:r>
-              <a:rPr lang="en-IN" dirty="0"/>
-              <a:t>                    + "</a:t>
-            </a:r>
-            <a:r>
-              <a:rPr lang="en-IN" dirty="0" err="1"/>
+              <a:rPr lang="en-IN" sz="1700" dirty="0" smtClean="0">
+                <a:latin typeface="Courier New" pitchFamily="49" charset="0"/>
+                <a:cs typeface="Courier New" pitchFamily="49" charset="0"/>
+              </a:rPr>
+              <a:t>	+ </a:t>
+            </a:r>
+            <a:r>
+              <a:rPr lang="en-IN" sz="1700" dirty="0">
+                <a:latin typeface="Courier New" pitchFamily="49" charset="0"/>
+                <a:cs typeface="Courier New" pitchFamily="49" charset="0"/>
+              </a:rPr>
+              <a:t>"</a:t>
+            </a:r>
+            <a:r>
+              <a:rPr lang="en-IN" sz="1700" dirty="0" err="1">
+                <a:latin typeface="Courier New" pitchFamily="49" charset="0"/>
+                <a:cs typeface="Courier New" pitchFamily="49" charset="0"/>
+              </a:rPr>
               <a:t>mysql</a:t>
             </a:r>
             <a:r>
-              <a:rPr lang="en-IN" dirty="0"/>
+              <a:rPr lang="en-IN" sz="1700" dirty="0">
+                <a:latin typeface="Courier New" pitchFamily="49" charset="0"/>
+                <a:cs typeface="Courier New" pitchFamily="49" charset="0"/>
+              </a:rPr>
               <a:t>://localhost:3306/</a:t>
             </a:r>
             <a:r>
-              <a:rPr lang="en-IN" dirty="0" err="1"/>
+              <a:rPr lang="en-IN" sz="1700" dirty="0" err="1">
+                <a:latin typeface="Courier New" pitchFamily="49" charset="0"/>
+                <a:cs typeface="Courier New" pitchFamily="49" charset="0"/>
+              </a:rPr>
               <a:t>ss</a:t>
             </a:r>
             <a:r>
-              <a:rPr lang="en-IN" dirty="0" smtClean="0"/>
+              <a:rPr lang="en-IN" sz="1700" dirty="0" smtClean="0">
+                <a:latin typeface="Courier New" pitchFamily="49" charset="0"/>
+                <a:cs typeface="Courier New" pitchFamily="49" charset="0"/>
+              </a:rPr>
               <a:t>", "</a:t>
             </a:r>
             <a:r>
-              <a:rPr lang="en-IN" dirty="0"/>
+              <a:rPr lang="en-IN" sz="1700" dirty="0">
+                <a:latin typeface="Courier New" pitchFamily="49" charset="0"/>
+                <a:cs typeface="Courier New" pitchFamily="49" charset="0"/>
+              </a:rPr>
               <a:t>root</a:t>
             </a:r>
             <a:r>
-              <a:rPr lang="en-IN" dirty="0" smtClean="0"/>
+              <a:rPr lang="en-IN" sz="1700" dirty="0" smtClean="0">
+                <a:latin typeface="Courier New" pitchFamily="49" charset="0"/>
+                <a:cs typeface="Courier New" pitchFamily="49" charset="0"/>
+              </a:rPr>
               <a:t>", "root");</a:t>
             </a:r>
-            <a:endParaRPr lang="en-IN" dirty="0"/>
+            <a:endParaRPr lang="en-IN" sz="1700" dirty="0">
+              <a:latin typeface="Courier New" pitchFamily="49" charset="0"/>
+              <a:cs typeface="Courier New" pitchFamily="49" charset="0"/>
+            </a:endParaRPr>
           </a:p>
           <a:p>
             <a:pPr marL="0" indent="0">
@@ -8977,22 +9089,37 @@
               <a:buNone/>
             </a:pPr>
             <a:r>
-              <a:rPr lang="en-IN" dirty="0"/>
-              <a:t>            </a:t>
-            </a:r>
-            <a:r>
-              <a:rPr lang="en-IN" dirty="0" err="1"/>
+              <a:rPr lang="en-IN" sz="1700" dirty="0" smtClean="0">
+                <a:latin typeface="Courier New" pitchFamily="49" charset="0"/>
+                <a:cs typeface="Courier New" pitchFamily="49" charset="0"/>
+              </a:rPr>
+              <a:t>	</a:t>
+            </a:r>
+            <a:r>
+              <a:rPr lang="en-IN" sz="1700" dirty="0" err="1" smtClean="0">
+                <a:latin typeface="Courier New" pitchFamily="49" charset="0"/>
+                <a:cs typeface="Courier New" pitchFamily="49" charset="0"/>
+              </a:rPr>
               <a:t>System.out.println</a:t>
             </a:r>
             <a:r>
-              <a:rPr lang="en-IN" dirty="0"/>
+              <a:rPr lang="en-IN" sz="1700" dirty="0">
+                <a:latin typeface="Courier New" pitchFamily="49" charset="0"/>
+                <a:cs typeface="Courier New" pitchFamily="49" charset="0"/>
+              </a:rPr>
               <a:t>("Connection established</a:t>
             </a:r>
             <a:r>
-              <a:rPr lang="en-IN" dirty="0" smtClean="0"/>
+              <a:rPr lang="en-IN" sz="1700" dirty="0" smtClean="0">
+                <a:latin typeface="Courier New" pitchFamily="49" charset="0"/>
+                <a:cs typeface="Courier New" pitchFamily="49" charset="0"/>
+              </a:rPr>
               <a:t>");</a:t>
             </a:r>
-            <a:endParaRPr lang="en-IN" dirty="0"/>
+            <a:endParaRPr lang="en-IN" sz="1700" dirty="0">
+              <a:latin typeface="Courier New" pitchFamily="49" charset="0"/>
+              <a:cs typeface="Courier New" pitchFamily="49" charset="0"/>
+            </a:endParaRPr>
           </a:p>
           <a:p>
             <a:pPr marL="0" indent="0">
@@ -9005,16 +9132,32 @@
               <a:buNone/>
             </a:pPr>
             <a:r>
-              <a:rPr lang="en-IN" dirty="0"/>
-              <a:t>            </a:t>
-            </a:r>
-            <a:r>
-              <a:rPr lang="en-IN" dirty="0" err="1"/>
+              <a:rPr lang="en-IN" sz="1700" dirty="0" smtClean="0">
+                <a:latin typeface="Courier New" pitchFamily="49" charset="0"/>
+                <a:cs typeface="Courier New" pitchFamily="49" charset="0"/>
+              </a:rPr>
+              <a:t>	</a:t>
+            </a:r>
+            <a:r>
+              <a:rPr lang="en-IN" sz="1700" dirty="0" err="1" smtClean="0">
+                <a:latin typeface="Courier New" pitchFamily="49" charset="0"/>
+                <a:cs typeface="Courier New" pitchFamily="49" charset="0"/>
+              </a:rPr>
               <a:t>con.setAutoCommit</a:t>
             </a:r>
             <a:r>
-              <a:rPr lang="en-IN" dirty="0"/>
-              <a:t>(false);</a:t>
+              <a:rPr lang="en-IN" sz="1700" dirty="0" smtClean="0">
+                <a:latin typeface="Courier New" pitchFamily="49" charset="0"/>
+                <a:cs typeface="Courier New" pitchFamily="49" charset="0"/>
+              </a:rPr>
+              <a:t>(false</a:t>
+            </a:r>
+            <a:r>
+              <a:rPr lang="en-IN" sz="1700" dirty="0">
+                <a:latin typeface="Courier New" pitchFamily="49" charset="0"/>
+                <a:cs typeface="Courier New" pitchFamily="49" charset="0"/>
+              </a:rPr>
+              <a:t>);</a:t>
             </a:r>
           </a:p>
           <a:p>
@@ -9028,27 +9171,45 @@
               <a:buNone/>
             </a:pPr>
             <a:r>
-              <a:rPr lang="en-IN" dirty="0"/>
-              <a:t>            Statement </a:t>
-            </a:r>
-            <a:r>
-              <a:rPr lang="en-IN" dirty="0" err="1"/>
+              <a:rPr lang="en-IN" sz="1700" dirty="0" smtClean="0">
+                <a:latin typeface="Courier New" pitchFamily="49" charset="0"/>
+                <a:cs typeface="Courier New" pitchFamily="49" charset="0"/>
+              </a:rPr>
+              <a:t>	Statement </a:t>
+            </a:r>
+            <a:r>
+              <a:rPr lang="en-IN" sz="1700" dirty="0" err="1">
+                <a:latin typeface="Courier New" pitchFamily="49" charset="0"/>
+                <a:cs typeface="Courier New" pitchFamily="49" charset="0"/>
+              </a:rPr>
               <a:t>stmt</a:t>
             </a:r>
             <a:r>
-              <a:rPr lang="en-IN" dirty="0"/>
+              <a:rPr lang="en-IN" sz="1700" dirty="0">
+                <a:latin typeface="Courier New" pitchFamily="49" charset="0"/>
+                <a:cs typeface="Courier New" pitchFamily="49" charset="0"/>
+              </a:rPr>
               <a:t>=</a:t>
             </a:r>
             <a:r>
-              <a:rPr lang="en-IN" dirty="0" err="1"/>
+              <a:rPr lang="en-IN" sz="1700" dirty="0" err="1">
+                <a:latin typeface="Courier New" pitchFamily="49" charset="0"/>
+                <a:cs typeface="Courier New" pitchFamily="49" charset="0"/>
+              </a:rPr>
               <a:t>con.createStatement</a:t>
             </a:r>
             <a:r>
-              <a:rPr lang="en-IN" dirty="0"/>
+              <a:rPr lang="en-IN" sz="1700" dirty="0">
+                <a:latin typeface="Courier New" pitchFamily="49" charset="0"/>
+                <a:cs typeface="Courier New" pitchFamily="49" charset="0"/>
+              </a:rPr>
               <a:t>();  </a:t>
             </a:r>
             <a:r>
-              <a:rPr lang="en-IN" dirty="0" smtClean="0"/>
+              <a:rPr lang="en-IN" sz="1700" dirty="0" smtClean="0">
+                <a:latin typeface="Courier New" pitchFamily="49" charset="0"/>
+                <a:cs typeface="Courier New" pitchFamily="49" charset="0"/>
+              </a:rPr>
               <a:t>           </a:t>
             </a:r>
           </a:p>
@@ -9063,27 +9224,38 @@
               <a:buNone/>
             </a:pPr>
             <a:r>
-              <a:rPr lang="en-IN" dirty="0"/>
-              <a:t> </a:t>
-            </a:r>
-            <a:r>
-              <a:rPr lang="en-IN" dirty="0" smtClean="0"/>
+              <a:rPr lang="en-IN" sz="1700" dirty="0" smtClean="0">
+                <a:latin typeface="Courier New" pitchFamily="49" charset="0"/>
+                <a:cs typeface="Courier New" pitchFamily="49" charset="0"/>
+              </a:rPr>
               <a:t>	</a:t>
             </a:r>
             <a:r>
-              <a:rPr lang="en-IN" dirty="0" err="1" smtClean="0"/>
+              <a:rPr lang="en-IN" sz="1700" dirty="0" err="1" smtClean="0">
+                <a:latin typeface="Courier New" pitchFamily="49" charset="0"/>
+                <a:cs typeface="Courier New" pitchFamily="49" charset="0"/>
+              </a:rPr>
               <a:t>stmt.addBatch</a:t>
             </a:r>
             <a:r>
-              <a:rPr lang="en-IN" dirty="0"/>
+              <a:rPr lang="en-IN" sz="1700" dirty="0">
+                <a:latin typeface="Courier New" pitchFamily="49" charset="0"/>
+                <a:cs typeface="Courier New" pitchFamily="49" charset="0"/>
+              </a:rPr>
               <a:t>("insert into </a:t>
             </a:r>
             <a:r>
-              <a:rPr lang="en-IN" dirty="0" err="1"/>
+              <a:rPr lang="en-IN" sz="1700" dirty="0" err="1">
+                <a:latin typeface="Courier New" pitchFamily="49" charset="0"/>
+                <a:cs typeface="Courier New" pitchFamily="49" charset="0"/>
+              </a:rPr>
               <a:t>emp</a:t>
             </a:r>
             <a:r>
-              <a:rPr lang="en-IN" dirty="0"/>
+              <a:rPr lang="en-IN" sz="1700" dirty="0">
+                <a:latin typeface="Courier New" pitchFamily="49" charset="0"/>
+                <a:cs typeface="Courier New" pitchFamily="49" charset="0"/>
+              </a:rPr>
               <a:t> values(10,'abhi',25)");  </a:t>
             </a:r>
           </a:p>
@@ -9098,23 +9270,38 @@
               <a:buNone/>
             </a:pPr>
             <a:r>
-              <a:rPr lang="en-IN" dirty="0" smtClean="0"/>
-              <a:t> 	</a:t>
-            </a:r>
-            <a:r>
-              <a:rPr lang="en-IN" dirty="0" err="1" smtClean="0"/>
+              <a:rPr lang="en-IN" sz="1700" dirty="0" smtClean="0">
+                <a:latin typeface="Courier New" pitchFamily="49" charset="0"/>
+                <a:cs typeface="Courier New" pitchFamily="49" charset="0"/>
+              </a:rPr>
+              <a:t>	</a:t>
+            </a:r>
+            <a:r>
+              <a:rPr lang="en-IN" sz="1700" dirty="0" err="1" smtClean="0">
+                <a:latin typeface="Courier New" pitchFamily="49" charset="0"/>
+                <a:cs typeface="Courier New" pitchFamily="49" charset="0"/>
+              </a:rPr>
               <a:t>stmt.addBatch</a:t>
             </a:r>
             <a:r>
-              <a:rPr lang="en-IN" dirty="0"/>
+              <a:rPr lang="en-IN" sz="1700" dirty="0">
+                <a:latin typeface="Courier New" pitchFamily="49" charset="0"/>
+                <a:cs typeface="Courier New" pitchFamily="49" charset="0"/>
+              </a:rPr>
               <a:t>("insert into </a:t>
             </a:r>
             <a:r>
-              <a:rPr lang="en-IN" dirty="0" err="1"/>
+              <a:rPr lang="en-IN" sz="1700" dirty="0" err="1">
+                <a:latin typeface="Courier New" pitchFamily="49" charset="0"/>
+                <a:cs typeface="Courier New" pitchFamily="49" charset="0"/>
+              </a:rPr>
               <a:t>emp</a:t>
             </a:r>
             <a:r>
-              <a:rPr lang="en-IN" dirty="0"/>
+              <a:rPr lang="en-IN" sz="1700" dirty="0">
+                <a:latin typeface="Courier New" pitchFamily="49" charset="0"/>
+                <a:cs typeface="Courier New" pitchFamily="49" charset="0"/>
+              </a:rPr>
               <a:t> values(11,'Umesh',35)");  </a:t>
             </a:r>
           </a:p>
@@ -9129,15 +9316,24 @@
               <a:buNone/>
             </a:pPr>
             <a:r>
-              <a:rPr lang="en-IN" dirty="0" smtClean="0"/>
+              <a:rPr lang="en-IN" sz="1700" dirty="0" smtClean="0">
+                <a:latin typeface="Courier New" pitchFamily="49" charset="0"/>
+                <a:cs typeface="Courier New" pitchFamily="49" charset="0"/>
+              </a:rPr>
               <a:t>	</a:t>
             </a:r>
             <a:r>
-              <a:rPr lang="en-IN" dirty="0" err="1" smtClean="0"/>
+              <a:rPr lang="en-IN" sz="1700" dirty="0" err="1" smtClean="0">
+                <a:latin typeface="Courier New" pitchFamily="49" charset="0"/>
+                <a:cs typeface="Courier New" pitchFamily="49" charset="0"/>
+              </a:rPr>
               <a:t>stmt.executeBatch</a:t>
             </a:r>
             <a:r>
-              <a:rPr lang="en-IN" dirty="0"/>
+              <a:rPr lang="en-IN" sz="1700" dirty="0">
+                <a:latin typeface="Courier New" pitchFamily="49" charset="0"/>
+                <a:cs typeface="Courier New" pitchFamily="49" charset="0"/>
+              </a:rPr>
               <a:t>(); //executing the batch  </a:t>
             </a:r>
           </a:p>
@@ -9152,18 +9348,44 @@
               <a:buNone/>
             </a:pPr>
             <a:r>
-              <a:rPr lang="en-IN" dirty="0" smtClean="0"/>
+              <a:rPr lang="en-IN" sz="1700" dirty="0" smtClean="0">
+                <a:latin typeface="Courier New" pitchFamily="49" charset="0"/>
+                <a:cs typeface="Courier New" pitchFamily="49" charset="0"/>
+              </a:rPr>
               <a:t>	</a:t>
             </a:r>
             <a:r>
-              <a:rPr lang="en-IN" dirty="0" err="1" smtClean="0"/>
+              <a:rPr lang="en-IN" sz="1700" dirty="0" err="1" smtClean="0">
+                <a:latin typeface="Courier New" pitchFamily="49" charset="0"/>
+                <a:cs typeface="Courier New" pitchFamily="49" charset="0"/>
+              </a:rPr>
+              <a:t>con.commit</a:t>
+            </a:r>
+            <a:r>
+              <a:rPr lang="en-IN" sz="1700" dirty="0">
+                <a:latin typeface="Courier New" pitchFamily="49" charset="0"/>
+                <a:cs typeface="Courier New" pitchFamily="49" charset="0"/>
+              </a:rPr>
+              <a:t>();  // OR </a:t>
+            </a:r>
+            <a:r>
+              <a:rPr lang="en-IN" sz="1700" dirty="0" err="1" smtClean="0">
+                <a:latin typeface="Courier New" pitchFamily="49" charset="0"/>
+                <a:cs typeface="Courier New" pitchFamily="49" charset="0"/>
+              </a:rPr>
               <a:t>con.rollback</a:t>
             </a:r>
             <a:r>
-              <a:rPr lang="en-IN" dirty="0" smtClean="0"/>
+              <a:rPr lang="en-IN" sz="1700" dirty="0" smtClean="0">
+                <a:latin typeface="Courier New" pitchFamily="49" charset="0"/>
+                <a:cs typeface="Courier New" pitchFamily="49" charset="0"/>
+              </a:rPr>
               <a:t>();</a:t>
             </a:r>
-            <a:endParaRPr lang="en-IN" dirty="0"/>
+            <a:endParaRPr lang="en-IN" sz="1700" dirty="0">
+              <a:latin typeface="Courier New" pitchFamily="49" charset="0"/>
+              <a:cs typeface="Courier New" pitchFamily="49" charset="0"/>
+            </a:endParaRPr>
           </a:p>
           <a:p>
             <a:pPr marL="0" indent="0">
@@ -9176,18 +9398,30 @@
               <a:buNone/>
             </a:pPr>
             <a:r>
-              <a:rPr lang="en-IN" dirty="0"/>
-              <a:t>            </a:t>
-            </a:r>
-            <a:r>
-              <a:rPr lang="en-IN" dirty="0" err="1"/>
+              <a:rPr lang="en-IN" sz="1700" dirty="0" smtClean="0">
+                <a:latin typeface="Courier New" pitchFamily="49" charset="0"/>
+                <a:cs typeface="Courier New" pitchFamily="49" charset="0"/>
+              </a:rPr>
+              <a:t>	</a:t>
+            </a:r>
+            <a:r>
+              <a:rPr lang="en-IN" sz="1700" dirty="0" err="1" smtClean="0">
+                <a:latin typeface="Courier New" pitchFamily="49" charset="0"/>
+                <a:cs typeface="Courier New" pitchFamily="49" charset="0"/>
+              </a:rPr>
               <a:t>con.close</a:t>
             </a:r>
             <a:r>
-              <a:rPr lang="en-IN" dirty="0" smtClean="0"/>
+              <a:rPr lang="en-IN" sz="1700" dirty="0" smtClean="0">
+                <a:latin typeface="Courier New" pitchFamily="49" charset="0"/>
+                <a:cs typeface="Courier New" pitchFamily="49" charset="0"/>
+              </a:rPr>
               <a:t>();</a:t>
             </a:r>
-            <a:endParaRPr lang="en-IN" dirty="0"/>
+            <a:endParaRPr lang="en-IN" sz="1700" dirty="0">
+              <a:latin typeface="Courier New" pitchFamily="49" charset="0"/>
+              <a:cs typeface="Courier New" pitchFamily="49" charset="0"/>
+            </a:endParaRPr>
           </a:p>
           <a:p>
             <a:pPr marL="0" indent="0">
@@ -9200,22 +9434,37 @@
               <a:buNone/>
             </a:pPr>
             <a:r>
-              <a:rPr lang="en-IN" dirty="0"/>
-              <a:t>        } catch (Exception e) </a:t>
-            </a:r>
-            <a:r>
-              <a:rPr lang="en-IN" dirty="0" smtClean="0"/>
-              <a:t>{  </a:t>
-            </a:r>
-            <a:r>
-              <a:rPr lang="en-IN" dirty="0" err="1" smtClean="0"/>
-              <a:t>System.out.println</a:t>
-            </a:r>
-            <a:r>
-              <a:rPr lang="en-IN" dirty="0" smtClean="0"/>
-              <a:t>("Exception: " + e);</a:t>
-            </a:r>
-            <a:endParaRPr lang="en-IN" dirty="0"/>
+              <a:rPr lang="en-IN" sz="1700" dirty="0">
+                <a:latin typeface="Courier New" pitchFamily="49" charset="0"/>
+                <a:cs typeface="Courier New" pitchFamily="49" charset="0"/>
+              </a:rPr>
+              <a:t> </a:t>
+            </a:r>
+            <a:r>
+              <a:rPr lang="en-IN" sz="1700" dirty="0" smtClean="0">
+                <a:latin typeface="Courier New" pitchFamily="49" charset="0"/>
+                <a:cs typeface="Courier New" pitchFamily="49" charset="0"/>
+              </a:rPr>
+              <a:t>    </a:t>
+            </a:r>
+            <a:r>
+              <a:rPr lang="en-IN" sz="1700" dirty="0" smtClean="0">
+                <a:latin typeface="Courier New" pitchFamily="49" charset="0"/>
+                <a:cs typeface="Courier New" pitchFamily="49" charset="0"/>
+              </a:rPr>
+              <a:t>} </a:t>
+            </a:r>
+            <a:r>
+              <a:rPr lang="en-IN" sz="1700" dirty="0">
+                <a:latin typeface="Courier New" pitchFamily="49" charset="0"/>
+                <a:cs typeface="Courier New" pitchFamily="49" charset="0"/>
+              </a:rPr>
+              <a:t>catch (Exception e) </a:t>
+            </a:r>
+            <a:endParaRPr lang="en-IN" sz="1700" dirty="0">
+              <a:latin typeface="Courier New" pitchFamily="49" charset="0"/>
+              <a:cs typeface="Courier New" pitchFamily="49" charset="0"/>
+            </a:endParaRPr>
           </a:p>
           <a:p>
             <a:pPr marL="0" indent="0">
@@ -9228,9 +9477,51 @@
               <a:buNone/>
             </a:pPr>
             <a:r>
-              <a:rPr lang="en-IN" dirty="0"/>
-              <a:t>        }</a:t>
-            </a:r>
+              <a:rPr lang="en-IN" sz="1700" dirty="0">
+                <a:latin typeface="Courier New" pitchFamily="49" charset="0"/>
+                <a:cs typeface="Courier New" pitchFamily="49" charset="0"/>
+              </a:rPr>
+              <a:t> </a:t>
+            </a:r>
+            <a:r>
+              <a:rPr lang="en-IN" sz="1700" dirty="0" smtClean="0">
+                <a:latin typeface="Courier New" pitchFamily="49" charset="0"/>
+                <a:cs typeface="Courier New" pitchFamily="49" charset="0"/>
+              </a:rPr>
+              <a:t>    </a:t>
+            </a:r>
+            <a:r>
+              <a:rPr lang="en-IN" sz="1700" dirty="0" smtClean="0">
+                <a:latin typeface="Courier New" pitchFamily="49" charset="0"/>
+                <a:cs typeface="Courier New" pitchFamily="49" charset="0"/>
+              </a:rPr>
+              <a:t>{  </a:t>
+            </a:r>
+            <a:r>
+              <a:rPr lang="en-IN" sz="1700" dirty="0" err="1" smtClean="0">
+                <a:latin typeface="Courier New" pitchFamily="49" charset="0"/>
+                <a:cs typeface="Courier New" pitchFamily="49" charset="0"/>
+              </a:rPr>
+              <a:t>System.out.println</a:t>
+            </a:r>
+            <a:r>
+              <a:rPr lang="en-IN" sz="1700" dirty="0" smtClean="0">
+                <a:latin typeface="Courier New" pitchFamily="49" charset="0"/>
+                <a:cs typeface="Courier New" pitchFamily="49" charset="0"/>
+              </a:rPr>
+              <a:t>("Exception: " + e</a:t>
+            </a:r>
+            <a:r>
+              <a:rPr lang="en-IN" sz="1700" dirty="0" smtClean="0">
+                <a:latin typeface="Courier New" pitchFamily="49" charset="0"/>
+                <a:cs typeface="Courier New" pitchFamily="49" charset="0"/>
+              </a:rPr>
+              <a:t>);     }</a:t>
+            </a:r>
+            <a:endParaRPr lang="en-IN" sz="1700" dirty="0">
+              <a:latin typeface="Courier New" pitchFamily="49" charset="0"/>
+              <a:cs typeface="Courier New" pitchFamily="49" charset="0"/>
+            </a:endParaRPr>
           </a:p>
           <a:p>
             <a:pPr marL="0" indent="0">
@@ -9243,8 +9534,11 @@
               <a:buNone/>
             </a:pPr>
             <a:r>
-              <a:rPr lang="en-IN" dirty="0"/>
-              <a:t>    }</a:t>
+              <a:rPr lang="en-IN" sz="1700" dirty="0" smtClean="0">
+                <a:latin typeface="Courier New" pitchFamily="49" charset="0"/>
+                <a:cs typeface="Courier New" pitchFamily="49" charset="0"/>
+              </a:rPr>
+              <a:t>}</a:t>
             </a:r>
           </a:p>
           <a:p>
@@ -9258,10 +9552,16 @@
               <a:buNone/>
             </a:pPr>
             <a:r>
-              <a:rPr lang="en-IN" dirty="0" smtClean="0"/>
+              <a:rPr lang="en-US" sz="1700" dirty="0" smtClean="0">
+                <a:latin typeface="Courier New" pitchFamily="49" charset="0"/>
+                <a:cs typeface="Courier New" pitchFamily="49" charset="0"/>
+              </a:rPr>
               <a:t>}</a:t>
             </a:r>
-            <a:endParaRPr lang="en-IN" dirty="0"/>
+            <a:endParaRPr lang="en-IN" sz="1700" dirty="0">
+              <a:latin typeface="Courier New" pitchFamily="49" charset="0"/>
+              <a:cs typeface="Courier New" pitchFamily="49" charset="0"/>
+            </a:endParaRPr>
           </a:p>
         </p:txBody>
       </p:sp>
@@ -11015,7 +11315,7 @@
           <p:cNvPr id="4" name="Picture 4" descr="DBMS Driver type 1">
             <a:extLst>
               <a:ext uri="{FF2B5EF4-FFF2-40B4-BE49-F238E27FC236}">
-                <a16:creationId xmlns:a16="http://schemas.microsoft.com/office/drawing/2014/main" xmlns="" id="{1313EB34-FA31-4742-9887-8299320F6751}"/>
+                <a16:creationId xmlns="" xmlns:a16="http://schemas.microsoft.com/office/drawing/2014/main" id="{1313EB34-FA31-4742-9887-8299320F6751}"/>
               </a:ext>
             </a:extLst>
           </p:cNvPr>
@@ -12375,7 +12675,7 @@
           <p:cNvPr id="5" name="Picture 2" descr="DBMS Driver type 2">
             <a:extLst>
               <a:ext uri="{FF2B5EF4-FFF2-40B4-BE49-F238E27FC236}">
-                <a16:creationId xmlns:a16="http://schemas.microsoft.com/office/drawing/2014/main" xmlns="" id="{11B6EFCF-4C19-4E6A-B006-BCCCB43A001C}"/>
+                <a16:creationId xmlns="" xmlns:a16="http://schemas.microsoft.com/office/drawing/2014/main" id="{11B6EFCF-4C19-4E6A-B006-BCCCB43A001C}"/>
               </a:ext>
             </a:extLst>
           </p:cNvPr>
@@ -13195,7 +13495,7 @@
           <p:cNvPr id="6" name="Picture 2" descr="DBMS Driver type 3">
             <a:extLst>
               <a:ext uri="{FF2B5EF4-FFF2-40B4-BE49-F238E27FC236}">
-                <a16:creationId xmlns:a16="http://schemas.microsoft.com/office/drawing/2014/main" xmlns="" id="{CDAD02B3-F946-4B3D-996E-D3326B90142F}"/>
+                <a16:creationId xmlns="" xmlns:a16="http://schemas.microsoft.com/office/drawing/2014/main" id="{CDAD02B3-F946-4B3D-996E-D3326B90142F}"/>
               </a:ext>
             </a:extLst>
           </p:cNvPr>
@@ -14836,7 +15136,7 @@
           <p:cNvPr id="5" name="Picture 2" descr="DBMS Driver type 4">
             <a:extLst>
               <a:ext uri="{FF2B5EF4-FFF2-40B4-BE49-F238E27FC236}">
-                <a16:creationId xmlns:a16="http://schemas.microsoft.com/office/drawing/2014/main" xmlns="" id="{57C48A62-F901-46D7-A298-27C50FEC6503}"/>
+                <a16:creationId xmlns="" xmlns:a16="http://schemas.microsoft.com/office/drawing/2014/main" id="{57C48A62-F901-46D7-A298-27C50FEC6503}"/>
               </a:ext>
             </a:extLst>
           </p:cNvPr>
@@ -18832,7 +19132,7 @@
           <p:cNvPr id="4" name="Picture 2" descr="JDBC (Java Database Connectivity) ">
             <a:extLst>
               <a:ext uri="{FF2B5EF4-FFF2-40B4-BE49-F238E27FC236}">
-                <a16:creationId xmlns="" xmlns:a16="http://schemas.microsoft.com/office/drawing/2014/main" id="{8D2A4FC5-5399-4C70-9408-57F4BF985BB1}"/>
+                <a16:creationId xmlns:a16="http://schemas.microsoft.com/office/drawing/2014/main" xmlns="" id="{8D2A4FC5-5399-4C70-9408-57F4BF985BB1}"/>
               </a:ext>
             </a:extLst>
           </p:cNvPr>
@@ -24206,7 +24506,7 @@
           <p:cNvPr id="4" name="Content Placeholder 3">
             <a:extLst>
               <a:ext uri="{FF2B5EF4-FFF2-40B4-BE49-F238E27FC236}">
-                <a16:creationId xmlns:a16="http://schemas.microsoft.com/office/drawing/2014/main" xmlns="" id="{9D35BA11-DD4B-48DB-A2AF-E1EBD391560F}"/>
+                <a16:creationId xmlns="" xmlns:a16="http://schemas.microsoft.com/office/drawing/2014/main" id="{9D35BA11-DD4B-48DB-A2AF-E1EBD391560F}"/>
               </a:ext>
             </a:extLst>
           </p:cNvPr>
@@ -24236,14 +24536,14 @@
                 <a:gridCol w="4094843">
                   <a:extLst>
                     <a:ext uri="{9D8B030D-6E8A-4147-A177-3AD203B41FA5}">
-                      <a16:colId xmlns:a16="http://schemas.microsoft.com/office/drawing/2014/main" xmlns="" val="1811101794"/>
+                      <a16:colId xmlns="" xmlns:a16="http://schemas.microsoft.com/office/drawing/2014/main" val="1811101794"/>
                     </a:ext>
                   </a:extLst>
                 </a:gridCol>
                 <a:gridCol w="4094843">
                   <a:extLst>
                     <a:ext uri="{9D8B030D-6E8A-4147-A177-3AD203B41FA5}">
-                      <a16:colId xmlns:a16="http://schemas.microsoft.com/office/drawing/2014/main" xmlns="" val="2186687832"/>
+                      <a16:colId xmlns="" xmlns:a16="http://schemas.microsoft.com/office/drawing/2014/main" val="2186687832"/>
                     </a:ext>
                   </a:extLst>
                 </a:gridCol>
@@ -24297,7 +24597,7 @@
                 </a:tc>
                 <a:extLst>
                   <a:ext uri="{0D108BD9-81ED-4DB2-BD59-A6C34878D82A}">
-                    <a16:rowId xmlns:a16="http://schemas.microsoft.com/office/drawing/2014/main" xmlns="" val="2615560924"/>
+                    <a16:rowId xmlns="" xmlns:a16="http://schemas.microsoft.com/office/drawing/2014/main" val="2615560924"/>
                   </a:ext>
                 </a:extLst>
               </a:tr>
@@ -24398,7 +24698,7 @@
                 </a:tc>
                 <a:extLst>
                   <a:ext uri="{0D108BD9-81ED-4DB2-BD59-A6C34878D82A}">
-                    <a16:rowId xmlns:a16="http://schemas.microsoft.com/office/drawing/2014/main" xmlns="" val="3233696317"/>
+                    <a16:rowId xmlns="" xmlns:a16="http://schemas.microsoft.com/office/drawing/2014/main" val="3233696317"/>
                   </a:ext>
                 </a:extLst>
               </a:tr>
@@ -24451,7 +24751,7 @@
                 </a:tc>
                 <a:extLst>
                   <a:ext uri="{0D108BD9-81ED-4DB2-BD59-A6C34878D82A}">
-                    <a16:rowId xmlns:a16="http://schemas.microsoft.com/office/drawing/2014/main" xmlns="" val="2683155873"/>
+                    <a16:rowId xmlns="" xmlns:a16="http://schemas.microsoft.com/office/drawing/2014/main" val="2683155873"/>
                   </a:ext>
                 </a:extLst>
               </a:tr>
@@ -24504,7 +24804,7 @@
                 </a:tc>
                 <a:extLst>
                   <a:ext uri="{0D108BD9-81ED-4DB2-BD59-A6C34878D82A}">
-                    <a16:rowId xmlns:a16="http://schemas.microsoft.com/office/drawing/2014/main" xmlns="" val="3768022122"/>
+                    <a16:rowId xmlns="" xmlns:a16="http://schemas.microsoft.com/office/drawing/2014/main" val="3768022122"/>
                   </a:ext>
                 </a:extLst>
               </a:tr>
@@ -24557,7 +24857,7 @@
                 </a:tc>
                 <a:extLst>
                   <a:ext uri="{0D108BD9-81ED-4DB2-BD59-A6C34878D82A}">
-                    <a16:rowId xmlns:a16="http://schemas.microsoft.com/office/drawing/2014/main" xmlns="" val="384881523"/>
+                    <a16:rowId xmlns="" xmlns:a16="http://schemas.microsoft.com/office/drawing/2014/main" val="384881523"/>
                   </a:ext>
                 </a:extLst>
               </a:tr>
@@ -24634,7 +24934,7 @@
                 </a:tc>
                 <a:extLst>
                   <a:ext uri="{0D108BD9-81ED-4DB2-BD59-A6C34878D82A}">
-                    <a16:rowId xmlns:a16="http://schemas.microsoft.com/office/drawing/2014/main" xmlns="" val="1047298922"/>
+                    <a16:rowId xmlns="" xmlns:a16="http://schemas.microsoft.com/office/drawing/2014/main" val="1047298922"/>
                   </a:ext>
                 </a:extLst>
               </a:tr>
@@ -36574,1433 +36874,28 @@
             <p:ph type="title"/>
           </p:nvPr>
         </p:nvSpPr>
-        <p:spPr/>
-        <p:txBody>
-          <a:bodyPr/>
-          <a:lstStyle/>
-          <a:p>
-            <a:r>
-              <a:rPr lang="en-IN" b="1" dirty="0" err="1"/>
-              <a:t>DatabaseMetaData</a:t>
-            </a:r>
-            <a:r>
-              <a:rPr lang="en-IN" dirty="0"/>
-              <a:t> Interface</a:t>
-            </a:r>
-          </a:p>
-        </p:txBody>
-      </p:sp>
-      <p:sp>
-        <p:nvSpPr>
-          <p:cNvPr id="4" name="Content Placeholder 3"/>
-          <p:cNvSpPr>
-            <a:spLocks noGrp="1"/>
-          </p:cNvSpPr>
-          <p:nvPr>
-            <p:ph idx="1"/>
-          </p:nvPr>
-        </p:nvSpPr>
-        <p:spPr/>
-        <p:txBody>
-          <a:bodyPr>
-            <a:normAutofit/>
-          </a:bodyPr>
-          <a:lstStyle/>
-          <a:p>
-            <a:r>
-              <a:rPr lang="en-US" sz="2800" dirty="0" err="1"/>
-              <a:t>DatabaseMetaData</a:t>
-            </a:r>
-            <a:r>
-              <a:rPr lang="en-US" sz="2800" dirty="0"/>
-              <a:t> interface provides methods to get meta data of a database such as database product name, database product version, driver name, name of total number of tables, name of total number of views etc</a:t>
-            </a:r>
-            <a:r>
-              <a:rPr lang="en-US" sz="2800" dirty="0" smtClean="0"/>
-              <a:t>.</a:t>
-            </a:r>
-            <a:endParaRPr lang="en-IN" sz="2800" dirty="0"/>
-          </a:p>
-        </p:txBody>
-      </p:sp>
-      <p:sp>
-        <p:nvSpPr>
-          <p:cNvPr id="3" name="Slide Number Placeholder 2"/>
-          <p:cNvSpPr>
-            <a:spLocks noGrp="1"/>
-          </p:cNvSpPr>
-          <p:nvPr>
-            <p:ph type="sldNum" sz="quarter" idx="12"/>
-          </p:nvPr>
-        </p:nvSpPr>
-        <p:spPr/>
-        <p:txBody>
-          <a:bodyPr/>
-          <a:lstStyle/>
-          <a:p>
-            <a:fld id="{9C11CE39-2868-44A2-A0C6-827D458F7A8B}" type="slidenum">
-              <a:rPr lang="en-IN" smtClean="0"/>
-              <a:pPr/>
-              <a:t>90</a:t>
-            </a:fld>
-            <a:endParaRPr lang="en-IN"/>
-          </a:p>
-        </p:txBody>
-      </p:sp>
-    </p:spTree>
-    <p:custDataLst>
-      <p:tags r:id="rId1"/>
-    </p:custDataLst>
-    <p:extLst>
-      <p:ext uri="{BB962C8B-B14F-4D97-AF65-F5344CB8AC3E}">
-        <p14:creationId xmlns:p14="http://schemas.microsoft.com/office/powerpoint/2010/main" val="2208209164"/>
-      </p:ext>
-    </p:extLst>
-  </p:cSld>
-  <p:clrMapOvr>
-    <a:masterClrMapping/>
-  </p:clrMapOvr>
-  <p:timing>
-    <p:tnLst>
-      <p:par>
-        <p:cTn id="1" dur="indefinite" restart="never" nodeType="tmRoot"/>
-      </p:par>
-    </p:tnLst>
-  </p:timing>
-</p:sld>
-</file>
-
-<file path=ppt/slides/slide91.xml><?xml version="1.0" encoding="utf-8"?>
-<p:sld xmlns:a="http://schemas.openxmlformats.org/drawingml/2006/main" xmlns:r="http://schemas.openxmlformats.org/officeDocument/2006/relationships" xmlns:p="http://schemas.openxmlformats.org/presentationml/2006/main">
-  <p:cSld>
-    <p:spTree>
-      <p:nvGrpSpPr>
-        <p:cNvPr id="1" name=""/>
-        <p:cNvGrpSpPr/>
-        <p:nvPr/>
-      </p:nvGrpSpPr>
-      <p:grpSpPr>
-        <a:xfrm>
-          <a:off x="0" y="0"/>
-          <a:ext cx="0" cy="0"/>
-          <a:chOff x="0" y="0"/>
-          <a:chExt cx="0" cy="0"/>
-        </a:xfrm>
-      </p:grpSpPr>
-      <p:sp>
-        <p:nvSpPr>
-          <p:cNvPr id="2" name="Title 1"/>
-          <p:cNvSpPr>
-            <a:spLocks noGrp="1"/>
-          </p:cNvSpPr>
-          <p:nvPr>
-            <p:ph type="title"/>
-          </p:nvPr>
-        </p:nvSpPr>
-        <p:spPr/>
-        <p:txBody>
-          <a:bodyPr/>
-          <a:lstStyle/>
-          <a:p>
-            <a:r>
-              <a:rPr lang="en-IN" dirty="0"/>
-              <a:t>Methods of </a:t>
-            </a:r>
-            <a:r>
-              <a:rPr lang="en-IN" b="1" dirty="0" err="1"/>
-              <a:t>DatabaseMetaData</a:t>
-            </a:r>
-            <a:r>
-              <a:rPr lang="en-IN" dirty="0"/>
-              <a:t> </a:t>
-            </a:r>
-            <a:r>
-              <a:rPr lang="en-IN" dirty="0" smtClean="0"/>
-              <a:t>interface</a:t>
-            </a:r>
-            <a:endParaRPr lang="en-IN" dirty="0"/>
-          </a:p>
-        </p:txBody>
-      </p:sp>
-      <p:sp>
-        <p:nvSpPr>
-          <p:cNvPr id="3" name="Content Placeholder 2"/>
-          <p:cNvSpPr>
-            <a:spLocks noGrp="1"/>
-          </p:cNvSpPr>
-          <p:nvPr>
-            <p:ph idx="1"/>
-          </p:nvPr>
-        </p:nvSpPr>
         <p:spPr>
           <a:xfrm>
-            <a:off x="3439886" y="201312"/>
-            <a:ext cx="8752114" cy="6656687"/>
-          </a:xfrm>
-          <a:solidFill>
-            <a:schemeClr val="bg1"/>
-          </a:solidFill>
-        </p:spPr>
-        <p:txBody>
-          <a:bodyPr>
-            <a:normAutofit/>
-          </a:bodyPr>
-          <a:lstStyle/>
-          <a:p>
-            <a:r>
-              <a:rPr lang="en-US" sz="2400" b="1" dirty="0"/>
-              <a:t>public String </a:t>
-            </a:r>
-            <a:r>
-              <a:rPr lang="en-US" sz="2400" b="1" dirty="0" err="1"/>
-              <a:t>getDriverName</a:t>
-            </a:r>
-            <a:r>
-              <a:rPr lang="en-US" sz="2400" b="1" dirty="0"/>
-              <a:t>()throws </a:t>
-            </a:r>
-            <a:r>
-              <a:rPr lang="en-US" sz="2400" b="1" dirty="0" err="1"/>
-              <a:t>SQLException</a:t>
-            </a:r>
-            <a:r>
-              <a:rPr lang="en-US" sz="2400" b="1" dirty="0"/>
-              <a:t>: </a:t>
-            </a:r>
-            <a:r>
-              <a:rPr lang="en-US" sz="2400" dirty="0"/>
-              <a:t>it returns the name of the JDBC driver.</a:t>
-            </a:r>
-          </a:p>
-          <a:p>
-            <a:r>
-              <a:rPr lang="en-US" sz="2400" b="1" dirty="0"/>
-              <a:t>public String </a:t>
-            </a:r>
-            <a:r>
-              <a:rPr lang="en-US" sz="2400" b="1" dirty="0" err="1"/>
-              <a:t>getDriverVersion</a:t>
-            </a:r>
-            <a:r>
-              <a:rPr lang="en-US" sz="2400" b="1" dirty="0"/>
-              <a:t>()throws </a:t>
-            </a:r>
-            <a:r>
-              <a:rPr lang="en-US" sz="2400" b="1" dirty="0" err="1"/>
-              <a:t>SQLException</a:t>
-            </a:r>
-            <a:r>
-              <a:rPr lang="en-US" sz="2400" b="1" dirty="0"/>
-              <a:t>: </a:t>
-            </a:r>
-            <a:r>
-              <a:rPr lang="en-US" sz="2400" dirty="0"/>
-              <a:t>it returns the version number of the JDBC driver.</a:t>
-            </a:r>
-          </a:p>
-          <a:p>
-            <a:r>
-              <a:rPr lang="en-US" sz="2400" b="1" dirty="0"/>
-              <a:t>public String </a:t>
-            </a:r>
-            <a:r>
-              <a:rPr lang="en-US" sz="2400" b="1" dirty="0" err="1"/>
-              <a:t>getUserName</a:t>
-            </a:r>
-            <a:r>
-              <a:rPr lang="en-US" sz="2400" b="1" dirty="0"/>
-              <a:t>()throws </a:t>
-            </a:r>
-            <a:r>
-              <a:rPr lang="en-US" sz="2400" b="1" dirty="0" err="1"/>
-              <a:t>SQLException</a:t>
-            </a:r>
-            <a:r>
-              <a:rPr lang="en-US" sz="2400" b="1" dirty="0"/>
-              <a:t>: </a:t>
-            </a:r>
-            <a:r>
-              <a:rPr lang="en-US" sz="2400" dirty="0"/>
-              <a:t>it returns the username of the database.</a:t>
-            </a:r>
-          </a:p>
-          <a:p>
-            <a:r>
-              <a:rPr lang="en-US" sz="2400" b="1" dirty="0"/>
-              <a:t>public String </a:t>
-            </a:r>
-            <a:r>
-              <a:rPr lang="en-US" sz="2400" b="1" dirty="0" err="1"/>
-              <a:t>getDatabaseProductName</a:t>
-            </a:r>
-            <a:r>
-              <a:rPr lang="en-US" sz="2400" b="1" dirty="0"/>
-              <a:t>()throws </a:t>
-            </a:r>
-            <a:r>
-              <a:rPr lang="en-US" sz="2400" b="1" dirty="0" err="1"/>
-              <a:t>SQLException</a:t>
-            </a:r>
-            <a:r>
-              <a:rPr lang="en-US" sz="2400" b="1" dirty="0"/>
-              <a:t>: </a:t>
-            </a:r>
-            <a:r>
-              <a:rPr lang="en-US" sz="2400" dirty="0"/>
-              <a:t>it returns the product name of the database.</a:t>
-            </a:r>
-          </a:p>
-          <a:p>
-            <a:r>
-              <a:rPr lang="en-US" sz="2400" b="1" dirty="0"/>
-              <a:t>public String </a:t>
-            </a:r>
-            <a:r>
-              <a:rPr lang="en-US" sz="2400" b="1" dirty="0" err="1"/>
-              <a:t>getDatabaseProductVersion</a:t>
-            </a:r>
-            <a:r>
-              <a:rPr lang="en-US" sz="2400" b="1" dirty="0"/>
-              <a:t>()throws </a:t>
-            </a:r>
-            <a:r>
-              <a:rPr lang="en-US" sz="2400" b="1" dirty="0" err="1"/>
-              <a:t>SQLException</a:t>
-            </a:r>
-            <a:r>
-              <a:rPr lang="en-US" sz="2400" b="1" dirty="0"/>
-              <a:t>: </a:t>
-            </a:r>
-            <a:r>
-              <a:rPr lang="en-US" sz="2400" dirty="0"/>
-              <a:t>it returns the product version of the database.</a:t>
-            </a:r>
-          </a:p>
-          <a:p>
-            <a:r>
-              <a:rPr lang="en-US" sz="2400" b="1" dirty="0"/>
-              <a:t>public </a:t>
-            </a:r>
-            <a:r>
-              <a:rPr lang="en-US" sz="2400" b="1" dirty="0" err="1"/>
-              <a:t>ResultSet</a:t>
-            </a:r>
-            <a:r>
-              <a:rPr lang="en-US" sz="2400" b="1" dirty="0"/>
-              <a:t> </a:t>
-            </a:r>
-            <a:r>
-              <a:rPr lang="en-US" sz="2400" b="1" dirty="0" err="1"/>
-              <a:t>getTables</a:t>
-            </a:r>
-            <a:r>
-              <a:rPr lang="en-US" sz="2400" b="1" dirty="0"/>
-              <a:t>(String catalog, String </a:t>
-            </a:r>
-            <a:r>
-              <a:rPr lang="en-US" sz="2400" b="1" dirty="0" err="1"/>
-              <a:t>schemaPattern</a:t>
-            </a:r>
-            <a:r>
-              <a:rPr lang="en-US" sz="2400" b="1" dirty="0"/>
-              <a:t>, String </a:t>
-            </a:r>
-            <a:r>
-              <a:rPr lang="en-US" sz="2400" b="1" dirty="0" err="1"/>
-              <a:t>tableNamePattern</a:t>
-            </a:r>
-            <a:r>
-              <a:rPr lang="en-US" sz="2400" b="1" dirty="0"/>
-              <a:t>, String[] types)throws </a:t>
-            </a:r>
-            <a:r>
-              <a:rPr lang="en-US" sz="2400" b="1" dirty="0" err="1"/>
-              <a:t>SQLException</a:t>
-            </a:r>
-            <a:r>
-              <a:rPr lang="en-US" sz="2400" b="1" dirty="0"/>
-              <a:t>: </a:t>
-            </a:r>
-            <a:r>
-              <a:rPr lang="en-US" sz="2400" dirty="0"/>
-              <a:t>it returns the description of the tables of the specified catalog. The table type can be TABLE, VIEW, ALIAS, SYSTEM TABLE, SYNONYM etc</a:t>
-            </a:r>
-            <a:r>
-              <a:rPr lang="en-US" sz="2400" dirty="0" smtClean="0"/>
-              <a:t>.</a:t>
-            </a:r>
-            <a:endParaRPr lang="en-US" sz="2400" dirty="0"/>
-          </a:p>
-        </p:txBody>
-      </p:sp>
-      <p:sp>
-        <p:nvSpPr>
-          <p:cNvPr id="4" name="Slide Number Placeholder 3"/>
-          <p:cNvSpPr>
-            <a:spLocks noGrp="1"/>
-          </p:cNvSpPr>
-          <p:nvPr>
-            <p:ph type="sldNum" sz="quarter" idx="12"/>
-          </p:nvPr>
-        </p:nvSpPr>
-        <p:spPr/>
-        <p:txBody>
-          <a:bodyPr/>
-          <a:lstStyle/>
-          <a:p>
-            <a:fld id="{9C11CE39-2868-44A2-A0C6-827D458F7A8B}" type="slidenum">
-              <a:rPr lang="en-IN" smtClean="0"/>
-              <a:pPr/>
-              <a:t>91</a:t>
-            </a:fld>
-            <a:endParaRPr lang="en-IN"/>
-          </a:p>
-        </p:txBody>
-      </p:sp>
-    </p:spTree>
-    <p:custDataLst>
-      <p:tags r:id="rId1"/>
-    </p:custDataLst>
-    <p:extLst>
-      <p:ext uri="{BB962C8B-B14F-4D97-AF65-F5344CB8AC3E}">
-        <p14:creationId xmlns:p14="http://schemas.microsoft.com/office/powerpoint/2010/main" val="2495993105"/>
-      </p:ext>
-    </p:extLst>
-  </p:cSld>
-  <p:clrMapOvr>
-    <a:masterClrMapping/>
-  </p:clrMapOvr>
-  <p:timing>
-    <p:tnLst>
-      <p:par>
-        <p:cTn id="1" dur="indefinite" restart="never" nodeType="tmRoot"/>
-      </p:par>
-    </p:tnLst>
-  </p:timing>
-</p:sld>
-</file>
-
-<file path=ppt/slides/slide92.xml><?xml version="1.0" encoding="utf-8"?>
-<p:sld xmlns:a="http://schemas.openxmlformats.org/drawingml/2006/main" xmlns:r="http://schemas.openxmlformats.org/officeDocument/2006/relationships" xmlns:p="http://schemas.openxmlformats.org/presentationml/2006/main">
-  <p:cSld>
-    <p:spTree>
-      <p:nvGrpSpPr>
-        <p:cNvPr id="1" name=""/>
-        <p:cNvGrpSpPr/>
-        <p:nvPr/>
-      </p:nvGrpSpPr>
-      <p:grpSpPr>
-        <a:xfrm>
-          <a:off x="0" y="0"/>
-          <a:ext cx="0" cy="0"/>
-          <a:chOff x="0" y="0"/>
-          <a:chExt cx="0" cy="0"/>
-        </a:xfrm>
-      </p:grpSpPr>
-      <p:sp>
-        <p:nvSpPr>
-          <p:cNvPr id="2" name="Title 1"/>
-          <p:cNvSpPr>
-            <a:spLocks noGrp="1"/>
-          </p:cNvSpPr>
-          <p:nvPr>
-            <p:ph type="title"/>
-          </p:nvPr>
-        </p:nvSpPr>
-        <p:spPr>
-          <a:xfrm>
-            <a:off x="116114" y="1123837"/>
-            <a:ext cx="3327477" cy="4601183"/>
+            <a:off x="0" y="1123837"/>
+            <a:ext cx="3512457" cy="4601183"/>
           </a:xfrm>
         </p:spPr>
         <p:txBody>
-          <a:bodyPr/>
+          <a:bodyPr anchor="t"/>
           <a:lstStyle/>
           <a:p>
             <a:r>
-              <a:rPr lang="en-IN" dirty="0" smtClean="0"/>
-              <a:t>Example 8:</a:t>
-            </a:r>
-            <a:br>
-              <a:rPr lang="en-IN" dirty="0" smtClean="0"/>
-            </a:br>
-            <a:r>
               <a:rPr lang="en-IN" sz="2800" b="1" dirty="0" err="1" smtClean="0"/>
-              <a:t>DatabaseMetaData</a:t>
-            </a:r>
-            <a:endParaRPr lang="en-IN" sz="2800" dirty="0"/>
-          </a:p>
-        </p:txBody>
-      </p:sp>
-      <p:sp>
-        <p:nvSpPr>
-          <p:cNvPr id="3" name="Content Placeholder 2"/>
-          <p:cNvSpPr>
-            <a:spLocks noGrp="1"/>
-          </p:cNvSpPr>
-          <p:nvPr>
-            <p:ph idx="1"/>
-          </p:nvPr>
-        </p:nvSpPr>
-        <p:spPr>
-          <a:xfrm>
-            <a:off x="3439886" y="0"/>
-            <a:ext cx="8752114" cy="6857999"/>
-          </a:xfrm>
-          <a:solidFill>
-            <a:schemeClr val="bg1"/>
-          </a:solidFill>
-        </p:spPr>
-        <p:txBody>
-          <a:bodyPr>
-            <a:normAutofit fontScale="85000" lnSpcReduction="10000"/>
-          </a:bodyPr>
-          <a:lstStyle/>
-          <a:p>
-            <a:pPr marL="0" indent="0">
-              <a:lnSpc>
-                <a:spcPct val="120000"/>
-              </a:lnSpc>
-              <a:spcBef>
-                <a:spcPts val="0"/>
-              </a:spcBef>
-              <a:buNone/>
-            </a:pPr>
-            <a:r>
-              <a:rPr lang="en-IN" sz="2400" dirty="0">
-                <a:latin typeface="Courier New" pitchFamily="49" charset="0"/>
-                <a:cs typeface="Courier New" pitchFamily="49" charset="0"/>
-              </a:rPr>
-              <a:t>import </a:t>
-            </a:r>
-            <a:r>
-              <a:rPr lang="en-IN" sz="2400" dirty="0" err="1">
-                <a:latin typeface="Courier New" pitchFamily="49" charset="0"/>
-                <a:cs typeface="Courier New" pitchFamily="49" charset="0"/>
-              </a:rPr>
-              <a:t>java.sql</a:t>
-            </a:r>
-            <a:r>
-              <a:rPr lang="en-IN" sz="2400" dirty="0">
-                <a:latin typeface="Courier New" pitchFamily="49" charset="0"/>
-                <a:cs typeface="Courier New" pitchFamily="49" charset="0"/>
-              </a:rPr>
-              <a:t>.*;  </a:t>
-            </a:r>
-          </a:p>
-          <a:p>
-            <a:pPr marL="0" indent="0">
-              <a:lnSpc>
-                <a:spcPct val="120000"/>
-              </a:lnSpc>
-              <a:spcBef>
-                <a:spcPts val="0"/>
-              </a:spcBef>
-              <a:buNone/>
-            </a:pPr>
-            <a:r>
-              <a:rPr lang="en-IN" sz="2400" dirty="0">
-                <a:latin typeface="Courier New" pitchFamily="49" charset="0"/>
-                <a:cs typeface="Courier New" pitchFamily="49" charset="0"/>
-              </a:rPr>
-              <a:t>class DBMD{  </a:t>
-            </a:r>
-          </a:p>
-          <a:p>
-            <a:pPr marL="0" indent="0">
-              <a:lnSpc>
-                <a:spcPct val="120000"/>
-              </a:lnSpc>
-              <a:spcBef>
-                <a:spcPts val="0"/>
-              </a:spcBef>
-              <a:buNone/>
-            </a:pPr>
-            <a:r>
-              <a:rPr lang="en-IN" sz="2400" dirty="0">
-                <a:latin typeface="Courier New" pitchFamily="49" charset="0"/>
-                <a:cs typeface="Courier New" pitchFamily="49" charset="0"/>
-              </a:rPr>
-              <a:t>public static void main(String </a:t>
-            </a:r>
-            <a:r>
-              <a:rPr lang="en-IN" sz="2400" dirty="0" err="1">
-                <a:latin typeface="Courier New" pitchFamily="49" charset="0"/>
-                <a:cs typeface="Courier New" pitchFamily="49" charset="0"/>
-              </a:rPr>
-              <a:t>args</a:t>
-            </a:r>
-            <a:r>
-              <a:rPr lang="en-IN" sz="2400" dirty="0">
-                <a:latin typeface="Courier New" pitchFamily="49" charset="0"/>
-                <a:cs typeface="Courier New" pitchFamily="49" charset="0"/>
-              </a:rPr>
-              <a:t>[]){  </a:t>
-            </a:r>
-          </a:p>
-          <a:p>
-            <a:pPr marL="0" indent="0">
-              <a:lnSpc>
-                <a:spcPct val="120000"/>
-              </a:lnSpc>
-              <a:spcBef>
-                <a:spcPts val="0"/>
-              </a:spcBef>
-              <a:buNone/>
-            </a:pPr>
-            <a:r>
-              <a:rPr lang="en-IN" sz="2400" dirty="0">
-                <a:latin typeface="Courier New" pitchFamily="49" charset="0"/>
-                <a:cs typeface="Courier New" pitchFamily="49" charset="0"/>
-              </a:rPr>
-              <a:t>try{  </a:t>
-            </a:r>
-          </a:p>
-          <a:p>
-            <a:pPr marL="0" indent="0">
-              <a:lnSpc>
-                <a:spcPct val="120000"/>
-              </a:lnSpc>
-              <a:spcBef>
-                <a:spcPts val="0"/>
-              </a:spcBef>
-              <a:buNone/>
-            </a:pPr>
-            <a:r>
-              <a:rPr lang="en-IN" sz="2400" dirty="0" smtClean="0">
-                <a:latin typeface="Courier New" pitchFamily="49" charset="0"/>
-                <a:cs typeface="Courier New" pitchFamily="49" charset="0"/>
-              </a:rPr>
+              <a:t>ResultSetMetaData</a:t>
+            </a:r>
+            <a:r>
+              <a:rPr lang="en-IN" sz="2800" dirty="0" smtClean="0"/>
               <a:t> </a:t>
             </a:r>
             <a:r>
-              <a:rPr lang="en-IN" sz="2400" dirty="0" err="1" smtClean="0">
-                <a:latin typeface="Courier New" pitchFamily="49" charset="0"/>
-                <a:cs typeface="Courier New" pitchFamily="49" charset="0"/>
-              </a:rPr>
-              <a:t>Class.forName</a:t>
-            </a:r>
-            <a:r>
-              <a:rPr lang="en-IN" sz="2400" dirty="0">
-                <a:latin typeface="Courier New" pitchFamily="49" charset="0"/>
-                <a:cs typeface="Courier New" pitchFamily="49" charset="0"/>
-              </a:rPr>
-              <a:t>("</a:t>
-            </a:r>
-            <a:r>
-              <a:rPr lang="en-IN" sz="2400" dirty="0" err="1">
-                <a:latin typeface="Courier New" pitchFamily="49" charset="0"/>
-                <a:cs typeface="Courier New" pitchFamily="49" charset="0"/>
-              </a:rPr>
-              <a:t>com.mysql.jdbc.Driver</a:t>
-            </a:r>
-            <a:r>
-              <a:rPr lang="en-IN" sz="2400" dirty="0">
-                <a:latin typeface="Courier New" pitchFamily="49" charset="0"/>
-                <a:cs typeface="Courier New" pitchFamily="49" charset="0"/>
-              </a:rPr>
-              <a:t>");  </a:t>
-            </a:r>
-          </a:p>
-          <a:p>
-            <a:pPr marL="0" indent="0">
-              <a:lnSpc>
-                <a:spcPct val="120000"/>
-              </a:lnSpc>
-              <a:spcBef>
-                <a:spcPts val="0"/>
-              </a:spcBef>
-              <a:buNone/>
-            </a:pPr>
-            <a:r>
-              <a:rPr lang="en-IN" sz="2400" dirty="0" smtClean="0">
-                <a:latin typeface="Courier New" pitchFamily="49" charset="0"/>
-                <a:cs typeface="Courier New" pitchFamily="49" charset="0"/>
-              </a:rPr>
-              <a:t> Connection con = </a:t>
-            </a:r>
-            <a:r>
-              <a:rPr lang="en-IN" sz="2400" dirty="0" err="1" smtClean="0">
-                <a:latin typeface="Courier New" pitchFamily="49" charset="0"/>
-                <a:cs typeface="Courier New" pitchFamily="49" charset="0"/>
-              </a:rPr>
-              <a:t>DriverManager.getConnection</a:t>
-            </a:r>
-            <a:r>
-              <a:rPr lang="en-IN" sz="2400" dirty="0" smtClean="0">
-                <a:latin typeface="Courier New" pitchFamily="49" charset="0"/>
-                <a:cs typeface="Courier New" pitchFamily="49" charset="0"/>
-              </a:rPr>
-              <a:t> 		("</a:t>
-            </a:r>
-            <a:r>
-              <a:rPr lang="en-IN" sz="2400" dirty="0" err="1">
-                <a:latin typeface="Courier New" pitchFamily="49" charset="0"/>
-                <a:cs typeface="Courier New" pitchFamily="49" charset="0"/>
-              </a:rPr>
-              <a:t>jdbc:mysql</a:t>
-            </a:r>
-            <a:r>
-              <a:rPr lang="en-IN" sz="2400" dirty="0">
-                <a:latin typeface="Courier New" pitchFamily="49" charset="0"/>
-                <a:cs typeface="Courier New" pitchFamily="49" charset="0"/>
-              </a:rPr>
-              <a:t>://localhost:3306/</a:t>
-            </a:r>
-            <a:r>
-              <a:rPr lang="en-IN" sz="2400" dirty="0" err="1">
-                <a:latin typeface="Courier New" pitchFamily="49" charset="0"/>
-                <a:cs typeface="Courier New" pitchFamily="49" charset="0"/>
-              </a:rPr>
-              <a:t>mu","root</a:t>
-            </a:r>
-            <a:r>
-              <a:rPr lang="en-IN" sz="2400" dirty="0">
-                <a:latin typeface="Courier New" pitchFamily="49" charset="0"/>
-                <a:cs typeface="Courier New" pitchFamily="49" charset="0"/>
-              </a:rPr>
-              <a:t>",""); </a:t>
-            </a:r>
-          </a:p>
-          <a:p>
-            <a:pPr marL="0" indent="0">
-              <a:lnSpc>
-                <a:spcPct val="120000"/>
-              </a:lnSpc>
-              <a:spcBef>
-                <a:spcPts val="0"/>
-              </a:spcBef>
-              <a:buNone/>
-            </a:pPr>
-            <a:r>
-              <a:rPr lang="en-IN" sz="2400" dirty="0" smtClean="0">
-                <a:latin typeface="Courier New" pitchFamily="49" charset="0"/>
-                <a:cs typeface="Courier New" pitchFamily="49" charset="0"/>
-              </a:rPr>
-              <a:t> </a:t>
-            </a:r>
-            <a:r>
-              <a:rPr lang="en-IN" sz="2400" dirty="0" err="1" smtClean="0">
-                <a:latin typeface="Courier New" pitchFamily="49" charset="0"/>
-                <a:cs typeface="Courier New" pitchFamily="49" charset="0"/>
-              </a:rPr>
-              <a:t>DatabaseMetaData</a:t>
-            </a:r>
-            <a:r>
-              <a:rPr lang="en-IN" sz="2400" dirty="0" smtClean="0">
-                <a:latin typeface="Courier New" pitchFamily="49" charset="0"/>
-                <a:cs typeface="Courier New" pitchFamily="49" charset="0"/>
-              </a:rPr>
-              <a:t> </a:t>
-            </a:r>
-            <a:r>
-              <a:rPr lang="en-IN" sz="2400" dirty="0" err="1">
-                <a:latin typeface="Courier New" pitchFamily="49" charset="0"/>
-                <a:cs typeface="Courier New" pitchFamily="49" charset="0"/>
-              </a:rPr>
-              <a:t>dbmd</a:t>
-            </a:r>
-            <a:r>
-              <a:rPr lang="en-IN" sz="2400" dirty="0">
-                <a:latin typeface="Courier New" pitchFamily="49" charset="0"/>
-                <a:cs typeface="Courier New" pitchFamily="49" charset="0"/>
-              </a:rPr>
-              <a:t>=</a:t>
-            </a:r>
-            <a:r>
-              <a:rPr lang="en-IN" sz="2400" dirty="0" err="1">
-                <a:latin typeface="Courier New" pitchFamily="49" charset="0"/>
-                <a:cs typeface="Courier New" pitchFamily="49" charset="0"/>
-              </a:rPr>
-              <a:t>con.getMetaData</a:t>
-            </a:r>
-            <a:r>
-              <a:rPr lang="en-IN" sz="2400" dirty="0">
-                <a:latin typeface="Courier New" pitchFamily="49" charset="0"/>
-                <a:cs typeface="Courier New" pitchFamily="49" charset="0"/>
-              </a:rPr>
-              <a:t>();  </a:t>
-            </a:r>
-          </a:p>
-          <a:p>
-            <a:pPr marL="0" indent="0">
-              <a:lnSpc>
-                <a:spcPct val="120000"/>
-              </a:lnSpc>
-              <a:spcBef>
-                <a:spcPts val="0"/>
-              </a:spcBef>
-              <a:buNone/>
-            </a:pPr>
-            <a:r>
-              <a:rPr lang="en-IN" sz="2400" dirty="0" smtClean="0">
-                <a:latin typeface="Courier New" pitchFamily="49" charset="0"/>
-                <a:cs typeface="Courier New" pitchFamily="49" charset="0"/>
-              </a:rPr>
-              <a:t> </a:t>
-            </a:r>
-            <a:r>
-              <a:rPr lang="en-IN" sz="2400" dirty="0" err="1" smtClean="0">
-                <a:latin typeface="Courier New" pitchFamily="49" charset="0"/>
-                <a:cs typeface="Courier New" pitchFamily="49" charset="0"/>
-              </a:rPr>
-              <a:t>System.out.println</a:t>
-            </a:r>
-            <a:r>
-              <a:rPr lang="en-IN" sz="2400" dirty="0">
-                <a:latin typeface="Courier New" pitchFamily="49" charset="0"/>
-                <a:cs typeface="Courier New" pitchFamily="49" charset="0"/>
-              </a:rPr>
-              <a:t>("Driver Name: </a:t>
-            </a:r>
-            <a:r>
-              <a:rPr lang="en-IN" sz="2400" dirty="0" smtClean="0">
-                <a:latin typeface="Courier New" pitchFamily="49" charset="0"/>
-                <a:cs typeface="Courier New" pitchFamily="49" charset="0"/>
-              </a:rPr>
-              <a:t>" </a:t>
-            </a:r>
-          </a:p>
-          <a:p>
-            <a:pPr marL="0" indent="0">
-              <a:lnSpc>
-                <a:spcPct val="120000"/>
-              </a:lnSpc>
-              <a:spcBef>
-                <a:spcPts val="0"/>
-              </a:spcBef>
-              <a:buNone/>
-            </a:pPr>
-            <a:r>
-              <a:rPr lang="en-IN" sz="2400" dirty="0">
-                <a:latin typeface="Courier New" pitchFamily="49" charset="0"/>
-                <a:cs typeface="Courier New" pitchFamily="49" charset="0"/>
-              </a:rPr>
-              <a:t>	</a:t>
-            </a:r>
-            <a:r>
-              <a:rPr lang="en-IN" sz="2400" dirty="0" smtClean="0">
-                <a:latin typeface="Courier New" pitchFamily="49" charset="0"/>
-                <a:cs typeface="Courier New" pitchFamily="49" charset="0"/>
-              </a:rPr>
-              <a:t>			+ </a:t>
-            </a:r>
-            <a:r>
-              <a:rPr lang="en-IN" sz="2400" dirty="0" err="1" smtClean="0">
-                <a:latin typeface="Courier New" pitchFamily="49" charset="0"/>
-                <a:cs typeface="Courier New" pitchFamily="49" charset="0"/>
-              </a:rPr>
-              <a:t>dbmd.getDriverName</a:t>
-            </a:r>
-            <a:r>
-              <a:rPr lang="en-IN" sz="2400" dirty="0">
-                <a:latin typeface="Courier New" pitchFamily="49" charset="0"/>
-                <a:cs typeface="Courier New" pitchFamily="49" charset="0"/>
-              </a:rPr>
-              <a:t>());  </a:t>
-            </a:r>
-          </a:p>
-          <a:p>
-            <a:pPr marL="0" indent="0">
-              <a:lnSpc>
-                <a:spcPct val="120000"/>
-              </a:lnSpc>
-              <a:spcBef>
-                <a:spcPts val="0"/>
-              </a:spcBef>
-              <a:buNone/>
-            </a:pPr>
-            <a:r>
-              <a:rPr lang="en-IN" sz="2400" dirty="0" smtClean="0">
-                <a:latin typeface="Courier New" pitchFamily="49" charset="0"/>
-                <a:cs typeface="Courier New" pitchFamily="49" charset="0"/>
-              </a:rPr>
-              <a:t> </a:t>
-            </a:r>
-            <a:r>
-              <a:rPr lang="en-IN" sz="2400" dirty="0" err="1" smtClean="0">
-                <a:latin typeface="Courier New" pitchFamily="49" charset="0"/>
-                <a:cs typeface="Courier New" pitchFamily="49" charset="0"/>
-              </a:rPr>
-              <a:t>System.out.println</a:t>
-            </a:r>
-            <a:r>
-              <a:rPr lang="en-IN" sz="2400" dirty="0">
-                <a:latin typeface="Courier New" pitchFamily="49" charset="0"/>
-                <a:cs typeface="Courier New" pitchFamily="49" charset="0"/>
-              </a:rPr>
-              <a:t>("Driver Version: </a:t>
-            </a:r>
-            <a:r>
-              <a:rPr lang="en-IN" sz="2400" dirty="0" smtClean="0">
-                <a:latin typeface="Courier New" pitchFamily="49" charset="0"/>
-                <a:cs typeface="Courier New" pitchFamily="49" charset="0"/>
-              </a:rPr>
-              <a:t>" </a:t>
-            </a:r>
-          </a:p>
-          <a:p>
-            <a:pPr marL="0" indent="0">
-              <a:lnSpc>
-                <a:spcPct val="120000"/>
-              </a:lnSpc>
-              <a:spcBef>
-                <a:spcPts val="0"/>
-              </a:spcBef>
-              <a:buNone/>
-            </a:pPr>
-            <a:r>
-              <a:rPr lang="en-IN" sz="2400" dirty="0">
-                <a:latin typeface="Courier New" pitchFamily="49" charset="0"/>
-                <a:cs typeface="Courier New" pitchFamily="49" charset="0"/>
-              </a:rPr>
-              <a:t>	</a:t>
-            </a:r>
-            <a:r>
-              <a:rPr lang="en-IN" sz="2400" dirty="0" smtClean="0">
-                <a:latin typeface="Courier New" pitchFamily="49" charset="0"/>
-                <a:cs typeface="Courier New" pitchFamily="49" charset="0"/>
-              </a:rPr>
-              <a:t>			+ </a:t>
-            </a:r>
-            <a:r>
-              <a:rPr lang="en-IN" sz="2400" dirty="0" err="1" smtClean="0">
-                <a:latin typeface="Courier New" pitchFamily="49" charset="0"/>
-                <a:cs typeface="Courier New" pitchFamily="49" charset="0"/>
-              </a:rPr>
-              <a:t>dbmd.getDriverVersion</a:t>
-            </a:r>
-            <a:r>
-              <a:rPr lang="en-IN" sz="2400" dirty="0">
-                <a:latin typeface="Courier New" pitchFamily="49" charset="0"/>
-                <a:cs typeface="Courier New" pitchFamily="49" charset="0"/>
-              </a:rPr>
-              <a:t>());  </a:t>
-            </a:r>
-          </a:p>
-          <a:p>
-            <a:pPr marL="0" indent="0">
-              <a:lnSpc>
-                <a:spcPct val="120000"/>
-              </a:lnSpc>
-              <a:spcBef>
-                <a:spcPts val="0"/>
-              </a:spcBef>
-              <a:buNone/>
-            </a:pPr>
-            <a:r>
-              <a:rPr lang="en-IN" sz="2400" dirty="0" smtClean="0">
-                <a:latin typeface="Courier New" pitchFamily="49" charset="0"/>
-                <a:cs typeface="Courier New" pitchFamily="49" charset="0"/>
-              </a:rPr>
-              <a:t> </a:t>
-            </a:r>
-            <a:r>
-              <a:rPr lang="en-IN" sz="2400" dirty="0" err="1" smtClean="0">
-                <a:latin typeface="Courier New" pitchFamily="49" charset="0"/>
-                <a:cs typeface="Courier New" pitchFamily="49" charset="0"/>
-              </a:rPr>
-              <a:t>System.out.println</a:t>
-            </a:r>
-            <a:r>
-              <a:rPr lang="en-IN" sz="2400" dirty="0">
-                <a:latin typeface="Courier New" pitchFamily="49" charset="0"/>
-                <a:cs typeface="Courier New" pitchFamily="49" charset="0"/>
-              </a:rPr>
-              <a:t>("</a:t>
-            </a:r>
-            <a:r>
-              <a:rPr lang="en-IN" sz="2400" dirty="0" err="1">
-                <a:latin typeface="Courier New" pitchFamily="49" charset="0"/>
-                <a:cs typeface="Courier New" pitchFamily="49" charset="0"/>
-              </a:rPr>
-              <a:t>UserName</a:t>
-            </a:r>
-            <a:r>
-              <a:rPr lang="en-IN" sz="2400" dirty="0">
-                <a:latin typeface="Courier New" pitchFamily="49" charset="0"/>
-                <a:cs typeface="Courier New" pitchFamily="49" charset="0"/>
-              </a:rPr>
-              <a:t>: </a:t>
-            </a:r>
-            <a:r>
-              <a:rPr lang="en-IN" sz="2400" dirty="0" smtClean="0">
-                <a:latin typeface="Courier New" pitchFamily="49" charset="0"/>
-                <a:cs typeface="Courier New" pitchFamily="49" charset="0"/>
-              </a:rPr>
-              <a:t>" + </a:t>
-            </a:r>
-            <a:r>
-              <a:rPr lang="en-IN" sz="2400" dirty="0" err="1" smtClean="0">
-                <a:latin typeface="Courier New" pitchFamily="49" charset="0"/>
-                <a:cs typeface="Courier New" pitchFamily="49" charset="0"/>
-              </a:rPr>
-              <a:t>dbmd.getUserName</a:t>
-            </a:r>
-            <a:r>
-              <a:rPr lang="en-IN" sz="2400" dirty="0">
-                <a:latin typeface="Courier New" pitchFamily="49" charset="0"/>
-                <a:cs typeface="Courier New" pitchFamily="49" charset="0"/>
-              </a:rPr>
-              <a:t>());  </a:t>
-            </a:r>
-          </a:p>
-          <a:p>
-            <a:pPr marL="0" indent="0">
-              <a:lnSpc>
-                <a:spcPct val="120000"/>
-              </a:lnSpc>
-              <a:spcBef>
-                <a:spcPts val="0"/>
-              </a:spcBef>
-              <a:buNone/>
-            </a:pPr>
-            <a:r>
-              <a:rPr lang="en-IN" sz="2400" dirty="0" smtClean="0">
-                <a:latin typeface="Courier New" pitchFamily="49" charset="0"/>
-                <a:cs typeface="Courier New" pitchFamily="49" charset="0"/>
-              </a:rPr>
-              <a:t> </a:t>
-            </a:r>
-            <a:r>
-              <a:rPr lang="en-IN" sz="2400" dirty="0" err="1" smtClean="0">
-                <a:latin typeface="Courier New" pitchFamily="49" charset="0"/>
-                <a:cs typeface="Courier New" pitchFamily="49" charset="0"/>
-              </a:rPr>
-              <a:t>System.out.println</a:t>
-            </a:r>
-            <a:r>
-              <a:rPr lang="en-IN" sz="2400" dirty="0">
-                <a:latin typeface="Courier New" pitchFamily="49" charset="0"/>
-                <a:cs typeface="Courier New" pitchFamily="49" charset="0"/>
-              </a:rPr>
-              <a:t>("Database Product Name: </a:t>
-            </a:r>
-            <a:r>
-              <a:rPr lang="en-IN" sz="2400" dirty="0" smtClean="0">
-                <a:latin typeface="Courier New" pitchFamily="49" charset="0"/>
-                <a:cs typeface="Courier New" pitchFamily="49" charset="0"/>
-              </a:rPr>
-              <a:t>"</a:t>
-            </a:r>
-          </a:p>
-          <a:p>
-            <a:pPr marL="0" indent="0">
-              <a:lnSpc>
-                <a:spcPct val="120000"/>
-              </a:lnSpc>
-              <a:spcBef>
-                <a:spcPts val="0"/>
-              </a:spcBef>
-              <a:buNone/>
-            </a:pPr>
-            <a:r>
-              <a:rPr lang="en-IN" sz="2400" dirty="0" smtClean="0">
-                <a:latin typeface="Courier New" pitchFamily="49" charset="0"/>
-                <a:cs typeface="Courier New" pitchFamily="49" charset="0"/>
-              </a:rPr>
-              <a:t>		+ </a:t>
-            </a:r>
-            <a:r>
-              <a:rPr lang="en-IN" sz="2400" dirty="0" err="1" smtClean="0">
-                <a:latin typeface="Courier New" pitchFamily="49" charset="0"/>
-                <a:cs typeface="Courier New" pitchFamily="49" charset="0"/>
-              </a:rPr>
-              <a:t>dbmd.getDatabaseProductName</a:t>
-            </a:r>
-            <a:r>
-              <a:rPr lang="en-IN" sz="2400" dirty="0">
-                <a:latin typeface="Courier New" pitchFamily="49" charset="0"/>
-                <a:cs typeface="Courier New" pitchFamily="49" charset="0"/>
-              </a:rPr>
-              <a:t>());  </a:t>
-            </a:r>
-          </a:p>
-          <a:p>
-            <a:pPr marL="0" indent="0">
-              <a:lnSpc>
-                <a:spcPct val="120000"/>
-              </a:lnSpc>
-              <a:spcBef>
-                <a:spcPts val="0"/>
-              </a:spcBef>
-              <a:buNone/>
-            </a:pPr>
-            <a:r>
-              <a:rPr lang="en-IN" sz="2400" dirty="0" smtClean="0">
-                <a:latin typeface="Courier New" pitchFamily="49" charset="0"/>
-                <a:cs typeface="Courier New" pitchFamily="49" charset="0"/>
-              </a:rPr>
-              <a:t> </a:t>
-            </a:r>
-            <a:r>
-              <a:rPr lang="en-IN" sz="2400" dirty="0" err="1" smtClean="0">
-                <a:latin typeface="Courier New" pitchFamily="49" charset="0"/>
-                <a:cs typeface="Courier New" pitchFamily="49" charset="0"/>
-              </a:rPr>
-              <a:t>System.out.println</a:t>
-            </a:r>
-            <a:r>
-              <a:rPr lang="en-IN" sz="2400" dirty="0">
-                <a:latin typeface="Courier New" pitchFamily="49" charset="0"/>
-                <a:cs typeface="Courier New" pitchFamily="49" charset="0"/>
-              </a:rPr>
-              <a:t>("Database Product Version</a:t>
-            </a:r>
-            <a:r>
-              <a:rPr lang="en-IN" sz="2400" dirty="0" smtClean="0">
-                <a:latin typeface="Courier New" pitchFamily="49" charset="0"/>
-                <a:cs typeface="Courier New" pitchFamily="49" charset="0"/>
-              </a:rPr>
-              <a:t>:"</a:t>
-            </a:r>
-          </a:p>
-          <a:p>
-            <a:pPr marL="0" indent="0">
-              <a:lnSpc>
-                <a:spcPct val="120000"/>
-              </a:lnSpc>
-              <a:spcBef>
-                <a:spcPts val="0"/>
-              </a:spcBef>
-              <a:buNone/>
-            </a:pPr>
-            <a:r>
-              <a:rPr lang="en-IN" sz="2400" dirty="0" smtClean="0">
-                <a:latin typeface="Courier New" pitchFamily="49" charset="0"/>
-                <a:cs typeface="Courier New" pitchFamily="49" charset="0"/>
-              </a:rPr>
-              <a:t>		+ </a:t>
-            </a:r>
-            <a:r>
-              <a:rPr lang="en-IN" sz="2400" dirty="0" err="1" smtClean="0">
-                <a:latin typeface="Courier New" pitchFamily="49" charset="0"/>
-                <a:cs typeface="Courier New" pitchFamily="49" charset="0"/>
-              </a:rPr>
-              <a:t>dbmd.getDatabaseProductVersion</a:t>
-            </a:r>
-            <a:r>
-              <a:rPr lang="en-IN" sz="2400" dirty="0">
-                <a:latin typeface="Courier New" pitchFamily="49" charset="0"/>
-                <a:cs typeface="Courier New" pitchFamily="49" charset="0"/>
-              </a:rPr>
-              <a:t>());  </a:t>
-            </a:r>
-          </a:p>
-          <a:p>
-            <a:pPr marL="0" indent="0">
-              <a:lnSpc>
-                <a:spcPct val="120000"/>
-              </a:lnSpc>
-              <a:spcBef>
-                <a:spcPts val="0"/>
-              </a:spcBef>
-              <a:buNone/>
-            </a:pPr>
-            <a:r>
-              <a:rPr lang="en-IN" sz="2400" dirty="0">
-                <a:latin typeface="Courier New" pitchFamily="49" charset="0"/>
-                <a:cs typeface="Courier New" pitchFamily="49" charset="0"/>
-              </a:rPr>
-              <a:t>  </a:t>
-            </a:r>
-            <a:r>
-              <a:rPr lang="en-IN" sz="2400" dirty="0" err="1">
-                <a:latin typeface="Courier New" pitchFamily="49" charset="0"/>
-                <a:cs typeface="Courier New" pitchFamily="49" charset="0"/>
-              </a:rPr>
-              <a:t>con.close</a:t>
-            </a:r>
-            <a:r>
-              <a:rPr lang="en-IN" sz="2400" dirty="0">
-                <a:latin typeface="Courier New" pitchFamily="49" charset="0"/>
-                <a:cs typeface="Courier New" pitchFamily="49" charset="0"/>
-              </a:rPr>
-              <a:t>();  </a:t>
-            </a:r>
-          </a:p>
-          <a:p>
-            <a:pPr marL="0" indent="0">
-              <a:lnSpc>
-                <a:spcPct val="120000"/>
-              </a:lnSpc>
-              <a:spcBef>
-                <a:spcPts val="0"/>
-              </a:spcBef>
-              <a:buNone/>
-            </a:pPr>
-            <a:r>
-              <a:rPr lang="en-IN" sz="2400" dirty="0">
-                <a:latin typeface="Courier New" pitchFamily="49" charset="0"/>
-                <a:cs typeface="Courier New" pitchFamily="49" charset="0"/>
-              </a:rPr>
-              <a:t>}catch(Exception e</a:t>
-            </a:r>
-            <a:r>
-              <a:rPr lang="en-IN" sz="2400" dirty="0" smtClean="0">
-                <a:latin typeface="Courier New" pitchFamily="49" charset="0"/>
-                <a:cs typeface="Courier New" pitchFamily="49" charset="0"/>
-              </a:rPr>
-              <a:t>) {	 </a:t>
-            </a:r>
-            <a:r>
-              <a:rPr lang="en-IN" sz="2400" dirty="0" err="1">
-                <a:latin typeface="Courier New" pitchFamily="49" charset="0"/>
-                <a:cs typeface="Courier New" pitchFamily="49" charset="0"/>
-              </a:rPr>
-              <a:t>System.out.println</a:t>
-            </a:r>
-            <a:r>
-              <a:rPr lang="en-IN" sz="2400" dirty="0">
-                <a:latin typeface="Courier New" pitchFamily="49" charset="0"/>
-                <a:cs typeface="Courier New" pitchFamily="49" charset="0"/>
-              </a:rPr>
-              <a:t>(e</a:t>
-            </a:r>
-            <a:r>
-              <a:rPr lang="en-IN" sz="2400" dirty="0" smtClean="0">
-                <a:latin typeface="Courier New" pitchFamily="49" charset="0"/>
-                <a:cs typeface="Courier New" pitchFamily="49" charset="0"/>
-              </a:rPr>
-              <a:t>);		}  </a:t>
-            </a:r>
-            <a:endParaRPr lang="en-IN" sz="2400" dirty="0">
-              <a:latin typeface="Courier New" pitchFamily="49" charset="0"/>
-              <a:cs typeface="Courier New" pitchFamily="49" charset="0"/>
-            </a:endParaRPr>
-          </a:p>
-          <a:p>
-            <a:pPr marL="0" indent="0">
-              <a:lnSpc>
-                <a:spcPct val="120000"/>
-              </a:lnSpc>
-              <a:spcBef>
-                <a:spcPts val="0"/>
-              </a:spcBef>
-              <a:buNone/>
-            </a:pPr>
-            <a:r>
-              <a:rPr lang="en-IN" sz="2400" dirty="0" smtClean="0">
-                <a:latin typeface="Courier New" pitchFamily="49" charset="0"/>
-                <a:cs typeface="Courier New" pitchFamily="49" charset="0"/>
-              </a:rPr>
-              <a:t>} }</a:t>
-            </a:r>
-            <a:endParaRPr lang="en-IN" sz="2400" dirty="0">
-              <a:latin typeface="Courier New" pitchFamily="49" charset="0"/>
-              <a:cs typeface="Courier New" pitchFamily="49" charset="0"/>
-            </a:endParaRPr>
-          </a:p>
-        </p:txBody>
-      </p:sp>
-      <p:sp>
-        <p:nvSpPr>
-          <p:cNvPr id="4" name="Slide Number Placeholder 3"/>
-          <p:cNvSpPr>
-            <a:spLocks noGrp="1"/>
-          </p:cNvSpPr>
-          <p:nvPr>
-            <p:ph type="sldNum" sz="quarter" idx="12"/>
-          </p:nvPr>
-        </p:nvSpPr>
-        <p:spPr/>
-        <p:txBody>
-          <a:bodyPr/>
-          <a:lstStyle/>
-          <a:p>
-            <a:fld id="{9C11CE39-2868-44A2-A0C6-827D458F7A8B}" type="slidenum">
-              <a:rPr lang="en-IN" smtClean="0"/>
-              <a:pPr/>
-              <a:t>92</a:t>
-            </a:fld>
-            <a:endParaRPr lang="en-IN"/>
-          </a:p>
-        </p:txBody>
-      </p:sp>
-    </p:spTree>
-    <p:custDataLst>
-      <p:tags r:id="rId1"/>
-    </p:custDataLst>
-    <p:extLst>
-      <p:ext uri="{BB962C8B-B14F-4D97-AF65-F5344CB8AC3E}">
-        <p14:creationId xmlns:p14="http://schemas.microsoft.com/office/powerpoint/2010/main" val="1793040408"/>
-      </p:ext>
-    </p:extLst>
-  </p:cSld>
-  <p:clrMapOvr>
-    <a:masterClrMapping/>
-  </p:clrMapOvr>
-  <p:timing>
-    <p:tnLst>
-      <p:par>
-        <p:cTn id="1" dur="indefinite" restart="never" nodeType="tmRoot"/>
-      </p:par>
-    </p:tnLst>
-  </p:timing>
-</p:sld>
-</file>
-
-<file path=ppt/slides/slide93.xml><?xml version="1.0" encoding="utf-8"?>
-<p:sld xmlns:a="http://schemas.openxmlformats.org/drawingml/2006/main" xmlns:r="http://schemas.openxmlformats.org/officeDocument/2006/relationships" xmlns:p="http://schemas.openxmlformats.org/presentationml/2006/main">
-  <p:cSld>
-    <p:spTree>
-      <p:nvGrpSpPr>
-        <p:cNvPr id="1" name=""/>
-        <p:cNvGrpSpPr/>
-        <p:nvPr/>
-      </p:nvGrpSpPr>
-      <p:grpSpPr>
-        <a:xfrm>
-          <a:off x="0" y="0"/>
-          <a:ext cx="0" cy="0"/>
-          <a:chOff x="0" y="0"/>
-          <a:chExt cx="0" cy="0"/>
-        </a:xfrm>
-      </p:grpSpPr>
-      <p:sp>
-        <p:nvSpPr>
-          <p:cNvPr id="2" name="Title 1"/>
-          <p:cNvSpPr>
-            <a:spLocks noGrp="1"/>
-          </p:cNvSpPr>
-          <p:nvPr>
-            <p:ph type="title"/>
-          </p:nvPr>
-        </p:nvSpPr>
-        <p:spPr/>
-        <p:txBody>
-          <a:bodyPr/>
-          <a:lstStyle/>
-          <a:p>
-            <a:r>
-              <a:rPr lang="en-US" dirty="0" smtClean="0"/>
-              <a:t>JDBC</a:t>
-            </a:r>
-            <a:endParaRPr lang="en-IN" dirty="0"/>
-          </a:p>
-        </p:txBody>
-      </p:sp>
-      <p:sp>
-        <p:nvSpPr>
-          <p:cNvPr id="3" name="Text Placeholder 2"/>
-          <p:cNvSpPr>
-            <a:spLocks noGrp="1"/>
-          </p:cNvSpPr>
-          <p:nvPr>
-            <p:ph type="body" idx="1"/>
-          </p:nvPr>
-        </p:nvSpPr>
-        <p:spPr/>
-        <p:txBody>
-          <a:bodyPr>
-            <a:normAutofit/>
-          </a:bodyPr>
-          <a:lstStyle/>
-          <a:p>
-            <a:r>
-              <a:rPr lang="en-US" sz="2800" dirty="0" smtClean="0">
-                <a:solidFill>
-                  <a:schemeClr val="tx1"/>
-                </a:solidFill>
-              </a:rPr>
-              <a:t>Batch updates in JDBC</a:t>
-            </a:r>
-            <a:endParaRPr lang="en-IN" sz="2800" dirty="0">
-              <a:solidFill>
-                <a:schemeClr val="tx1"/>
-              </a:solidFill>
-            </a:endParaRPr>
-          </a:p>
-        </p:txBody>
-      </p:sp>
-      <p:sp>
-        <p:nvSpPr>
-          <p:cNvPr id="4" name="Slide Number Placeholder 3"/>
-          <p:cNvSpPr>
-            <a:spLocks noGrp="1"/>
-          </p:cNvSpPr>
-          <p:nvPr>
-            <p:ph type="sldNum" sz="quarter" idx="12"/>
-          </p:nvPr>
-        </p:nvSpPr>
-        <p:spPr/>
-        <p:txBody>
-          <a:bodyPr/>
-          <a:lstStyle/>
-          <a:p>
-            <a:fld id="{9C11CE39-2868-44A2-A0C6-827D458F7A8B}" type="slidenum">
-              <a:rPr lang="en-IN" smtClean="0"/>
-              <a:pPr/>
-              <a:t>93</a:t>
-            </a:fld>
-            <a:endParaRPr lang="en-IN"/>
-          </a:p>
-        </p:txBody>
-      </p:sp>
-    </p:spTree>
-    <p:custDataLst>
-      <p:tags r:id="rId1"/>
-    </p:custDataLst>
-    <p:extLst>
-      <p:ext uri="{BB962C8B-B14F-4D97-AF65-F5344CB8AC3E}">
-        <p14:creationId xmlns:p14="http://schemas.microsoft.com/office/powerpoint/2010/main" val="3195728122"/>
-      </p:ext>
-    </p:extLst>
-  </p:cSld>
-  <p:clrMapOvr>
-    <a:masterClrMapping/>
-  </p:clrMapOvr>
-  <p:timing>
-    <p:tnLst>
-      <p:par>
-        <p:cTn id="1" dur="indefinite" restart="never" nodeType="tmRoot"/>
-      </p:par>
-    </p:tnLst>
-  </p:timing>
-</p:sld>
-</file>
-
-<file path=ppt/slides/slide94.xml><?xml version="1.0" encoding="utf-8"?>
-<p:sld xmlns:a="http://schemas.openxmlformats.org/drawingml/2006/main" xmlns:r="http://schemas.openxmlformats.org/officeDocument/2006/relationships" xmlns:p="http://schemas.openxmlformats.org/presentationml/2006/main">
-  <p:cSld>
-    <p:spTree>
-      <p:nvGrpSpPr>
-        <p:cNvPr id="1" name=""/>
-        <p:cNvGrpSpPr/>
-        <p:nvPr/>
-      </p:nvGrpSpPr>
-      <p:grpSpPr>
-        <a:xfrm>
-          <a:off x="0" y="0"/>
-          <a:ext cx="0" cy="0"/>
-          <a:chOff x="0" y="0"/>
-          <a:chExt cx="0" cy="0"/>
-        </a:xfrm>
-      </p:grpSpPr>
-      <p:sp>
-        <p:nvSpPr>
-          <p:cNvPr id="2" name="Title 1"/>
-          <p:cNvSpPr>
-            <a:spLocks noGrp="1"/>
-          </p:cNvSpPr>
-          <p:nvPr>
-            <p:ph type="title"/>
-          </p:nvPr>
-        </p:nvSpPr>
-        <p:spPr/>
-        <p:txBody>
-          <a:bodyPr/>
-          <a:lstStyle/>
-          <a:p>
-            <a:r>
               <a:rPr lang="en-IN" dirty="0"/>
-              <a:t>Batch Processing in </a:t>
-            </a:r>
-            <a:r>
-              <a:rPr lang="en-IN" dirty="0" smtClean="0"/>
-              <a:t>JDBC</a:t>
-            </a:r>
-            <a:endParaRPr lang="en-IN" dirty="0"/>
+              <a:t>Interface</a:t>
+            </a:r>
           </a:p>
         </p:txBody>
       </p:sp>
@@ -38021,372 +36916,6 @@
           </a:bodyPr>
           <a:lstStyle/>
           <a:p>
-            <a:r>
-              <a:rPr lang="en-US" sz="2800" dirty="0"/>
-              <a:t>Instead of executing a single query, we can execute a batch (group) of queries. It makes the performance fast.</a:t>
-            </a:r>
-          </a:p>
-          <a:p>
-            <a:r>
-              <a:rPr lang="en-US" sz="2800" dirty="0"/>
-              <a:t>The </a:t>
-            </a:r>
-            <a:r>
-              <a:rPr lang="en-US" sz="2800" dirty="0" err="1"/>
-              <a:t>java.sql.Statement</a:t>
-            </a:r>
-            <a:r>
-              <a:rPr lang="en-US" sz="2800" dirty="0"/>
-              <a:t> and </a:t>
-            </a:r>
-            <a:r>
-              <a:rPr lang="en-US" sz="2800" dirty="0" err="1"/>
-              <a:t>java.sql.PreparedStatement</a:t>
-            </a:r>
-            <a:r>
-              <a:rPr lang="en-US" sz="2800" dirty="0"/>
-              <a:t> interfaces provide methods for batch processing.</a:t>
-            </a:r>
-          </a:p>
-          <a:p>
-            <a:r>
-              <a:rPr lang="en-US" sz="2800" dirty="0"/>
-              <a:t>The required methods for batch processing are given below:</a:t>
-            </a:r>
-          </a:p>
-          <a:p>
-            <a:endParaRPr lang="en-IN" sz="2800" dirty="0"/>
-          </a:p>
-        </p:txBody>
-      </p:sp>
-      <p:pic>
-        <p:nvPicPr>
-          <p:cNvPr id="5" name="table"/>
-          <p:cNvPicPr>
-            <a:picLocks noChangeAspect="1"/>
-          </p:cNvPicPr>
-          <p:nvPr/>
-        </p:nvPicPr>
-        <p:blipFill>
-          <a:blip r:embed="rId3"/>
-          <a:stretch>
-            <a:fillRect/>
-          </a:stretch>
-        </p:blipFill>
-        <p:spPr>
-          <a:xfrm>
-            <a:off x="3697513" y="4788580"/>
-            <a:ext cx="8234363" cy="1221318"/>
-          </a:xfrm>
-          <a:prstGeom prst="rect">
-            <a:avLst/>
-          </a:prstGeom>
-        </p:spPr>
-      </p:pic>
-      <p:sp>
-        <p:nvSpPr>
-          <p:cNvPr id="4" name="Slide Number Placeholder 3"/>
-          <p:cNvSpPr>
-            <a:spLocks noGrp="1"/>
-          </p:cNvSpPr>
-          <p:nvPr>
-            <p:ph type="sldNum" sz="quarter" idx="12"/>
-          </p:nvPr>
-        </p:nvSpPr>
-        <p:spPr/>
-        <p:txBody>
-          <a:bodyPr/>
-          <a:lstStyle/>
-          <a:p>
-            <a:fld id="{9C11CE39-2868-44A2-A0C6-827D458F7A8B}" type="slidenum">
-              <a:rPr lang="en-IN" smtClean="0"/>
-              <a:pPr/>
-              <a:t>94</a:t>
-            </a:fld>
-            <a:endParaRPr lang="en-IN"/>
-          </a:p>
-        </p:txBody>
-      </p:sp>
-    </p:spTree>
-    <p:custDataLst>
-      <p:tags r:id="rId1"/>
-    </p:custDataLst>
-    <p:extLst>
-      <p:ext uri="{BB962C8B-B14F-4D97-AF65-F5344CB8AC3E}">
-        <p14:creationId xmlns:p14="http://schemas.microsoft.com/office/powerpoint/2010/main" val="362125077"/>
-      </p:ext>
-    </p:extLst>
-  </p:cSld>
-  <p:clrMapOvr>
-    <a:masterClrMapping/>
-  </p:clrMapOvr>
-  <p:timing>
-    <p:tnLst>
-      <p:par>
-        <p:cTn id="1" dur="indefinite" restart="never" nodeType="tmRoot"/>
-      </p:par>
-    </p:tnLst>
-  </p:timing>
-</p:sld>
-</file>
-
-<file path=ppt/slides/slide95.xml><?xml version="1.0" encoding="utf-8"?>
-<p:sld xmlns:a="http://schemas.openxmlformats.org/drawingml/2006/main" xmlns:r="http://schemas.openxmlformats.org/officeDocument/2006/relationships" xmlns:p="http://schemas.openxmlformats.org/presentationml/2006/main">
-  <p:cSld>
-    <p:spTree>
-      <p:nvGrpSpPr>
-        <p:cNvPr id="1" name=""/>
-        <p:cNvGrpSpPr/>
-        <p:nvPr/>
-      </p:nvGrpSpPr>
-      <p:grpSpPr>
-        <a:xfrm>
-          <a:off x="0" y="0"/>
-          <a:ext cx="0" cy="0"/>
-          <a:chOff x="0" y="0"/>
-          <a:chExt cx="0" cy="0"/>
-        </a:xfrm>
-      </p:grpSpPr>
-      <p:sp>
-        <p:nvSpPr>
-          <p:cNvPr id="2" name="Title 1"/>
-          <p:cNvSpPr>
-            <a:spLocks noGrp="1"/>
-          </p:cNvSpPr>
-          <p:nvPr>
-            <p:ph type="title"/>
-          </p:nvPr>
-        </p:nvSpPr>
-        <p:spPr/>
-        <p:txBody>
-          <a:bodyPr/>
-          <a:lstStyle/>
-          <a:p>
-            <a:r>
-              <a:rPr lang="en-US" dirty="0"/>
-              <a:t>Example of batch </a:t>
-            </a:r>
-            <a:r>
-              <a:rPr lang="en-US" dirty="0" smtClean="0"/>
-              <a:t>processing </a:t>
-            </a:r>
-            <a:r>
-              <a:rPr lang="en-US" dirty="0"/>
-              <a:t>in </a:t>
-            </a:r>
-            <a:r>
-              <a:rPr lang="en-US" dirty="0" smtClean="0"/>
-              <a:t>JDBC</a:t>
-            </a:r>
-            <a:endParaRPr lang="en-IN" dirty="0"/>
-          </a:p>
-        </p:txBody>
-      </p:sp>
-      <p:sp>
-        <p:nvSpPr>
-          <p:cNvPr id="5" name="Content Placeholder 4"/>
-          <p:cNvSpPr>
-            <a:spLocks noGrp="1"/>
-          </p:cNvSpPr>
-          <p:nvPr>
-            <p:ph idx="1"/>
-          </p:nvPr>
-        </p:nvSpPr>
-        <p:spPr/>
-        <p:txBody>
-          <a:bodyPr>
-            <a:normAutofit/>
-          </a:bodyPr>
-          <a:lstStyle/>
-          <a:p>
-            <a:r>
-              <a:rPr lang="en-US" sz="2800" dirty="0" smtClean="0"/>
-              <a:t>Simple examples </a:t>
-            </a:r>
-            <a:r>
-              <a:rPr lang="en-US" sz="2800" dirty="0"/>
-              <a:t>of batch </a:t>
-            </a:r>
-            <a:r>
-              <a:rPr lang="en-US" sz="2800" dirty="0" smtClean="0"/>
-              <a:t>processing: </a:t>
-            </a:r>
-          </a:p>
-          <a:p>
-            <a:r>
-              <a:rPr lang="en-US" sz="2800" dirty="0" smtClean="0"/>
-              <a:t>It </a:t>
-            </a:r>
-            <a:r>
-              <a:rPr lang="en-US" sz="2800" dirty="0"/>
-              <a:t>follows following steps:</a:t>
-            </a:r>
-          </a:p>
-          <a:p>
-            <a:pPr lvl="1"/>
-            <a:r>
-              <a:rPr lang="en-US" sz="2400" dirty="0"/>
-              <a:t>Load the driver class</a:t>
-            </a:r>
-          </a:p>
-          <a:p>
-            <a:pPr lvl="1"/>
-            <a:r>
-              <a:rPr lang="en-US" sz="2400" dirty="0"/>
-              <a:t>Create Connection</a:t>
-            </a:r>
-          </a:p>
-          <a:p>
-            <a:pPr lvl="1"/>
-            <a:r>
-              <a:rPr lang="en-US" sz="2400" dirty="0"/>
-              <a:t>Create Statement</a:t>
-            </a:r>
-          </a:p>
-          <a:p>
-            <a:pPr lvl="1"/>
-            <a:r>
-              <a:rPr lang="en-US" sz="2400" dirty="0"/>
-              <a:t>Add query in the batch</a:t>
-            </a:r>
-          </a:p>
-          <a:p>
-            <a:pPr lvl="1"/>
-            <a:r>
-              <a:rPr lang="en-US" sz="2400" dirty="0"/>
-              <a:t>Execute Batch</a:t>
-            </a:r>
-          </a:p>
-          <a:p>
-            <a:pPr lvl="1"/>
-            <a:r>
-              <a:rPr lang="en-US" sz="2400" dirty="0"/>
-              <a:t>Close </a:t>
-            </a:r>
-            <a:r>
-              <a:rPr lang="en-US" sz="2400" dirty="0" smtClean="0"/>
-              <a:t>Connection</a:t>
-            </a:r>
-            <a:endParaRPr lang="en-US" sz="2400" dirty="0"/>
-          </a:p>
-        </p:txBody>
-      </p:sp>
-      <p:sp>
-        <p:nvSpPr>
-          <p:cNvPr id="3" name="Slide Number Placeholder 2"/>
-          <p:cNvSpPr>
-            <a:spLocks noGrp="1"/>
-          </p:cNvSpPr>
-          <p:nvPr>
-            <p:ph type="sldNum" sz="quarter" idx="12"/>
-          </p:nvPr>
-        </p:nvSpPr>
-        <p:spPr/>
-        <p:txBody>
-          <a:bodyPr/>
-          <a:lstStyle/>
-          <a:p>
-            <a:fld id="{9C11CE39-2868-44A2-A0C6-827D458F7A8B}" type="slidenum">
-              <a:rPr lang="en-IN" smtClean="0"/>
-              <a:pPr/>
-              <a:t>95</a:t>
-            </a:fld>
-            <a:endParaRPr lang="en-IN"/>
-          </a:p>
-        </p:txBody>
-      </p:sp>
-    </p:spTree>
-    <p:custDataLst>
-      <p:tags r:id="rId1"/>
-    </p:custDataLst>
-    <p:extLst>
-      <p:ext uri="{BB962C8B-B14F-4D97-AF65-F5344CB8AC3E}">
-        <p14:creationId xmlns:p14="http://schemas.microsoft.com/office/powerpoint/2010/main" val="711866493"/>
-      </p:ext>
-    </p:extLst>
-  </p:cSld>
-  <p:clrMapOvr>
-    <a:masterClrMapping/>
-  </p:clrMapOvr>
-  <p:timing>
-    <p:tnLst>
-      <p:par>
-        <p:cTn id="1" dur="indefinite" restart="never" nodeType="tmRoot"/>
-      </p:par>
-    </p:tnLst>
-  </p:timing>
-</p:sld>
-</file>
-
-<file path=ppt/slides/slide96.xml><?xml version="1.0" encoding="utf-8"?>
-<p:sld xmlns:a="http://schemas.openxmlformats.org/drawingml/2006/main" xmlns:r="http://schemas.openxmlformats.org/officeDocument/2006/relationships" xmlns:p="http://schemas.openxmlformats.org/presentationml/2006/main">
-  <p:cSld>
-    <p:spTree>
-      <p:nvGrpSpPr>
-        <p:cNvPr id="1" name=""/>
-        <p:cNvGrpSpPr/>
-        <p:nvPr/>
-      </p:nvGrpSpPr>
-      <p:grpSpPr>
-        <a:xfrm>
-          <a:off x="0" y="0"/>
-          <a:ext cx="0" cy="0"/>
-          <a:chOff x="0" y="0"/>
-          <a:chExt cx="0" cy="0"/>
-        </a:xfrm>
-      </p:grpSpPr>
-      <p:sp>
-        <p:nvSpPr>
-          <p:cNvPr id="2" name="Title 1"/>
-          <p:cNvSpPr>
-            <a:spLocks noGrp="1"/>
-          </p:cNvSpPr>
-          <p:nvPr>
-            <p:ph type="title"/>
-          </p:nvPr>
-        </p:nvSpPr>
-        <p:spPr>
-          <a:xfrm>
-            <a:off x="0" y="1123837"/>
-            <a:ext cx="3512457" cy="4601183"/>
-          </a:xfrm>
-        </p:spPr>
-        <p:txBody>
-          <a:bodyPr anchor="t"/>
-          <a:lstStyle/>
-          <a:p>
-            <a:r>
-              <a:rPr lang="en-IN" sz="2800" b="1" dirty="0" err="1" smtClean="0"/>
-              <a:t>ResultSetMetaData</a:t>
-            </a:r>
-            <a:r>
-              <a:rPr lang="en-IN" sz="2800" dirty="0" smtClean="0"/>
-              <a:t> </a:t>
-            </a:r>
-            <a:r>
-              <a:rPr lang="en-IN" dirty="0"/>
-              <a:t>Interface</a:t>
-            </a:r>
-          </a:p>
-        </p:txBody>
-      </p:sp>
-      <p:sp>
-        <p:nvSpPr>
-          <p:cNvPr id="3" name="Content Placeholder 2"/>
-          <p:cNvSpPr>
-            <a:spLocks noGrp="1"/>
-          </p:cNvSpPr>
-          <p:nvPr>
-            <p:ph idx="1"/>
-          </p:nvPr>
-        </p:nvSpPr>
-        <p:spPr/>
-        <p:txBody>
-          <a:bodyPr anchor="t">
-            <a:normAutofit/>
-          </a:bodyPr>
-          <a:lstStyle/>
-          <a:p>
             <a:pPr algn="just"/>
             <a:r>
               <a:rPr lang="en-US" sz="2200" dirty="0"/>
@@ -38427,7 +36956,7 @@
           <p:cNvPr id="4" name="Table 3">
             <a:extLst>
               <a:ext uri="{FF2B5EF4-FFF2-40B4-BE49-F238E27FC236}">
-                <a16:creationId xmlns:a16="http://schemas.microsoft.com/office/drawing/2014/main" xmlns="" id="{ECF68B0F-0762-4862-B304-5B28267E2001}"/>
+                <a16:creationId xmlns="" xmlns:a16="http://schemas.microsoft.com/office/drawing/2014/main" id="{ECF68B0F-0762-4862-B304-5B28267E2001}"/>
               </a:ext>
             </a:extLst>
           </p:cNvPr>
@@ -38437,7 +36966,7 @@
           <p:nvPr>
             <p:extLst>
               <p:ext uri="{D42A27DB-BD31-4B8C-83A1-F6EECF244321}">
-                <p14:modId xmlns:p14="http://schemas.microsoft.com/office/powerpoint/2010/main" val="3252427086"/>
+                <p14:modId xmlns:p14="http://schemas.microsoft.com/office/powerpoint/2010/main" val="3379105892"/>
               </p:ext>
             </p:extLst>
           </p:nvPr>
@@ -38456,14 +36985,14 @@
                 <a:gridCol w="6090820">
                   <a:extLst>
                     <a:ext uri="{9D8B030D-6E8A-4147-A177-3AD203B41FA5}">
-                      <a16:colId xmlns:a16="http://schemas.microsoft.com/office/drawing/2014/main" xmlns="" val="3107024381"/>
+                      <a16:colId xmlns="" xmlns:a16="http://schemas.microsoft.com/office/drawing/2014/main" val="3107024381"/>
                     </a:ext>
                   </a:extLst>
                 </a:gridCol>
                 <a:gridCol w="6101180">
                   <a:extLst>
                     <a:ext uri="{9D8B030D-6E8A-4147-A177-3AD203B41FA5}">
-                      <a16:colId xmlns:a16="http://schemas.microsoft.com/office/drawing/2014/main" xmlns="" val="2581713321"/>
+                      <a16:colId xmlns="" xmlns:a16="http://schemas.microsoft.com/office/drawing/2014/main" val="2581713321"/>
                     </a:ext>
                   </a:extLst>
                 </a:gridCol>
@@ -38517,7 +37046,7 @@
                 </a:tc>
                 <a:extLst>
                   <a:ext uri="{0D108BD9-81ED-4DB2-BD59-A6C34878D82A}">
-                    <a16:rowId xmlns:a16="http://schemas.microsoft.com/office/drawing/2014/main" xmlns="" val="121817892"/>
+                    <a16:rowId xmlns="" xmlns:a16="http://schemas.microsoft.com/office/drawing/2014/main" val="121817892"/>
                   </a:ext>
                 </a:extLst>
               </a:tr>
@@ -38612,7 +37141,7 @@
                 </a:tc>
                 <a:extLst>
                   <a:ext uri="{0D108BD9-81ED-4DB2-BD59-A6C34878D82A}">
-                    <a16:rowId xmlns:a16="http://schemas.microsoft.com/office/drawing/2014/main" xmlns="" val="1891798235"/>
+                    <a16:rowId xmlns="" xmlns:a16="http://schemas.microsoft.com/office/drawing/2014/main" val="1891798235"/>
                   </a:ext>
                 </a:extLst>
               </a:tr>
@@ -38695,7 +37224,7 @@
                 </a:tc>
                 <a:extLst>
                   <a:ext uri="{0D108BD9-81ED-4DB2-BD59-A6C34878D82A}">
-                    <a16:rowId xmlns:a16="http://schemas.microsoft.com/office/drawing/2014/main" xmlns="" val="1328149865"/>
+                    <a16:rowId xmlns="" xmlns:a16="http://schemas.microsoft.com/office/drawing/2014/main" val="1328149865"/>
                   </a:ext>
                 </a:extLst>
               </a:tr>
@@ -38778,7 +37307,7 @@
                 </a:tc>
                 <a:extLst>
                   <a:ext uri="{0D108BD9-81ED-4DB2-BD59-A6C34878D82A}">
-                    <a16:rowId xmlns:a16="http://schemas.microsoft.com/office/drawing/2014/main" xmlns="" val="1868016679"/>
+                    <a16:rowId xmlns="" xmlns:a16="http://schemas.microsoft.com/office/drawing/2014/main" val="1868016679"/>
                   </a:ext>
                 </a:extLst>
               </a:tr>
@@ -38861,7 +37390,7 @@
                 </a:tc>
                 <a:extLst>
                   <a:ext uri="{0D108BD9-81ED-4DB2-BD59-A6C34878D82A}">
-                    <a16:rowId xmlns:a16="http://schemas.microsoft.com/office/drawing/2014/main" xmlns="" val="2654008342"/>
+                    <a16:rowId xmlns="" xmlns:a16="http://schemas.microsoft.com/office/drawing/2014/main" val="2654008342"/>
                   </a:ext>
                 </a:extLst>
               </a:tr>
@@ -38887,7 +37416,7 @@
             <a:fld id="{9C11CE39-2868-44A2-A0C6-827D458F7A8B}" type="slidenum">
               <a:rPr lang="en-IN" smtClean="0"/>
               <a:pPr/>
-              <a:t>96</a:t>
+              <a:t>90</a:t>
             </a:fld>
             <a:endParaRPr lang="en-IN"/>
           </a:p>
@@ -38899,7 +37428,2099 @@
     </p:custDataLst>
     <p:extLst>
       <p:ext uri="{BB962C8B-B14F-4D97-AF65-F5344CB8AC3E}">
-        <p14:creationId xmlns:p14="http://schemas.microsoft.com/office/powerpoint/2010/main" val="3046498301"/>
+        <p14:creationId xmlns:p14="http://schemas.microsoft.com/office/powerpoint/2010/main" val="3873855049"/>
+      </p:ext>
+    </p:extLst>
+  </p:cSld>
+  <p:clrMapOvr>
+    <a:masterClrMapping/>
+  </p:clrMapOvr>
+  <p:timing>
+    <p:tnLst>
+      <p:par>
+        <p:cTn id="1" dur="indefinite" restart="never" nodeType="tmRoot"/>
+      </p:par>
+    </p:tnLst>
+  </p:timing>
+</p:sld>
+</file>
+
+<file path=ppt/slides/slide91.xml><?xml version="1.0" encoding="utf-8"?>
+<p:sld xmlns:a="http://schemas.openxmlformats.org/drawingml/2006/main" xmlns:r="http://schemas.openxmlformats.org/officeDocument/2006/relationships" xmlns:p="http://schemas.openxmlformats.org/presentationml/2006/main">
+  <p:cSld>
+    <p:spTree>
+      <p:nvGrpSpPr>
+        <p:cNvPr id="1" name=""/>
+        <p:cNvGrpSpPr/>
+        <p:nvPr/>
+      </p:nvGrpSpPr>
+      <p:grpSpPr>
+        <a:xfrm>
+          <a:off x="0" y="0"/>
+          <a:ext cx="0" cy="0"/>
+          <a:chOff x="0" y="0"/>
+          <a:chExt cx="0" cy="0"/>
+        </a:xfrm>
+      </p:grpSpPr>
+      <p:sp>
+        <p:nvSpPr>
+          <p:cNvPr id="2" name="Title 1"/>
+          <p:cNvSpPr>
+            <a:spLocks noGrp="1"/>
+          </p:cNvSpPr>
+          <p:nvPr>
+            <p:ph type="title"/>
+          </p:nvPr>
+        </p:nvSpPr>
+        <p:spPr/>
+        <p:txBody>
+          <a:bodyPr/>
+          <a:lstStyle/>
+          <a:p>
+            <a:r>
+              <a:rPr lang="en-IN" dirty="0" smtClean="0"/>
+              <a:t>Example </a:t>
+            </a:r>
+            <a:r>
+              <a:rPr lang="en-IN" dirty="0"/>
+              <a:t>8</a:t>
+            </a:r>
+            <a:r>
+              <a:rPr lang="en-IN" dirty="0" smtClean="0"/>
+              <a:t>:</a:t>
+            </a:r>
+            <a:r>
+              <a:rPr lang="en-IN" dirty="0" smtClean="0"/>
+              <a:t/>
+            </a:r>
+            <a:br>
+              <a:rPr lang="en-IN" dirty="0" smtClean="0"/>
+            </a:br>
+            <a:r>
+              <a:rPr lang="en-IN" dirty="0" smtClean="0"/>
+              <a:t>Access data from Oracle DB</a:t>
+            </a:r>
+            <a:endParaRPr lang="en-IN" dirty="0"/>
+          </a:p>
+        </p:txBody>
+      </p:sp>
+      <p:sp>
+        <p:nvSpPr>
+          <p:cNvPr id="3" name="Content Placeholder 2"/>
+          <p:cNvSpPr>
+            <a:spLocks noGrp="1"/>
+          </p:cNvSpPr>
+          <p:nvPr>
+            <p:ph idx="1"/>
+          </p:nvPr>
+        </p:nvSpPr>
+        <p:spPr>
+          <a:xfrm>
+            <a:off x="3454400" y="-9144"/>
+            <a:ext cx="8737600" cy="6867144"/>
+          </a:xfrm>
+          <a:solidFill>
+            <a:schemeClr val="bg1"/>
+          </a:solidFill>
+        </p:spPr>
+        <p:txBody>
+          <a:bodyPr>
+            <a:normAutofit fontScale="92500" lnSpcReduction="10000"/>
+          </a:bodyPr>
+          <a:lstStyle/>
+          <a:p>
+            <a:pPr marL="0" indent="0">
+              <a:buNone/>
+            </a:pPr>
+            <a:r>
+              <a:rPr lang="en-IN" b="1" dirty="0"/>
+              <a:t>import</a:t>
+            </a:r>
+            <a:r>
+              <a:rPr lang="en-IN" dirty="0"/>
+              <a:t> </a:t>
+            </a:r>
+            <a:r>
+              <a:rPr lang="en-IN" dirty="0" err="1"/>
+              <a:t>java.sql</a:t>
+            </a:r>
+            <a:r>
+              <a:rPr lang="en-IN" dirty="0"/>
+              <a:t>.*;  </a:t>
+            </a:r>
+          </a:p>
+          <a:p>
+            <a:pPr marL="0" indent="0">
+              <a:buNone/>
+            </a:pPr>
+            <a:r>
+              <a:rPr lang="en-IN" b="1" dirty="0" smtClean="0"/>
+              <a:t>public class</a:t>
+            </a:r>
+            <a:r>
+              <a:rPr lang="en-IN" dirty="0"/>
+              <a:t> </a:t>
+            </a:r>
+            <a:r>
+              <a:rPr lang="en-IN" dirty="0" err="1" smtClean="0"/>
+              <a:t>OracleDBExample</a:t>
+            </a:r>
+            <a:r>
+              <a:rPr lang="en-IN" dirty="0" smtClean="0"/>
+              <a:t> {</a:t>
+            </a:r>
+            <a:r>
+              <a:rPr lang="en-IN" dirty="0"/>
+              <a:t>  </a:t>
+            </a:r>
+          </a:p>
+          <a:p>
+            <a:pPr marL="0" indent="0">
+              <a:buNone/>
+            </a:pPr>
+            <a:r>
+              <a:rPr lang="en-IN" b="1" dirty="0"/>
+              <a:t>public</a:t>
+            </a:r>
+            <a:r>
+              <a:rPr lang="en-IN" dirty="0"/>
+              <a:t> </a:t>
+            </a:r>
+            <a:r>
+              <a:rPr lang="en-IN" b="1" dirty="0"/>
+              <a:t>static</a:t>
+            </a:r>
+            <a:r>
+              <a:rPr lang="en-IN" dirty="0"/>
+              <a:t> </a:t>
+            </a:r>
+            <a:r>
+              <a:rPr lang="en-IN" b="1" dirty="0"/>
+              <a:t>void</a:t>
+            </a:r>
+            <a:r>
+              <a:rPr lang="en-IN" dirty="0"/>
+              <a:t> main(String </a:t>
+            </a:r>
+            <a:r>
+              <a:rPr lang="en-IN" dirty="0" err="1"/>
+              <a:t>args</a:t>
+            </a:r>
+            <a:r>
+              <a:rPr lang="en-IN" dirty="0"/>
+              <a:t>[]){  </a:t>
+            </a:r>
+          </a:p>
+          <a:p>
+            <a:pPr marL="0" indent="0">
+              <a:buNone/>
+            </a:pPr>
+            <a:r>
+              <a:rPr lang="en-IN" b="1" dirty="0"/>
+              <a:t>try</a:t>
+            </a:r>
+            <a:r>
+              <a:rPr lang="en-IN" dirty="0"/>
+              <a:t>{  </a:t>
+            </a:r>
+          </a:p>
+          <a:p>
+            <a:pPr marL="0" indent="0">
+              <a:buNone/>
+            </a:pPr>
+            <a:r>
+              <a:rPr lang="en-IN" dirty="0" err="1"/>
+              <a:t>Class.forName</a:t>
+            </a:r>
+            <a:r>
+              <a:rPr lang="en-IN" dirty="0"/>
+              <a:t>("</a:t>
+            </a:r>
+            <a:r>
+              <a:rPr lang="en-IN" dirty="0" err="1"/>
+              <a:t>oracle.jdbc.driver.OracleDriver</a:t>
+            </a:r>
+            <a:r>
+              <a:rPr lang="en-IN" dirty="0"/>
+              <a:t>");  </a:t>
+            </a:r>
+          </a:p>
+          <a:p>
+            <a:pPr marL="0" indent="0">
+              <a:buNone/>
+            </a:pPr>
+            <a:r>
+              <a:rPr lang="en-IN" dirty="0"/>
+              <a:t>Connection con=</a:t>
+            </a:r>
+            <a:r>
+              <a:rPr lang="en-IN" dirty="0" err="1"/>
+              <a:t>DriverManager.getConnection</a:t>
+            </a:r>
+            <a:r>
+              <a:rPr lang="en-IN" dirty="0"/>
+              <a:t>(  </a:t>
+            </a:r>
+          </a:p>
+          <a:p>
+            <a:pPr marL="0" indent="0">
+              <a:buNone/>
+            </a:pPr>
+            <a:r>
+              <a:rPr lang="en-IN" dirty="0"/>
+              <a:t>"</a:t>
+            </a:r>
+            <a:r>
+              <a:rPr lang="en-IN" dirty="0" err="1"/>
+              <a:t>jdbc:oracle:thin</a:t>
+            </a:r>
+            <a:r>
+              <a:rPr lang="en-IN" dirty="0"/>
+              <a:t>:@localhost:1521:xe","system","oracle");  </a:t>
+            </a:r>
+          </a:p>
+          <a:p>
+            <a:pPr marL="0" indent="0">
+              <a:buNone/>
+            </a:pPr>
+            <a:r>
+              <a:rPr lang="en-IN" dirty="0" err="1"/>
+              <a:t>PreparedStatement</a:t>
+            </a:r>
+            <a:r>
+              <a:rPr lang="en-IN" dirty="0"/>
+              <a:t> </a:t>
+            </a:r>
+            <a:r>
+              <a:rPr lang="en-IN" dirty="0" err="1"/>
+              <a:t>ps</a:t>
+            </a:r>
+            <a:r>
+              <a:rPr lang="en-IN" dirty="0"/>
+              <a:t>=</a:t>
+            </a:r>
+            <a:r>
+              <a:rPr lang="en-IN" dirty="0" err="1"/>
+              <a:t>con.prepareStatement</a:t>
+            </a:r>
+            <a:r>
+              <a:rPr lang="en-IN" dirty="0"/>
+              <a:t>("select * from </a:t>
+            </a:r>
+            <a:r>
+              <a:rPr lang="en-IN" dirty="0" err="1"/>
+              <a:t>emp</a:t>
+            </a:r>
+            <a:r>
+              <a:rPr lang="en-IN" dirty="0"/>
+              <a:t>");  </a:t>
+            </a:r>
+          </a:p>
+          <a:p>
+            <a:pPr marL="0" indent="0">
+              <a:buNone/>
+            </a:pPr>
+            <a:r>
+              <a:rPr lang="en-IN" dirty="0" err="1"/>
+              <a:t>ResultSet</a:t>
+            </a:r>
+            <a:r>
+              <a:rPr lang="en-IN" dirty="0"/>
+              <a:t> </a:t>
+            </a:r>
+            <a:r>
+              <a:rPr lang="en-IN" dirty="0" err="1"/>
+              <a:t>rs</a:t>
+            </a:r>
+            <a:r>
+              <a:rPr lang="en-IN" dirty="0"/>
+              <a:t>=</a:t>
+            </a:r>
+            <a:r>
+              <a:rPr lang="en-IN" dirty="0" err="1"/>
+              <a:t>ps.executeQuery</a:t>
+            </a:r>
+            <a:r>
+              <a:rPr lang="en-IN" dirty="0"/>
+              <a:t>();  </a:t>
+            </a:r>
+          </a:p>
+          <a:p>
+            <a:pPr marL="0" indent="0">
+              <a:buNone/>
+            </a:pPr>
+            <a:r>
+              <a:rPr lang="en-IN" dirty="0" err="1"/>
+              <a:t>ResultSetMetaData</a:t>
+            </a:r>
+            <a:r>
+              <a:rPr lang="en-IN" dirty="0"/>
+              <a:t> </a:t>
+            </a:r>
+            <a:r>
+              <a:rPr lang="en-IN" dirty="0" err="1"/>
+              <a:t>rsmd</a:t>
+            </a:r>
+            <a:r>
+              <a:rPr lang="en-IN" dirty="0"/>
+              <a:t>=</a:t>
+            </a:r>
+            <a:r>
+              <a:rPr lang="en-IN" dirty="0" err="1"/>
+              <a:t>rs.getMetaData</a:t>
+            </a:r>
+            <a:r>
+              <a:rPr lang="en-IN" dirty="0"/>
+              <a:t>();  </a:t>
+            </a:r>
+          </a:p>
+          <a:p>
+            <a:pPr marL="0" indent="0">
+              <a:buNone/>
+            </a:pPr>
+            <a:r>
+              <a:rPr lang="en-IN" dirty="0" err="1" smtClean="0"/>
+              <a:t>System.out.println</a:t>
+            </a:r>
+            <a:r>
+              <a:rPr lang="en-IN" dirty="0"/>
+              <a:t>("Total columns: "+</a:t>
+            </a:r>
+            <a:r>
+              <a:rPr lang="en-IN" dirty="0" err="1"/>
+              <a:t>rsmd.getColumnCount</a:t>
+            </a:r>
+            <a:r>
+              <a:rPr lang="en-IN" dirty="0"/>
+              <a:t>());  </a:t>
+            </a:r>
+            <a:endParaRPr lang="en-IN" dirty="0" smtClean="0"/>
+          </a:p>
+          <a:p>
+            <a:pPr marL="0" indent="0">
+              <a:buNone/>
+            </a:pPr>
+            <a:r>
+              <a:rPr lang="en-IN" dirty="0" err="1" smtClean="0"/>
+              <a:t>System.out.println</a:t>
+            </a:r>
+            <a:r>
+              <a:rPr lang="en-IN" dirty="0"/>
+              <a:t>("Column Name of 1st column: "+</a:t>
+            </a:r>
+            <a:r>
+              <a:rPr lang="en-IN" dirty="0" err="1"/>
+              <a:t>rsmd.getColumnName</a:t>
+            </a:r>
+            <a:r>
+              <a:rPr lang="en-IN" dirty="0"/>
+              <a:t>(1));  </a:t>
+            </a:r>
+            <a:endParaRPr lang="en-IN" dirty="0" smtClean="0"/>
+          </a:p>
+          <a:p>
+            <a:pPr marL="0" indent="0">
+              <a:buNone/>
+            </a:pPr>
+            <a:r>
+              <a:rPr lang="en-IN" dirty="0" err="1" smtClean="0"/>
+              <a:t>System.out.println</a:t>
+            </a:r>
+            <a:r>
+              <a:rPr lang="en-IN" dirty="0" smtClean="0"/>
+              <a:t>("Column</a:t>
+            </a:r>
+            <a:r>
+              <a:rPr lang="en-IN" dirty="0"/>
+              <a:t> </a:t>
+            </a:r>
+            <a:r>
+              <a:rPr lang="en-IN" dirty="0" smtClean="0"/>
+              <a:t>Type</a:t>
+            </a:r>
+            <a:r>
+              <a:rPr lang="en-IN" dirty="0"/>
+              <a:t> of 1st column: "+</a:t>
+            </a:r>
+            <a:r>
+              <a:rPr lang="en-IN" dirty="0" err="1"/>
+              <a:t>rsmd.getColumnTypeName</a:t>
+            </a:r>
+            <a:r>
+              <a:rPr lang="en-IN" dirty="0"/>
+              <a:t>(1));  </a:t>
+            </a:r>
+            <a:endParaRPr lang="en-IN" dirty="0" smtClean="0"/>
+          </a:p>
+          <a:p>
+            <a:pPr marL="0" indent="0">
+              <a:buNone/>
+            </a:pPr>
+            <a:r>
+              <a:rPr lang="en-IN" dirty="0" err="1" smtClean="0"/>
+              <a:t>con.close</a:t>
+            </a:r>
+            <a:r>
+              <a:rPr lang="en-IN" dirty="0"/>
+              <a:t>();  </a:t>
+            </a:r>
+            <a:endParaRPr lang="en-IN" dirty="0" smtClean="0"/>
+          </a:p>
+          <a:p>
+            <a:pPr marL="0" indent="0">
+              <a:buNone/>
+            </a:pPr>
+            <a:r>
+              <a:rPr lang="en-IN" dirty="0" smtClean="0"/>
+              <a:t>}</a:t>
+            </a:r>
+            <a:r>
+              <a:rPr lang="en-IN" b="1" dirty="0"/>
+              <a:t>catch</a:t>
+            </a:r>
+            <a:r>
+              <a:rPr lang="en-IN" dirty="0"/>
+              <a:t>(Exception e){ </a:t>
+            </a:r>
+            <a:r>
+              <a:rPr lang="en-IN" dirty="0" err="1"/>
+              <a:t>System.out.println</a:t>
+            </a:r>
+            <a:r>
+              <a:rPr lang="en-IN" dirty="0"/>
+              <a:t>(e);}  </a:t>
+            </a:r>
+            <a:endParaRPr lang="en-IN" dirty="0" smtClean="0"/>
+          </a:p>
+          <a:p>
+            <a:pPr marL="0" indent="0">
+              <a:buNone/>
+            </a:pPr>
+            <a:r>
+              <a:rPr lang="en-IN" dirty="0" smtClean="0"/>
+              <a:t>}</a:t>
+            </a:r>
+            <a:r>
+              <a:rPr lang="en-IN" dirty="0"/>
+              <a:t>  </a:t>
+            </a:r>
+            <a:endParaRPr lang="en-IN" dirty="0" smtClean="0"/>
+          </a:p>
+          <a:p>
+            <a:pPr marL="0" indent="0">
+              <a:buNone/>
+            </a:pPr>
+            <a:r>
+              <a:rPr lang="en-IN" dirty="0" smtClean="0"/>
+              <a:t>}</a:t>
+            </a:r>
+            <a:r>
+              <a:rPr lang="en-IN" dirty="0"/>
+              <a:t>  </a:t>
+            </a:r>
+          </a:p>
+        </p:txBody>
+      </p:sp>
+      <p:sp>
+        <p:nvSpPr>
+          <p:cNvPr id="4" name="Slide Number Placeholder 3"/>
+          <p:cNvSpPr>
+            <a:spLocks noGrp="1"/>
+          </p:cNvSpPr>
+          <p:nvPr>
+            <p:ph type="sldNum" sz="quarter" idx="12"/>
+          </p:nvPr>
+        </p:nvSpPr>
+        <p:spPr/>
+        <p:txBody>
+          <a:bodyPr/>
+          <a:lstStyle/>
+          <a:p>
+            <a:fld id="{9C11CE39-2868-44A2-A0C6-827D458F7A8B}" type="slidenum">
+              <a:rPr lang="en-IN" smtClean="0"/>
+              <a:pPr/>
+              <a:t>91</a:t>
+            </a:fld>
+            <a:endParaRPr lang="en-IN"/>
+          </a:p>
+        </p:txBody>
+      </p:sp>
+    </p:spTree>
+    <p:custDataLst>
+      <p:tags r:id="rId1"/>
+    </p:custDataLst>
+    <p:extLst>
+      <p:ext uri="{BB962C8B-B14F-4D97-AF65-F5344CB8AC3E}">
+        <p14:creationId xmlns:p14="http://schemas.microsoft.com/office/powerpoint/2010/main" val="503078379"/>
+      </p:ext>
+    </p:extLst>
+  </p:cSld>
+  <p:clrMapOvr>
+    <a:masterClrMapping/>
+  </p:clrMapOvr>
+  <p:timing>
+    <p:tnLst>
+      <p:par>
+        <p:cTn id="1" dur="indefinite" restart="never" nodeType="tmRoot"/>
+      </p:par>
+    </p:tnLst>
+  </p:timing>
+</p:sld>
+</file>
+
+<file path=ppt/slides/slide92.xml><?xml version="1.0" encoding="utf-8"?>
+<p:sld xmlns:a="http://schemas.openxmlformats.org/drawingml/2006/main" xmlns:r="http://schemas.openxmlformats.org/officeDocument/2006/relationships" xmlns:p="http://schemas.openxmlformats.org/presentationml/2006/main">
+  <p:cSld>
+    <p:spTree>
+      <p:nvGrpSpPr>
+        <p:cNvPr id="1" name=""/>
+        <p:cNvGrpSpPr/>
+        <p:nvPr/>
+      </p:nvGrpSpPr>
+      <p:grpSpPr>
+        <a:xfrm>
+          <a:off x="0" y="0"/>
+          <a:ext cx="0" cy="0"/>
+          <a:chOff x="0" y="0"/>
+          <a:chExt cx="0" cy="0"/>
+        </a:xfrm>
+      </p:grpSpPr>
+      <p:sp>
+        <p:nvSpPr>
+          <p:cNvPr id="2" name="Title 1"/>
+          <p:cNvSpPr>
+            <a:spLocks noGrp="1"/>
+          </p:cNvSpPr>
+          <p:nvPr>
+            <p:ph type="title"/>
+          </p:nvPr>
+        </p:nvSpPr>
+        <p:spPr/>
+        <p:txBody>
+          <a:bodyPr/>
+          <a:lstStyle/>
+          <a:p>
+            <a:r>
+              <a:rPr lang="en-IN" dirty="0"/>
+              <a:t>Example </a:t>
+            </a:r>
+            <a:r>
+              <a:rPr lang="en-IN" dirty="0"/>
+              <a:t>8</a:t>
+            </a:r>
+            <a:r>
+              <a:rPr lang="en-IN" dirty="0" smtClean="0"/>
+              <a:t>: </a:t>
+            </a:r>
+            <a:r>
+              <a:rPr lang="en-US" dirty="0" smtClean="0"/>
+              <a:t>Output</a:t>
+            </a:r>
+            <a:endParaRPr lang="en-IN" dirty="0"/>
+          </a:p>
+        </p:txBody>
+      </p:sp>
+      <p:sp>
+        <p:nvSpPr>
+          <p:cNvPr id="3" name="Content Placeholder 2"/>
+          <p:cNvSpPr>
+            <a:spLocks noGrp="1"/>
+          </p:cNvSpPr>
+          <p:nvPr>
+            <p:ph idx="1"/>
+          </p:nvPr>
+        </p:nvSpPr>
+        <p:spPr/>
+        <p:txBody>
+          <a:bodyPr>
+            <a:normAutofit/>
+          </a:bodyPr>
+          <a:lstStyle/>
+          <a:p>
+            <a:pPr marL="0" indent="0">
+              <a:buNone/>
+            </a:pPr>
+            <a:r>
+              <a:rPr lang="en-US" sz="2800" dirty="0"/>
+              <a:t>Total columns: 2</a:t>
+            </a:r>
+          </a:p>
+          <a:p>
+            <a:pPr marL="0" indent="0">
+              <a:buNone/>
+            </a:pPr>
+            <a:r>
+              <a:rPr lang="en-US" sz="2800" dirty="0"/>
+              <a:t>Column Name of 1st column: ID</a:t>
+            </a:r>
+          </a:p>
+          <a:p>
+            <a:pPr marL="0" indent="0">
+              <a:buNone/>
+            </a:pPr>
+            <a:r>
+              <a:rPr lang="en-US" sz="2800" dirty="0"/>
+              <a:t>Column Type Name of 1st column: NUMBER</a:t>
+            </a:r>
+            <a:endParaRPr lang="en-IN" sz="2800" dirty="0"/>
+          </a:p>
+          <a:p>
+            <a:endParaRPr lang="en-IN" sz="2800" dirty="0"/>
+          </a:p>
+        </p:txBody>
+      </p:sp>
+      <p:sp>
+        <p:nvSpPr>
+          <p:cNvPr id="4" name="Slide Number Placeholder 3"/>
+          <p:cNvSpPr>
+            <a:spLocks noGrp="1"/>
+          </p:cNvSpPr>
+          <p:nvPr>
+            <p:ph type="sldNum" sz="quarter" idx="12"/>
+          </p:nvPr>
+        </p:nvSpPr>
+        <p:spPr/>
+        <p:txBody>
+          <a:bodyPr/>
+          <a:lstStyle/>
+          <a:p>
+            <a:fld id="{9C11CE39-2868-44A2-A0C6-827D458F7A8B}" type="slidenum">
+              <a:rPr lang="en-IN" smtClean="0"/>
+              <a:pPr/>
+              <a:t>92</a:t>
+            </a:fld>
+            <a:endParaRPr lang="en-IN"/>
+          </a:p>
+        </p:txBody>
+      </p:sp>
+    </p:spTree>
+    <p:custDataLst>
+      <p:tags r:id="rId1"/>
+    </p:custDataLst>
+    <p:extLst>
+      <p:ext uri="{BB962C8B-B14F-4D97-AF65-F5344CB8AC3E}">
+        <p14:creationId xmlns:p14="http://schemas.microsoft.com/office/powerpoint/2010/main" val="579338203"/>
+      </p:ext>
+    </p:extLst>
+  </p:cSld>
+  <p:clrMapOvr>
+    <a:masterClrMapping/>
+  </p:clrMapOvr>
+  <p:timing>
+    <p:tnLst>
+      <p:par>
+        <p:cTn id="1" dur="indefinite" restart="never" nodeType="tmRoot"/>
+      </p:par>
+    </p:tnLst>
+  </p:timing>
+</p:sld>
+</file>
+
+<file path=ppt/slides/slide93.xml><?xml version="1.0" encoding="utf-8"?>
+<p:sld xmlns:a="http://schemas.openxmlformats.org/drawingml/2006/main" xmlns:r="http://schemas.openxmlformats.org/officeDocument/2006/relationships" xmlns:p="http://schemas.openxmlformats.org/presentationml/2006/main">
+  <p:cSld>
+    <p:spTree>
+      <p:nvGrpSpPr>
+        <p:cNvPr id="1" name=""/>
+        <p:cNvGrpSpPr/>
+        <p:nvPr/>
+      </p:nvGrpSpPr>
+      <p:grpSpPr>
+        <a:xfrm>
+          <a:off x="0" y="0"/>
+          <a:ext cx="0" cy="0"/>
+          <a:chOff x="0" y="0"/>
+          <a:chExt cx="0" cy="0"/>
+        </a:xfrm>
+      </p:grpSpPr>
+      <p:sp>
+        <p:nvSpPr>
+          <p:cNvPr id="2" name="Title 1"/>
+          <p:cNvSpPr>
+            <a:spLocks noGrp="1"/>
+          </p:cNvSpPr>
+          <p:nvPr>
+            <p:ph type="title"/>
+          </p:nvPr>
+        </p:nvSpPr>
+        <p:spPr/>
+        <p:txBody>
+          <a:bodyPr/>
+          <a:lstStyle/>
+          <a:p>
+            <a:r>
+              <a:rPr lang="en-IN" b="1" dirty="0" err="1"/>
+              <a:t>DatabaseMetaData</a:t>
+            </a:r>
+            <a:r>
+              <a:rPr lang="en-IN" dirty="0"/>
+              <a:t> Interface</a:t>
+            </a:r>
+          </a:p>
+        </p:txBody>
+      </p:sp>
+      <p:sp>
+        <p:nvSpPr>
+          <p:cNvPr id="4" name="Content Placeholder 3"/>
+          <p:cNvSpPr>
+            <a:spLocks noGrp="1"/>
+          </p:cNvSpPr>
+          <p:nvPr>
+            <p:ph idx="1"/>
+          </p:nvPr>
+        </p:nvSpPr>
+        <p:spPr/>
+        <p:txBody>
+          <a:bodyPr>
+            <a:normAutofit/>
+          </a:bodyPr>
+          <a:lstStyle/>
+          <a:p>
+            <a:r>
+              <a:rPr lang="en-US" sz="2800" dirty="0" err="1"/>
+              <a:t>DatabaseMetaData</a:t>
+            </a:r>
+            <a:r>
+              <a:rPr lang="en-US" sz="2800" dirty="0"/>
+              <a:t> interface provides methods to get meta data of a database such as database product name, database product version, driver name, name of total number of tables, name of total number of views etc</a:t>
+            </a:r>
+            <a:r>
+              <a:rPr lang="en-US" sz="2800" dirty="0" smtClean="0"/>
+              <a:t>.</a:t>
+            </a:r>
+            <a:endParaRPr lang="en-IN" sz="2800" dirty="0"/>
+          </a:p>
+        </p:txBody>
+      </p:sp>
+      <p:sp>
+        <p:nvSpPr>
+          <p:cNvPr id="3" name="Slide Number Placeholder 2"/>
+          <p:cNvSpPr>
+            <a:spLocks noGrp="1"/>
+          </p:cNvSpPr>
+          <p:nvPr>
+            <p:ph type="sldNum" sz="quarter" idx="12"/>
+          </p:nvPr>
+        </p:nvSpPr>
+        <p:spPr/>
+        <p:txBody>
+          <a:bodyPr/>
+          <a:lstStyle/>
+          <a:p>
+            <a:fld id="{9C11CE39-2868-44A2-A0C6-827D458F7A8B}" type="slidenum">
+              <a:rPr lang="en-IN" smtClean="0"/>
+              <a:pPr/>
+              <a:t>93</a:t>
+            </a:fld>
+            <a:endParaRPr lang="en-IN"/>
+          </a:p>
+        </p:txBody>
+      </p:sp>
+    </p:spTree>
+    <p:custDataLst>
+      <p:tags r:id="rId1"/>
+    </p:custDataLst>
+    <p:extLst>
+      <p:ext uri="{BB962C8B-B14F-4D97-AF65-F5344CB8AC3E}">
+        <p14:creationId xmlns:p14="http://schemas.microsoft.com/office/powerpoint/2010/main" val="2208209164"/>
+      </p:ext>
+    </p:extLst>
+  </p:cSld>
+  <p:clrMapOvr>
+    <a:masterClrMapping/>
+  </p:clrMapOvr>
+  <p:timing>
+    <p:tnLst>
+      <p:par>
+        <p:cTn id="1" dur="indefinite" restart="never" nodeType="tmRoot"/>
+      </p:par>
+    </p:tnLst>
+  </p:timing>
+</p:sld>
+</file>
+
+<file path=ppt/slides/slide94.xml><?xml version="1.0" encoding="utf-8"?>
+<p:sld xmlns:a="http://schemas.openxmlformats.org/drawingml/2006/main" xmlns:r="http://schemas.openxmlformats.org/officeDocument/2006/relationships" xmlns:p="http://schemas.openxmlformats.org/presentationml/2006/main">
+  <p:cSld>
+    <p:spTree>
+      <p:nvGrpSpPr>
+        <p:cNvPr id="1" name=""/>
+        <p:cNvGrpSpPr/>
+        <p:nvPr/>
+      </p:nvGrpSpPr>
+      <p:grpSpPr>
+        <a:xfrm>
+          <a:off x="0" y="0"/>
+          <a:ext cx="0" cy="0"/>
+          <a:chOff x="0" y="0"/>
+          <a:chExt cx="0" cy="0"/>
+        </a:xfrm>
+      </p:grpSpPr>
+      <p:sp>
+        <p:nvSpPr>
+          <p:cNvPr id="2" name="Title 1"/>
+          <p:cNvSpPr>
+            <a:spLocks noGrp="1"/>
+          </p:cNvSpPr>
+          <p:nvPr>
+            <p:ph type="title"/>
+          </p:nvPr>
+        </p:nvSpPr>
+        <p:spPr/>
+        <p:txBody>
+          <a:bodyPr/>
+          <a:lstStyle/>
+          <a:p>
+            <a:r>
+              <a:rPr lang="en-IN" dirty="0"/>
+              <a:t>Methods of </a:t>
+            </a:r>
+            <a:r>
+              <a:rPr lang="en-IN" b="1" dirty="0" err="1"/>
+              <a:t>DatabaseMetaData</a:t>
+            </a:r>
+            <a:r>
+              <a:rPr lang="en-IN" dirty="0"/>
+              <a:t> </a:t>
+            </a:r>
+            <a:r>
+              <a:rPr lang="en-IN" dirty="0" smtClean="0"/>
+              <a:t>interface</a:t>
+            </a:r>
+            <a:endParaRPr lang="en-IN" dirty="0"/>
+          </a:p>
+        </p:txBody>
+      </p:sp>
+      <p:sp>
+        <p:nvSpPr>
+          <p:cNvPr id="3" name="Content Placeholder 2"/>
+          <p:cNvSpPr>
+            <a:spLocks noGrp="1"/>
+          </p:cNvSpPr>
+          <p:nvPr>
+            <p:ph idx="1"/>
+          </p:nvPr>
+        </p:nvSpPr>
+        <p:spPr>
+          <a:xfrm>
+            <a:off x="3439886" y="201312"/>
+            <a:ext cx="8752114" cy="6656687"/>
+          </a:xfrm>
+          <a:solidFill>
+            <a:schemeClr val="bg1"/>
+          </a:solidFill>
+        </p:spPr>
+        <p:txBody>
+          <a:bodyPr>
+            <a:normAutofit/>
+          </a:bodyPr>
+          <a:lstStyle/>
+          <a:p>
+            <a:r>
+              <a:rPr lang="en-US" sz="2400" b="1" dirty="0"/>
+              <a:t>public String </a:t>
+            </a:r>
+            <a:r>
+              <a:rPr lang="en-US" sz="2400" b="1" dirty="0" err="1"/>
+              <a:t>getDriverName</a:t>
+            </a:r>
+            <a:r>
+              <a:rPr lang="en-US" sz="2400" b="1" dirty="0"/>
+              <a:t>()throws </a:t>
+            </a:r>
+            <a:r>
+              <a:rPr lang="en-US" sz="2400" b="1" dirty="0" err="1"/>
+              <a:t>SQLException</a:t>
+            </a:r>
+            <a:r>
+              <a:rPr lang="en-US" sz="2400" b="1" dirty="0"/>
+              <a:t>: </a:t>
+            </a:r>
+            <a:r>
+              <a:rPr lang="en-US" sz="2400" dirty="0"/>
+              <a:t>it returns the name of the JDBC driver.</a:t>
+            </a:r>
+          </a:p>
+          <a:p>
+            <a:r>
+              <a:rPr lang="en-US" sz="2400" b="1" dirty="0"/>
+              <a:t>public String </a:t>
+            </a:r>
+            <a:r>
+              <a:rPr lang="en-US" sz="2400" b="1" dirty="0" err="1"/>
+              <a:t>getDriverVersion</a:t>
+            </a:r>
+            <a:r>
+              <a:rPr lang="en-US" sz="2400" b="1" dirty="0"/>
+              <a:t>()throws </a:t>
+            </a:r>
+            <a:r>
+              <a:rPr lang="en-US" sz="2400" b="1" dirty="0" err="1"/>
+              <a:t>SQLException</a:t>
+            </a:r>
+            <a:r>
+              <a:rPr lang="en-US" sz="2400" b="1" dirty="0"/>
+              <a:t>: </a:t>
+            </a:r>
+            <a:r>
+              <a:rPr lang="en-US" sz="2400" dirty="0"/>
+              <a:t>it returns the version number of the JDBC driver.</a:t>
+            </a:r>
+          </a:p>
+          <a:p>
+            <a:r>
+              <a:rPr lang="en-US" sz="2400" b="1" dirty="0"/>
+              <a:t>public String </a:t>
+            </a:r>
+            <a:r>
+              <a:rPr lang="en-US" sz="2400" b="1" dirty="0" err="1"/>
+              <a:t>getUserName</a:t>
+            </a:r>
+            <a:r>
+              <a:rPr lang="en-US" sz="2400" b="1" dirty="0"/>
+              <a:t>()throws </a:t>
+            </a:r>
+            <a:r>
+              <a:rPr lang="en-US" sz="2400" b="1" dirty="0" err="1"/>
+              <a:t>SQLException</a:t>
+            </a:r>
+            <a:r>
+              <a:rPr lang="en-US" sz="2400" b="1" dirty="0"/>
+              <a:t>: </a:t>
+            </a:r>
+            <a:r>
+              <a:rPr lang="en-US" sz="2400" dirty="0"/>
+              <a:t>it returns the username of the database.</a:t>
+            </a:r>
+          </a:p>
+          <a:p>
+            <a:r>
+              <a:rPr lang="en-US" sz="2400" b="1" dirty="0"/>
+              <a:t>public String </a:t>
+            </a:r>
+            <a:r>
+              <a:rPr lang="en-US" sz="2400" b="1" dirty="0" err="1"/>
+              <a:t>getDatabaseProductName</a:t>
+            </a:r>
+            <a:r>
+              <a:rPr lang="en-US" sz="2400" b="1" dirty="0"/>
+              <a:t>()throws </a:t>
+            </a:r>
+            <a:r>
+              <a:rPr lang="en-US" sz="2400" b="1" dirty="0" err="1"/>
+              <a:t>SQLException</a:t>
+            </a:r>
+            <a:r>
+              <a:rPr lang="en-US" sz="2400" b="1" dirty="0"/>
+              <a:t>: </a:t>
+            </a:r>
+            <a:r>
+              <a:rPr lang="en-US" sz="2400" dirty="0"/>
+              <a:t>it returns the product name of the database.</a:t>
+            </a:r>
+          </a:p>
+          <a:p>
+            <a:r>
+              <a:rPr lang="en-US" sz="2400" b="1" dirty="0"/>
+              <a:t>public String </a:t>
+            </a:r>
+            <a:r>
+              <a:rPr lang="en-US" sz="2400" b="1" dirty="0" err="1"/>
+              <a:t>getDatabaseProductVersion</a:t>
+            </a:r>
+            <a:r>
+              <a:rPr lang="en-US" sz="2400" b="1" dirty="0"/>
+              <a:t>()throws </a:t>
+            </a:r>
+            <a:r>
+              <a:rPr lang="en-US" sz="2400" b="1" dirty="0" err="1"/>
+              <a:t>SQLException</a:t>
+            </a:r>
+            <a:r>
+              <a:rPr lang="en-US" sz="2400" b="1" dirty="0"/>
+              <a:t>: </a:t>
+            </a:r>
+            <a:r>
+              <a:rPr lang="en-US" sz="2400" dirty="0"/>
+              <a:t>it returns the product version of the database.</a:t>
+            </a:r>
+          </a:p>
+          <a:p>
+            <a:r>
+              <a:rPr lang="en-US" sz="2400" b="1" dirty="0"/>
+              <a:t>public </a:t>
+            </a:r>
+            <a:r>
+              <a:rPr lang="en-US" sz="2400" b="1" dirty="0" err="1"/>
+              <a:t>ResultSet</a:t>
+            </a:r>
+            <a:r>
+              <a:rPr lang="en-US" sz="2400" b="1" dirty="0"/>
+              <a:t> </a:t>
+            </a:r>
+            <a:r>
+              <a:rPr lang="en-US" sz="2400" b="1" dirty="0" err="1"/>
+              <a:t>getTables</a:t>
+            </a:r>
+            <a:r>
+              <a:rPr lang="en-US" sz="2400" b="1" dirty="0"/>
+              <a:t>(String catalog, String </a:t>
+            </a:r>
+            <a:r>
+              <a:rPr lang="en-US" sz="2400" b="1" dirty="0" err="1"/>
+              <a:t>schemaPattern</a:t>
+            </a:r>
+            <a:r>
+              <a:rPr lang="en-US" sz="2400" b="1" dirty="0"/>
+              <a:t>, String </a:t>
+            </a:r>
+            <a:r>
+              <a:rPr lang="en-US" sz="2400" b="1" dirty="0" err="1"/>
+              <a:t>tableNamePattern</a:t>
+            </a:r>
+            <a:r>
+              <a:rPr lang="en-US" sz="2400" b="1" dirty="0"/>
+              <a:t>, String[] types)throws </a:t>
+            </a:r>
+            <a:r>
+              <a:rPr lang="en-US" sz="2400" b="1" dirty="0" err="1"/>
+              <a:t>SQLException</a:t>
+            </a:r>
+            <a:r>
+              <a:rPr lang="en-US" sz="2400" b="1" dirty="0"/>
+              <a:t>: </a:t>
+            </a:r>
+            <a:r>
+              <a:rPr lang="en-US" sz="2400" dirty="0"/>
+              <a:t>it returns the description of the tables of the specified catalog. The table type can be TABLE, VIEW, ALIAS, SYSTEM TABLE, SYNONYM etc</a:t>
+            </a:r>
+            <a:r>
+              <a:rPr lang="en-US" sz="2400" dirty="0" smtClean="0"/>
+              <a:t>.</a:t>
+            </a:r>
+            <a:endParaRPr lang="en-US" sz="2400" dirty="0"/>
+          </a:p>
+        </p:txBody>
+      </p:sp>
+      <p:sp>
+        <p:nvSpPr>
+          <p:cNvPr id="4" name="Slide Number Placeholder 3"/>
+          <p:cNvSpPr>
+            <a:spLocks noGrp="1"/>
+          </p:cNvSpPr>
+          <p:nvPr>
+            <p:ph type="sldNum" sz="quarter" idx="12"/>
+          </p:nvPr>
+        </p:nvSpPr>
+        <p:spPr/>
+        <p:txBody>
+          <a:bodyPr/>
+          <a:lstStyle/>
+          <a:p>
+            <a:fld id="{9C11CE39-2868-44A2-A0C6-827D458F7A8B}" type="slidenum">
+              <a:rPr lang="en-IN" smtClean="0"/>
+              <a:pPr/>
+              <a:t>94</a:t>
+            </a:fld>
+            <a:endParaRPr lang="en-IN"/>
+          </a:p>
+        </p:txBody>
+      </p:sp>
+    </p:spTree>
+    <p:custDataLst>
+      <p:tags r:id="rId1"/>
+    </p:custDataLst>
+    <p:extLst>
+      <p:ext uri="{BB962C8B-B14F-4D97-AF65-F5344CB8AC3E}">
+        <p14:creationId xmlns:p14="http://schemas.microsoft.com/office/powerpoint/2010/main" val="2495993105"/>
+      </p:ext>
+    </p:extLst>
+  </p:cSld>
+  <p:clrMapOvr>
+    <a:masterClrMapping/>
+  </p:clrMapOvr>
+  <p:timing>
+    <p:tnLst>
+      <p:par>
+        <p:cTn id="1" dur="indefinite" restart="never" nodeType="tmRoot"/>
+      </p:par>
+    </p:tnLst>
+  </p:timing>
+</p:sld>
+</file>
+
+<file path=ppt/slides/slide95.xml><?xml version="1.0" encoding="utf-8"?>
+<p:sld xmlns:a="http://schemas.openxmlformats.org/drawingml/2006/main" xmlns:r="http://schemas.openxmlformats.org/officeDocument/2006/relationships" xmlns:p="http://schemas.openxmlformats.org/presentationml/2006/main">
+  <p:cSld>
+    <p:spTree>
+      <p:nvGrpSpPr>
+        <p:cNvPr id="1" name=""/>
+        <p:cNvGrpSpPr/>
+        <p:nvPr/>
+      </p:nvGrpSpPr>
+      <p:grpSpPr>
+        <a:xfrm>
+          <a:off x="0" y="0"/>
+          <a:ext cx="0" cy="0"/>
+          <a:chOff x="0" y="0"/>
+          <a:chExt cx="0" cy="0"/>
+        </a:xfrm>
+      </p:grpSpPr>
+      <p:sp>
+        <p:nvSpPr>
+          <p:cNvPr id="2" name="Title 1"/>
+          <p:cNvSpPr>
+            <a:spLocks noGrp="1"/>
+          </p:cNvSpPr>
+          <p:nvPr>
+            <p:ph type="title"/>
+          </p:nvPr>
+        </p:nvSpPr>
+        <p:spPr>
+          <a:xfrm>
+            <a:off x="116114" y="1123837"/>
+            <a:ext cx="3327477" cy="4601183"/>
+          </a:xfrm>
+        </p:spPr>
+        <p:txBody>
+          <a:bodyPr/>
+          <a:lstStyle/>
+          <a:p>
+            <a:r>
+              <a:rPr lang="en-IN" dirty="0" smtClean="0"/>
+              <a:t>Example </a:t>
+            </a:r>
+            <a:r>
+              <a:rPr lang="en-IN" dirty="0" smtClean="0"/>
+              <a:t>9:</a:t>
+            </a:r>
+            <a:r>
+              <a:rPr lang="en-IN" dirty="0" smtClean="0"/>
+              <a:t/>
+            </a:r>
+            <a:br>
+              <a:rPr lang="en-IN" dirty="0" smtClean="0"/>
+            </a:br>
+            <a:r>
+              <a:rPr lang="en-IN" sz="2800" b="1" dirty="0" err="1" smtClean="0"/>
+              <a:t>DatabaseMetaData</a:t>
+            </a:r>
+            <a:endParaRPr lang="en-IN" sz="2800" dirty="0"/>
+          </a:p>
+        </p:txBody>
+      </p:sp>
+      <p:sp>
+        <p:nvSpPr>
+          <p:cNvPr id="3" name="Content Placeholder 2"/>
+          <p:cNvSpPr>
+            <a:spLocks noGrp="1"/>
+          </p:cNvSpPr>
+          <p:nvPr>
+            <p:ph idx="1"/>
+          </p:nvPr>
+        </p:nvSpPr>
+        <p:spPr>
+          <a:xfrm>
+            <a:off x="3439886" y="0"/>
+            <a:ext cx="8752114" cy="6857999"/>
+          </a:xfrm>
+          <a:solidFill>
+            <a:schemeClr val="bg1"/>
+          </a:solidFill>
+        </p:spPr>
+        <p:txBody>
+          <a:bodyPr>
+            <a:normAutofit fontScale="85000" lnSpcReduction="10000"/>
+          </a:bodyPr>
+          <a:lstStyle/>
+          <a:p>
+            <a:pPr marL="0" indent="0">
+              <a:lnSpc>
+                <a:spcPct val="120000"/>
+              </a:lnSpc>
+              <a:spcBef>
+                <a:spcPts val="0"/>
+              </a:spcBef>
+              <a:buNone/>
+            </a:pPr>
+            <a:r>
+              <a:rPr lang="en-IN" sz="2400" dirty="0">
+                <a:latin typeface="Courier New" pitchFamily="49" charset="0"/>
+                <a:cs typeface="Courier New" pitchFamily="49" charset="0"/>
+              </a:rPr>
+              <a:t>import </a:t>
+            </a:r>
+            <a:r>
+              <a:rPr lang="en-IN" sz="2400" dirty="0" err="1">
+                <a:latin typeface="Courier New" pitchFamily="49" charset="0"/>
+                <a:cs typeface="Courier New" pitchFamily="49" charset="0"/>
+              </a:rPr>
+              <a:t>java.sql</a:t>
+            </a:r>
+            <a:r>
+              <a:rPr lang="en-IN" sz="2400" dirty="0">
+                <a:latin typeface="Courier New" pitchFamily="49" charset="0"/>
+                <a:cs typeface="Courier New" pitchFamily="49" charset="0"/>
+              </a:rPr>
+              <a:t>.*;  </a:t>
+            </a:r>
+          </a:p>
+          <a:p>
+            <a:pPr marL="0" indent="0">
+              <a:lnSpc>
+                <a:spcPct val="120000"/>
+              </a:lnSpc>
+              <a:spcBef>
+                <a:spcPts val="0"/>
+              </a:spcBef>
+              <a:buNone/>
+            </a:pPr>
+            <a:r>
+              <a:rPr lang="en-IN" sz="2400" dirty="0">
+                <a:latin typeface="Courier New" pitchFamily="49" charset="0"/>
+                <a:cs typeface="Courier New" pitchFamily="49" charset="0"/>
+              </a:rPr>
+              <a:t>class DBMD{  </a:t>
+            </a:r>
+          </a:p>
+          <a:p>
+            <a:pPr marL="0" indent="0">
+              <a:lnSpc>
+                <a:spcPct val="120000"/>
+              </a:lnSpc>
+              <a:spcBef>
+                <a:spcPts val="0"/>
+              </a:spcBef>
+              <a:buNone/>
+            </a:pPr>
+            <a:r>
+              <a:rPr lang="en-IN" sz="2400" dirty="0">
+                <a:latin typeface="Courier New" pitchFamily="49" charset="0"/>
+                <a:cs typeface="Courier New" pitchFamily="49" charset="0"/>
+              </a:rPr>
+              <a:t>public static void main(String </a:t>
+            </a:r>
+            <a:r>
+              <a:rPr lang="en-IN" sz="2400" dirty="0" err="1">
+                <a:latin typeface="Courier New" pitchFamily="49" charset="0"/>
+                <a:cs typeface="Courier New" pitchFamily="49" charset="0"/>
+              </a:rPr>
+              <a:t>args</a:t>
+            </a:r>
+            <a:r>
+              <a:rPr lang="en-IN" sz="2400" dirty="0">
+                <a:latin typeface="Courier New" pitchFamily="49" charset="0"/>
+                <a:cs typeface="Courier New" pitchFamily="49" charset="0"/>
+              </a:rPr>
+              <a:t>[]){  </a:t>
+            </a:r>
+          </a:p>
+          <a:p>
+            <a:pPr marL="0" indent="0">
+              <a:lnSpc>
+                <a:spcPct val="120000"/>
+              </a:lnSpc>
+              <a:spcBef>
+                <a:spcPts val="0"/>
+              </a:spcBef>
+              <a:buNone/>
+            </a:pPr>
+            <a:r>
+              <a:rPr lang="en-IN" sz="2400" dirty="0">
+                <a:latin typeface="Courier New" pitchFamily="49" charset="0"/>
+                <a:cs typeface="Courier New" pitchFamily="49" charset="0"/>
+              </a:rPr>
+              <a:t>try{  </a:t>
+            </a:r>
+          </a:p>
+          <a:p>
+            <a:pPr marL="0" indent="0">
+              <a:lnSpc>
+                <a:spcPct val="120000"/>
+              </a:lnSpc>
+              <a:spcBef>
+                <a:spcPts val="0"/>
+              </a:spcBef>
+              <a:buNone/>
+            </a:pPr>
+            <a:r>
+              <a:rPr lang="en-IN" sz="2400" dirty="0" smtClean="0">
+                <a:latin typeface="Courier New" pitchFamily="49" charset="0"/>
+                <a:cs typeface="Courier New" pitchFamily="49" charset="0"/>
+              </a:rPr>
+              <a:t> </a:t>
+            </a:r>
+            <a:r>
+              <a:rPr lang="en-IN" sz="2400" dirty="0" err="1" smtClean="0">
+                <a:latin typeface="Courier New" pitchFamily="49" charset="0"/>
+                <a:cs typeface="Courier New" pitchFamily="49" charset="0"/>
+              </a:rPr>
+              <a:t>Class.forName</a:t>
+            </a:r>
+            <a:r>
+              <a:rPr lang="en-IN" sz="2400" dirty="0">
+                <a:latin typeface="Courier New" pitchFamily="49" charset="0"/>
+                <a:cs typeface="Courier New" pitchFamily="49" charset="0"/>
+              </a:rPr>
+              <a:t>("</a:t>
+            </a:r>
+            <a:r>
+              <a:rPr lang="en-IN" sz="2400" dirty="0" err="1">
+                <a:latin typeface="Courier New" pitchFamily="49" charset="0"/>
+                <a:cs typeface="Courier New" pitchFamily="49" charset="0"/>
+              </a:rPr>
+              <a:t>com.mysql.jdbc.Driver</a:t>
+            </a:r>
+            <a:r>
+              <a:rPr lang="en-IN" sz="2400" dirty="0">
+                <a:latin typeface="Courier New" pitchFamily="49" charset="0"/>
+                <a:cs typeface="Courier New" pitchFamily="49" charset="0"/>
+              </a:rPr>
+              <a:t>");  </a:t>
+            </a:r>
+          </a:p>
+          <a:p>
+            <a:pPr marL="0" indent="0">
+              <a:lnSpc>
+                <a:spcPct val="120000"/>
+              </a:lnSpc>
+              <a:spcBef>
+                <a:spcPts val="0"/>
+              </a:spcBef>
+              <a:buNone/>
+            </a:pPr>
+            <a:r>
+              <a:rPr lang="en-IN" sz="2400" dirty="0" smtClean="0">
+                <a:latin typeface="Courier New" pitchFamily="49" charset="0"/>
+                <a:cs typeface="Courier New" pitchFamily="49" charset="0"/>
+              </a:rPr>
+              <a:t> Connection con = </a:t>
+            </a:r>
+            <a:r>
+              <a:rPr lang="en-IN" sz="2400" dirty="0" err="1" smtClean="0">
+                <a:latin typeface="Courier New" pitchFamily="49" charset="0"/>
+                <a:cs typeface="Courier New" pitchFamily="49" charset="0"/>
+              </a:rPr>
+              <a:t>DriverManager.getConnection</a:t>
+            </a:r>
+            <a:r>
+              <a:rPr lang="en-IN" sz="2400" dirty="0" smtClean="0">
+                <a:latin typeface="Courier New" pitchFamily="49" charset="0"/>
+                <a:cs typeface="Courier New" pitchFamily="49" charset="0"/>
+              </a:rPr>
+              <a:t> 		("</a:t>
+            </a:r>
+            <a:r>
+              <a:rPr lang="en-IN" sz="2400" dirty="0" err="1">
+                <a:latin typeface="Courier New" pitchFamily="49" charset="0"/>
+                <a:cs typeface="Courier New" pitchFamily="49" charset="0"/>
+              </a:rPr>
+              <a:t>jdbc:mysql</a:t>
+            </a:r>
+            <a:r>
+              <a:rPr lang="en-IN" sz="2400" dirty="0">
+                <a:latin typeface="Courier New" pitchFamily="49" charset="0"/>
+                <a:cs typeface="Courier New" pitchFamily="49" charset="0"/>
+              </a:rPr>
+              <a:t>://localhost:3306/</a:t>
+            </a:r>
+            <a:r>
+              <a:rPr lang="en-IN" sz="2400" dirty="0" err="1">
+                <a:latin typeface="Courier New" pitchFamily="49" charset="0"/>
+                <a:cs typeface="Courier New" pitchFamily="49" charset="0"/>
+              </a:rPr>
+              <a:t>mu","root</a:t>
+            </a:r>
+            <a:r>
+              <a:rPr lang="en-IN" sz="2400" dirty="0">
+                <a:latin typeface="Courier New" pitchFamily="49" charset="0"/>
+                <a:cs typeface="Courier New" pitchFamily="49" charset="0"/>
+              </a:rPr>
+              <a:t>",""); </a:t>
+            </a:r>
+          </a:p>
+          <a:p>
+            <a:pPr marL="0" indent="0">
+              <a:lnSpc>
+                <a:spcPct val="120000"/>
+              </a:lnSpc>
+              <a:spcBef>
+                <a:spcPts val="0"/>
+              </a:spcBef>
+              <a:buNone/>
+            </a:pPr>
+            <a:r>
+              <a:rPr lang="en-IN" sz="2400" dirty="0" smtClean="0">
+                <a:latin typeface="Courier New" pitchFamily="49" charset="0"/>
+                <a:cs typeface="Courier New" pitchFamily="49" charset="0"/>
+              </a:rPr>
+              <a:t> </a:t>
+            </a:r>
+            <a:r>
+              <a:rPr lang="en-IN" sz="2400" dirty="0" err="1" smtClean="0">
+                <a:latin typeface="Courier New" pitchFamily="49" charset="0"/>
+                <a:cs typeface="Courier New" pitchFamily="49" charset="0"/>
+              </a:rPr>
+              <a:t>DatabaseMetaData</a:t>
+            </a:r>
+            <a:r>
+              <a:rPr lang="en-IN" sz="2400" dirty="0" smtClean="0">
+                <a:latin typeface="Courier New" pitchFamily="49" charset="0"/>
+                <a:cs typeface="Courier New" pitchFamily="49" charset="0"/>
+              </a:rPr>
+              <a:t> </a:t>
+            </a:r>
+            <a:r>
+              <a:rPr lang="en-IN" sz="2400" dirty="0" err="1">
+                <a:latin typeface="Courier New" pitchFamily="49" charset="0"/>
+                <a:cs typeface="Courier New" pitchFamily="49" charset="0"/>
+              </a:rPr>
+              <a:t>dbmd</a:t>
+            </a:r>
+            <a:r>
+              <a:rPr lang="en-IN" sz="2400" dirty="0">
+                <a:latin typeface="Courier New" pitchFamily="49" charset="0"/>
+                <a:cs typeface="Courier New" pitchFamily="49" charset="0"/>
+              </a:rPr>
+              <a:t>=</a:t>
+            </a:r>
+            <a:r>
+              <a:rPr lang="en-IN" sz="2400" dirty="0" err="1">
+                <a:latin typeface="Courier New" pitchFamily="49" charset="0"/>
+                <a:cs typeface="Courier New" pitchFamily="49" charset="0"/>
+              </a:rPr>
+              <a:t>con.getMetaData</a:t>
+            </a:r>
+            <a:r>
+              <a:rPr lang="en-IN" sz="2400" dirty="0">
+                <a:latin typeface="Courier New" pitchFamily="49" charset="0"/>
+                <a:cs typeface="Courier New" pitchFamily="49" charset="0"/>
+              </a:rPr>
+              <a:t>();  </a:t>
+            </a:r>
+          </a:p>
+          <a:p>
+            <a:pPr marL="0" indent="0">
+              <a:lnSpc>
+                <a:spcPct val="120000"/>
+              </a:lnSpc>
+              <a:spcBef>
+                <a:spcPts val="0"/>
+              </a:spcBef>
+              <a:buNone/>
+            </a:pPr>
+            <a:r>
+              <a:rPr lang="en-IN" sz="2400" dirty="0" smtClean="0">
+                <a:latin typeface="Courier New" pitchFamily="49" charset="0"/>
+                <a:cs typeface="Courier New" pitchFamily="49" charset="0"/>
+              </a:rPr>
+              <a:t> </a:t>
+            </a:r>
+            <a:r>
+              <a:rPr lang="en-IN" sz="2400" dirty="0" err="1" smtClean="0">
+                <a:latin typeface="Courier New" pitchFamily="49" charset="0"/>
+                <a:cs typeface="Courier New" pitchFamily="49" charset="0"/>
+              </a:rPr>
+              <a:t>System.out.println</a:t>
+            </a:r>
+            <a:r>
+              <a:rPr lang="en-IN" sz="2400" dirty="0">
+                <a:latin typeface="Courier New" pitchFamily="49" charset="0"/>
+                <a:cs typeface="Courier New" pitchFamily="49" charset="0"/>
+              </a:rPr>
+              <a:t>("Driver Name: </a:t>
+            </a:r>
+            <a:r>
+              <a:rPr lang="en-IN" sz="2400" dirty="0" smtClean="0">
+                <a:latin typeface="Courier New" pitchFamily="49" charset="0"/>
+                <a:cs typeface="Courier New" pitchFamily="49" charset="0"/>
+              </a:rPr>
+              <a:t>" </a:t>
+            </a:r>
+          </a:p>
+          <a:p>
+            <a:pPr marL="0" indent="0">
+              <a:lnSpc>
+                <a:spcPct val="120000"/>
+              </a:lnSpc>
+              <a:spcBef>
+                <a:spcPts val="0"/>
+              </a:spcBef>
+              <a:buNone/>
+            </a:pPr>
+            <a:r>
+              <a:rPr lang="en-IN" sz="2400" dirty="0">
+                <a:latin typeface="Courier New" pitchFamily="49" charset="0"/>
+                <a:cs typeface="Courier New" pitchFamily="49" charset="0"/>
+              </a:rPr>
+              <a:t>	</a:t>
+            </a:r>
+            <a:r>
+              <a:rPr lang="en-IN" sz="2400" dirty="0" smtClean="0">
+                <a:latin typeface="Courier New" pitchFamily="49" charset="0"/>
+                <a:cs typeface="Courier New" pitchFamily="49" charset="0"/>
+              </a:rPr>
+              <a:t>			+ </a:t>
+            </a:r>
+            <a:r>
+              <a:rPr lang="en-IN" sz="2400" dirty="0" err="1" smtClean="0">
+                <a:latin typeface="Courier New" pitchFamily="49" charset="0"/>
+                <a:cs typeface="Courier New" pitchFamily="49" charset="0"/>
+              </a:rPr>
+              <a:t>dbmd.getDriverName</a:t>
+            </a:r>
+            <a:r>
+              <a:rPr lang="en-IN" sz="2400" dirty="0">
+                <a:latin typeface="Courier New" pitchFamily="49" charset="0"/>
+                <a:cs typeface="Courier New" pitchFamily="49" charset="0"/>
+              </a:rPr>
+              <a:t>());  </a:t>
+            </a:r>
+          </a:p>
+          <a:p>
+            <a:pPr marL="0" indent="0">
+              <a:lnSpc>
+                <a:spcPct val="120000"/>
+              </a:lnSpc>
+              <a:spcBef>
+                <a:spcPts val="0"/>
+              </a:spcBef>
+              <a:buNone/>
+            </a:pPr>
+            <a:r>
+              <a:rPr lang="en-IN" sz="2400" dirty="0" smtClean="0">
+                <a:latin typeface="Courier New" pitchFamily="49" charset="0"/>
+                <a:cs typeface="Courier New" pitchFamily="49" charset="0"/>
+              </a:rPr>
+              <a:t> </a:t>
+            </a:r>
+            <a:r>
+              <a:rPr lang="en-IN" sz="2400" dirty="0" err="1" smtClean="0">
+                <a:latin typeface="Courier New" pitchFamily="49" charset="0"/>
+                <a:cs typeface="Courier New" pitchFamily="49" charset="0"/>
+              </a:rPr>
+              <a:t>System.out.println</a:t>
+            </a:r>
+            <a:r>
+              <a:rPr lang="en-IN" sz="2400" dirty="0">
+                <a:latin typeface="Courier New" pitchFamily="49" charset="0"/>
+                <a:cs typeface="Courier New" pitchFamily="49" charset="0"/>
+              </a:rPr>
+              <a:t>("Driver Version: </a:t>
+            </a:r>
+            <a:r>
+              <a:rPr lang="en-IN" sz="2400" dirty="0" smtClean="0">
+                <a:latin typeface="Courier New" pitchFamily="49" charset="0"/>
+                <a:cs typeface="Courier New" pitchFamily="49" charset="0"/>
+              </a:rPr>
+              <a:t>" </a:t>
+            </a:r>
+          </a:p>
+          <a:p>
+            <a:pPr marL="0" indent="0">
+              <a:lnSpc>
+                <a:spcPct val="120000"/>
+              </a:lnSpc>
+              <a:spcBef>
+                <a:spcPts val="0"/>
+              </a:spcBef>
+              <a:buNone/>
+            </a:pPr>
+            <a:r>
+              <a:rPr lang="en-IN" sz="2400" dirty="0">
+                <a:latin typeface="Courier New" pitchFamily="49" charset="0"/>
+                <a:cs typeface="Courier New" pitchFamily="49" charset="0"/>
+              </a:rPr>
+              <a:t>	</a:t>
+            </a:r>
+            <a:r>
+              <a:rPr lang="en-IN" sz="2400" dirty="0" smtClean="0">
+                <a:latin typeface="Courier New" pitchFamily="49" charset="0"/>
+                <a:cs typeface="Courier New" pitchFamily="49" charset="0"/>
+              </a:rPr>
+              <a:t>			+ </a:t>
+            </a:r>
+            <a:r>
+              <a:rPr lang="en-IN" sz="2400" dirty="0" err="1" smtClean="0">
+                <a:latin typeface="Courier New" pitchFamily="49" charset="0"/>
+                <a:cs typeface="Courier New" pitchFamily="49" charset="0"/>
+              </a:rPr>
+              <a:t>dbmd.getDriverVersion</a:t>
+            </a:r>
+            <a:r>
+              <a:rPr lang="en-IN" sz="2400" dirty="0">
+                <a:latin typeface="Courier New" pitchFamily="49" charset="0"/>
+                <a:cs typeface="Courier New" pitchFamily="49" charset="0"/>
+              </a:rPr>
+              <a:t>());  </a:t>
+            </a:r>
+          </a:p>
+          <a:p>
+            <a:pPr marL="0" indent="0">
+              <a:lnSpc>
+                <a:spcPct val="120000"/>
+              </a:lnSpc>
+              <a:spcBef>
+                <a:spcPts val="0"/>
+              </a:spcBef>
+              <a:buNone/>
+            </a:pPr>
+            <a:r>
+              <a:rPr lang="en-IN" sz="2400" dirty="0" smtClean="0">
+                <a:latin typeface="Courier New" pitchFamily="49" charset="0"/>
+                <a:cs typeface="Courier New" pitchFamily="49" charset="0"/>
+              </a:rPr>
+              <a:t> </a:t>
+            </a:r>
+            <a:r>
+              <a:rPr lang="en-IN" sz="2400" dirty="0" err="1" smtClean="0">
+                <a:latin typeface="Courier New" pitchFamily="49" charset="0"/>
+                <a:cs typeface="Courier New" pitchFamily="49" charset="0"/>
+              </a:rPr>
+              <a:t>System.out.println</a:t>
+            </a:r>
+            <a:r>
+              <a:rPr lang="en-IN" sz="2400" dirty="0">
+                <a:latin typeface="Courier New" pitchFamily="49" charset="0"/>
+                <a:cs typeface="Courier New" pitchFamily="49" charset="0"/>
+              </a:rPr>
+              <a:t>("</a:t>
+            </a:r>
+            <a:r>
+              <a:rPr lang="en-IN" sz="2400" dirty="0" err="1">
+                <a:latin typeface="Courier New" pitchFamily="49" charset="0"/>
+                <a:cs typeface="Courier New" pitchFamily="49" charset="0"/>
+              </a:rPr>
+              <a:t>UserName</a:t>
+            </a:r>
+            <a:r>
+              <a:rPr lang="en-IN" sz="2400" dirty="0">
+                <a:latin typeface="Courier New" pitchFamily="49" charset="0"/>
+                <a:cs typeface="Courier New" pitchFamily="49" charset="0"/>
+              </a:rPr>
+              <a:t>: </a:t>
+            </a:r>
+            <a:r>
+              <a:rPr lang="en-IN" sz="2400" dirty="0" smtClean="0">
+                <a:latin typeface="Courier New" pitchFamily="49" charset="0"/>
+                <a:cs typeface="Courier New" pitchFamily="49" charset="0"/>
+              </a:rPr>
+              <a:t>" + </a:t>
+            </a:r>
+            <a:r>
+              <a:rPr lang="en-IN" sz="2400" dirty="0" err="1" smtClean="0">
+                <a:latin typeface="Courier New" pitchFamily="49" charset="0"/>
+                <a:cs typeface="Courier New" pitchFamily="49" charset="0"/>
+              </a:rPr>
+              <a:t>dbmd.getUserName</a:t>
+            </a:r>
+            <a:r>
+              <a:rPr lang="en-IN" sz="2400" dirty="0">
+                <a:latin typeface="Courier New" pitchFamily="49" charset="0"/>
+                <a:cs typeface="Courier New" pitchFamily="49" charset="0"/>
+              </a:rPr>
+              <a:t>());  </a:t>
+            </a:r>
+          </a:p>
+          <a:p>
+            <a:pPr marL="0" indent="0">
+              <a:lnSpc>
+                <a:spcPct val="120000"/>
+              </a:lnSpc>
+              <a:spcBef>
+                <a:spcPts val="0"/>
+              </a:spcBef>
+              <a:buNone/>
+            </a:pPr>
+            <a:r>
+              <a:rPr lang="en-IN" sz="2400" dirty="0" smtClean="0">
+                <a:latin typeface="Courier New" pitchFamily="49" charset="0"/>
+                <a:cs typeface="Courier New" pitchFamily="49" charset="0"/>
+              </a:rPr>
+              <a:t> </a:t>
+            </a:r>
+            <a:r>
+              <a:rPr lang="en-IN" sz="2400" dirty="0" err="1" smtClean="0">
+                <a:latin typeface="Courier New" pitchFamily="49" charset="0"/>
+                <a:cs typeface="Courier New" pitchFamily="49" charset="0"/>
+              </a:rPr>
+              <a:t>System.out.println</a:t>
+            </a:r>
+            <a:r>
+              <a:rPr lang="en-IN" sz="2400" dirty="0">
+                <a:latin typeface="Courier New" pitchFamily="49" charset="0"/>
+                <a:cs typeface="Courier New" pitchFamily="49" charset="0"/>
+              </a:rPr>
+              <a:t>("Database Product Name: </a:t>
+            </a:r>
+            <a:r>
+              <a:rPr lang="en-IN" sz="2400" dirty="0" smtClean="0">
+                <a:latin typeface="Courier New" pitchFamily="49" charset="0"/>
+                <a:cs typeface="Courier New" pitchFamily="49" charset="0"/>
+              </a:rPr>
+              <a:t>"</a:t>
+            </a:r>
+          </a:p>
+          <a:p>
+            <a:pPr marL="0" indent="0">
+              <a:lnSpc>
+                <a:spcPct val="120000"/>
+              </a:lnSpc>
+              <a:spcBef>
+                <a:spcPts val="0"/>
+              </a:spcBef>
+              <a:buNone/>
+            </a:pPr>
+            <a:r>
+              <a:rPr lang="en-IN" sz="2400" dirty="0" smtClean="0">
+                <a:latin typeface="Courier New" pitchFamily="49" charset="0"/>
+                <a:cs typeface="Courier New" pitchFamily="49" charset="0"/>
+              </a:rPr>
+              <a:t>		+ </a:t>
+            </a:r>
+            <a:r>
+              <a:rPr lang="en-IN" sz="2400" dirty="0" err="1" smtClean="0">
+                <a:latin typeface="Courier New" pitchFamily="49" charset="0"/>
+                <a:cs typeface="Courier New" pitchFamily="49" charset="0"/>
+              </a:rPr>
+              <a:t>dbmd.getDatabaseProductName</a:t>
+            </a:r>
+            <a:r>
+              <a:rPr lang="en-IN" sz="2400" dirty="0">
+                <a:latin typeface="Courier New" pitchFamily="49" charset="0"/>
+                <a:cs typeface="Courier New" pitchFamily="49" charset="0"/>
+              </a:rPr>
+              <a:t>());  </a:t>
+            </a:r>
+          </a:p>
+          <a:p>
+            <a:pPr marL="0" indent="0">
+              <a:lnSpc>
+                <a:spcPct val="120000"/>
+              </a:lnSpc>
+              <a:spcBef>
+                <a:spcPts val="0"/>
+              </a:spcBef>
+              <a:buNone/>
+            </a:pPr>
+            <a:r>
+              <a:rPr lang="en-IN" sz="2400" dirty="0" smtClean="0">
+                <a:latin typeface="Courier New" pitchFamily="49" charset="0"/>
+                <a:cs typeface="Courier New" pitchFamily="49" charset="0"/>
+              </a:rPr>
+              <a:t> </a:t>
+            </a:r>
+            <a:r>
+              <a:rPr lang="en-IN" sz="2400" dirty="0" err="1" smtClean="0">
+                <a:latin typeface="Courier New" pitchFamily="49" charset="0"/>
+                <a:cs typeface="Courier New" pitchFamily="49" charset="0"/>
+              </a:rPr>
+              <a:t>System.out.println</a:t>
+            </a:r>
+            <a:r>
+              <a:rPr lang="en-IN" sz="2400" dirty="0">
+                <a:latin typeface="Courier New" pitchFamily="49" charset="0"/>
+                <a:cs typeface="Courier New" pitchFamily="49" charset="0"/>
+              </a:rPr>
+              <a:t>("Database Product Version</a:t>
+            </a:r>
+            <a:r>
+              <a:rPr lang="en-IN" sz="2400" dirty="0" smtClean="0">
+                <a:latin typeface="Courier New" pitchFamily="49" charset="0"/>
+                <a:cs typeface="Courier New" pitchFamily="49" charset="0"/>
+              </a:rPr>
+              <a:t>:"</a:t>
+            </a:r>
+          </a:p>
+          <a:p>
+            <a:pPr marL="0" indent="0">
+              <a:lnSpc>
+                <a:spcPct val="120000"/>
+              </a:lnSpc>
+              <a:spcBef>
+                <a:spcPts val="0"/>
+              </a:spcBef>
+              <a:buNone/>
+            </a:pPr>
+            <a:r>
+              <a:rPr lang="en-IN" sz="2400" dirty="0" smtClean="0">
+                <a:latin typeface="Courier New" pitchFamily="49" charset="0"/>
+                <a:cs typeface="Courier New" pitchFamily="49" charset="0"/>
+              </a:rPr>
+              <a:t>		+ </a:t>
+            </a:r>
+            <a:r>
+              <a:rPr lang="en-IN" sz="2400" dirty="0" err="1" smtClean="0">
+                <a:latin typeface="Courier New" pitchFamily="49" charset="0"/>
+                <a:cs typeface="Courier New" pitchFamily="49" charset="0"/>
+              </a:rPr>
+              <a:t>dbmd.getDatabaseProductVersion</a:t>
+            </a:r>
+            <a:r>
+              <a:rPr lang="en-IN" sz="2400" dirty="0">
+                <a:latin typeface="Courier New" pitchFamily="49" charset="0"/>
+                <a:cs typeface="Courier New" pitchFamily="49" charset="0"/>
+              </a:rPr>
+              <a:t>());  </a:t>
+            </a:r>
+          </a:p>
+          <a:p>
+            <a:pPr marL="0" indent="0">
+              <a:lnSpc>
+                <a:spcPct val="120000"/>
+              </a:lnSpc>
+              <a:spcBef>
+                <a:spcPts val="0"/>
+              </a:spcBef>
+              <a:buNone/>
+            </a:pPr>
+            <a:r>
+              <a:rPr lang="en-IN" sz="2400" dirty="0">
+                <a:latin typeface="Courier New" pitchFamily="49" charset="0"/>
+                <a:cs typeface="Courier New" pitchFamily="49" charset="0"/>
+              </a:rPr>
+              <a:t>  </a:t>
+            </a:r>
+            <a:r>
+              <a:rPr lang="en-IN" sz="2400" dirty="0" err="1">
+                <a:latin typeface="Courier New" pitchFamily="49" charset="0"/>
+                <a:cs typeface="Courier New" pitchFamily="49" charset="0"/>
+              </a:rPr>
+              <a:t>con.close</a:t>
+            </a:r>
+            <a:r>
+              <a:rPr lang="en-IN" sz="2400" dirty="0">
+                <a:latin typeface="Courier New" pitchFamily="49" charset="0"/>
+                <a:cs typeface="Courier New" pitchFamily="49" charset="0"/>
+              </a:rPr>
+              <a:t>();  </a:t>
+            </a:r>
+          </a:p>
+          <a:p>
+            <a:pPr marL="0" indent="0">
+              <a:lnSpc>
+                <a:spcPct val="120000"/>
+              </a:lnSpc>
+              <a:spcBef>
+                <a:spcPts val="0"/>
+              </a:spcBef>
+              <a:buNone/>
+            </a:pPr>
+            <a:r>
+              <a:rPr lang="en-IN" sz="2400" dirty="0">
+                <a:latin typeface="Courier New" pitchFamily="49" charset="0"/>
+                <a:cs typeface="Courier New" pitchFamily="49" charset="0"/>
+              </a:rPr>
+              <a:t>}catch(Exception e</a:t>
+            </a:r>
+            <a:r>
+              <a:rPr lang="en-IN" sz="2400" dirty="0" smtClean="0">
+                <a:latin typeface="Courier New" pitchFamily="49" charset="0"/>
+                <a:cs typeface="Courier New" pitchFamily="49" charset="0"/>
+              </a:rPr>
+              <a:t>) {	 </a:t>
+            </a:r>
+            <a:r>
+              <a:rPr lang="en-IN" sz="2400" dirty="0" err="1">
+                <a:latin typeface="Courier New" pitchFamily="49" charset="0"/>
+                <a:cs typeface="Courier New" pitchFamily="49" charset="0"/>
+              </a:rPr>
+              <a:t>System.out.println</a:t>
+            </a:r>
+            <a:r>
+              <a:rPr lang="en-IN" sz="2400" dirty="0">
+                <a:latin typeface="Courier New" pitchFamily="49" charset="0"/>
+                <a:cs typeface="Courier New" pitchFamily="49" charset="0"/>
+              </a:rPr>
+              <a:t>(e</a:t>
+            </a:r>
+            <a:r>
+              <a:rPr lang="en-IN" sz="2400" dirty="0" smtClean="0">
+                <a:latin typeface="Courier New" pitchFamily="49" charset="0"/>
+                <a:cs typeface="Courier New" pitchFamily="49" charset="0"/>
+              </a:rPr>
+              <a:t>);		}  </a:t>
+            </a:r>
+            <a:endParaRPr lang="en-IN" sz="2400" dirty="0">
+              <a:latin typeface="Courier New" pitchFamily="49" charset="0"/>
+              <a:cs typeface="Courier New" pitchFamily="49" charset="0"/>
+            </a:endParaRPr>
+          </a:p>
+          <a:p>
+            <a:pPr marL="0" indent="0">
+              <a:lnSpc>
+                <a:spcPct val="120000"/>
+              </a:lnSpc>
+              <a:spcBef>
+                <a:spcPts val="0"/>
+              </a:spcBef>
+              <a:buNone/>
+            </a:pPr>
+            <a:r>
+              <a:rPr lang="en-IN" sz="2400" dirty="0" smtClean="0">
+                <a:latin typeface="Courier New" pitchFamily="49" charset="0"/>
+                <a:cs typeface="Courier New" pitchFamily="49" charset="0"/>
+              </a:rPr>
+              <a:t>} }</a:t>
+            </a:r>
+            <a:endParaRPr lang="en-IN" sz="2400" dirty="0">
+              <a:latin typeface="Courier New" pitchFamily="49" charset="0"/>
+              <a:cs typeface="Courier New" pitchFamily="49" charset="0"/>
+            </a:endParaRPr>
+          </a:p>
+        </p:txBody>
+      </p:sp>
+      <p:sp>
+        <p:nvSpPr>
+          <p:cNvPr id="4" name="Slide Number Placeholder 3"/>
+          <p:cNvSpPr>
+            <a:spLocks noGrp="1"/>
+          </p:cNvSpPr>
+          <p:nvPr>
+            <p:ph type="sldNum" sz="quarter" idx="12"/>
+          </p:nvPr>
+        </p:nvSpPr>
+        <p:spPr/>
+        <p:txBody>
+          <a:bodyPr/>
+          <a:lstStyle/>
+          <a:p>
+            <a:fld id="{9C11CE39-2868-44A2-A0C6-827D458F7A8B}" type="slidenum">
+              <a:rPr lang="en-IN" smtClean="0"/>
+              <a:pPr/>
+              <a:t>95</a:t>
+            </a:fld>
+            <a:endParaRPr lang="en-IN"/>
+          </a:p>
+        </p:txBody>
+      </p:sp>
+    </p:spTree>
+    <p:custDataLst>
+      <p:tags r:id="rId1"/>
+    </p:custDataLst>
+    <p:extLst>
+      <p:ext uri="{BB962C8B-B14F-4D97-AF65-F5344CB8AC3E}">
+        <p14:creationId xmlns:p14="http://schemas.microsoft.com/office/powerpoint/2010/main" val="1793040408"/>
+      </p:ext>
+    </p:extLst>
+  </p:cSld>
+  <p:clrMapOvr>
+    <a:masterClrMapping/>
+  </p:clrMapOvr>
+  <p:timing>
+    <p:tnLst>
+      <p:par>
+        <p:cTn id="1" dur="indefinite" restart="never" nodeType="tmRoot"/>
+      </p:par>
+    </p:tnLst>
+  </p:timing>
+</p:sld>
+</file>
+
+<file path=ppt/slides/slide96.xml><?xml version="1.0" encoding="utf-8"?>
+<p:sld xmlns:a="http://schemas.openxmlformats.org/drawingml/2006/main" xmlns:r="http://schemas.openxmlformats.org/officeDocument/2006/relationships" xmlns:p="http://schemas.openxmlformats.org/presentationml/2006/main">
+  <p:cSld>
+    <p:spTree>
+      <p:nvGrpSpPr>
+        <p:cNvPr id="1" name=""/>
+        <p:cNvGrpSpPr/>
+        <p:nvPr/>
+      </p:nvGrpSpPr>
+      <p:grpSpPr>
+        <a:xfrm>
+          <a:off x="0" y="0"/>
+          <a:ext cx="0" cy="0"/>
+          <a:chOff x="0" y="0"/>
+          <a:chExt cx="0" cy="0"/>
+        </a:xfrm>
+      </p:grpSpPr>
+      <p:sp>
+        <p:nvSpPr>
+          <p:cNvPr id="2" name="Title 1"/>
+          <p:cNvSpPr>
+            <a:spLocks noGrp="1"/>
+          </p:cNvSpPr>
+          <p:nvPr>
+            <p:ph type="title"/>
+          </p:nvPr>
+        </p:nvSpPr>
+        <p:spPr/>
+        <p:txBody>
+          <a:bodyPr/>
+          <a:lstStyle/>
+          <a:p>
+            <a:r>
+              <a:rPr lang="en-US" dirty="0" smtClean="0"/>
+              <a:t>JDBC</a:t>
+            </a:r>
+            <a:endParaRPr lang="en-IN" dirty="0"/>
+          </a:p>
+        </p:txBody>
+      </p:sp>
+      <p:sp>
+        <p:nvSpPr>
+          <p:cNvPr id="3" name="Text Placeholder 2"/>
+          <p:cNvSpPr>
+            <a:spLocks noGrp="1"/>
+          </p:cNvSpPr>
+          <p:nvPr>
+            <p:ph type="body" idx="1"/>
+          </p:nvPr>
+        </p:nvSpPr>
+        <p:spPr/>
+        <p:txBody>
+          <a:bodyPr>
+            <a:normAutofit/>
+          </a:bodyPr>
+          <a:lstStyle/>
+          <a:p>
+            <a:r>
+              <a:rPr lang="en-US" sz="2800" dirty="0" smtClean="0">
+                <a:solidFill>
+                  <a:schemeClr val="tx1"/>
+                </a:solidFill>
+              </a:rPr>
+              <a:t>Batch updates in JDBC</a:t>
+            </a:r>
+            <a:endParaRPr lang="en-IN" sz="2800" dirty="0">
+              <a:solidFill>
+                <a:schemeClr val="tx1"/>
+              </a:solidFill>
+            </a:endParaRPr>
+          </a:p>
+        </p:txBody>
+      </p:sp>
+      <p:sp>
+        <p:nvSpPr>
+          <p:cNvPr id="4" name="Slide Number Placeholder 3"/>
+          <p:cNvSpPr>
+            <a:spLocks noGrp="1"/>
+          </p:cNvSpPr>
+          <p:nvPr>
+            <p:ph type="sldNum" sz="quarter" idx="12"/>
+          </p:nvPr>
+        </p:nvSpPr>
+        <p:spPr/>
+        <p:txBody>
+          <a:bodyPr/>
+          <a:lstStyle/>
+          <a:p>
+            <a:fld id="{9C11CE39-2868-44A2-A0C6-827D458F7A8B}" type="slidenum">
+              <a:rPr lang="en-IN" smtClean="0"/>
+              <a:pPr/>
+              <a:t>96</a:t>
+            </a:fld>
+            <a:endParaRPr lang="en-IN"/>
+          </a:p>
+        </p:txBody>
+      </p:sp>
+    </p:spTree>
+    <p:custDataLst>
+      <p:tags r:id="rId1"/>
+    </p:custDataLst>
+    <p:extLst>
+      <p:ext uri="{BB962C8B-B14F-4D97-AF65-F5344CB8AC3E}">
+        <p14:creationId xmlns:p14="http://schemas.microsoft.com/office/powerpoint/2010/main" val="3195728122"/>
       </p:ext>
     </p:extLst>
   </p:cSld>
@@ -38949,15 +39570,12 @@
           <a:lstStyle/>
           <a:p>
             <a:r>
+              <a:rPr lang="en-IN" dirty="0"/>
+              <a:t>Batch Processing in </a:t>
+            </a:r>
+            <a:r>
               <a:rPr lang="en-IN" dirty="0" smtClean="0"/>
-              <a:t>Example 11:</a:t>
-            </a:r>
-            <a:br>
-              <a:rPr lang="en-IN" dirty="0" smtClean="0"/>
-            </a:br>
-            <a:r>
-              <a:rPr lang="en-IN" dirty="0" smtClean="0"/>
-              <a:t>Access data from Oracle DB</a:t>
+              <a:t>JDBC</a:t>
             </a:r>
             <a:endParaRPr lang="en-IN" dirty="0"/>
           </a:p>
@@ -38973,413 +39591,75 @@
             <p:ph idx="1"/>
           </p:nvPr>
         </p:nvSpPr>
+        <p:spPr/>
+        <p:txBody>
+          <a:bodyPr anchor="t">
+            <a:normAutofit/>
+          </a:bodyPr>
+          <a:lstStyle/>
+          <a:p>
+            <a:r>
+              <a:rPr lang="en-US" sz="2800" dirty="0"/>
+              <a:t>Instead of executing a single query, we can execute a batch (group) of queries. It makes the performance fast.</a:t>
+            </a:r>
+          </a:p>
+          <a:p>
+            <a:r>
+              <a:rPr lang="en-US" sz="2800" dirty="0"/>
+              <a:t>The </a:t>
+            </a:r>
+            <a:r>
+              <a:rPr lang="en-US" sz="2800" dirty="0" err="1"/>
+              <a:t>java.sql.Statement</a:t>
+            </a:r>
+            <a:r>
+              <a:rPr lang="en-US" sz="2800" dirty="0"/>
+              <a:t> and </a:t>
+            </a:r>
+            <a:r>
+              <a:rPr lang="en-US" sz="2800" dirty="0" err="1"/>
+              <a:t>java.sql.PreparedStatement</a:t>
+            </a:r>
+            <a:r>
+              <a:rPr lang="en-US" sz="2800" dirty="0"/>
+              <a:t> interfaces provide methods for batch processing.</a:t>
+            </a:r>
+          </a:p>
+          <a:p>
+            <a:r>
+              <a:rPr lang="en-US" sz="2800" dirty="0"/>
+              <a:t>The required methods for batch processing are given below:</a:t>
+            </a:r>
+          </a:p>
+          <a:p>
+            <a:endParaRPr lang="en-IN" sz="2800" dirty="0"/>
+          </a:p>
+        </p:txBody>
+      </p:sp>
+      <p:pic>
+        <p:nvPicPr>
+          <p:cNvPr id="5" name="table"/>
+          <p:cNvPicPr>
+            <a:picLocks noChangeAspect="1"/>
+          </p:cNvPicPr>
+          <p:nvPr/>
+        </p:nvPicPr>
+        <p:blipFill>
+          <a:blip r:embed="rId3"/>
+          <a:stretch>
+            <a:fillRect/>
+          </a:stretch>
+        </p:blipFill>
         <p:spPr>
           <a:xfrm>
-            <a:off x="3454400" y="-9144"/>
-            <a:ext cx="8737600" cy="6867144"/>
+            <a:off x="3697513" y="4788580"/>
+            <a:ext cx="8234363" cy="1221318"/>
           </a:xfrm>
-          <a:solidFill>
-            <a:schemeClr val="bg1"/>
-          </a:solidFill>
+          <a:prstGeom prst="rect">
+            <a:avLst/>
+          </a:prstGeom>
         </p:spPr>
-        <p:txBody>
-          <a:bodyPr>
-            <a:normAutofit fontScale="92500" lnSpcReduction="10000"/>
-          </a:bodyPr>
-          <a:lstStyle/>
-          <a:p>
-            <a:pPr marL="0" indent="0">
-              <a:buNone/>
-            </a:pPr>
-            <a:r>
-              <a:rPr lang="en-IN" b="1" dirty="0"/>
-              <a:t>import</a:t>
-            </a:r>
-            <a:r>
-              <a:rPr lang="en-IN" dirty="0"/>
-              <a:t> </a:t>
-            </a:r>
-            <a:r>
-              <a:rPr lang="en-IN" dirty="0" err="1"/>
-              <a:t>java.sql</a:t>
-            </a:r>
-            <a:r>
-              <a:rPr lang="en-IN" dirty="0"/>
-              <a:t>.*;  </a:t>
-            </a:r>
-          </a:p>
-          <a:p>
-            <a:pPr marL="0" indent="0">
-              <a:buNone/>
-            </a:pPr>
-            <a:r>
-              <a:rPr lang="en-IN" b="1" dirty="0" smtClean="0"/>
-              <a:t>public class</a:t>
-            </a:r>
-            <a:r>
-              <a:rPr lang="en-IN" dirty="0"/>
-              <a:t> </a:t>
-            </a:r>
-            <a:r>
-              <a:rPr lang="en-IN" dirty="0" err="1" smtClean="0"/>
-              <a:t>OracleDBExample</a:t>
-            </a:r>
-            <a:r>
-              <a:rPr lang="en-IN" dirty="0" smtClean="0"/>
-              <a:t> {</a:t>
-            </a:r>
-            <a:r>
-              <a:rPr lang="en-IN" dirty="0"/>
-              <a:t>  </a:t>
-            </a:r>
-          </a:p>
-          <a:p>
-            <a:pPr marL="0" indent="0">
-              <a:buNone/>
-            </a:pPr>
-            <a:r>
-              <a:rPr lang="en-IN" b="1" dirty="0"/>
-              <a:t>public</a:t>
-            </a:r>
-            <a:r>
-              <a:rPr lang="en-IN" dirty="0"/>
-              <a:t> </a:t>
-            </a:r>
-            <a:r>
-              <a:rPr lang="en-IN" b="1" dirty="0"/>
-              <a:t>static</a:t>
-            </a:r>
-            <a:r>
-              <a:rPr lang="en-IN" dirty="0"/>
-              <a:t> </a:t>
-            </a:r>
-            <a:r>
-              <a:rPr lang="en-IN" b="1" dirty="0"/>
-              <a:t>void</a:t>
-            </a:r>
-            <a:r>
-              <a:rPr lang="en-IN" dirty="0"/>
-              <a:t> main(String </a:t>
-            </a:r>
-            <a:r>
-              <a:rPr lang="en-IN" dirty="0" err="1"/>
-              <a:t>args</a:t>
-            </a:r>
-            <a:r>
-              <a:rPr lang="en-IN" dirty="0"/>
-              <a:t>[]){  </a:t>
-            </a:r>
-          </a:p>
-          <a:p>
-            <a:pPr marL="0" indent="0">
-              <a:buNone/>
-            </a:pPr>
-            <a:r>
-              <a:rPr lang="en-IN" b="1" dirty="0"/>
-              <a:t>try</a:t>
-            </a:r>
-            <a:r>
-              <a:rPr lang="en-IN" dirty="0"/>
-              <a:t>{  </a:t>
-            </a:r>
-          </a:p>
-          <a:p>
-            <a:pPr marL="0" indent="0">
-              <a:buNone/>
-            </a:pPr>
-            <a:r>
-              <a:rPr lang="en-IN" dirty="0" err="1"/>
-              <a:t>Class.forName</a:t>
-            </a:r>
-            <a:r>
-              <a:rPr lang="en-IN" dirty="0"/>
-              <a:t>("</a:t>
-            </a:r>
-            <a:r>
-              <a:rPr lang="en-IN" dirty="0" err="1"/>
-              <a:t>oracle.jdbc.driver.OracleDriver</a:t>
-            </a:r>
-            <a:r>
-              <a:rPr lang="en-IN" dirty="0"/>
-              <a:t>");  </a:t>
-            </a:r>
-          </a:p>
-          <a:p>
-            <a:pPr marL="0" indent="0">
-              <a:buNone/>
-            </a:pPr>
-            <a:r>
-              <a:rPr lang="en-IN" dirty="0"/>
-              <a:t>Connection con=</a:t>
-            </a:r>
-            <a:r>
-              <a:rPr lang="en-IN" dirty="0" err="1"/>
-              <a:t>DriverManager.getConnection</a:t>
-            </a:r>
-            <a:r>
-              <a:rPr lang="en-IN" dirty="0"/>
-              <a:t>(  </a:t>
-            </a:r>
-          </a:p>
-          <a:p>
-            <a:pPr marL="0" indent="0">
-              <a:buNone/>
-            </a:pPr>
-            <a:r>
-              <a:rPr lang="en-IN" dirty="0"/>
-              <a:t>"</a:t>
-            </a:r>
-            <a:r>
-              <a:rPr lang="en-IN" dirty="0" err="1"/>
-              <a:t>jdbc:oracle:thin</a:t>
-            </a:r>
-            <a:r>
-              <a:rPr lang="en-IN" dirty="0"/>
-              <a:t>:@localhost:1521:xe","system","oracle");  </a:t>
-            </a:r>
-          </a:p>
-          <a:p>
-            <a:pPr marL="0" indent="0">
-              <a:buNone/>
-            </a:pPr>
-            <a:r>
-              <a:rPr lang="en-IN" dirty="0" err="1"/>
-              <a:t>PreparedStatement</a:t>
-            </a:r>
-            <a:r>
-              <a:rPr lang="en-IN" dirty="0"/>
-              <a:t> </a:t>
-            </a:r>
-            <a:r>
-              <a:rPr lang="en-IN" dirty="0" err="1"/>
-              <a:t>ps</a:t>
-            </a:r>
-            <a:r>
-              <a:rPr lang="en-IN" dirty="0"/>
-              <a:t>=</a:t>
-            </a:r>
-            <a:r>
-              <a:rPr lang="en-IN" dirty="0" err="1"/>
-              <a:t>con.prepareStatement</a:t>
-            </a:r>
-            <a:r>
-              <a:rPr lang="en-IN" dirty="0"/>
-              <a:t>("select * from </a:t>
-            </a:r>
-            <a:r>
-              <a:rPr lang="en-IN" dirty="0" err="1"/>
-              <a:t>emp</a:t>
-            </a:r>
-            <a:r>
-              <a:rPr lang="en-IN" dirty="0"/>
-              <a:t>");  </a:t>
-            </a:r>
-          </a:p>
-          <a:p>
-            <a:pPr marL="0" indent="0">
-              <a:buNone/>
-            </a:pPr>
-            <a:r>
-              <a:rPr lang="en-IN" dirty="0" err="1"/>
-              <a:t>ResultSet</a:t>
-            </a:r>
-            <a:r>
-              <a:rPr lang="en-IN" dirty="0"/>
-              <a:t> </a:t>
-            </a:r>
-            <a:r>
-              <a:rPr lang="en-IN" dirty="0" err="1"/>
-              <a:t>rs</a:t>
-            </a:r>
-            <a:r>
-              <a:rPr lang="en-IN" dirty="0"/>
-              <a:t>=</a:t>
-            </a:r>
-            <a:r>
-              <a:rPr lang="en-IN" dirty="0" err="1"/>
-              <a:t>ps.executeQuery</a:t>
-            </a:r>
-            <a:r>
-              <a:rPr lang="en-IN" dirty="0"/>
-              <a:t>();  </a:t>
-            </a:r>
-          </a:p>
-          <a:p>
-            <a:pPr marL="0" indent="0">
-              <a:buNone/>
-            </a:pPr>
-            <a:r>
-              <a:rPr lang="en-IN" dirty="0" err="1"/>
-              <a:t>ResultSetMetaData</a:t>
-            </a:r>
-            <a:r>
-              <a:rPr lang="en-IN" dirty="0"/>
-              <a:t> </a:t>
-            </a:r>
-            <a:r>
-              <a:rPr lang="en-IN" dirty="0" err="1"/>
-              <a:t>rsmd</a:t>
-            </a:r>
-            <a:r>
-              <a:rPr lang="en-IN" dirty="0"/>
-              <a:t>=</a:t>
-            </a:r>
-            <a:r>
-              <a:rPr lang="en-IN" dirty="0" err="1"/>
-              <a:t>rs.getMetaData</a:t>
-            </a:r>
-            <a:r>
-              <a:rPr lang="en-IN" dirty="0"/>
-              <a:t>();  </a:t>
-            </a:r>
-          </a:p>
-          <a:p>
-            <a:pPr marL="0" indent="0">
-              <a:buNone/>
-            </a:pPr>
-            <a:r>
-              <a:rPr lang="en-IN" dirty="0" err="1" smtClean="0"/>
-              <a:t>System.out.println</a:t>
-            </a:r>
-            <a:r>
-              <a:rPr lang="en-IN" dirty="0"/>
-              <a:t>("Total columns: "+</a:t>
-            </a:r>
-            <a:r>
-              <a:rPr lang="en-IN" dirty="0" err="1"/>
-              <a:t>rsmd.getColumnCount</a:t>
-            </a:r>
-            <a:r>
-              <a:rPr lang="en-IN" dirty="0"/>
-              <a:t>());  </a:t>
-            </a:r>
-            <a:endParaRPr lang="en-IN" dirty="0" smtClean="0"/>
-          </a:p>
-          <a:p>
-            <a:pPr marL="0" indent="0">
-              <a:buNone/>
-            </a:pPr>
-            <a:r>
-              <a:rPr lang="en-IN" dirty="0" err="1" smtClean="0"/>
-              <a:t>System.out.println</a:t>
-            </a:r>
-            <a:r>
-              <a:rPr lang="en-IN" dirty="0"/>
-              <a:t>("Column Name of 1st column: "+</a:t>
-            </a:r>
-            <a:r>
-              <a:rPr lang="en-IN" dirty="0" err="1"/>
-              <a:t>rsmd.getColumnName</a:t>
-            </a:r>
-            <a:r>
-              <a:rPr lang="en-IN" dirty="0"/>
-              <a:t>(1));  </a:t>
-            </a:r>
-            <a:endParaRPr lang="en-IN" dirty="0" smtClean="0"/>
-          </a:p>
-          <a:p>
-            <a:pPr marL="0" indent="0">
-              <a:buNone/>
-            </a:pPr>
-            <a:r>
-              <a:rPr lang="en-IN" dirty="0" err="1" smtClean="0"/>
-              <a:t>System.out.println</a:t>
-            </a:r>
-            <a:r>
-              <a:rPr lang="en-IN" dirty="0" smtClean="0"/>
-              <a:t>("Column</a:t>
-            </a:r>
-            <a:r>
-              <a:rPr lang="en-IN" dirty="0"/>
-              <a:t> </a:t>
-            </a:r>
-            <a:r>
-              <a:rPr lang="en-IN" dirty="0" smtClean="0"/>
-              <a:t>Type</a:t>
-            </a:r>
-            <a:r>
-              <a:rPr lang="en-IN" dirty="0"/>
-              <a:t> of 1st column: "+</a:t>
-            </a:r>
-            <a:r>
-              <a:rPr lang="en-IN" dirty="0" err="1"/>
-              <a:t>rsmd.getColumnTypeName</a:t>
-            </a:r>
-            <a:r>
-              <a:rPr lang="en-IN" dirty="0"/>
-              <a:t>(1));  </a:t>
-            </a:r>
-            <a:endParaRPr lang="en-IN" dirty="0" smtClean="0"/>
-          </a:p>
-          <a:p>
-            <a:pPr marL="0" indent="0">
-              <a:buNone/>
-            </a:pPr>
-            <a:r>
-              <a:rPr lang="en-IN" dirty="0" err="1" smtClean="0"/>
-              <a:t>con.close</a:t>
-            </a:r>
-            <a:r>
-              <a:rPr lang="en-IN" dirty="0"/>
-              <a:t>();  </a:t>
-            </a:r>
-            <a:endParaRPr lang="en-IN" dirty="0" smtClean="0"/>
-          </a:p>
-          <a:p>
-            <a:pPr marL="0" indent="0">
-              <a:buNone/>
-            </a:pPr>
-            <a:r>
-              <a:rPr lang="en-IN" dirty="0" smtClean="0"/>
-              <a:t>}</a:t>
-            </a:r>
-            <a:r>
-              <a:rPr lang="en-IN" b="1" dirty="0"/>
-              <a:t>catch</a:t>
-            </a:r>
-            <a:r>
-              <a:rPr lang="en-IN" dirty="0"/>
-              <a:t>(Exception e){ </a:t>
-            </a:r>
-            <a:r>
-              <a:rPr lang="en-IN" dirty="0" err="1"/>
-              <a:t>System.out.println</a:t>
-            </a:r>
-            <a:r>
-              <a:rPr lang="en-IN" dirty="0"/>
-              <a:t>(e);}  </a:t>
-            </a:r>
-            <a:endParaRPr lang="en-IN" dirty="0" smtClean="0"/>
-          </a:p>
-          <a:p>
-            <a:pPr marL="0" indent="0">
-              <a:buNone/>
-            </a:pPr>
-            <a:r>
-              <a:rPr lang="en-IN" dirty="0" smtClean="0"/>
-              <a:t>}</a:t>
-            </a:r>
-            <a:r>
-              <a:rPr lang="en-IN" dirty="0"/>
-              <a:t>  </a:t>
-            </a:r>
-            <a:endParaRPr lang="en-IN" dirty="0" smtClean="0"/>
-          </a:p>
-          <a:p>
-            <a:pPr marL="0" indent="0">
-              <a:buNone/>
-            </a:pPr>
-            <a:r>
-              <a:rPr lang="en-IN" dirty="0" smtClean="0"/>
-              <a:t>}</a:t>
-            </a:r>
-            <a:r>
-              <a:rPr lang="en-IN" dirty="0"/>
-              <a:t>  </a:t>
-            </a:r>
-          </a:p>
-        </p:txBody>
-      </p:sp>
+      </p:pic>
       <p:sp>
         <p:nvSpPr>
           <p:cNvPr id="4" name="Slide Number Placeholder 3"/>
@@ -39410,7 +39690,7 @@
     </p:custDataLst>
     <p:extLst>
       <p:ext uri="{BB962C8B-B14F-4D97-AF65-F5344CB8AC3E}">
-        <p14:creationId xmlns:p14="http://schemas.microsoft.com/office/powerpoint/2010/main" val="1391620223"/>
+        <p14:creationId xmlns:p14="http://schemas.microsoft.com/office/powerpoint/2010/main" val="362125077"/>
       </p:ext>
     </p:extLst>
   </p:cSld>
@@ -39460,16 +39740,20 @@
           <a:lstStyle/>
           <a:p>
             <a:r>
-              <a:rPr lang="en-IN" dirty="0"/>
-              <a:t>Example </a:t>
-            </a:r>
-            <a:r>
-              <a:rPr lang="en-IN" dirty="0" smtClean="0"/>
-              <a:t>11: </a:t>
+              <a:rPr lang="en-US" dirty="0"/>
+              <a:t>Example of batch </a:t>
             </a:r>
             <a:r>
               <a:rPr lang="en-US" dirty="0" smtClean="0"/>
-              <a:t>Output</a:t>
+              <a:t>processing </a:t>
+            </a:r>
+            <a:r>
+              <a:rPr lang="en-US" dirty="0"/>
+              <a:t>in </a:t>
+            </a:r>
+            <a:r>
+              <a:rPr lang="en-US" dirty="0" smtClean="0"/>
+              <a:t>JDBC</a:t>
             </a:r>
             <a:endParaRPr lang="en-IN" dirty="0"/>
           </a:p>
@@ -39477,7 +39761,7 @@
       </p:sp>
       <p:sp>
         <p:nvSpPr>
-          <p:cNvPr id="3" name="Content Placeholder 2"/>
+          <p:cNvPr id="5" name="Content Placeholder 4"/>
           <p:cNvSpPr>
             <a:spLocks noGrp="1"/>
           </p:cNvSpPr>
@@ -39492,41 +39776,81 @@
           </a:bodyPr>
           <a:lstStyle/>
           <a:p>
-            <a:pPr marL="0" indent="0">
-              <a:buNone/>
-            </a:pPr>
+            <a:r>
+              <a:rPr lang="en-US" sz="2800" dirty="0" smtClean="0"/>
+              <a:t>Simple examples </a:t>
+            </a:r>
             <a:r>
               <a:rPr lang="en-US" sz="2800" dirty="0"/>
-              <a:t>Total columns: 2</a:t>
-            </a:r>
-          </a:p>
-          <a:p>
-            <a:pPr marL="0" indent="0">
-              <a:buNone/>
-            </a:pPr>
+              <a:t>of batch </a:t>
+            </a:r>
+            <a:r>
+              <a:rPr lang="en-US" sz="2800" dirty="0" smtClean="0"/>
+              <a:t>processing: </a:t>
+            </a:r>
+          </a:p>
+          <a:p>
+            <a:r>
+              <a:rPr lang="en-US" sz="2800" dirty="0" smtClean="0"/>
+              <a:t>It </a:t>
+            </a:r>
             <a:r>
               <a:rPr lang="en-US" sz="2800" dirty="0"/>
-              <a:t>Column Name of 1st column: ID</a:t>
-            </a:r>
-          </a:p>
-          <a:p>
-            <a:pPr marL="0" indent="0">
-              <a:buNone/>
-            </a:pPr>
-            <a:r>
-              <a:rPr lang="en-US" sz="2800" dirty="0"/>
-              <a:t>Column Type Name of 1st column: NUMBER</a:t>
-            </a:r>
-            <a:endParaRPr lang="en-IN" sz="2800" dirty="0"/>
-          </a:p>
-          <a:p>
-            <a:endParaRPr lang="en-IN" sz="2800" dirty="0"/>
+              <a:t>follows following steps:</a:t>
+            </a:r>
+          </a:p>
+          <a:p>
+            <a:pPr lvl="1"/>
+            <a:r>
+              <a:rPr lang="en-US" sz="2400" dirty="0"/>
+              <a:t>Load the driver class</a:t>
+            </a:r>
+          </a:p>
+          <a:p>
+            <a:pPr lvl="1"/>
+            <a:r>
+              <a:rPr lang="en-US" sz="2400" dirty="0"/>
+              <a:t>Create Connection</a:t>
+            </a:r>
+          </a:p>
+          <a:p>
+            <a:pPr lvl="1"/>
+            <a:r>
+              <a:rPr lang="en-US" sz="2400" dirty="0"/>
+              <a:t>Create Statement</a:t>
+            </a:r>
+          </a:p>
+          <a:p>
+            <a:pPr lvl="1"/>
+            <a:r>
+              <a:rPr lang="en-US" sz="2400" dirty="0"/>
+              <a:t>Add query in the batch</a:t>
+            </a:r>
+          </a:p>
+          <a:p>
+            <a:pPr lvl="1"/>
+            <a:r>
+              <a:rPr lang="en-US" sz="2400" dirty="0"/>
+              <a:t>Execute Batch</a:t>
+            </a:r>
+          </a:p>
+          <a:p>
+            <a:pPr lvl="1"/>
+            <a:r>
+              <a:rPr lang="en-US" sz="2400" dirty="0"/>
+              <a:t>Close </a:t>
+            </a:r>
+            <a:r>
+              <a:rPr lang="en-US" sz="2400" dirty="0" smtClean="0"/>
+              <a:t>Connection</a:t>
+            </a:r>
+            <a:endParaRPr lang="en-US" sz="2400" dirty="0"/>
           </a:p>
         </p:txBody>
       </p:sp>
       <p:sp>
         <p:nvSpPr>
-          <p:cNvPr id="4" name="Slide Number Placeholder 3"/>
+          <p:cNvPr id="3" name="Slide Number Placeholder 2"/>
           <p:cNvSpPr>
             <a:spLocks noGrp="1"/>
           </p:cNvSpPr>
@@ -39554,7 +39878,7 @@
     </p:custDataLst>
     <p:extLst>
       <p:ext uri="{BB962C8B-B14F-4D97-AF65-F5344CB8AC3E}">
-        <p14:creationId xmlns:p14="http://schemas.microsoft.com/office/powerpoint/2010/main" val="205399789"/>
+        <p14:creationId xmlns:p14="http://schemas.microsoft.com/office/powerpoint/2010/main" val="711866493"/>
       </p:ext>
     </p:extLst>
   </p:cSld>
@@ -39610,11 +39934,15 @@
           <a:p>
             <a:r>
               <a:rPr lang="en-US" dirty="0"/>
-              <a:t>Example 9</a:t>
+              <a:t>Example </a:t>
             </a:r>
             <a:r>
               <a:rPr lang="en-US" dirty="0" smtClean="0"/>
-              <a:t>:</a:t>
+              <a:t>10:</a:t>
+            </a:r>
+            <a:r>
+              <a:rPr lang="en-US" dirty="0" smtClean="0"/>
+              <a:t/>
             </a:r>
             <a:br>
               <a:rPr lang="en-US" dirty="0" smtClean="0"/>
@@ -41010,7 +41338,7 @@
   <a:extraClrSchemeLst/>
   <a:extLst>
     <a:ext uri="{05A4C25C-085E-4340-85A3-A5531E510DB2}">
-      <thm15:themeFamily xmlns="" xmlns:thm15="http://schemas.microsoft.com/office/thememl/2012/main" name="Frame" id="{F226E7A2-7162-461C-9490-D27D9DC04E43}" vid="{629A0216-3BBD-45C0-B63F-2683BEA18F60}"/>
+      <thm15:themeFamily xmlns:thm15="http://schemas.microsoft.com/office/thememl/2012/main" xmlns="" name="Frame" id="{F226E7A2-7162-461C-9490-D27D9DC04E43}" vid="{629A0216-3BBD-45C0-B63F-2683BEA18F60}"/>
     </a:ext>
   </a:extLst>
 </a:theme>
@@ -41271,7 +41599,7 @@
   <a:extraClrSchemeLst/>
   <a:extLst>
     <a:ext uri="{05A4C25C-085E-4340-85A3-A5531E510DB2}">
-      <thm15:themeFamily xmlns="" xmlns:thm15="http://schemas.microsoft.com/office/thememl/2012/main" name="Office Theme" id="{62F939B6-93AF-4DB8-9C6B-D6C7DFDC589F}" vid="{4A3C46E8-61CC-4603-A589-7422A47A8E4A}"/>
+      <thm15:themeFamily xmlns:thm15="http://schemas.microsoft.com/office/thememl/2012/main" xmlns="" name="Office Theme" id="{62F939B6-93AF-4DB8-9C6B-D6C7DFDC589F}" vid="{4A3C46E8-61CC-4603-A589-7422A47A8E4A}"/>
     </a:ext>
   </a:extLst>
 </a:theme>
@@ -41532,7 +41860,7 @@
   <a:extraClrSchemeLst/>
   <a:extLst>
     <a:ext uri="{05A4C25C-085E-4340-85A3-A5531E510DB2}">
-      <thm15:themeFamily xmlns="" xmlns:thm15="http://schemas.microsoft.com/office/thememl/2012/main" name="Office Theme" id="{62F939B6-93AF-4DB8-9C6B-D6C7DFDC589F}" vid="{4A3C46E8-61CC-4603-A589-7422A47A8E4A}"/>
+      <thm15:themeFamily xmlns:thm15="http://schemas.microsoft.com/office/thememl/2012/main" xmlns="" name="Office Theme" id="{62F939B6-93AF-4DB8-9C6B-D6C7DFDC589F}" vid="{4A3C46E8-61CC-4603-A589-7422A47A8E4A}"/>
     </a:ext>
   </a:extLst>
 </a:theme>
